--- a/materials/毕业设计答辩.pptx
+++ b/materials/毕业设计答辩.pptx
@@ -5,7 +5,7 @@
     <p:sldMasterId id="2147483660" r:id="rId1"/>
   </p:sldMasterIdLst>
   <p:notesMasterIdLst>
-    <p:notesMasterId r:id="rId31"/>
+    <p:notesMasterId r:id="rId37"/>
   </p:notesMasterIdLst>
   <p:sldIdLst>
     <p:sldId id="278" r:id="rId2"/>
@@ -33,10 +33,16 @@
     <p:sldId id="346" r:id="rId24"/>
     <p:sldId id="347" r:id="rId25"/>
     <p:sldId id="348" r:id="rId26"/>
-    <p:sldId id="349" r:id="rId27"/>
-    <p:sldId id="350" r:id="rId28"/>
-    <p:sldId id="341" r:id="rId29"/>
-    <p:sldId id="297" r:id="rId30"/>
+    <p:sldId id="351" r:id="rId27"/>
+    <p:sldId id="352" r:id="rId28"/>
+    <p:sldId id="349" r:id="rId29"/>
+    <p:sldId id="353" r:id="rId30"/>
+    <p:sldId id="350" r:id="rId31"/>
+    <p:sldId id="354" r:id="rId32"/>
+    <p:sldId id="355" r:id="rId33"/>
+    <p:sldId id="341" r:id="rId34"/>
+    <p:sldId id="356" r:id="rId35"/>
+    <p:sldId id="297" r:id="rId36"/>
   </p:sldIdLst>
   <p:sldSz cx="12192000" cy="6858000"/>
   <p:notesSz cx="6858000" cy="9144000"/>
@@ -236,7 +242,7 @@
           <a:p>
             <a:fld id="{F75178F4-C18B-48EC-9055-35D023B30368}" type="datetimeFigureOut">
               <a:rPr lang="zh-CN" altLang="en-US" smtClean="0"/>
-              <a:t>2019/5/18</a:t>
+              <a:t>2019/5/19</a:t>
             </a:fld>
             <a:endParaRPr lang="zh-CN" altLang="en-US"/>
           </a:p>
@@ -2195,7 +2201,7 @@
     </p:spTree>
     <p:extLst>
       <p:ext uri="{BB962C8B-B14F-4D97-AF65-F5344CB8AC3E}">
-        <p14:creationId xmlns:p14="http://schemas.microsoft.com/office/powerpoint/2010/main" val="1170235283"/>
+        <p14:creationId xmlns:p14="http://schemas.microsoft.com/office/powerpoint/2010/main" val="1437332843"/>
       </p:ext>
     </p:extLst>
   </p:cSld>
@@ -2284,7 +2290,7 @@
     </p:spTree>
     <p:extLst>
       <p:ext uri="{BB962C8B-B14F-4D97-AF65-F5344CB8AC3E}">
-        <p14:creationId xmlns:p14="http://schemas.microsoft.com/office/powerpoint/2010/main" val="3113367039"/>
+        <p14:creationId xmlns:p14="http://schemas.microsoft.com/office/powerpoint/2010/main" val="1813618886"/>
       </p:ext>
     </p:extLst>
   </p:cSld>
@@ -2373,7 +2379,7 @@
     </p:spTree>
     <p:extLst>
       <p:ext uri="{BB962C8B-B14F-4D97-AF65-F5344CB8AC3E}">
-        <p14:creationId xmlns:p14="http://schemas.microsoft.com/office/powerpoint/2010/main" val="3340204156"/>
+        <p14:creationId xmlns:p14="http://schemas.microsoft.com/office/powerpoint/2010/main" val="1170235283"/>
       </p:ext>
     </p:extLst>
   </p:cSld>
@@ -2462,7 +2468,7 @@
     </p:spTree>
     <p:extLst>
       <p:ext uri="{BB962C8B-B14F-4D97-AF65-F5344CB8AC3E}">
-        <p14:creationId xmlns:p14="http://schemas.microsoft.com/office/powerpoint/2010/main" val="362470881"/>
+        <p14:creationId xmlns:p14="http://schemas.microsoft.com/office/powerpoint/2010/main" val="3233459790"/>
       </p:ext>
     </p:extLst>
   </p:cSld>
@@ -2552,6 +2558,540 @@
     <p:extLst>
       <p:ext uri="{BB962C8B-B14F-4D97-AF65-F5344CB8AC3E}">
         <p14:creationId xmlns:p14="http://schemas.microsoft.com/office/powerpoint/2010/main" val="2004029047"/>
+      </p:ext>
+    </p:extLst>
+  </p:cSld>
+  <p:clrMapOvr>
+    <a:masterClrMapping/>
+  </p:clrMapOvr>
+</p:notes>
+</file>
+
+<file path=ppt/notesSlides/notesSlide30.xml><?xml version="1.0" encoding="utf-8"?>
+<p:notes xmlns:a="http://schemas.openxmlformats.org/drawingml/2006/main" xmlns:r="http://schemas.openxmlformats.org/officeDocument/2006/relationships" xmlns:p="http://schemas.openxmlformats.org/presentationml/2006/main">
+  <p:cSld>
+    <p:spTree>
+      <p:nvGrpSpPr>
+        <p:cNvPr id="1" name=""/>
+        <p:cNvGrpSpPr/>
+        <p:nvPr/>
+      </p:nvGrpSpPr>
+      <p:grpSpPr>
+        <a:xfrm>
+          <a:off x="0" y="0"/>
+          <a:ext cx="0" cy="0"/>
+          <a:chOff x="0" y="0"/>
+          <a:chExt cx="0" cy="0"/>
+        </a:xfrm>
+      </p:grpSpPr>
+      <p:sp>
+        <p:nvSpPr>
+          <p:cNvPr id="2" name="幻灯片图像占位符 1"/>
+          <p:cNvSpPr>
+            <a:spLocks noGrp="1" noRot="1" noChangeAspect="1"/>
+          </p:cNvSpPr>
+          <p:nvPr>
+            <p:ph type="sldImg"/>
+          </p:nvPr>
+        </p:nvSpPr>
+        <p:spPr>
+          <a:xfrm>
+            <a:off x="685800" y="1143000"/>
+            <a:ext cx="5486400" cy="3086100"/>
+          </a:xfrm>
+        </p:spPr>
+      </p:sp>
+      <p:sp>
+        <p:nvSpPr>
+          <p:cNvPr id="3" name="备注占位符 2"/>
+          <p:cNvSpPr>
+            <a:spLocks noGrp="1"/>
+          </p:cNvSpPr>
+          <p:nvPr>
+            <p:ph type="body" idx="1"/>
+          </p:nvPr>
+        </p:nvSpPr>
+        <p:spPr/>
+        <p:txBody>
+          <a:bodyPr/>
+          <a:lstStyle/>
+          <a:p>
+            <a:endParaRPr lang="zh-CN" altLang="en-US" dirty="0"/>
+          </a:p>
+        </p:txBody>
+      </p:sp>
+      <p:sp>
+        <p:nvSpPr>
+          <p:cNvPr id="4" name="灯片编号占位符 3"/>
+          <p:cNvSpPr>
+            <a:spLocks noGrp="1"/>
+          </p:cNvSpPr>
+          <p:nvPr>
+            <p:ph type="sldNum" sz="quarter" idx="10"/>
+          </p:nvPr>
+        </p:nvSpPr>
+        <p:spPr/>
+        <p:txBody>
+          <a:bodyPr/>
+          <a:lstStyle/>
+          <a:p>
+            <a:fld id="{2E16E15A-D7A9-4169-A7C2-BCB1B8BA29D0}" type="slidenum">
+              <a:rPr lang="zh-CN" altLang="en-US" smtClean="0"/>
+              <a:t>30</a:t>
+            </a:fld>
+            <a:endParaRPr lang="zh-CN" altLang="en-US"/>
+          </a:p>
+        </p:txBody>
+      </p:sp>
+    </p:spTree>
+    <p:extLst>
+      <p:ext uri="{BB962C8B-B14F-4D97-AF65-F5344CB8AC3E}">
+        <p14:creationId xmlns:p14="http://schemas.microsoft.com/office/powerpoint/2010/main" val="3113367039"/>
+      </p:ext>
+    </p:extLst>
+  </p:cSld>
+  <p:clrMapOvr>
+    <a:masterClrMapping/>
+  </p:clrMapOvr>
+</p:notes>
+</file>
+
+<file path=ppt/notesSlides/notesSlide31.xml><?xml version="1.0" encoding="utf-8"?>
+<p:notes xmlns:a="http://schemas.openxmlformats.org/drawingml/2006/main" xmlns:r="http://schemas.openxmlformats.org/officeDocument/2006/relationships" xmlns:p="http://schemas.openxmlformats.org/presentationml/2006/main">
+  <p:cSld>
+    <p:spTree>
+      <p:nvGrpSpPr>
+        <p:cNvPr id="1" name=""/>
+        <p:cNvGrpSpPr/>
+        <p:nvPr/>
+      </p:nvGrpSpPr>
+      <p:grpSpPr>
+        <a:xfrm>
+          <a:off x="0" y="0"/>
+          <a:ext cx="0" cy="0"/>
+          <a:chOff x="0" y="0"/>
+          <a:chExt cx="0" cy="0"/>
+        </a:xfrm>
+      </p:grpSpPr>
+      <p:sp>
+        <p:nvSpPr>
+          <p:cNvPr id="2" name="幻灯片图像占位符 1"/>
+          <p:cNvSpPr>
+            <a:spLocks noGrp="1" noRot="1" noChangeAspect="1"/>
+          </p:cNvSpPr>
+          <p:nvPr>
+            <p:ph type="sldImg"/>
+          </p:nvPr>
+        </p:nvSpPr>
+        <p:spPr>
+          <a:xfrm>
+            <a:off x="685800" y="1143000"/>
+            <a:ext cx="5486400" cy="3086100"/>
+          </a:xfrm>
+        </p:spPr>
+      </p:sp>
+      <p:sp>
+        <p:nvSpPr>
+          <p:cNvPr id="3" name="备注占位符 2"/>
+          <p:cNvSpPr>
+            <a:spLocks noGrp="1"/>
+          </p:cNvSpPr>
+          <p:nvPr>
+            <p:ph type="body" idx="1"/>
+          </p:nvPr>
+        </p:nvSpPr>
+        <p:spPr/>
+        <p:txBody>
+          <a:bodyPr/>
+          <a:lstStyle/>
+          <a:p>
+            <a:endParaRPr lang="zh-CN" altLang="en-US" dirty="0"/>
+          </a:p>
+        </p:txBody>
+      </p:sp>
+      <p:sp>
+        <p:nvSpPr>
+          <p:cNvPr id="4" name="灯片编号占位符 3"/>
+          <p:cNvSpPr>
+            <a:spLocks noGrp="1"/>
+          </p:cNvSpPr>
+          <p:nvPr>
+            <p:ph type="sldNum" sz="quarter" idx="10"/>
+          </p:nvPr>
+        </p:nvSpPr>
+        <p:spPr/>
+        <p:txBody>
+          <a:bodyPr/>
+          <a:lstStyle/>
+          <a:p>
+            <a:fld id="{2E16E15A-D7A9-4169-A7C2-BCB1B8BA29D0}" type="slidenum">
+              <a:rPr lang="zh-CN" altLang="en-US" smtClean="0"/>
+              <a:t>31</a:t>
+            </a:fld>
+            <a:endParaRPr lang="zh-CN" altLang="en-US"/>
+          </a:p>
+        </p:txBody>
+      </p:sp>
+    </p:spTree>
+    <p:extLst>
+      <p:ext uri="{BB962C8B-B14F-4D97-AF65-F5344CB8AC3E}">
+        <p14:creationId xmlns:p14="http://schemas.microsoft.com/office/powerpoint/2010/main" val="3542634210"/>
+      </p:ext>
+    </p:extLst>
+  </p:cSld>
+  <p:clrMapOvr>
+    <a:masterClrMapping/>
+  </p:clrMapOvr>
+</p:notes>
+</file>
+
+<file path=ppt/notesSlides/notesSlide32.xml><?xml version="1.0" encoding="utf-8"?>
+<p:notes xmlns:a="http://schemas.openxmlformats.org/drawingml/2006/main" xmlns:r="http://schemas.openxmlformats.org/officeDocument/2006/relationships" xmlns:p="http://schemas.openxmlformats.org/presentationml/2006/main">
+  <p:cSld>
+    <p:spTree>
+      <p:nvGrpSpPr>
+        <p:cNvPr id="1" name=""/>
+        <p:cNvGrpSpPr/>
+        <p:nvPr/>
+      </p:nvGrpSpPr>
+      <p:grpSpPr>
+        <a:xfrm>
+          <a:off x="0" y="0"/>
+          <a:ext cx="0" cy="0"/>
+          <a:chOff x="0" y="0"/>
+          <a:chExt cx="0" cy="0"/>
+        </a:xfrm>
+      </p:grpSpPr>
+      <p:sp>
+        <p:nvSpPr>
+          <p:cNvPr id="2" name="幻灯片图像占位符 1"/>
+          <p:cNvSpPr>
+            <a:spLocks noGrp="1" noRot="1" noChangeAspect="1"/>
+          </p:cNvSpPr>
+          <p:nvPr>
+            <p:ph type="sldImg"/>
+          </p:nvPr>
+        </p:nvSpPr>
+        <p:spPr>
+          <a:xfrm>
+            <a:off x="685800" y="1143000"/>
+            <a:ext cx="5486400" cy="3086100"/>
+          </a:xfrm>
+        </p:spPr>
+      </p:sp>
+      <p:sp>
+        <p:nvSpPr>
+          <p:cNvPr id="3" name="备注占位符 2"/>
+          <p:cNvSpPr>
+            <a:spLocks noGrp="1"/>
+          </p:cNvSpPr>
+          <p:nvPr>
+            <p:ph type="body" idx="1"/>
+          </p:nvPr>
+        </p:nvSpPr>
+        <p:spPr/>
+        <p:txBody>
+          <a:bodyPr/>
+          <a:lstStyle/>
+          <a:p>
+            <a:endParaRPr lang="zh-CN" altLang="en-US" dirty="0"/>
+          </a:p>
+        </p:txBody>
+      </p:sp>
+      <p:sp>
+        <p:nvSpPr>
+          <p:cNvPr id="4" name="灯片编号占位符 3"/>
+          <p:cNvSpPr>
+            <a:spLocks noGrp="1"/>
+          </p:cNvSpPr>
+          <p:nvPr>
+            <p:ph type="sldNum" sz="quarter" idx="10"/>
+          </p:nvPr>
+        </p:nvSpPr>
+        <p:spPr/>
+        <p:txBody>
+          <a:bodyPr/>
+          <a:lstStyle/>
+          <a:p>
+            <a:fld id="{2E16E15A-D7A9-4169-A7C2-BCB1B8BA29D0}" type="slidenum">
+              <a:rPr lang="zh-CN" altLang="en-US" smtClean="0"/>
+              <a:t>32</a:t>
+            </a:fld>
+            <a:endParaRPr lang="zh-CN" altLang="en-US"/>
+          </a:p>
+        </p:txBody>
+      </p:sp>
+    </p:spTree>
+    <p:extLst>
+      <p:ext uri="{BB962C8B-B14F-4D97-AF65-F5344CB8AC3E}">
+        <p14:creationId xmlns:p14="http://schemas.microsoft.com/office/powerpoint/2010/main" val="2986982991"/>
+      </p:ext>
+    </p:extLst>
+  </p:cSld>
+  <p:clrMapOvr>
+    <a:masterClrMapping/>
+  </p:clrMapOvr>
+</p:notes>
+</file>
+
+<file path=ppt/notesSlides/notesSlide33.xml><?xml version="1.0" encoding="utf-8"?>
+<p:notes xmlns:a="http://schemas.openxmlformats.org/drawingml/2006/main" xmlns:r="http://schemas.openxmlformats.org/officeDocument/2006/relationships" xmlns:p="http://schemas.openxmlformats.org/presentationml/2006/main">
+  <p:cSld>
+    <p:spTree>
+      <p:nvGrpSpPr>
+        <p:cNvPr id="1" name=""/>
+        <p:cNvGrpSpPr/>
+        <p:nvPr/>
+      </p:nvGrpSpPr>
+      <p:grpSpPr>
+        <a:xfrm>
+          <a:off x="0" y="0"/>
+          <a:ext cx="0" cy="0"/>
+          <a:chOff x="0" y="0"/>
+          <a:chExt cx="0" cy="0"/>
+        </a:xfrm>
+      </p:grpSpPr>
+      <p:sp>
+        <p:nvSpPr>
+          <p:cNvPr id="2" name="幻灯片图像占位符 1"/>
+          <p:cNvSpPr>
+            <a:spLocks noGrp="1" noRot="1" noChangeAspect="1"/>
+          </p:cNvSpPr>
+          <p:nvPr>
+            <p:ph type="sldImg"/>
+          </p:nvPr>
+        </p:nvSpPr>
+        <p:spPr>
+          <a:xfrm>
+            <a:off x="685800" y="1143000"/>
+            <a:ext cx="5486400" cy="3086100"/>
+          </a:xfrm>
+        </p:spPr>
+      </p:sp>
+      <p:sp>
+        <p:nvSpPr>
+          <p:cNvPr id="3" name="备注占位符 2"/>
+          <p:cNvSpPr>
+            <a:spLocks noGrp="1"/>
+          </p:cNvSpPr>
+          <p:nvPr>
+            <p:ph type="body" idx="1"/>
+          </p:nvPr>
+        </p:nvSpPr>
+        <p:spPr/>
+        <p:txBody>
+          <a:bodyPr/>
+          <a:lstStyle/>
+          <a:p>
+            <a:endParaRPr lang="zh-CN" altLang="en-US" dirty="0"/>
+          </a:p>
+        </p:txBody>
+      </p:sp>
+      <p:sp>
+        <p:nvSpPr>
+          <p:cNvPr id="4" name="灯片编号占位符 3"/>
+          <p:cNvSpPr>
+            <a:spLocks noGrp="1"/>
+          </p:cNvSpPr>
+          <p:nvPr>
+            <p:ph type="sldNum" sz="quarter" idx="10"/>
+          </p:nvPr>
+        </p:nvSpPr>
+        <p:spPr/>
+        <p:txBody>
+          <a:bodyPr/>
+          <a:lstStyle/>
+          <a:p>
+            <a:fld id="{2E16E15A-D7A9-4169-A7C2-BCB1B8BA29D0}" type="slidenum">
+              <a:rPr lang="zh-CN" altLang="en-US" smtClean="0"/>
+              <a:t>33</a:t>
+            </a:fld>
+            <a:endParaRPr lang="zh-CN" altLang="en-US"/>
+          </a:p>
+        </p:txBody>
+      </p:sp>
+    </p:spTree>
+    <p:extLst>
+      <p:ext uri="{BB962C8B-B14F-4D97-AF65-F5344CB8AC3E}">
+        <p14:creationId xmlns:p14="http://schemas.microsoft.com/office/powerpoint/2010/main" val="3340204156"/>
+      </p:ext>
+    </p:extLst>
+  </p:cSld>
+  <p:clrMapOvr>
+    <a:masterClrMapping/>
+  </p:clrMapOvr>
+</p:notes>
+</file>
+
+<file path=ppt/notesSlides/notesSlide34.xml><?xml version="1.0" encoding="utf-8"?>
+<p:notes xmlns:a="http://schemas.openxmlformats.org/drawingml/2006/main" xmlns:r="http://schemas.openxmlformats.org/officeDocument/2006/relationships" xmlns:p="http://schemas.openxmlformats.org/presentationml/2006/main">
+  <p:cSld>
+    <p:spTree>
+      <p:nvGrpSpPr>
+        <p:cNvPr id="1" name=""/>
+        <p:cNvGrpSpPr/>
+        <p:nvPr/>
+      </p:nvGrpSpPr>
+      <p:grpSpPr>
+        <a:xfrm>
+          <a:off x="0" y="0"/>
+          <a:ext cx="0" cy="0"/>
+          <a:chOff x="0" y="0"/>
+          <a:chExt cx="0" cy="0"/>
+        </a:xfrm>
+      </p:grpSpPr>
+      <p:sp>
+        <p:nvSpPr>
+          <p:cNvPr id="2" name="幻灯片图像占位符 1"/>
+          <p:cNvSpPr>
+            <a:spLocks noGrp="1" noRot="1" noChangeAspect="1"/>
+          </p:cNvSpPr>
+          <p:nvPr>
+            <p:ph type="sldImg"/>
+          </p:nvPr>
+        </p:nvSpPr>
+        <p:spPr>
+          <a:xfrm>
+            <a:off x="685800" y="1143000"/>
+            <a:ext cx="5486400" cy="3086100"/>
+          </a:xfrm>
+        </p:spPr>
+      </p:sp>
+      <p:sp>
+        <p:nvSpPr>
+          <p:cNvPr id="3" name="备注占位符 2"/>
+          <p:cNvSpPr>
+            <a:spLocks noGrp="1"/>
+          </p:cNvSpPr>
+          <p:nvPr>
+            <p:ph type="body" idx="1"/>
+          </p:nvPr>
+        </p:nvSpPr>
+        <p:spPr/>
+        <p:txBody>
+          <a:bodyPr/>
+          <a:lstStyle/>
+          <a:p>
+            <a:endParaRPr lang="zh-CN" altLang="en-US" dirty="0"/>
+          </a:p>
+        </p:txBody>
+      </p:sp>
+      <p:sp>
+        <p:nvSpPr>
+          <p:cNvPr id="4" name="灯片编号占位符 3"/>
+          <p:cNvSpPr>
+            <a:spLocks noGrp="1"/>
+          </p:cNvSpPr>
+          <p:nvPr>
+            <p:ph type="sldNum" sz="quarter" idx="10"/>
+          </p:nvPr>
+        </p:nvSpPr>
+        <p:spPr/>
+        <p:txBody>
+          <a:bodyPr/>
+          <a:lstStyle/>
+          <a:p>
+            <a:fld id="{2E16E15A-D7A9-4169-A7C2-BCB1B8BA29D0}" type="slidenum">
+              <a:rPr lang="zh-CN" altLang="en-US" smtClean="0"/>
+              <a:t>34</a:t>
+            </a:fld>
+            <a:endParaRPr lang="zh-CN" altLang="en-US"/>
+          </a:p>
+        </p:txBody>
+      </p:sp>
+    </p:spTree>
+    <p:extLst>
+      <p:ext uri="{BB962C8B-B14F-4D97-AF65-F5344CB8AC3E}">
+        <p14:creationId xmlns:p14="http://schemas.microsoft.com/office/powerpoint/2010/main" val="634284632"/>
+      </p:ext>
+    </p:extLst>
+  </p:cSld>
+  <p:clrMapOvr>
+    <a:masterClrMapping/>
+  </p:clrMapOvr>
+</p:notes>
+</file>
+
+<file path=ppt/notesSlides/notesSlide35.xml><?xml version="1.0" encoding="utf-8"?>
+<p:notes xmlns:a="http://schemas.openxmlformats.org/drawingml/2006/main" xmlns:r="http://schemas.openxmlformats.org/officeDocument/2006/relationships" xmlns:p="http://schemas.openxmlformats.org/presentationml/2006/main">
+  <p:cSld>
+    <p:spTree>
+      <p:nvGrpSpPr>
+        <p:cNvPr id="1" name=""/>
+        <p:cNvGrpSpPr/>
+        <p:nvPr/>
+      </p:nvGrpSpPr>
+      <p:grpSpPr>
+        <a:xfrm>
+          <a:off x="0" y="0"/>
+          <a:ext cx="0" cy="0"/>
+          <a:chOff x="0" y="0"/>
+          <a:chExt cx="0" cy="0"/>
+        </a:xfrm>
+      </p:grpSpPr>
+      <p:sp>
+        <p:nvSpPr>
+          <p:cNvPr id="2" name="幻灯片图像占位符 1"/>
+          <p:cNvSpPr>
+            <a:spLocks noGrp="1" noRot="1" noChangeAspect="1"/>
+          </p:cNvSpPr>
+          <p:nvPr>
+            <p:ph type="sldImg"/>
+          </p:nvPr>
+        </p:nvSpPr>
+        <p:spPr>
+          <a:xfrm>
+            <a:off x="685800" y="1143000"/>
+            <a:ext cx="5486400" cy="3086100"/>
+          </a:xfrm>
+        </p:spPr>
+      </p:sp>
+      <p:sp>
+        <p:nvSpPr>
+          <p:cNvPr id="3" name="备注占位符 2"/>
+          <p:cNvSpPr>
+            <a:spLocks noGrp="1"/>
+          </p:cNvSpPr>
+          <p:nvPr>
+            <p:ph type="body" idx="1"/>
+          </p:nvPr>
+        </p:nvSpPr>
+        <p:spPr/>
+        <p:txBody>
+          <a:bodyPr/>
+          <a:lstStyle/>
+          <a:p>
+            <a:endParaRPr lang="zh-CN" altLang="en-US" dirty="0"/>
+          </a:p>
+        </p:txBody>
+      </p:sp>
+      <p:sp>
+        <p:nvSpPr>
+          <p:cNvPr id="4" name="灯片编号占位符 3"/>
+          <p:cNvSpPr>
+            <a:spLocks noGrp="1"/>
+          </p:cNvSpPr>
+          <p:nvPr>
+            <p:ph type="sldNum" sz="quarter" idx="10"/>
+          </p:nvPr>
+        </p:nvSpPr>
+        <p:spPr/>
+        <p:txBody>
+          <a:bodyPr/>
+          <a:lstStyle/>
+          <a:p>
+            <a:fld id="{2E16E15A-D7A9-4169-A7C2-BCB1B8BA29D0}" type="slidenum">
+              <a:rPr lang="zh-CN" altLang="en-US" smtClean="0"/>
+              <a:t>35</a:t>
+            </a:fld>
+            <a:endParaRPr lang="zh-CN" altLang="en-US"/>
+          </a:p>
+        </p:txBody>
+      </p:sp>
+    </p:spTree>
+    <p:extLst>
+      <p:ext uri="{BB962C8B-B14F-4D97-AF65-F5344CB8AC3E}">
+        <p14:creationId xmlns:p14="http://schemas.microsoft.com/office/powerpoint/2010/main" val="362470881"/>
       </p:ext>
     </p:extLst>
   </p:cSld>
@@ -3233,7 +3773,7 @@
           <a:p>
             <a:fld id="{287BCA0E-3945-47E9-A9AA-27ACE9347398}" type="datetimeFigureOut">
               <a:rPr lang="zh-CN" altLang="en-US" smtClean="0"/>
-              <a:t>2019/5/18</a:t>
+              <a:t>2019/5/19</a:t>
             </a:fld>
             <a:endParaRPr lang="zh-CN" altLang="en-US"/>
           </a:p>
@@ -3403,7 +3943,7 @@
           <a:p>
             <a:fld id="{287BCA0E-3945-47E9-A9AA-27ACE9347398}" type="datetimeFigureOut">
               <a:rPr lang="zh-CN" altLang="en-US" smtClean="0"/>
-              <a:t>2019/5/18</a:t>
+              <a:t>2019/5/19</a:t>
             </a:fld>
             <a:endParaRPr lang="zh-CN" altLang="en-US"/>
           </a:p>
@@ -3583,7 +4123,7 @@
           <a:p>
             <a:fld id="{287BCA0E-3945-47E9-A9AA-27ACE9347398}" type="datetimeFigureOut">
               <a:rPr lang="zh-CN" altLang="en-US" smtClean="0"/>
-              <a:t>2019/5/18</a:t>
+              <a:t>2019/5/19</a:t>
             </a:fld>
             <a:endParaRPr lang="zh-CN" altLang="en-US"/>
           </a:p>
@@ -3753,7 +4293,7 @@
           <a:p>
             <a:fld id="{287BCA0E-3945-47E9-A9AA-27ACE9347398}" type="datetimeFigureOut">
               <a:rPr lang="zh-CN" altLang="en-US" smtClean="0"/>
-              <a:t>2019/5/18</a:t>
+              <a:t>2019/5/19</a:t>
             </a:fld>
             <a:endParaRPr lang="zh-CN" altLang="en-US"/>
           </a:p>
@@ -3999,7 +4539,7 @@
           <a:p>
             <a:fld id="{287BCA0E-3945-47E9-A9AA-27ACE9347398}" type="datetimeFigureOut">
               <a:rPr lang="zh-CN" altLang="en-US" smtClean="0"/>
-              <a:t>2019/5/18</a:t>
+              <a:t>2019/5/19</a:t>
             </a:fld>
             <a:endParaRPr lang="zh-CN" altLang="en-US"/>
           </a:p>
@@ -4231,7 +4771,7 @@
           <a:p>
             <a:fld id="{287BCA0E-3945-47E9-A9AA-27ACE9347398}" type="datetimeFigureOut">
               <a:rPr lang="zh-CN" altLang="en-US" smtClean="0"/>
-              <a:t>2019/5/18</a:t>
+              <a:t>2019/5/19</a:t>
             </a:fld>
             <a:endParaRPr lang="zh-CN" altLang="en-US"/>
           </a:p>
@@ -4598,7 +5138,7 @@
           <a:p>
             <a:fld id="{287BCA0E-3945-47E9-A9AA-27ACE9347398}" type="datetimeFigureOut">
               <a:rPr lang="zh-CN" altLang="en-US" smtClean="0"/>
-              <a:t>2019/5/18</a:t>
+              <a:t>2019/5/19</a:t>
             </a:fld>
             <a:endParaRPr lang="zh-CN" altLang="en-US"/>
           </a:p>
@@ -4716,7 +5256,7 @@
           <a:p>
             <a:fld id="{287BCA0E-3945-47E9-A9AA-27ACE9347398}" type="datetimeFigureOut">
               <a:rPr lang="zh-CN" altLang="en-US" smtClean="0"/>
-              <a:t>2019/5/18</a:t>
+              <a:t>2019/5/19</a:t>
             </a:fld>
             <a:endParaRPr lang="zh-CN" altLang="en-US"/>
           </a:p>
@@ -4811,7 +5351,7 @@
           <a:p>
             <a:fld id="{287BCA0E-3945-47E9-A9AA-27ACE9347398}" type="datetimeFigureOut">
               <a:rPr lang="zh-CN" altLang="en-US" smtClean="0"/>
-              <a:t>2019/5/18</a:t>
+              <a:t>2019/5/19</a:t>
             </a:fld>
             <a:endParaRPr lang="zh-CN" altLang="en-US"/>
           </a:p>
@@ -5088,7 +5628,7 @@
           <a:p>
             <a:fld id="{287BCA0E-3945-47E9-A9AA-27ACE9347398}" type="datetimeFigureOut">
               <a:rPr lang="zh-CN" altLang="en-US" smtClean="0"/>
-              <a:t>2019/5/18</a:t>
+              <a:t>2019/5/19</a:t>
             </a:fld>
             <a:endParaRPr lang="zh-CN" altLang="en-US"/>
           </a:p>
@@ -5345,7 +5885,7 @@
           <a:p>
             <a:fld id="{287BCA0E-3945-47E9-A9AA-27ACE9347398}" type="datetimeFigureOut">
               <a:rPr lang="zh-CN" altLang="en-US" smtClean="0"/>
-              <a:t>2019/5/18</a:t>
+              <a:t>2019/5/19</a:t>
             </a:fld>
             <a:endParaRPr lang="zh-CN" altLang="en-US"/>
           </a:p>
@@ -5558,7 +6098,7 @@
           <a:p>
             <a:fld id="{287BCA0E-3945-47E9-A9AA-27ACE9347398}" type="datetimeFigureOut">
               <a:rPr lang="zh-CN" altLang="en-US" smtClean="0"/>
-              <a:t>2019/5/18</a:t>
+              <a:t>2019/5/19</a:t>
             </a:fld>
             <a:endParaRPr lang="zh-CN" altLang="en-US"/>
           </a:p>
@@ -15401,7 +15941,7 @@
         </p:blipFill>
         <p:spPr>
           <a:xfrm>
-            <a:off x="1320859" y="2973181"/>
+            <a:off x="1126236" y="4079472"/>
             <a:ext cx="4284167" cy="1495305"/>
           </a:xfrm>
           <a:prstGeom prst="rect">
@@ -15409,6 +15949,118 @@
           </a:prstGeom>
         </p:spPr>
       </p:pic>
+      <p:sp>
+        <p:nvSpPr>
+          <p:cNvPr id="9" name="文本框 8">
+            <a:extLst>
+              <a:ext uri="{FF2B5EF4-FFF2-40B4-BE49-F238E27FC236}">
+                <a16:creationId xmlns:a16="http://schemas.microsoft.com/office/drawing/2014/main" id="{6FD67789-5E0F-47AC-A8F4-59D2E4CA4152}"/>
+              </a:ext>
+            </a:extLst>
+          </p:cNvPr>
+          <p:cNvSpPr txBox="1"/>
+          <p:nvPr/>
+        </p:nvSpPr>
+        <p:spPr>
+          <a:xfrm>
+            <a:off x="181821" y="1287077"/>
+            <a:ext cx="7600518" cy="2616101"/>
+          </a:xfrm>
+          <a:prstGeom prst="rect">
+            <a:avLst/>
+          </a:prstGeom>
+          <a:noFill/>
+        </p:spPr>
+        <p:txBody>
+          <a:bodyPr wrap="square" rtlCol="0">
+            <a:spAutoFit/>
+          </a:bodyPr>
+          <a:lstStyle/>
+          <a:p>
+            <a:pPr marL="457200" indent="-457200">
+              <a:lnSpc>
+                <a:spcPct val="150000"/>
+              </a:lnSpc>
+              <a:buClr>
+                <a:srgbClr val="C55A11"/>
+              </a:buClr>
+              <a:buFont typeface="Wingdings" panose="05000000000000000000" pitchFamily="2" charset="2"/>
+              <a:buChar char="Ø"/>
+            </a:pPr>
+            <a:r>
+              <a:rPr lang="zh-CN" altLang="en-US" sz="2800">
+                <a:latin typeface="华文楷体" panose="02010600040101010101" pitchFamily="2" charset="-122"/>
+                <a:ea typeface="华文楷体" panose="02010600040101010101" pitchFamily="2" charset="-122"/>
+              </a:rPr>
+              <a:t>句子表示通过池化（</a:t>
+            </a:r>
+            <a:r>
+              <a:rPr lang="en-US" altLang="zh-CN" sz="2800">
+                <a:latin typeface="华文楷体" panose="02010600040101010101" pitchFamily="2" charset="-122"/>
+                <a:ea typeface="华文楷体" panose="02010600040101010101" pitchFamily="2" charset="-122"/>
+              </a:rPr>
+              <a:t>pooling</a:t>
+            </a:r>
+            <a:r>
+              <a:rPr lang="zh-CN" altLang="en-US" sz="2800">
+                <a:latin typeface="华文楷体" panose="02010600040101010101" pitchFamily="2" charset="-122"/>
+                <a:ea typeface="华文楷体" panose="02010600040101010101" pitchFamily="2" charset="-122"/>
+              </a:rPr>
+              <a:t>）得到</a:t>
+            </a:r>
+            <a:endParaRPr lang="en-US" altLang="zh-CN" sz="2800">
+              <a:latin typeface="华文楷体" panose="02010600040101010101" pitchFamily="2" charset="-122"/>
+              <a:ea typeface="华文楷体" panose="02010600040101010101" pitchFamily="2" charset="-122"/>
+            </a:endParaRPr>
+          </a:p>
+          <a:p>
+            <a:pPr marL="457200" indent="-457200">
+              <a:lnSpc>
+                <a:spcPct val="150000"/>
+              </a:lnSpc>
+              <a:buClr>
+                <a:srgbClr val="C55A11"/>
+              </a:buClr>
+              <a:buFont typeface="Wingdings" panose="05000000000000000000" pitchFamily="2" charset="2"/>
+              <a:buChar char="Ø"/>
+            </a:pPr>
+            <a:r>
+              <a:rPr lang="zh-CN" altLang="en-US" sz="2800">
+                <a:latin typeface="华文楷体" panose="02010600040101010101" pitchFamily="2" charset="-122"/>
+                <a:ea typeface="华文楷体" panose="02010600040101010101" pitchFamily="2" charset="-122"/>
+              </a:rPr>
+              <a:t>共享层形成通用表示，顶层堆叠任务特定层形成任务特定表示</a:t>
+            </a:r>
+            <a:endParaRPr lang="en-US" altLang="zh-CN" sz="2800">
+              <a:latin typeface="华文楷体" panose="02010600040101010101" pitchFamily="2" charset="-122"/>
+              <a:ea typeface="华文楷体" panose="02010600040101010101" pitchFamily="2" charset="-122"/>
+            </a:endParaRPr>
+          </a:p>
+          <a:p>
+            <a:pPr marL="457200" indent="-457200">
+              <a:lnSpc>
+                <a:spcPct val="150000"/>
+              </a:lnSpc>
+              <a:buClr>
+                <a:srgbClr val="C55A11"/>
+              </a:buClr>
+              <a:buFont typeface="Wingdings" panose="05000000000000000000" pitchFamily="2" charset="2"/>
+              <a:buChar char="Ø"/>
+            </a:pPr>
+            <a:r>
+              <a:rPr lang="zh-CN" altLang="en-US" sz="2800">
+                <a:latin typeface="华文楷体" panose="02010600040101010101" pitchFamily="2" charset="-122"/>
+                <a:ea typeface="华文楷体" panose="02010600040101010101" pitchFamily="2" charset="-122"/>
+              </a:rPr>
+              <a:t>预测方式：</a:t>
+            </a:r>
+            <a:endParaRPr lang="en-US" altLang="zh-CN" sz="2800" dirty="0">
+              <a:latin typeface="华文楷体" panose="02010600040101010101" pitchFamily="2" charset="-122"/>
+              <a:ea typeface="华文楷体" panose="02010600040101010101" pitchFamily="2" charset="-122"/>
+            </a:endParaRPr>
+          </a:p>
+        </p:txBody>
+      </p:sp>
     </p:spTree>
     <p:custDataLst>
       <p:tags r:id="rId1"/>
@@ -15761,7 +16413,7 @@
         </p:blipFill>
         <p:spPr>
           <a:xfrm>
-            <a:off x="1760133" y="3378624"/>
+            <a:off x="1729097" y="3968241"/>
             <a:ext cx="3295508" cy="893478"/>
           </a:xfrm>
           <a:prstGeom prst="rect">
@@ -15769,6 +16421,118 @@
           </a:prstGeom>
         </p:spPr>
       </p:pic>
+      <p:sp>
+        <p:nvSpPr>
+          <p:cNvPr id="9" name="文本框 8">
+            <a:extLst>
+              <a:ext uri="{FF2B5EF4-FFF2-40B4-BE49-F238E27FC236}">
+                <a16:creationId xmlns:a16="http://schemas.microsoft.com/office/drawing/2014/main" id="{757D893E-5D88-44BB-A54C-962BA4E2B474}"/>
+              </a:ext>
+            </a:extLst>
+          </p:cNvPr>
+          <p:cNvSpPr txBox="1"/>
+          <p:nvPr/>
+        </p:nvSpPr>
+        <p:spPr>
+          <a:xfrm>
+            <a:off x="181821" y="1287077"/>
+            <a:ext cx="6390060" cy="2616101"/>
+          </a:xfrm>
+          <a:prstGeom prst="rect">
+            <a:avLst/>
+          </a:prstGeom>
+          <a:noFill/>
+        </p:spPr>
+        <p:txBody>
+          <a:bodyPr wrap="square" rtlCol="0">
+            <a:spAutoFit/>
+          </a:bodyPr>
+          <a:lstStyle/>
+          <a:p>
+            <a:pPr marL="457200" indent="-457200">
+              <a:lnSpc>
+                <a:spcPct val="150000"/>
+              </a:lnSpc>
+              <a:buClr>
+                <a:srgbClr val="C55A11"/>
+              </a:buClr>
+              <a:buFont typeface="Wingdings" panose="05000000000000000000" pitchFamily="2" charset="2"/>
+              <a:buChar char="Ø"/>
+            </a:pPr>
+            <a:r>
+              <a:rPr lang="zh-CN" altLang="en-US" sz="2800">
+                <a:latin typeface="华文楷体" panose="02010600040101010101" pitchFamily="2" charset="-122"/>
+                <a:ea typeface="华文楷体" panose="02010600040101010101" pitchFamily="2" charset="-122"/>
+              </a:rPr>
+              <a:t>句子表示通过 </a:t>
+            </a:r>
+            <a:r>
+              <a:rPr lang="en-US" altLang="zh-CN" sz="2800">
+                <a:latin typeface="华文楷体" panose="02010600040101010101" pitchFamily="2" charset="-122"/>
+                <a:ea typeface="华文楷体" panose="02010600040101010101" pitchFamily="2" charset="-122"/>
+              </a:rPr>
+              <a:t>[CLS] </a:t>
+            </a:r>
+            <a:r>
+              <a:rPr lang="zh-CN" altLang="en-US" sz="2800">
+                <a:latin typeface="华文楷体" panose="02010600040101010101" pitchFamily="2" charset="-122"/>
+                <a:ea typeface="华文楷体" panose="02010600040101010101" pitchFamily="2" charset="-122"/>
+              </a:rPr>
+              <a:t>记号得到</a:t>
+            </a:r>
+            <a:endParaRPr lang="en-US" altLang="zh-CN" sz="2800">
+              <a:latin typeface="华文楷体" panose="02010600040101010101" pitchFamily="2" charset="-122"/>
+              <a:ea typeface="华文楷体" panose="02010600040101010101" pitchFamily="2" charset="-122"/>
+            </a:endParaRPr>
+          </a:p>
+          <a:p>
+            <a:pPr marL="457200" indent="-457200">
+              <a:lnSpc>
+                <a:spcPct val="150000"/>
+              </a:lnSpc>
+              <a:buClr>
+                <a:srgbClr val="C55A11"/>
+              </a:buClr>
+              <a:buFont typeface="Wingdings" panose="05000000000000000000" pitchFamily="2" charset="2"/>
+              <a:buChar char="Ø"/>
+            </a:pPr>
+            <a:r>
+              <a:rPr lang="zh-CN" altLang="en-US" sz="2800">
+                <a:latin typeface="华文楷体" panose="02010600040101010101" pitchFamily="2" charset="-122"/>
+                <a:ea typeface="华文楷体" panose="02010600040101010101" pitchFamily="2" charset="-122"/>
+              </a:rPr>
+              <a:t>共享层形成通用表示，顶层堆叠任务特定层形成任务特定表示</a:t>
+            </a:r>
+            <a:endParaRPr lang="en-US" altLang="zh-CN" sz="2800">
+              <a:latin typeface="华文楷体" panose="02010600040101010101" pitchFamily="2" charset="-122"/>
+              <a:ea typeface="华文楷体" panose="02010600040101010101" pitchFamily="2" charset="-122"/>
+            </a:endParaRPr>
+          </a:p>
+          <a:p>
+            <a:pPr marL="457200" indent="-457200">
+              <a:lnSpc>
+                <a:spcPct val="150000"/>
+              </a:lnSpc>
+              <a:buClr>
+                <a:srgbClr val="C55A11"/>
+              </a:buClr>
+              <a:buFont typeface="Wingdings" panose="05000000000000000000" pitchFamily="2" charset="2"/>
+              <a:buChar char="Ø"/>
+            </a:pPr>
+            <a:r>
+              <a:rPr lang="zh-CN" altLang="en-US" sz="2800">
+                <a:latin typeface="华文楷体" panose="02010600040101010101" pitchFamily="2" charset="-122"/>
+                <a:ea typeface="华文楷体" panose="02010600040101010101" pitchFamily="2" charset="-122"/>
+              </a:rPr>
+              <a:t>预测方式：</a:t>
+            </a:r>
+            <a:endParaRPr lang="en-US" altLang="zh-CN" sz="2800" dirty="0">
+              <a:latin typeface="华文楷体" panose="02010600040101010101" pitchFamily="2" charset="-122"/>
+              <a:ea typeface="华文楷体" panose="02010600040101010101" pitchFamily="2" charset="-122"/>
+            </a:endParaRPr>
+          </a:p>
+        </p:txBody>
+      </p:sp>
     </p:spTree>
     <p:custDataLst>
       <p:tags r:id="rId1"/>
@@ -16085,7 +16849,7 @@
         </p:blipFill>
         <p:spPr>
           <a:xfrm>
-            <a:off x="1760133" y="3378624"/>
+            <a:off x="1620373" y="4436217"/>
             <a:ext cx="3295508" cy="893478"/>
           </a:xfrm>
           <a:prstGeom prst="rect">
@@ -16157,7 +16921,7 @@
         </p:blipFill>
         <p:spPr>
           <a:xfrm>
-            <a:off x="1149626" y="2598513"/>
+            <a:off x="893701" y="3260278"/>
             <a:ext cx="5132725" cy="705114"/>
           </a:xfrm>
           <a:prstGeom prst="rect">
@@ -16165,6 +16929,157 @@
           </a:prstGeom>
         </p:spPr>
       </p:pic>
+      <p:sp>
+        <p:nvSpPr>
+          <p:cNvPr id="14" name="文本框 13">
+            <a:extLst>
+              <a:ext uri="{FF2B5EF4-FFF2-40B4-BE49-F238E27FC236}">
+                <a16:creationId xmlns:a16="http://schemas.microsoft.com/office/drawing/2014/main" id="{5710DFE0-657F-4B79-A16B-82EB4DDC4118}"/>
+              </a:ext>
+            </a:extLst>
+          </p:cNvPr>
+          <p:cNvSpPr txBox="1"/>
+          <p:nvPr/>
+        </p:nvSpPr>
+        <p:spPr>
+          <a:xfrm>
+            <a:off x="181821" y="1287077"/>
+            <a:ext cx="7239567" cy="3262432"/>
+          </a:xfrm>
+          <a:prstGeom prst="rect">
+            <a:avLst/>
+          </a:prstGeom>
+          <a:noFill/>
+        </p:spPr>
+        <p:txBody>
+          <a:bodyPr wrap="square" rtlCol="0">
+            <a:spAutoFit/>
+          </a:bodyPr>
+          <a:lstStyle/>
+          <a:p>
+            <a:pPr marL="457200" indent="-457200">
+              <a:lnSpc>
+                <a:spcPct val="150000"/>
+              </a:lnSpc>
+              <a:buClr>
+                <a:srgbClr val="C55A11"/>
+              </a:buClr>
+              <a:buFont typeface="Wingdings" panose="05000000000000000000" pitchFamily="2" charset="2"/>
+              <a:buChar char="Ø"/>
+            </a:pPr>
+            <a:r>
+              <a:rPr lang="zh-CN" altLang="en-US" sz="2800">
+                <a:latin typeface="华文楷体" panose="02010600040101010101" pitchFamily="2" charset="-122"/>
+                <a:ea typeface="华文楷体" panose="02010600040101010101" pitchFamily="2" charset="-122"/>
+              </a:rPr>
+              <a:t>句子表示通过 </a:t>
+            </a:r>
+            <a:r>
+              <a:rPr lang="en-US" altLang="zh-CN" sz="2800">
+                <a:latin typeface="华文楷体" panose="02010600040101010101" pitchFamily="2" charset="-122"/>
+                <a:ea typeface="华文楷体" panose="02010600040101010101" pitchFamily="2" charset="-122"/>
+              </a:rPr>
+              <a:t>[TASK_ID] </a:t>
+            </a:r>
+            <a:r>
+              <a:rPr lang="zh-CN" altLang="en-US" sz="2800">
+                <a:latin typeface="华文楷体" panose="02010600040101010101" pitchFamily="2" charset="-122"/>
+                <a:ea typeface="华文楷体" panose="02010600040101010101" pitchFamily="2" charset="-122"/>
+              </a:rPr>
+              <a:t>得到</a:t>
+            </a:r>
+            <a:endParaRPr lang="en-US" altLang="zh-CN" sz="2800">
+              <a:latin typeface="华文楷体" panose="02010600040101010101" pitchFamily="2" charset="-122"/>
+              <a:ea typeface="华文楷体" panose="02010600040101010101" pitchFamily="2" charset="-122"/>
+            </a:endParaRPr>
+          </a:p>
+          <a:p>
+            <a:pPr marL="457200" indent="-457200">
+              <a:lnSpc>
+                <a:spcPct val="150000"/>
+              </a:lnSpc>
+              <a:buClr>
+                <a:srgbClr val="C55A11"/>
+              </a:buClr>
+              <a:buFont typeface="Wingdings" panose="05000000000000000000" pitchFamily="2" charset="2"/>
+              <a:buChar char="Ø"/>
+            </a:pPr>
+            <a:r>
+              <a:rPr lang="zh-CN" altLang="en-US" sz="2800">
+                <a:latin typeface="华文楷体" panose="02010600040101010101" pitchFamily="2" charset="-122"/>
+                <a:ea typeface="华文楷体" panose="02010600040101010101" pitchFamily="2" charset="-122"/>
+              </a:rPr>
+              <a:t>在每一层形成任务特定表示</a:t>
+            </a:r>
+            <a:endParaRPr lang="en-US" altLang="zh-CN" sz="2800">
+              <a:latin typeface="华文楷体" panose="02010600040101010101" pitchFamily="2" charset="-122"/>
+              <a:ea typeface="华文楷体" panose="02010600040101010101" pitchFamily="2" charset="-122"/>
+            </a:endParaRPr>
+          </a:p>
+          <a:p>
+            <a:pPr marL="457200" indent="-457200">
+              <a:lnSpc>
+                <a:spcPct val="150000"/>
+              </a:lnSpc>
+              <a:buClr>
+                <a:srgbClr val="C55A11"/>
+              </a:buClr>
+              <a:buFont typeface="Wingdings" panose="05000000000000000000" pitchFamily="2" charset="2"/>
+              <a:buChar char="Ø"/>
+            </a:pPr>
+            <a:r>
+              <a:rPr lang="zh-CN" altLang="en-US" sz="2800">
+                <a:latin typeface="华文楷体" panose="02010600040101010101" pitchFamily="2" charset="-122"/>
+                <a:ea typeface="华文楷体" panose="02010600040101010101" pitchFamily="2" charset="-122"/>
+              </a:rPr>
+              <a:t>隐层的输入为：</a:t>
+            </a:r>
+            <a:endParaRPr lang="en-US" altLang="zh-CN" sz="2800">
+              <a:latin typeface="华文楷体" panose="02010600040101010101" pitchFamily="2" charset="-122"/>
+              <a:ea typeface="华文楷体" panose="02010600040101010101" pitchFamily="2" charset="-122"/>
+            </a:endParaRPr>
+          </a:p>
+          <a:p>
+            <a:pPr marL="457200" indent="-457200">
+              <a:lnSpc>
+                <a:spcPct val="150000"/>
+              </a:lnSpc>
+              <a:buClr>
+                <a:srgbClr val="C55A11"/>
+              </a:buClr>
+              <a:buFont typeface="Wingdings" panose="05000000000000000000" pitchFamily="2" charset="2"/>
+              <a:buChar char="Ø"/>
+            </a:pPr>
+            <a:endParaRPr lang="en-US" altLang="zh-CN" sz="2800">
+              <a:latin typeface="华文楷体" panose="02010600040101010101" pitchFamily="2" charset="-122"/>
+              <a:ea typeface="华文楷体" panose="02010600040101010101" pitchFamily="2" charset="-122"/>
+            </a:endParaRPr>
+          </a:p>
+          <a:p>
+            <a:pPr marL="457200" indent="-457200">
+              <a:lnSpc>
+                <a:spcPct val="150000"/>
+              </a:lnSpc>
+              <a:buClr>
+                <a:srgbClr val="C55A11"/>
+              </a:buClr>
+              <a:buFont typeface="Wingdings" panose="05000000000000000000" pitchFamily="2" charset="2"/>
+              <a:buChar char="Ø"/>
+            </a:pPr>
+            <a:r>
+              <a:rPr lang="zh-CN" altLang="en-US" sz="2800">
+                <a:latin typeface="华文楷体" panose="02010600040101010101" pitchFamily="2" charset="-122"/>
+                <a:ea typeface="华文楷体" panose="02010600040101010101" pitchFamily="2" charset="-122"/>
+              </a:rPr>
+              <a:t>预测方式：</a:t>
+            </a:r>
+            <a:endParaRPr lang="en-US" altLang="zh-CN" sz="2800" dirty="0">
+              <a:latin typeface="华文楷体" panose="02010600040101010101" pitchFamily="2" charset="-122"/>
+              <a:ea typeface="华文楷体" panose="02010600040101010101" pitchFamily="2" charset="-122"/>
+            </a:endParaRPr>
+          </a:p>
+        </p:txBody>
+      </p:sp>
     </p:spTree>
     <p:custDataLst>
       <p:tags r:id="rId1"/>
@@ -16517,7 +17432,7 @@
         </p:blipFill>
         <p:spPr>
           <a:xfrm>
-            <a:off x="2394760" y="3505658"/>
+            <a:off x="1460482" y="3381040"/>
             <a:ext cx="3565380" cy="706473"/>
           </a:xfrm>
           <a:prstGeom prst="rect">
@@ -16525,6 +17440,118 @@
           </a:prstGeom>
         </p:spPr>
       </p:pic>
+      <p:sp>
+        <p:nvSpPr>
+          <p:cNvPr id="11" name="文本框 10">
+            <a:extLst>
+              <a:ext uri="{FF2B5EF4-FFF2-40B4-BE49-F238E27FC236}">
+                <a16:creationId xmlns:a16="http://schemas.microsoft.com/office/drawing/2014/main" id="{46471A2C-3D59-4129-8BF2-88B8BE2C4356}"/>
+              </a:ext>
+            </a:extLst>
+          </p:cNvPr>
+          <p:cNvSpPr txBox="1"/>
+          <p:nvPr/>
+        </p:nvSpPr>
+        <p:spPr>
+          <a:xfrm>
+            <a:off x="181821" y="1287077"/>
+            <a:ext cx="7239567" cy="1969770"/>
+          </a:xfrm>
+          <a:prstGeom prst="rect">
+            <a:avLst/>
+          </a:prstGeom>
+          <a:noFill/>
+        </p:spPr>
+        <p:txBody>
+          <a:bodyPr wrap="square" rtlCol="0">
+            <a:spAutoFit/>
+          </a:bodyPr>
+          <a:lstStyle/>
+          <a:p>
+            <a:pPr marL="457200" indent="-457200">
+              <a:lnSpc>
+                <a:spcPct val="150000"/>
+              </a:lnSpc>
+              <a:buClr>
+                <a:srgbClr val="C55A11"/>
+              </a:buClr>
+              <a:buFont typeface="Wingdings" panose="05000000000000000000" pitchFamily="2" charset="2"/>
+              <a:buChar char="Ø"/>
+            </a:pPr>
+            <a:r>
+              <a:rPr lang="zh-CN" altLang="en-US" sz="2800">
+                <a:latin typeface="华文楷体" panose="02010600040101010101" pitchFamily="2" charset="-122"/>
+                <a:ea typeface="华文楷体" panose="02010600040101010101" pitchFamily="2" charset="-122"/>
+              </a:rPr>
+              <a:t>句子表示通过 </a:t>
+            </a:r>
+            <a:r>
+              <a:rPr lang="en-US" altLang="zh-CN" sz="2800">
+                <a:latin typeface="华文楷体" panose="02010600040101010101" pitchFamily="2" charset="-122"/>
+                <a:ea typeface="华文楷体" panose="02010600040101010101" pitchFamily="2" charset="-122"/>
+              </a:rPr>
+              <a:t>[CLS_ID] </a:t>
+            </a:r>
+            <a:r>
+              <a:rPr lang="zh-CN" altLang="en-US" sz="2800">
+                <a:latin typeface="华文楷体" panose="02010600040101010101" pitchFamily="2" charset="-122"/>
+                <a:ea typeface="华文楷体" panose="02010600040101010101" pitchFamily="2" charset="-122"/>
+              </a:rPr>
+              <a:t>得到</a:t>
+            </a:r>
+            <a:endParaRPr lang="en-US" altLang="zh-CN" sz="2800">
+              <a:latin typeface="华文楷体" panose="02010600040101010101" pitchFamily="2" charset="-122"/>
+              <a:ea typeface="华文楷体" panose="02010600040101010101" pitchFamily="2" charset="-122"/>
+            </a:endParaRPr>
+          </a:p>
+          <a:p>
+            <a:pPr marL="457200" indent="-457200">
+              <a:lnSpc>
+                <a:spcPct val="150000"/>
+              </a:lnSpc>
+              <a:buClr>
+                <a:srgbClr val="C55A11"/>
+              </a:buClr>
+              <a:buFont typeface="Wingdings" panose="05000000000000000000" pitchFamily="2" charset="2"/>
+              <a:buChar char="Ø"/>
+            </a:pPr>
+            <a:r>
+              <a:rPr lang="zh-CN" altLang="en-US" sz="2800">
+                <a:latin typeface="华文楷体" panose="02010600040101010101" pitchFamily="2" charset="-122"/>
+                <a:ea typeface="华文楷体" panose="02010600040101010101" pitchFamily="2" charset="-122"/>
+              </a:rPr>
+              <a:t>在每一层形成任务特定表示</a:t>
+            </a:r>
+            <a:endParaRPr lang="en-US" altLang="zh-CN" sz="2800">
+              <a:latin typeface="华文楷体" panose="02010600040101010101" pitchFamily="2" charset="-122"/>
+              <a:ea typeface="华文楷体" panose="02010600040101010101" pitchFamily="2" charset="-122"/>
+            </a:endParaRPr>
+          </a:p>
+          <a:p>
+            <a:pPr marL="457200" indent="-457200">
+              <a:lnSpc>
+                <a:spcPct val="150000"/>
+              </a:lnSpc>
+              <a:buClr>
+                <a:srgbClr val="C55A11"/>
+              </a:buClr>
+              <a:buFont typeface="Wingdings" panose="05000000000000000000" pitchFamily="2" charset="2"/>
+              <a:buChar char="Ø"/>
+            </a:pPr>
+            <a:r>
+              <a:rPr lang="zh-CN" altLang="en-US" sz="2800">
+                <a:latin typeface="华文楷体" panose="02010600040101010101" pitchFamily="2" charset="-122"/>
+                <a:ea typeface="华文楷体" panose="02010600040101010101" pitchFamily="2" charset="-122"/>
+              </a:rPr>
+              <a:t>预测方式：</a:t>
+            </a:r>
+            <a:endParaRPr lang="en-US" altLang="zh-CN" sz="2800" dirty="0">
+              <a:latin typeface="华文楷体" panose="02010600040101010101" pitchFamily="2" charset="-122"/>
+              <a:ea typeface="华文楷体" panose="02010600040101010101" pitchFamily="2" charset="-122"/>
+            </a:endParaRPr>
+          </a:p>
+        </p:txBody>
+      </p:sp>
     </p:spTree>
     <p:custDataLst>
       <p:tags r:id="rId1"/>
@@ -16778,7 +17805,7 @@
           <a:lstStyle/>
           <a:p>
             <a:r>
-              <a:rPr lang="zh-CN" altLang="en-US" sz="3600" b="1" dirty="0">
+              <a:rPr lang="zh-CN" altLang="en-US" sz="3600" b="1">
                 <a:solidFill>
                   <a:schemeClr val="tx1">
                     <a:lumMod val="75000"/>
@@ -16788,7 +17815,7 @@
                 <a:latin typeface="华文楷体" panose="02010600040101010101" pitchFamily="2" charset="-122"/>
                 <a:ea typeface="华文楷体" panose="02010600040101010101" pitchFamily="2" charset="-122"/>
               </a:rPr>
-              <a:t>实验任务</a:t>
+              <a:t>模型对比</a:t>
             </a:r>
             <a:endParaRPr lang="zh-CN" altLang="en-US" sz="3600" b="1" dirty="0">
               <a:solidFill>
@@ -16800,13 +17827,654 @@
           </a:p>
         </p:txBody>
       </p:sp>
+      <p:graphicFrame>
+        <p:nvGraphicFramePr>
+          <p:cNvPr id="2" name="表格 1">
+            <a:extLst>
+              <a:ext uri="{FF2B5EF4-FFF2-40B4-BE49-F238E27FC236}">
+                <a16:creationId xmlns:a16="http://schemas.microsoft.com/office/drawing/2014/main" id="{E587D4AB-5D28-428D-9191-811B4C3AF135}"/>
+              </a:ext>
+            </a:extLst>
+          </p:cNvPr>
+          <p:cNvGraphicFramePr>
+            <a:graphicFrameLocks noGrp="1"/>
+          </p:cNvGraphicFramePr>
+          <p:nvPr>
+            <p:extLst>
+              <p:ext uri="{D42A27DB-BD31-4B8C-83A1-F6EECF244321}">
+                <p14:modId xmlns:p14="http://schemas.microsoft.com/office/powerpoint/2010/main" val="3966923956"/>
+              </p:ext>
+            </p:extLst>
+          </p:nvPr>
+        </p:nvGraphicFramePr>
+        <p:xfrm>
+          <a:off x="2452756" y="1459524"/>
+          <a:ext cx="7286487" cy="2286000"/>
+        </p:xfrm>
+        <a:graphic>
+          <a:graphicData uri="http://schemas.openxmlformats.org/drawingml/2006/table">
+            <a:tbl>
+              <a:tblPr firstRow="1" bandRow="1">
+                <a:tableStyleId>{0505E3EF-67EA-436B-97B2-0124C06EBD24}</a:tableStyleId>
+              </a:tblPr>
+              <a:tblGrid>
+                <a:gridCol w="1371600">
+                  <a:extLst>
+                    <a:ext uri="{9D8B030D-6E8A-4147-A177-3AD203B41FA5}">
+                      <a16:colId xmlns:a16="http://schemas.microsoft.com/office/drawing/2014/main" val="1276639656"/>
+                    </a:ext>
+                  </a:extLst>
+                </a:gridCol>
+                <a:gridCol w="2713383">
+                  <a:extLst>
+                    <a:ext uri="{9D8B030D-6E8A-4147-A177-3AD203B41FA5}">
+                      <a16:colId xmlns:a16="http://schemas.microsoft.com/office/drawing/2014/main" val="1041089575"/>
+                    </a:ext>
+                  </a:extLst>
+                </a:gridCol>
+                <a:gridCol w="1639956">
+                  <a:extLst>
+                    <a:ext uri="{9D8B030D-6E8A-4147-A177-3AD203B41FA5}">
+                      <a16:colId xmlns:a16="http://schemas.microsoft.com/office/drawing/2014/main" val="1040664926"/>
+                    </a:ext>
+                  </a:extLst>
+                </a:gridCol>
+                <a:gridCol w="1561548">
+                  <a:extLst>
+                    <a:ext uri="{9D8B030D-6E8A-4147-A177-3AD203B41FA5}">
+                      <a16:colId xmlns:a16="http://schemas.microsoft.com/office/drawing/2014/main" val="3740647774"/>
+                    </a:ext>
+                  </a:extLst>
+                </a:gridCol>
+              </a:tblGrid>
+              <a:tr h="370840">
+                <a:tc>
+                  <a:txBody>
+                    <a:bodyPr/>
+                    <a:lstStyle/>
+                    <a:p>
+                      <a:pPr algn="ctr"/>
+                      <a:r>
+                        <a:rPr lang="zh-CN" altLang="en-US" sz="2400">
+                          <a:latin typeface="华文楷体" panose="02010600040101010101" pitchFamily="2" charset="-122"/>
+                          <a:ea typeface="华文楷体" panose="02010600040101010101" pitchFamily="2" charset="-122"/>
+                        </a:rPr>
+                        <a:t>模型</a:t>
+                      </a:r>
+                      <a:endParaRPr lang="en-US" sz="2400">
+                        <a:latin typeface="华文楷体" panose="02010600040101010101" pitchFamily="2" charset="-122"/>
+                        <a:ea typeface="华文楷体" panose="02010600040101010101" pitchFamily="2" charset="-122"/>
+                      </a:endParaRPr>
+                    </a:p>
+                  </a:txBody>
+                  <a:tcPr/>
+                </a:tc>
+                <a:tc>
+                  <a:txBody>
+                    <a:bodyPr/>
+                    <a:lstStyle/>
+                    <a:p>
+                      <a:pPr algn="ctr"/>
+                      <a:r>
+                        <a:rPr lang="zh-CN" altLang="en-US" sz="2400">
+                          <a:latin typeface="华文楷体" panose="02010600040101010101" pitchFamily="2" charset="-122"/>
+                          <a:ea typeface="华文楷体" panose="02010600040101010101" pitchFamily="2" charset="-122"/>
+                        </a:rPr>
+                        <a:t>形成句子表示方式</a:t>
+                      </a:r>
+                      <a:endParaRPr lang="en-US" sz="2400">
+                        <a:latin typeface="华文楷体" panose="02010600040101010101" pitchFamily="2" charset="-122"/>
+                        <a:ea typeface="华文楷体" panose="02010600040101010101" pitchFamily="2" charset="-122"/>
+                      </a:endParaRPr>
+                    </a:p>
+                  </a:txBody>
+                  <a:tcPr/>
+                </a:tc>
+                <a:tc>
+                  <a:txBody>
+                    <a:bodyPr/>
+                    <a:lstStyle/>
+                    <a:p>
+                      <a:pPr algn="ctr"/>
+                      <a:r>
+                        <a:rPr lang="zh-CN" altLang="en-US" sz="2400">
+                          <a:latin typeface="华文楷体" panose="02010600040101010101" pitchFamily="2" charset="-122"/>
+                          <a:ea typeface="华文楷体" panose="02010600040101010101" pitchFamily="2" charset="-122"/>
+                        </a:rPr>
+                        <a:t>共享模式</a:t>
+                      </a:r>
+                      <a:endParaRPr lang="en-US" sz="2400">
+                        <a:latin typeface="华文楷体" panose="02010600040101010101" pitchFamily="2" charset="-122"/>
+                        <a:ea typeface="华文楷体" panose="02010600040101010101" pitchFamily="2" charset="-122"/>
+                      </a:endParaRPr>
+                    </a:p>
+                  </a:txBody>
+                  <a:tcPr/>
+                </a:tc>
+                <a:tc>
+                  <a:txBody>
+                    <a:bodyPr/>
+                    <a:lstStyle/>
+                    <a:p>
+                      <a:pPr algn="ctr"/>
+                      <a:r>
+                        <a:rPr lang="zh-CN" altLang="en-US" sz="2400">
+                          <a:latin typeface="华文楷体" panose="02010600040101010101" pitchFamily="2" charset="-122"/>
+                          <a:ea typeface="华文楷体" panose="02010600040101010101" pitchFamily="2" charset="-122"/>
+                        </a:rPr>
+                        <a:t>共享方式</a:t>
+                      </a:r>
+                      <a:endParaRPr lang="en-US" sz="2400">
+                        <a:latin typeface="华文楷体" panose="02010600040101010101" pitchFamily="2" charset="-122"/>
+                        <a:ea typeface="华文楷体" panose="02010600040101010101" pitchFamily="2" charset="-122"/>
+                      </a:endParaRPr>
+                    </a:p>
+                  </a:txBody>
+                  <a:tcPr/>
+                </a:tc>
+                <a:extLst>
+                  <a:ext uri="{0D108BD9-81ED-4DB2-BD59-A6C34878D82A}">
+                    <a16:rowId xmlns:a16="http://schemas.microsoft.com/office/drawing/2014/main" val="149414284"/>
+                  </a:ext>
+                </a:extLst>
+              </a:tr>
+              <a:tr h="370840">
+                <a:tc>
+                  <a:txBody>
+                    <a:bodyPr/>
+                    <a:lstStyle/>
+                    <a:p>
+                      <a:pPr algn="ctr"/>
+                      <a:r>
+                        <a:rPr lang="en-US" sz="2400">
+                          <a:latin typeface="华文楷体" panose="02010600040101010101" pitchFamily="2" charset="-122"/>
+                          <a:ea typeface="华文楷体" panose="02010600040101010101" pitchFamily="2" charset="-122"/>
+                        </a:rPr>
+                        <a:t>S-P</a:t>
+                      </a:r>
+                      <a:r>
+                        <a:rPr lang="zh-CN" altLang="en-US" sz="2400">
+                          <a:latin typeface="华文楷体" panose="02010600040101010101" pitchFamily="2" charset="-122"/>
+                          <a:ea typeface="华文楷体" panose="02010600040101010101" pitchFamily="2" charset="-122"/>
+                        </a:rPr>
+                        <a:t>结构</a:t>
+                      </a:r>
+                      <a:endParaRPr lang="en-US" sz="2400">
+                        <a:latin typeface="华文楷体" panose="02010600040101010101" pitchFamily="2" charset="-122"/>
+                        <a:ea typeface="华文楷体" panose="02010600040101010101" pitchFamily="2" charset="-122"/>
+                      </a:endParaRPr>
+                    </a:p>
+                  </a:txBody>
+                  <a:tcPr/>
+                </a:tc>
+                <a:tc>
+                  <a:txBody>
+                    <a:bodyPr/>
+                    <a:lstStyle/>
+                    <a:p>
+                      <a:pPr algn="ctr"/>
+                      <a:r>
+                        <a:rPr lang="zh-CN" altLang="en-US" sz="2400">
+                          <a:latin typeface="华文楷体" panose="02010600040101010101" pitchFamily="2" charset="-122"/>
+                          <a:ea typeface="华文楷体" panose="02010600040101010101" pitchFamily="2" charset="-122"/>
+                        </a:rPr>
+                        <a:t>池化</a:t>
+                      </a:r>
+                      <a:endParaRPr lang="en-US" sz="2400">
+                        <a:latin typeface="华文楷体" panose="02010600040101010101" pitchFamily="2" charset="-122"/>
+                        <a:ea typeface="华文楷体" panose="02010600040101010101" pitchFamily="2" charset="-122"/>
+                      </a:endParaRPr>
+                    </a:p>
+                  </a:txBody>
+                  <a:tcPr/>
+                </a:tc>
+                <a:tc>
+                  <a:txBody>
+                    <a:bodyPr/>
+                    <a:lstStyle/>
+                    <a:p>
+                      <a:pPr algn="ctr"/>
+                      <a:r>
+                        <a:rPr lang="zh-CN" altLang="en-US" sz="2400">
+                          <a:latin typeface="华文楷体" panose="02010600040101010101" pitchFamily="2" charset="-122"/>
+                          <a:ea typeface="华文楷体" panose="02010600040101010101" pitchFamily="2" charset="-122"/>
+                        </a:rPr>
+                        <a:t>硬共享</a:t>
+                      </a:r>
+                      <a:endParaRPr lang="en-US" sz="2400">
+                        <a:latin typeface="华文楷体" panose="02010600040101010101" pitchFamily="2" charset="-122"/>
+                        <a:ea typeface="华文楷体" panose="02010600040101010101" pitchFamily="2" charset="-122"/>
+                      </a:endParaRPr>
+                    </a:p>
+                  </a:txBody>
+                  <a:tcPr/>
+                </a:tc>
+                <a:tc>
+                  <a:txBody>
+                    <a:bodyPr/>
+                    <a:lstStyle/>
+                    <a:p>
+                      <a:pPr algn="ctr"/>
+                      <a:r>
+                        <a:rPr lang="zh-CN" altLang="en-US" sz="2400">
+                          <a:latin typeface="华文楷体" panose="02010600040101010101" pitchFamily="2" charset="-122"/>
+                          <a:ea typeface="华文楷体" panose="02010600040101010101" pitchFamily="2" charset="-122"/>
+                        </a:rPr>
+                        <a:t>隐式共享</a:t>
+                      </a:r>
+                      <a:endParaRPr lang="en-US" sz="2400">
+                        <a:latin typeface="华文楷体" panose="02010600040101010101" pitchFamily="2" charset="-122"/>
+                        <a:ea typeface="华文楷体" panose="02010600040101010101" pitchFamily="2" charset="-122"/>
+                      </a:endParaRPr>
+                    </a:p>
+                  </a:txBody>
+                  <a:tcPr/>
+                </a:tc>
+                <a:extLst>
+                  <a:ext uri="{0D108BD9-81ED-4DB2-BD59-A6C34878D82A}">
+                    <a16:rowId xmlns:a16="http://schemas.microsoft.com/office/drawing/2014/main" val="3263407617"/>
+                  </a:ext>
+                </a:extLst>
+              </a:tr>
+              <a:tr h="370840">
+                <a:tc>
+                  <a:txBody>
+                    <a:bodyPr/>
+                    <a:lstStyle/>
+                    <a:p>
+                      <a:pPr algn="ctr"/>
+                      <a:r>
+                        <a:rPr lang="en-US" sz="2400">
+                          <a:latin typeface="华文楷体" panose="02010600040101010101" pitchFamily="2" charset="-122"/>
+                          <a:ea typeface="华文楷体" panose="02010600040101010101" pitchFamily="2" charset="-122"/>
+                        </a:rPr>
+                        <a:t>S-C</a:t>
+                      </a:r>
+                      <a:r>
+                        <a:rPr lang="zh-CN" altLang="en-US" sz="2400">
+                          <a:latin typeface="华文楷体" panose="02010600040101010101" pitchFamily="2" charset="-122"/>
+                          <a:ea typeface="华文楷体" panose="02010600040101010101" pitchFamily="2" charset="-122"/>
+                        </a:rPr>
+                        <a:t>结构</a:t>
+                      </a:r>
+                      <a:endParaRPr lang="en-US" sz="2400">
+                        <a:latin typeface="华文楷体" panose="02010600040101010101" pitchFamily="2" charset="-122"/>
+                        <a:ea typeface="华文楷体" panose="02010600040101010101" pitchFamily="2" charset="-122"/>
+                      </a:endParaRPr>
+                    </a:p>
+                  </a:txBody>
+                  <a:tcPr/>
+                </a:tc>
+                <a:tc>
+                  <a:txBody>
+                    <a:bodyPr/>
+                    <a:lstStyle/>
+                    <a:p>
+                      <a:pPr algn="ctr"/>
+                      <a:r>
+                        <a:rPr lang="zh-CN" altLang="en-US" sz="2400">
+                          <a:latin typeface="华文楷体" panose="02010600040101010101" pitchFamily="2" charset="-122"/>
+                          <a:ea typeface="华文楷体" panose="02010600040101010101" pitchFamily="2" charset="-122"/>
+                        </a:rPr>
+                        <a:t>特定记号</a:t>
+                      </a:r>
+                      <a:endParaRPr lang="en-US" sz="2400">
+                        <a:latin typeface="华文楷体" panose="02010600040101010101" pitchFamily="2" charset="-122"/>
+                        <a:ea typeface="华文楷体" panose="02010600040101010101" pitchFamily="2" charset="-122"/>
+                      </a:endParaRPr>
+                    </a:p>
+                  </a:txBody>
+                  <a:tcPr/>
+                </a:tc>
+                <a:tc>
+                  <a:txBody>
+                    <a:bodyPr/>
+                    <a:lstStyle/>
+                    <a:p>
+                      <a:pPr algn="ctr"/>
+                      <a:r>
+                        <a:rPr lang="zh-CN" altLang="en-US" sz="2400">
+                          <a:latin typeface="华文楷体" panose="02010600040101010101" pitchFamily="2" charset="-122"/>
+                          <a:ea typeface="华文楷体" panose="02010600040101010101" pitchFamily="2" charset="-122"/>
+                        </a:rPr>
+                        <a:t>硬共享</a:t>
+                      </a:r>
+                      <a:endParaRPr lang="en-US" sz="2400">
+                        <a:latin typeface="华文楷体" panose="02010600040101010101" pitchFamily="2" charset="-122"/>
+                        <a:ea typeface="华文楷体" panose="02010600040101010101" pitchFamily="2" charset="-122"/>
+                      </a:endParaRPr>
+                    </a:p>
+                  </a:txBody>
+                  <a:tcPr/>
+                </a:tc>
+                <a:tc>
+                  <a:txBody>
+                    <a:bodyPr/>
+                    <a:lstStyle/>
+                    <a:p>
+                      <a:pPr algn="ctr"/>
+                      <a:r>
+                        <a:rPr lang="zh-CN" altLang="en-US" sz="2400">
+                          <a:latin typeface="华文楷体" panose="02010600040101010101" pitchFamily="2" charset="-122"/>
+                          <a:ea typeface="华文楷体" panose="02010600040101010101" pitchFamily="2" charset="-122"/>
+                        </a:rPr>
+                        <a:t>隐式共享</a:t>
+                      </a:r>
+                      <a:endParaRPr lang="en-US" sz="2400">
+                        <a:latin typeface="华文楷体" panose="02010600040101010101" pitchFamily="2" charset="-122"/>
+                        <a:ea typeface="华文楷体" panose="02010600040101010101" pitchFamily="2" charset="-122"/>
+                      </a:endParaRPr>
+                    </a:p>
+                  </a:txBody>
+                  <a:tcPr/>
+                </a:tc>
+                <a:extLst>
+                  <a:ext uri="{0D108BD9-81ED-4DB2-BD59-A6C34878D82A}">
+                    <a16:rowId xmlns:a16="http://schemas.microsoft.com/office/drawing/2014/main" val="1475792145"/>
+                  </a:ext>
+                </a:extLst>
+              </a:tr>
+              <a:tr h="370840">
+                <a:tc>
+                  <a:txBody>
+                    <a:bodyPr/>
+                    <a:lstStyle/>
+                    <a:p>
+                      <a:pPr algn="ctr"/>
+                      <a:r>
+                        <a:rPr lang="en-US" sz="2400">
+                          <a:latin typeface="华文楷体" panose="02010600040101010101" pitchFamily="2" charset="-122"/>
+                          <a:ea typeface="华文楷体" panose="02010600040101010101" pitchFamily="2" charset="-122"/>
+                        </a:rPr>
+                        <a:t>L-I</a:t>
+                      </a:r>
+                      <a:r>
+                        <a:rPr lang="zh-CN" altLang="en-US" sz="2400">
+                          <a:latin typeface="华文楷体" panose="02010600040101010101" pitchFamily="2" charset="-122"/>
+                          <a:ea typeface="华文楷体" panose="02010600040101010101" pitchFamily="2" charset="-122"/>
+                        </a:rPr>
+                        <a:t>结构</a:t>
+                      </a:r>
+                      <a:endParaRPr lang="en-US" sz="2400">
+                        <a:latin typeface="华文楷体" panose="02010600040101010101" pitchFamily="2" charset="-122"/>
+                        <a:ea typeface="华文楷体" panose="02010600040101010101" pitchFamily="2" charset="-122"/>
+                      </a:endParaRPr>
+                    </a:p>
+                  </a:txBody>
+                  <a:tcPr/>
+                </a:tc>
+                <a:tc>
+                  <a:txBody>
+                    <a:bodyPr/>
+                    <a:lstStyle/>
+                    <a:p>
+                      <a:pPr algn="ctr"/>
+                      <a:r>
+                        <a:rPr lang="zh-CN" altLang="en-US" sz="2400">
+                          <a:latin typeface="华文楷体" panose="02010600040101010101" pitchFamily="2" charset="-122"/>
+                          <a:ea typeface="华文楷体" panose="02010600040101010101" pitchFamily="2" charset="-122"/>
+                        </a:rPr>
+                        <a:t>特定记号</a:t>
+                      </a:r>
+                      <a:endParaRPr lang="en-US" sz="2400">
+                        <a:latin typeface="华文楷体" panose="02010600040101010101" pitchFamily="2" charset="-122"/>
+                        <a:ea typeface="华文楷体" panose="02010600040101010101" pitchFamily="2" charset="-122"/>
+                      </a:endParaRPr>
+                    </a:p>
+                  </a:txBody>
+                  <a:tcPr/>
+                </a:tc>
+                <a:tc>
+                  <a:txBody>
+                    <a:bodyPr/>
+                    <a:lstStyle/>
+                    <a:p>
+                      <a:pPr algn="ctr"/>
+                      <a:r>
+                        <a:rPr lang="zh-CN" altLang="en-US" sz="2400">
+                          <a:latin typeface="华文楷体" panose="02010600040101010101" pitchFamily="2" charset="-122"/>
+                          <a:ea typeface="华文楷体" panose="02010600040101010101" pitchFamily="2" charset="-122"/>
+                        </a:rPr>
+                        <a:t>逐层共享</a:t>
+                      </a:r>
+                      <a:endParaRPr lang="en-US" sz="2400">
+                        <a:latin typeface="华文楷体" panose="02010600040101010101" pitchFamily="2" charset="-122"/>
+                        <a:ea typeface="华文楷体" panose="02010600040101010101" pitchFamily="2" charset="-122"/>
+                      </a:endParaRPr>
+                    </a:p>
+                  </a:txBody>
+                  <a:tcPr/>
+                </a:tc>
+                <a:tc>
+                  <a:txBody>
+                    <a:bodyPr/>
+                    <a:lstStyle/>
+                    <a:p>
+                      <a:pPr algn="ctr"/>
+                      <a:r>
+                        <a:rPr lang="zh-CN" altLang="en-US" sz="2400">
+                          <a:latin typeface="华文楷体" panose="02010600040101010101" pitchFamily="2" charset="-122"/>
+                          <a:ea typeface="华文楷体" panose="02010600040101010101" pitchFamily="2" charset="-122"/>
+                        </a:rPr>
+                        <a:t>隐式共享</a:t>
+                      </a:r>
+                      <a:endParaRPr lang="en-US" sz="2400">
+                        <a:latin typeface="华文楷体" panose="02010600040101010101" pitchFamily="2" charset="-122"/>
+                        <a:ea typeface="华文楷体" panose="02010600040101010101" pitchFamily="2" charset="-122"/>
+                      </a:endParaRPr>
+                    </a:p>
+                  </a:txBody>
+                  <a:tcPr/>
+                </a:tc>
+                <a:extLst>
+                  <a:ext uri="{0D108BD9-81ED-4DB2-BD59-A6C34878D82A}">
+                    <a16:rowId xmlns:a16="http://schemas.microsoft.com/office/drawing/2014/main" val="15401253"/>
+                  </a:ext>
+                </a:extLst>
+              </a:tr>
+              <a:tr h="370840">
+                <a:tc>
+                  <a:txBody>
+                    <a:bodyPr/>
+                    <a:lstStyle/>
+                    <a:p>
+                      <a:pPr algn="ctr"/>
+                      <a:r>
+                        <a:rPr lang="en-US" sz="2400">
+                          <a:latin typeface="华文楷体" panose="02010600040101010101" pitchFamily="2" charset="-122"/>
+                          <a:ea typeface="华文楷体" panose="02010600040101010101" pitchFamily="2" charset="-122"/>
+                        </a:rPr>
+                        <a:t>L-E</a:t>
+                      </a:r>
+                      <a:r>
+                        <a:rPr lang="zh-CN" altLang="en-US" sz="2400">
+                          <a:latin typeface="华文楷体" panose="02010600040101010101" pitchFamily="2" charset="-122"/>
+                          <a:ea typeface="华文楷体" panose="02010600040101010101" pitchFamily="2" charset="-122"/>
+                        </a:rPr>
+                        <a:t>结构</a:t>
+                      </a:r>
+                      <a:endParaRPr lang="en-US" sz="2400">
+                        <a:latin typeface="华文楷体" panose="02010600040101010101" pitchFamily="2" charset="-122"/>
+                        <a:ea typeface="华文楷体" panose="02010600040101010101" pitchFamily="2" charset="-122"/>
+                      </a:endParaRPr>
+                    </a:p>
+                  </a:txBody>
+                  <a:tcPr/>
+                </a:tc>
+                <a:tc>
+                  <a:txBody>
+                    <a:bodyPr/>
+                    <a:lstStyle/>
+                    <a:p>
+                      <a:pPr algn="ctr"/>
+                      <a:r>
+                        <a:rPr lang="zh-CN" altLang="en-US" sz="2400">
+                          <a:latin typeface="华文楷体" panose="02010600040101010101" pitchFamily="2" charset="-122"/>
+                          <a:ea typeface="华文楷体" panose="02010600040101010101" pitchFamily="2" charset="-122"/>
+                        </a:rPr>
+                        <a:t>特定记号</a:t>
+                      </a:r>
+                    </a:p>
+                  </a:txBody>
+                  <a:tcPr/>
+                </a:tc>
+                <a:tc>
+                  <a:txBody>
+                    <a:bodyPr/>
+                    <a:lstStyle/>
+                    <a:p>
+                      <a:pPr algn="ctr"/>
+                      <a:r>
+                        <a:rPr lang="zh-CN" altLang="en-US" sz="2400">
+                          <a:latin typeface="华文楷体" panose="02010600040101010101" pitchFamily="2" charset="-122"/>
+                          <a:ea typeface="华文楷体" panose="02010600040101010101" pitchFamily="2" charset="-122"/>
+                        </a:rPr>
+                        <a:t>逐层共享</a:t>
+                      </a:r>
+                      <a:endParaRPr lang="en-US" sz="2400">
+                        <a:latin typeface="华文楷体" panose="02010600040101010101" pitchFamily="2" charset="-122"/>
+                        <a:ea typeface="华文楷体" panose="02010600040101010101" pitchFamily="2" charset="-122"/>
+                      </a:endParaRPr>
+                    </a:p>
+                  </a:txBody>
+                  <a:tcPr/>
+                </a:tc>
+                <a:tc>
+                  <a:txBody>
+                    <a:bodyPr/>
+                    <a:lstStyle/>
+                    <a:p>
+                      <a:pPr algn="ctr"/>
+                      <a:r>
+                        <a:rPr lang="zh-CN" altLang="en-US" sz="2400">
+                          <a:latin typeface="华文楷体" panose="02010600040101010101" pitchFamily="2" charset="-122"/>
+                          <a:ea typeface="华文楷体" panose="02010600040101010101" pitchFamily="2" charset="-122"/>
+                        </a:rPr>
+                        <a:t>显式共享</a:t>
+                      </a:r>
+                      <a:endParaRPr lang="en-US" sz="2400">
+                        <a:latin typeface="华文楷体" panose="02010600040101010101" pitchFamily="2" charset="-122"/>
+                        <a:ea typeface="华文楷体" panose="02010600040101010101" pitchFamily="2" charset="-122"/>
+                      </a:endParaRPr>
+                    </a:p>
+                  </a:txBody>
+                  <a:tcPr/>
+                </a:tc>
+                <a:extLst>
+                  <a:ext uri="{0D108BD9-81ED-4DB2-BD59-A6C34878D82A}">
+                    <a16:rowId xmlns:a16="http://schemas.microsoft.com/office/drawing/2014/main" val="4095804750"/>
+                  </a:ext>
+                </a:extLst>
+              </a:tr>
+            </a:tbl>
+          </a:graphicData>
+        </a:graphic>
+      </p:graphicFrame>
+      <p:sp>
+        <p:nvSpPr>
+          <p:cNvPr id="12" name="文本框 11">
+            <a:extLst>
+              <a:ext uri="{FF2B5EF4-FFF2-40B4-BE49-F238E27FC236}">
+                <a16:creationId xmlns:a16="http://schemas.microsoft.com/office/drawing/2014/main" id="{135DB5C7-B85C-4175-97B2-FED7046E1718}"/>
+              </a:ext>
+            </a:extLst>
+          </p:cNvPr>
+          <p:cNvSpPr txBox="1"/>
+          <p:nvPr/>
+        </p:nvSpPr>
+        <p:spPr>
+          <a:xfrm>
+            <a:off x="305337" y="3923905"/>
+            <a:ext cx="11704842" cy="2616101"/>
+          </a:xfrm>
+          <a:prstGeom prst="rect">
+            <a:avLst/>
+          </a:prstGeom>
+          <a:noFill/>
+        </p:spPr>
+        <p:txBody>
+          <a:bodyPr wrap="square" rtlCol="0">
+            <a:spAutoFit/>
+          </a:bodyPr>
+          <a:lstStyle/>
+          <a:p>
+            <a:pPr marL="457200" indent="-457200">
+              <a:lnSpc>
+                <a:spcPct val="150000"/>
+              </a:lnSpc>
+              <a:buClr>
+                <a:srgbClr val="C55A11"/>
+              </a:buClr>
+              <a:buFont typeface="Wingdings" panose="05000000000000000000" pitchFamily="2" charset="2"/>
+              <a:buChar char="Ø"/>
+            </a:pPr>
+            <a:r>
+              <a:rPr lang="zh-CN" altLang="en-US" sz="2800">
+                <a:latin typeface="华文楷体" panose="02010600040101010101" pitchFamily="2" charset="-122"/>
+                <a:ea typeface="华文楷体" panose="02010600040101010101" pitchFamily="2" charset="-122"/>
+              </a:rPr>
+              <a:t>软共享也可以在每一层形成任务特定表示，因此逐层共享可以归为软共享的范畴，但与传统的软共享模式由有一些不同</a:t>
+            </a:r>
+            <a:endParaRPr lang="en-US" altLang="zh-CN" sz="2800">
+              <a:latin typeface="华文楷体" panose="02010600040101010101" pitchFamily="2" charset="-122"/>
+              <a:ea typeface="华文楷体" panose="02010600040101010101" pitchFamily="2" charset="-122"/>
+            </a:endParaRPr>
+          </a:p>
+          <a:p>
+            <a:pPr marL="914400" lvl="1" indent="-457200">
+              <a:lnSpc>
+                <a:spcPct val="150000"/>
+              </a:lnSpc>
+              <a:buClr>
+                <a:srgbClr val="C55A11"/>
+              </a:buClr>
+              <a:buFont typeface="Arial" panose="020B0604020202020204" pitchFamily="34" charset="0"/>
+              <a:buChar char="•"/>
+            </a:pPr>
+            <a:r>
+              <a:rPr lang="zh-CN" altLang="en-US" sz="2800">
+                <a:latin typeface="华文楷体" panose="02010600040101010101" pitchFamily="2" charset="-122"/>
+                <a:ea typeface="华文楷体" panose="02010600040101010101" pitchFamily="2" charset="-122"/>
+              </a:rPr>
+              <a:t>参数量大大减少</a:t>
+            </a:r>
+            <a:endParaRPr lang="en-US" altLang="zh-CN" sz="2800">
+              <a:latin typeface="华文楷体" panose="02010600040101010101" pitchFamily="2" charset="-122"/>
+              <a:ea typeface="华文楷体" panose="02010600040101010101" pitchFamily="2" charset="-122"/>
+            </a:endParaRPr>
+          </a:p>
+          <a:p>
+            <a:pPr marL="914400" lvl="1" indent="-457200">
+              <a:lnSpc>
+                <a:spcPct val="150000"/>
+              </a:lnSpc>
+              <a:buClr>
+                <a:srgbClr val="C55A11"/>
+              </a:buClr>
+              <a:buFont typeface="Arial" panose="020B0604020202020204" pitchFamily="34" charset="0"/>
+              <a:buChar char="•"/>
+            </a:pPr>
+            <a:r>
+              <a:rPr lang="zh-CN" altLang="en-US" sz="2800">
+                <a:latin typeface="华文楷体" panose="02010600040101010101" pitchFamily="2" charset="-122"/>
+                <a:ea typeface="华文楷体" panose="02010600040101010101" pitchFamily="2" charset="-122"/>
+              </a:rPr>
+              <a:t>根据输入动态共享（与谁共享、共享多少）</a:t>
+            </a:r>
+            <a:endParaRPr lang="en-US" altLang="zh-CN" sz="2800">
+              <a:latin typeface="华文楷体" panose="02010600040101010101" pitchFamily="2" charset="-122"/>
+              <a:ea typeface="华文楷体" panose="02010600040101010101" pitchFamily="2" charset="-122"/>
+            </a:endParaRPr>
+          </a:p>
+        </p:txBody>
+      </p:sp>
     </p:spTree>
     <p:custDataLst>
       <p:tags r:id="rId1"/>
     </p:custDataLst>
     <p:extLst>
       <p:ext uri="{BB962C8B-B14F-4D97-AF65-F5344CB8AC3E}">
-        <p14:creationId xmlns:p14="http://schemas.microsoft.com/office/powerpoint/2010/main" val="2795775348"/>
+        <p14:creationId xmlns:p14="http://schemas.microsoft.com/office/powerpoint/2010/main" val="2578670585"/>
       </p:ext>
     </p:extLst>
   </p:cSld>
@@ -17053,7 +18721,7 @@
           <a:lstStyle/>
           <a:p>
             <a:r>
-              <a:rPr lang="zh-CN" altLang="en-US" sz="3600" b="1" dirty="0">
+              <a:rPr lang="zh-CN" altLang="en-US" sz="3600" b="1">
                 <a:solidFill>
                   <a:schemeClr val="tx1">
                     <a:lumMod val="75000"/>
@@ -17063,7 +18731,7 @@
                 <a:latin typeface="华文楷体" panose="02010600040101010101" pitchFamily="2" charset="-122"/>
                 <a:ea typeface="华文楷体" panose="02010600040101010101" pitchFamily="2" charset="-122"/>
               </a:rPr>
-              <a:t>实验结果</a:t>
+              <a:t>模型实现</a:t>
             </a:r>
             <a:endParaRPr lang="zh-CN" altLang="en-US" sz="3600" b="1" dirty="0">
               <a:solidFill>
@@ -17075,13 +18743,224 @@
           </a:p>
         </p:txBody>
       </p:sp>
+      <p:pic>
+        <p:nvPicPr>
+          <p:cNvPr id="4" name="图片 3">
+            <a:extLst>
+              <a:ext uri="{FF2B5EF4-FFF2-40B4-BE49-F238E27FC236}">
+                <a16:creationId xmlns:a16="http://schemas.microsoft.com/office/drawing/2014/main" id="{7807B69E-5596-420A-942A-A90C01F2691B}"/>
+              </a:ext>
+            </a:extLst>
+          </p:cNvPr>
+          <p:cNvPicPr>
+            <a:picLocks noChangeAspect="1"/>
+          </p:cNvPicPr>
+          <p:nvPr/>
+        </p:nvPicPr>
+        <p:blipFill>
+          <a:blip r:embed="rId8">
+            <a:extLst>
+              <a:ext uri="{28A0092B-C50C-407E-A947-70E740481C1C}">
+                <a14:useLocalDpi xmlns:a14="http://schemas.microsoft.com/office/drawing/2010/main" val="0"/>
+              </a:ext>
+            </a:extLst>
+          </a:blip>
+          <a:stretch>
+            <a:fillRect/>
+          </a:stretch>
+        </p:blipFill>
+        <p:spPr>
+          <a:xfrm>
+            <a:off x="270929" y="2133192"/>
+            <a:ext cx="5646909" cy="2331922"/>
+          </a:xfrm>
+          <a:prstGeom prst="rect">
+            <a:avLst/>
+          </a:prstGeom>
+        </p:spPr>
+      </p:pic>
+      <p:sp>
+        <p:nvSpPr>
+          <p:cNvPr id="9" name="文本框 8">
+            <a:extLst>
+              <a:ext uri="{FF2B5EF4-FFF2-40B4-BE49-F238E27FC236}">
+                <a16:creationId xmlns:a16="http://schemas.microsoft.com/office/drawing/2014/main" id="{E5849DD0-2081-45CD-8C5C-8DC08064BF39}"/>
+              </a:ext>
+            </a:extLst>
+          </p:cNvPr>
+          <p:cNvSpPr txBox="1"/>
+          <p:nvPr/>
+        </p:nvSpPr>
+        <p:spPr>
+          <a:xfrm>
+            <a:off x="181821" y="1287077"/>
+            <a:ext cx="5914179" cy="3908762"/>
+          </a:xfrm>
+          <a:prstGeom prst="rect">
+            <a:avLst/>
+          </a:prstGeom>
+          <a:noFill/>
+        </p:spPr>
+        <p:txBody>
+          <a:bodyPr wrap="square" rtlCol="0">
+            <a:spAutoFit/>
+          </a:bodyPr>
+          <a:lstStyle/>
+          <a:p>
+            <a:pPr marL="457200" indent="-457200">
+              <a:lnSpc>
+                <a:spcPct val="150000"/>
+              </a:lnSpc>
+              <a:buClr>
+                <a:srgbClr val="C55A11"/>
+              </a:buClr>
+              <a:buFont typeface="Wingdings" panose="05000000000000000000" pitchFamily="2" charset="2"/>
+              <a:buChar char="Ø"/>
+            </a:pPr>
+            <a:r>
+              <a:rPr lang="zh-CN" altLang="en-US" sz="2800">
+                <a:latin typeface="华文楷体" panose="02010600040101010101" pitchFamily="2" charset="-122"/>
+                <a:ea typeface="华文楷体" panose="02010600040101010101" pitchFamily="2" charset="-122"/>
+              </a:rPr>
+              <a:t>开发环境</a:t>
+            </a:r>
+            <a:endParaRPr lang="en-US" altLang="zh-CN" sz="2800">
+              <a:latin typeface="华文楷体" panose="02010600040101010101" pitchFamily="2" charset="-122"/>
+              <a:ea typeface="华文楷体" panose="02010600040101010101" pitchFamily="2" charset="-122"/>
+            </a:endParaRPr>
+          </a:p>
+          <a:p>
+            <a:pPr marL="457200" indent="-457200">
+              <a:lnSpc>
+                <a:spcPct val="150000"/>
+              </a:lnSpc>
+              <a:buClr>
+                <a:srgbClr val="C55A11"/>
+              </a:buClr>
+              <a:buFont typeface="Wingdings" panose="05000000000000000000" pitchFamily="2" charset="2"/>
+              <a:buChar char="Ø"/>
+            </a:pPr>
+            <a:endParaRPr lang="en-US" altLang="zh-CN" sz="2800">
+              <a:latin typeface="华文楷体" panose="02010600040101010101" pitchFamily="2" charset="-122"/>
+              <a:ea typeface="华文楷体" panose="02010600040101010101" pitchFamily="2" charset="-122"/>
+            </a:endParaRPr>
+          </a:p>
+          <a:p>
+            <a:pPr marL="457200" indent="-457200">
+              <a:lnSpc>
+                <a:spcPct val="150000"/>
+              </a:lnSpc>
+              <a:buClr>
+                <a:srgbClr val="C55A11"/>
+              </a:buClr>
+              <a:buFont typeface="Wingdings" panose="05000000000000000000" pitchFamily="2" charset="2"/>
+              <a:buChar char="Ø"/>
+            </a:pPr>
+            <a:endParaRPr lang="en-US" altLang="zh-CN" sz="2800">
+              <a:latin typeface="华文楷体" panose="02010600040101010101" pitchFamily="2" charset="-122"/>
+              <a:ea typeface="华文楷体" panose="02010600040101010101" pitchFamily="2" charset="-122"/>
+            </a:endParaRPr>
+          </a:p>
+          <a:p>
+            <a:pPr marL="457200" indent="-457200">
+              <a:lnSpc>
+                <a:spcPct val="150000"/>
+              </a:lnSpc>
+              <a:buClr>
+                <a:srgbClr val="C55A11"/>
+              </a:buClr>
+              <a:buFont typeface="Wingdings" panose="05000000000000000000" pitchFamily="2" charset="2"/>
+              <a:buChar char="Ø"/>
+            </a:pPr>
+            <a:endParaRPr lang="en-US" altLang="zh-CN" sz="2800">
+              <a:latin typeface="华文楷体" panose="02010600040101010101" pitchFamily="2" charset="-122"/>
+              <a:ea typeface="华文楷体" panose="02010600040101010101" pitchFamily="2" charset="-122"/>
+            </a:endParaRPr>
+          </a:p>
+          <a:p>
+            <a:pPr marL="457200" indent="-457200">
+              <a:lnSpc>
+                <a:spcPct val="150000"/>
+              </a:lnSpc>
+              <a:buClr>
+                <a:srgbClr val="C55A11"/>
+              </a:buClr>
+              <a:buFont typeface="Wingdings" panose="05000000000000000000" pitchFamily="2" charset="2"/>
+              <a:buChar char="Ø"/>
+            </a:pPr>
+            <a:endParaRPr lang="en-US" altLang="zh-CN" sz="2800">
+              <a:latin typeface="华文楷体" panose="02010600040101010101" pitchFamily="2" charset="-122"/>
+              <a:ea typeface="华文楷体" panose="02010600040101010101" pitchFamily="2" charset="-122"/>
+            </a:endParaRPr>
+          </a:p>
+          <a:p>
+            <a:pPr marL="457200" indent="-457200">
+              <a:lnSpc>
+                <a:spcPct val="150000"/>
+              </a:lnSpc>
+              <a:buClr>
+                <a:srgbClr val="C55A11"/>
+              </a:buClr>
+              <a:buFont typeface="Wingdings" panose="05000000000000000000" pitchFamily="2" charset="2"/>
+              <a:buChar char="Ø"/>
+            </a:pPr>
+            <a:r>
+              <a:rPr lang="zh-CN" altLang="en-US" sz="2800" dirty="0">
+                <a:latin typeface="华文楷体" panose="02010600040101010101" pitchFamily="2" charset="-122"/>
+                <a:ea typeface="华文楷体" panose="02010600040101010101" pitchFamily="2" charset="-122"/>
+              </a:rPr>
+              <a:t>训练过程</a:t>
+            </a:r>
+            <a:endParaRPr lang="en-US" altLang="zh-CN" sz="2800">
+              <a:latin typeface="华文楷体" panose="02010600040101010101" pitchFamily="2" charset="-122"/>
+              <a:ea typeface="华文楷体" panose="02010600040101010101" pitchFamily="2" charset="-122"/>
+            </a:endParaRPr>
+          </a:p>
+        </p:txBody>
+      </p:sp>
+      <p:pic>
+        <p:nvPicPr>
+          <p:cNvPr id="8" name="图片 7">
+            <a:extLst>
+              <a:ext uri="{FF2B5EF4-FFF2-40B4-BE49-F238E27FC236}">
+                <a16:creationId xmlns:a16="http://schemas.microsoft.com/office/drawing/2014/main" id="{94ADACA6-75DA-4B5C-858A-9AE067A9CAAC}"/>
+              </a:ext>
+            </a:extLst>
+          </p:cNvPr>
+          <p:cNvPicPr>
+            <a:picLocks noChangeAspect="1"/>
+          </p:cNvPicPr>
+          <p:nvPr/>
+        </p:nvPicPr>
+        <p:blipFill>
+          <a:blip r:embed="rId9">
+            <a:extLst>
+              <a:ext uri="{28A0092B-C50C-407E-A947-70E740481C1C}">
+                <a14:useLocalDpi xmlns:a14="http://schemas.microsoft.com/office/drawing/2010/main" val="0"/>
+              </a:ext>
+            </a:extLst>
+          </a:blip>
+          <a:stretch>
+            <a:fillRect/>
+          </a:stretch>
+        </p:blipFill>
+        <p:spPr>
+          <a:xfrm>
+            <a:off x="6428638" y="139459"/>
+            <a:ext cx="5581542" cy="6386959"/>
+          </a:xfrm>
+          <a:prstGeom prst="rect">
+            <a:avLst/>
+          </a:prstGeom>
+        </p:spPr>
+      </p:pic>
     </p:spTree>
     <p:custDataLst>
       <p:tags r:id="rId1"/>
     </p:custDataLst>
     <p:extLst>
       <p:ext uri="{BB962C8B-B14F-4D97-AF65-F5344CB8AC3E}">
-        <p14:creationId xmlns:p14="http://schemas.microsoft.com/office/powerpoint/2010/main" val="262532577"/>
+        <p14:creationId xmlns:p14="http://schemas.microsoft.com/office/powerpoint/2010/main" val="280269541"/>
       </p:ext>
     </p:extLst>
   </p:cSld>
@@ -17315,7 +19194,7 @@
         <p:spPr>
           <a:xfrm>
             <a:off x="181821" y="331578"/>
-            <a:ext cx="8461513" cy="646331"/>
+            <a:ext cx="10860553" cy="646331"/>
           </a:xfrm>
           <a:prstGeom prst="rect">
             <a:avLst/>
@@ -17327,16 +19206,6 @@
           </a:bodyPr>
           <a:lstStyle/>
           <a:p>
-            <a:r>
-              <a:rPr lang="zh-CN" altLang="en-US" sz="3600" b="1" dirty="0">
-                <a:solidFill>
-                  <a:srgbClr val="C55A11"/>
-                </a:solidFill>
-                <a:latin typeface="华文楷体" panose="02010600040101010101" pitchFamily="2" charset="-122"/>
-                <a:ea typeface="华文楷体" panose="02010600040101010101" pitchFamily="2" charset="-122"/>
-              </a:rPr>
-              <a:t>目录</a:t>
-            </a:r>
             <a:r>
               <a:rPr lang="zh-CN" altLang="en-US" sz="3600" b="1" dirty="0">
                 <a:solidFill>
@@ -17348,33 +19217,7 @@
                 <a:latin typeface="华文楷体" panose="02010600040101010101" pitchFamily="2" charset="-122"/>
                 <a:ea typeface="华文楷体" panose="02010600040101010101" pitchFamily="2" charset="-122"/>
               </a:rPr>
-              <a:t> </a:t>
-            </a:r>
-            <a:r>
-              <a:rPr lang="en-US" altLang="zh-CN" sz="3600" b="1" dirty="0">
-                <a:solidFill>
-                  <a:schemeClr val="tx1">
-                    <a:lumMod val="75000"/>
-                    <a:lumOff val="25000"/>
-                  </a:schemeClr>
-                </a:solidFill>
-                <a:latin typeface="华文楷体" panose="02010600040101010101" pitchFamily="2" charset="-122"/>
-                <a:ea typeface="华文楷体" panose="02010600040101010101" pitchFamily="2" charset="-122"/>
-              </a:rPr>
-              <a:t>– </a:t>
-            </a:r>
-            <a:r>
-              <a:rPr lang="zh-CN" altLang="en-US" sz="3600" b="1" dirty="0">
-                <a:solidFill>
-                  <a:schemeClr val="tx1">
-                    <a:lumMod val="75000"/>
-                    <a:lumOff val="25000"/>
-                  </a:schemeClr>
-                </a:solidFill>
-                <a:latin typeface="华文楷体" panose="02010600040101010101" pitchFamily="2" charset="-122"/>
-                <a:ea typeface="华文楷体" panose="02010600040101010101" pitchFamily="2" charset="-122"/>
-              </a:rPr>
-              <a:t>总结</a:t>
+              <a:t>实验任务</a:t>
             </a:r>
             <a:endParaRPr lang="zh-CN" altLang="en-US" sz="3600" b="1" dirty="0">
               <a:solidFill>
@@ -17386,12 +19229,48 @@
           </a:p>
         </p:txBody>
       </p:sp>
-      <p:sp>
-        <p:nvSpPr>
-          <p:cNvPr id="18" name="文本框 17">
+      <p:pic>
+        <p:nvPicPr>
+          <p:cNvPr id="4" name="图片 3">
             <a:extLst>
               <a:ext uri="{FF2B5EF4-FFF2-40B4-BE49-F238E27FC236}">
-                <a16:creationId xmlns:a16="http://schemas.microsoft.com/office/drawing/2014/main" id="{2116245A-D1CA-4242-A875-FA94B7E9ADE9}"/>
+                <a16:creationId xmlns:a16="http://schemas.microsoft.com/office/drawing/2014/main" id="{64BAD0F0-957C-4589-ABFC-6ED7DD8966AB}"/>
+              </a:ext>
+            </a:extLst>
+          </p:cNvPr>
+          <p:cNvPicPr>
+            <a:picLocks noChangeAspect="1"/>
+          </p:cNvPicPr>
+          <p:nvPr/>
+        </p:nvPicPr>
+        <p:blipFill>
+          <a:blip r:embed="rId8">
+            <a:extLst>
+              <a:ext uri="{28A0092B-C50C-407E-A947-70E740481C1C}">
+                <a14:useLocalDpi xmlns:a14="http://schemas.microsoft.com/office/drawing/2010/main" val="0"/>
+              </a:ext>
+            </a:extLst>
+          </a:blip>
+          <a:stretch>
+            <a:fillRect/>
+          </a:stretch>
+        </p:blipFill>
+        <p:spPr>
+          <a:xfrm>
+            <a:off x="5863856" y="1708640"/>
+            <a:ext cx="6019548" cy="4497462"/>
+          </a:xfrm>
+          <a:prstGeom prst="rect">
+            <a:avLst/>
+          </a:prstGeom>
+        </p:spPr>
+      </p:pic>
+      <p:sp>
+        <p:nvSpPr>
+          <p:cNvPr id="9" name="文本框 8">
+            <a:extLst>
+              <a:ext uri="{FF2B5EF4-FFF2-40B4-BE49-F238E27FC236}">
+                <a16:creationId xmlns:a16="http://schemas.microsoft.com/office/drawing/2014/main" id="{DD3DE29E-5219-4BD3-9138-BADE4ABB2B51}"/>
               </a:ext>
             </a:extLst>
           </p:cNvPr>
@@ -17400,8 +19279,8 @@
         </p:nvSpPr>
         <p:spPr>
           <a:xfrm>
-            <a:off x="181821" y="1357673"/>
-            <a:ext cx="7286762" cy="3908762"/>
+            <a:off x="181821" y="1287077"/>
+            <a:ext cx="5682035" cy="3262432"/>
           </a:xfrm>
           <a:prstGeom prst="rect">
             <a:avLst/>
@@ -17422,16 +19301,16 @@
                 <a:srgbClr val="C55A11"/>
               </a:buClr>
               <a:buFont typeface="Wingdings" panose="05000000000000000000" pitchFamily="2" charset="2"/>
-              <a:buChar char="n"/>
+              <a:buChar char="Ø"/>
             </a:pPr>
             <a:r>
-              <a:rPr lang="zh-CN" altLang="en-US" sz="2800" b="1" dirty="0">
-                <a:latin typeface="华文楷体" panose="02010600040101010101" pitchFamily="2" charset="-122"/>
-                <a:ea typeface="华文楷体" panose="02010600040101010101" pitchFamily="2" charset="-122"/>
-              </a:rPr>
-              <a:t>研究意义</a:t>
-            </a:r>
-            <a:endParaRPr lang="en-US" altLang="zh-CN" sz="2800" b="1" dirty="0">
+              <a:rPr lang="zh-CN" altLang="en-US" sz="2800">
+                <a:latin typeface="华文楷体" panose="02010600040101010101" pitchFamily="2" charset="-122"/>
+                <a:ea typeface="华文楷体" panose="02010600040101010101" pitchFamily="2" charset="-122"/>
+              </a:rPr>
+              <a:t>文本分类（情感分析）</a:t>
+            </a:r>
+            <a:endParaRPr lang="en-US" altLang="zh-CN" sz="2800">
               <a:latin typeface="华文楷体" panose="02010600040101010101" pitchFamily="2" charset="-122"/>
               <a:ea typeface="华文楷体" panose="02010600040101010101" pitchFamily="2" charset="-122"/>
             </a:endParaRPr>
@@ -17445,16 +19324,23 @@
                 <a:srgbClr val="C55A11"/>
               </a:buClr>
               <a:buFont typeface="Wingdings" panose="05000000000000000000" pitchFamily="2" charset="2"/>
-              <a:buChar char="n"/>
+              <a:buChar char="Ø"/>
             </a:pPr>
             <a:r>
-              <a:rPr lang="zh-CN" altLang="en-US" sz="2800" b="1" dirty="0">
-                <a:latin typeface="华文楷体" panose="02010600040101010101" pitchFamily="2" charset="-122"/>
-                <a:ea typeface="华文楷体" panose="02010600040101010101" pitchFamily="2" charset="-122"/>
-              </a:rPr>
-              <a:t>相关研究进展</a:t>
-            </a:r>
-            <a:endParaRPr lang="en-US" altLang="zh-CN" sz="2800" b="1" dirty="0">
+              <a:rPr lang="en-US" altLang="zh-CN" sz="2800">
+                <a:latin typeface="华文楷体" panose="02010600040101010101" pitchFamily="2" charset="-122"/>
+                <a:ea typeface="华文楷体" panose="02010600040101010101" pitchFamily="2" charset="-122"/>
+              </a:rPr>
+              <a:t>16</a:t>
+            </a:r>
+            <a:r>
+              <a:rPr lang="zh-CN" altLang="en-US" sz="2800">
+                <a:latin typeface="华文楷体" panose="02010600040101010101" pitchFamily="2" charset="-122"/>
+                <a:ea typeface="华文楷体" panose="02010600040101010101" pitchFamily="2" charset="-122"/>
+              </a:rPr>
+              <a:t>个数据集，样本分别来自不同领域</a:t>
+            </a:r>
+            <a:endParaRPr lang="en-US" altLang="zh-CN" sz="2800">
               <a:latin typeface="华文楷体" panose="02010600040101010101" pitchFamily="2" charset="-122"/>
               <a:ea typeface="华文楷体" panose="02010600040101010101" pitchFamily="2" charset="-122"/>
             </a:endParaRPr>
@@ -17468,91 +19354,44 @@
                 <a:srgbClr val="C55A11"/>
               </a:buClr>
               <a:buFont typeface="Wingdings" panose="05000000000000000000" pitchFamily="2" charset="2"/>
-              <a:buChar char="n"/>
+              <a:buChar char="Ø"/>
             </a:pPr>
             <a:r>
-              <a:rPr lang="zh-CN" altLang="en-US" sz="2800" b="1" dirty="0">
-                <a:latin typeface="华文楷体" panose="02010600040101010101" pitchFamily="2" charset="-122"/>
-                <a:ea typeface="华文楷体" panose="02010600040101010101" pitchFamily="2" charset="-122"/>
-              </a:rPr>
-              <a:t>模型与实验</a:t>
-            </a:r>
-            <a:endParaRPr lang="en-US" altLang="zh-CN" sz="2800" b="1" dirty="0">
-              <a:latin typeface="华文楷体" panose="02010600040101010101" pitchFamily="2" charset="-122"/>
-              <a:ea typeface="华文楷体" panose="02010600040101010101" pitchFamily="2" charset="-122"/>
-            </a:endParaRPr>
-          </a:p>
-          <a:p>
-            <a:pPr marL="457200" indent="-457200">
-              <a:lnSpc>
-                <a:spcPct val="150000"/>
-              </a:lnSpc>
-              <a:buClr>
-                <a:srgbClr val="C55A11"/>
-              </a:buClr>
-              <a:buFont typeface="Wingdings" panose="05000000000000000000" pitchFamily="2" charset="2"/>
-              <a:buChar char="n"/>
-            </a:pPr>
-            <a:r>
-              <a:rPr lang="zh-CN" altLang="en-US" sz="2800" b="1" dirty="0">
-                <a:solidFill>
-                  <a:srgbClr val="C55A11"/>
-                </a:solidFill>
-                <a:latin typeface="华文楷体" panose="02010600040101010101" pitchFamily="2" charset="-122"/>
-                <a:ea typeface="华文楷体" panose="02010600040101010101" pitchFamily="2" charset="-122"/>
-              </a:rPr>
-              <a:t>总结</a:t>
-            </a:r>
-            <a:endParaRPr lang="en-US" altLang="zh-CN" sz="2800" b="1" dirty="0">
-              <a:solidFill>
-                <a:srgbClr val="C55A11"/>
-              </a:solidFill>
-              <a:latin typeface="华文楷体" panose="02010600040101010101" pitchFamily="2" charset="-122"/>
-              <a:ea typeface="华文楷体" panose="02010600040101010101" pitchFamily="2" charset="-122"/>
-            </a:endParaRPr>
-          </a:p>
-          <a:p>
-            <a:pPr marL="914400" lvl="1" indent="-457200">
-              <a:lnSpc>
-                <a:spcPct val="150000"/>
-              </a:lnSpc>
-              <a:buClr>
-                <a:srgbClr val="C55A11"/>
-              </a:buClr>
-              <a:buFont typeface="Arial" panose="020B0604020202020204" pitchFamily="34" charset="0"/>
-              <a:buChar char="•"/>
-            </a:pPr>
-            <a:r>
-              <a:rPr lang="zh-CN" altLang="en-US" sz="2800" b="1" dirty="0">
-                <a:latin typeface="华文楷体" panose="02010600040101010101" pitchFamily="2" charset="-122"/>
-                <a:ea typeface="华文楷体" panose="02010600040101010101" pitchFamily="2" charset="-122"/>
-              </a:rPr>
-              <a:t>优点</a:t>
-            </a:r>
-            <a:endParaRPr lang="en-US" altLang="zh-CN" sz="2800" b="1" dirty="0">
-              <a:latin typeface="华文楷体" panose="02010600040101010101" pitchFamily="2" charset="-122"/>
-              <a:ea typeface="华文楷体" panose="02010600040101010101" pitchFamily="2" charset="-122"/>
-            </a:endParaRPr>
-          </a:p>
-          <a:p>
-            <a:pPr marL="914400" lvl="1" indent="-457200">
-              <a:lnSpc>
-                <a:spcPct val="150000"/>
-              </a:lnSpc>
-              <a:buClr>
-                <a:srgbClr val="C55A11"/>
-              </a:buClr>
-              <a:buFont typeface="Arial" panose="020B0604020202020204" pitchFamily="34" charset="0"/>
-              <a:buChar char="•"/>
-            </a:pPr>
-            <a:r>
-              <a:rPr lang="zh-CN" altLang="en-US" sz="2800" b="1" dirty="0">
-                <a:latin typeface="华文楷体" panose="02010600040101010101" pitchFamily="2" charset="-122"/>
-                <a:ea typeface="华文楷体" panose="02010600040101010101" pitchFamily="2" charset="-122"/>
-              </a:rPr>
-              <a:t>不足</a:t>
-            </a:r>
-            <a:endParaRPr lang="en-US" altLang="zh-CN" sz="2800" b="1" dirty="0">
+              <a:rPr lang="zh-CN" altLang="en-US" sz="2800">
+                <a:latin typeface="华文楷体" panose="02010600040101010101" pitchFamily="2" charset="-122"/>
+                <a:ea typeface="华文楷体" panose="02010600040101010101" pitchFamily="2" charset="-122"/>
+              </a:rPr>
+              <a:t>每个数据集约</a:t>
+            </a:r>
+            <a:r>
+              <a:rPr lang="en-US" altLang="zh-CN" sz="2800">
+                <a:latin typeface="华文楷体" panose="02010600040101010101" pitchFamily="2" charset="-122"/>
+                <a:ea typeface="华文楷体" panose="02010600040101010101" pitchFamily="2" charset="-122"/>
+              </a:rPr>
+              <a:t>2k</a:t>
+            </a:r>
+            <a:r>
+              <a:rPr lang="zh-CN" altLang="en-US" sz="2800">
+                <a:latin typeface="华文楷体" panose="02010600040101010101" pitchFamily="2" charset="-122"/>
+                <a:ea typeface="华文楷体" panose="02010600040101010101" pitchFamily="2" charset="-122"/>
+              </a:rPr>
+              <a:t>样本，按</a:t>
+            </a:r>
+            <a:r>
+              <a:rPr lang="en-US" altLang="zh-CN" sz="2800">
+                <a:latin typeface="华文楷体" panose="02010600040101010101" pitchFamily="2" charset="-122"/>
+                <a:ea typeface="华文楷体" panose="02010600040101010101" pitchFamily="2" charset="-122"/>
+              </a:rPr>
+              <a:t>7-1-2</a:t>
+            </a:r>
+            <a:r>
+              <a:rPr lang="zh-CN" altLang="en-US" sz="2800">
+                <a:latin typeface="华文楷体" panose="02010600040101010101" pitchFamily="2" charset="-122"/>
+                <a:ea typeface="华文楷体" panose="02010600040101010101" pitchFamily="2" charset="-122"/>
+              </a:rPr>
+              <a:t>划分为训练集、验证集、测试集</a:t>
+            </a:r>
+            <a:endParaRPr lang="en-US" altLang="zh-CN" sz="2800">
               <a:latin typeface="华文楷体" panose="02010600040101010101" pitchFamily="2" charset="-122"/>
               <a:ea typeface="华文楷体" panose="02010600040101010101" pitchFamily="2" charset="-122"/>
             </a:endParaRPr>
@@ -17565,7 +19404,7 @@
     </p:custDataLst>
     <p:extLst>
       <p:ext uri="{BB962C8B-B14F-4D97-AF65-F5344CB8AC3E}">
-        <p14:creationId xmlns:p14="http://schemas.microsoft.com/office/powerpoint/2010/main" val="1197925058"/>
+        <p14:creationId xmlns:p14="http://schemas.microsoft.com/office/powerpoint/2010/main" val="2795775348"/>
       </p:ext>
     </p:extLst>
   </p:cSld>
@@ -17604,47 +19443,13 @@
           <a:chExt cx="0" cy="0"/>
         </a:xfrm>
       </p:grpSpPr>
-      <p:pic>
-        <p:nvPicPr>
-          <p:cNvPr id="4" name="PA_图片 3"/>
-          <p:cNvPicPr>
-            <a:picLocks noChangeAspect="1"/>
-          </p:cNvPicPr>
+      <p:sp>
+        <p:nvSpPr>
+          <p:cNvPr id="3" name="PA_矩形 2"/>
+          <p:cNvSpPr/>
           <p:nvPr>
             <p:custDataLst>
               <p:tags r:id="rId2"/>
-            </p:custDataLst>
-          </p:nvPr>
-        </p:nvPicPr>
-        <p:blipFill>
-          <a:blip r:embed="rId8" cstate="print">
-            <a:extLst>
-              <a:ext uri="{28A0092B-C50C-407E-A947-70E740481C1C}">
-                <a14:useLocalDpi xmlns:a14="http://schemas.microsoft.com/office/drawing/2010/main" val="0"/>
-              </a:ext>
-            </a:extLst>
-          </a:blip>
-          <a:stretch>
-            <a:fillRect/>
-          </a:stretch>
-        </p:blipFill>
-        <p:spPr>
-          <a:xfrm>
-            <a:off x="75211" y="189980"/>
-            <a:ext cx="2870282" cy="834695"/>
-          </a:xfrm>
-          <a:prstGeom prst="rect">
-            <a:avLst/>
-          </a:prstGeom>
-        </p:spPr>
-      </p:pic>
-      <p:sp>
-        <p:nvSpPr>
-          <p:cNvPr id="3" name="PA_矩形 2"/>
-          <p:cNvSpPr/>
-          <p:nvPr>
-            <p:custDataLst>
-              <p:tags r:id="rId3"/>
             </p:custDataLst>
           </p:nvPr>
         </p:nvSpPr>
@@ -17696,7 +19501,7 @@
           </p:cNvCxnSpPr>
           <p:nvPr>
             <p:custDataLst>
-              <p:tags r:id="rId4"/>
+              <p:tags r:id="rId3"/>
             </p:custDataLst>
           </p:nvPr>
         </p:nvCxnSpPr>
@@ -17738,7 +19543,7 @@
           <p:cNvSpPr/>
           <p:nvPr>
             <p:custDataLst>
-              <p:tags r:id="rId5"/>
+              <p:tags r:id="rId4"/>
             </p:custDataLst>
           </p:nvPr>
         </p:nvSpPr>
@@ -17782,12 +19587,48 @@
           </a:p>
         </p:txBody>
       </p:sp>
-      <p:sp>
-        <p:nvSpPr>
-          <p:cNvPr id="7" name="矩形 6">
+      <p:pic>
+        <p:nvPicPr>
+          <p:cNvPr id="5" name="图片 4">
             <a:extLst>
               <a:ext uri="{FF2B5EF4-FFF2-40B4-BE49-F238E27FC236}">
-                <a16:creationId xmlns:a16="http://schemas.microsoft.com/office/drawing/2014/main" id="{3230901B-08E6-40C4-839C-A2F3FDB430C9}"/>
+                <a16:creationId xmlns:a16="http://schemas.microsoft.com/office/drawing/2014/main" id="{331F8B9E-44A9-48A8-A615-661C088C7B35}"/>
+              </a:ext>
+            </a:extLst>
+          </p:cNvPr>
+          <p:cNvPicPr>
+            <a:picLocks noChangeAspect="1"/>
+          </p:cNvPicPr>
+          <p:nvPr/>
+        </p:nvPicPr>
+        <p:blipFill>
+          <a:blip r:embed="rId7" cstate="print">
+            <a:extLst>
+              <a:ext uri="{28A0092B-C50C-407E-A947-70E740481C1C}">
+                <a14:useLocalDpi xmlns:a14="http://schemas.microsoft.com/office/drawing/2010/main" val="0"/>
+              </a:ext>
+            </a:extLst>
+          </a:blip>
+          <a:stretch>
+            <a:fillRect/>
+          </a:stretch>
+        </p:blipFill>
+        <p:spPr>
+          <a:xfrm>
+            <a:off x="11042374" y="139459"/>
+            <a:ext cx="967805" cy="967805"/>
+          </a:xfrm>
+          <a:prstGeom prst="rect">
+            <a:avLst/>
+          </a:prstGeom>
+        </p:spPr>
+      </p:pic>
+      <p:sp>
+        <p:nvSpPr>
+          <p:cNvPr id="13" name="矩形 12">
+            <a:extLst>
+              <a:ext uri="{FF2B5EF4-FFF2-40B4-BE49-F238E27FC236}">
+                <a16:creationId xmlns:a16="http://schemas.microsoft.com/office/drawing/2014/main" id="{2B277579-C26B-4516-B8AC-02305AA55F0F}"/>
               </a:ext>
             </a:extLst>
           </p:cNvPr>
@@ -17796,8 +19637,8 @@
         </p:nvSpPr>
         <p:spPr>
           <a:xfrm>
-            <a:off x="4886740" y="2967335"/>
-            <a:ext cx="2100470" cy="923330"/>
+            <a:off x="181821" y="331578"/>
+            <a:ext cx="10860553" cy="646331"/>
           </a:xfrm>
           <a:prstGeom prst="rect">
             <a:avLst/>
@@ -17809,9 +19650,8 @@
           </a:bodyPr>
           <a:lstStyle/>
           <a:p>
-            <a:pPr algn="dist"/>
-            <a:r>
-              <a:rPr lang="zh-CN" altLang="en-US" sz="5400" dirty="0">
+            <a:r>
+              <a:rPr lang="zh-CN" altLang="en-US" sz="3600" b="1" dirty="0">
                 <a:solidFill>
                   <a:schemeClr val="tx1">
                     <a:lumMod val="75000"/>
@@ -17821,18 +19661,113 @@
                 <a:latin typeface="华文楷体" panose="02010600040101010101" pitchFamily="2" charset="-122"/>
                 <a:ea typeface="华文楷体" panose="02010600040101010101" pitchFamily="2" charset="-122"/>
               </a:rPr>
-              <a:t>谢谢</a:t>
-            </a:r>
-          </a:p>
-        </p:txBody>
-      </p:sp>
+              <a:t>实验任务</a:t>
+            </a:r>
+            <a:endParaRPr lang="zh-CN" altLang="en-US" sz="3600" b="1" dirty="0">
+              <a:solidFill>
+                <a:srgbClr val="C55A11"/>
+              </a:solidFill>
+              <a:latin typeface="华文楷体" panose="02010600040101010101" pitchFamily="2" charset="-122"/>
+              <a:ea typeface="华文楷体" panose="02010600040101010101" pitchFamily="2" charset="-122"/>
+            </a:endParaRPr>
+          </a:p>
+        </p:txBody>
+      </p:sp>
+      <p:sp>
+        <p:nvSpPr>
+          <p:cNvPr id="9" name="文本框 8">
+            <a:extLst>
+              <a:ext uri="{FF2B5EF4-FFF2-40B4-BE49-F238E27FC236}">
+                <a16:creationId xmlns:a16="http://schemas.microsoft.com/office/drawing/2014/main" id="{DD3DE29E-5219-4BD3-9138-BADE4ABB2B51}"/>
+              </a:ext>
+            </a:extLst>
+          </p:cNvPr>
+          <p:cNvSpPr txBox="1"/>
+          <p:nvPr/>
+        </p:nvSpPr>
+        <p:spPr>
+          <a:xfrm>
+            <a:off x="181821" y="1287077"/>
+            <a:ext cx="5682035" cy="677108"/>
+          </a:xfrm>
+          <a:prstGeom prst="rect">
+            <a:avLst/>
+          </a:prstGeom>
+          <a:noFill/>
+        </p:spPr>
+        <p:txBody>
+          <a:bodyPr wrap="square" rtlCol="0">
+            <a:spAutoFit/>
+          </a:bodyPr>
+          <a:lstStyle/>
+          <a:p>
+            <a:pPr marL="457200" indent="-457200">
+              <a:lnSpc>
+                <a:spcPct val="150000"/>
+              </a:lnSpc>
+              <a:buClr>
+                <a:srgbClr val="C55A11"/>
+              </a:buClr>
+              <a:buFont typeface="Wingdings" panose="05000000000000000000" pitchFamily="2" charset="2"/>
+              <a:buChar char="Ø"/>
+            </a:pPr>
+            <a:r>
+              <a:rPr lang="zh-CN" altLang="en-US" sz="2800">
+                <a:latin typeface="华文楷体" panose="02010600040101010101" pitchFamily="2" charset="-122"/>
+                <a:ea typeface="华文楷体" panose="02010600040101010101" pitchFamily="2" charset="-122"/>
+              </a:rPr>
+              <a:t>部分样本</a:t>
+            </a:r>
+            <a:endParaRPr lang="en-US" altLang="zh-CN" sz="2800">
+              <a:latin typeface="华文楷体" panose="02010600040101010101" pitchFamily="2" charset="-122"/>
+              <a:ea typeface="华文楷体" panose="02010600040101010101" pitchFamily="2" charset="-122"/>
+            </a:endParaRPr>
+          </a:p>
+        </p:txBody>
+      </p:sp>
+      <p:pic>
+        <p:nvPicPr>
+          <p:cNvPr id="7" name="图片 6">
+            <a:extLst>
+              <a:ext uri="{FF2B5EF4-FFF2-40B4-BE49-F238E27FC236}">
+                <a16:creationId xmlns:a16="http://schemas.microsoft.com/office/drawing/2014/main" id="{350912DC-BD33-42C7-9648-D3513DECE6F9}"/>
+              </a:ext>
+            </a:extLst>
+          </p:cNvPr>
+          <p:cNvPicPr>
+            <a:picLocks noChangeAspect="1"/>
+          </p:cNvPicPr>
+          <p:nvPr/>
+        </p:nvPicPr>
+        <p:blipFill>
+          <a:blip r:embed="rId8">
+            <a:extLst>
+              <a:ext uri="{28A0092B-C50C-407E-A947-70E740481C1C}">
+                <a14:useLocalDpi xmlns:a14="http://schemas.microsoft.com/office/drawing/2010/main" val="0"/>
+              </a:ext>
+            </a:extLst>
+          </a:blip>
+          <a:stretch>
+            <a:fillRect/>
+          </a:stretch>
+        </p:blipFill>
+        <p:spPr>
+          <a:xfrm>
+            <a:off x="2759737" y="2133192"/>
+            <a:ext cx="6672526" cy="4104644"/>
+          </a:xfrm>
+          <a:prstGeom prst="rect">
+            <a:avLst/>
+          </a:prstGeom>
+        </p:spPr>
+      </p:pic>
     </p:spTree>
     <p:custDataLst>
       <p:tags r:id="rId1"/>
     </p:custDataLst>
     <p:extLst>
       <p:ext uri="{BB962C8B-B14F-4D97-AF65-F5344CB8AC3E}">
-        <p14:creationId xmlns:p14="http://schemas.microsoft.com/office/powerpoint/2010/main" val="3423386161"/>
+        <p14:creationId xmlns:p14="http://schemas.microsoft.com/office/powerpoint/2010/main" val="3088171193"/>
       </p:ext>
     </p:extLst>
   </p:cSld>
@@ -18340,6 +20275,2412 @@
     <p:extLst>
       <p:ext uri="{BB962C8B-B14F-4D97-AF65-F5344CB8AC3E}">
         <p14:creationId xmlns:p14="http://schemas.microsoft.com/office/powerpoint/2010/main" val="2376054081"/>
+      </p:ext>
+    </p:extLst>
+  </p:cSld>
+  <p:clrMapOvr>
+    <a:masterClrMapping/>
+  </p:clrMapOvr>
+  <mc:AlternateContent xmlns:mc="http://schemas.openxmlformats.org/markup-compatibility/2006" xmlns:p14="http://schemas.microsoft.com/office/powerpoint/2010/main">
+    <mc:Choice Requires="p14">
+      <p:transition spd="med" p14:dur="700" advTm="31146">
+        <p:fade/>
+      </p:transition>
+    </mc:Choice>
+    <mc:Fallback xmlns="">
+      <p:transition spd="med" advTm="31146">
+        <p:fade/>
+      </p:transition>
+    </mc:Fallback>
+  </mc:AlternateContent>
+</p:sld>
+</file>
+
+<file path=ppt/slides/slide30.xml><?xml version="1.0" encoding="utf-8"?>
+<p:sld xmlns:a="http://schemas.openxmlformats.org/drawingml/2006/main" xmlns:r="http://schemas.openxmlformats.org/officeDocument/2006/relationships" xmlns:p="http://schemas.openxmlformats.org/presentationml/2006/main">
+  <p:cSld>
+    <p:spTree>
+      <p:nvGrpSpPr>
+        <p:cNvPr id="1" name=""/>
+        <p:cNvGrpSpPr/>
+        <p:nvPr/>
+      </p:nvGrpSpPr>
+      <p:grpSpPr>
+        <a:xfrm>
+          <a:off x="0" y="0"/>
+          <a:ext cx="0" cy="0"/>
+          <a:chOff x="0" y="0"/>
+          <a:chExt cx="0" cy="0"/>
+        </a:xfrm>
+      </p:grpSpPr>
+      <p:sp>
+        <p:nvSpPr>
+          <p:cNvPr id="3" name="PA_矩形 2"/>
+          <p:cNvSpPr/>
+          <p:nvPr>
+            <p:custDataLst>
+              <p:tags r:id="rId2"/>
+            </p:custDataLst>
+          </p:nvPr>
+        </p:nvSpPr>
+        <p:spPr>
+          <a:xfrm>
+            <a:off x="0" y="1"/>
+            <a:ext cx="12192000" cy="45719"/>
+          </a:xfrm>
+          <a:prstGeom prst="rect">
+            <a:avLst/>
+          </a:prstGeom>
+          <a:solidFill>
+            <a:srgbClr val="C55A11"/>
+          </a:solidFill>
+          <a:ln>
+            <a:noFill/>
+          </a:ln>
+        </p:spPr>
+        <p:style>
+          <a:lnRef idx="2">
+            <a:schemeClr val="accent1">
+              <a:shade val="50000"/>
+            </a:schemeClr>
+          </a:lnRef>
+          <a:fillRef idx="1">
+            <a:schemeClr val="accent1"/>
+          </a:fillRef>
+          <a:effectRef idx="0">
+            <a:schemeClr val="accent1"/>
+          </a:effectRef>
+          <a:fontRef idx="minor">
+            <a:schemeClr val="lt1"/>
+          </a:fontRef>
+        </p:style>
+        <p:txBody>
+          <a:bodyPr rtlCol="0" anchor="ctr"/>
+          <a:lstStyle/>
+          <a:p>
+            <a:pPr algn="ctr"/>
+            <a:endParaRPr lang="zh-CN" altLang="en-US"/>
+          </a:p>
+        </p:txBody>
+      </p:sp>
+      <p:cxnSp>
+        <p:nvCxnSpPr>
+          <p:cNvPr id="6" name="PA_直接连接符 5"/>
+          <p:cNvCxnSpPr>
+            <a:cxnSpLocks/>
+          </p:cNvCxnSpPr>
+          <p:nvPr>
+            <p:custDataLst>
+              <p:tags r:id="rId3"/>
+            </p:custDataLst>
+          </p:nvPr>
+        </p:nvCxnSpPr>
+        <p:spPr>
+          <a:xfrm>
+            <a:off x="0" y="1201003"/>
+            <a:ext cx="12192000" cy="0"/>
+          </a:xfrm>
+          <a:prstGeom prst="line">
+            <a:avLst/>
+          </a:prstGeom>
+          <a:ln>
+            <a:solidFill>
+              <a:schemeClr val="tx1">
+                <a:lumMod val="50000"/>
+                <a:lumOff val="50000"/>
+              </a:schemeClr>
+            </a:solidFill>
+          </a:ln>
+        </p:spPr>
+        <p:style>
+          <a:lnRef idx="1">
+            <a:schemeClr val="accent1"/>
+          </a:lnRef>
+          <a:fillRef idx="0">
+            <a:schemeClr val="accent1"/>
+          </a:fillRef>
+          <a:effectRef idx="0">
+            <a:schemeClr val="accent1"/>
+          </a:effectRef>
+          <a:fontRef idx="minor">
+            <a:schemeClr val="tx1"/>
+          </a:fontRef>
+        </p:style>
+      </p:cxnSp>
+      <p:sp>
+        <p:nvSpPr>
+          <p:cNvPr id="10" name="PA_矩形 9"/>
+          <p:cNvSpPr/>
+          <p:nvPr>
+            <p:custDataLst>
+              <p:tags r:id="rId4"/>
+            </p:custDataLst>
+          </p:nvPr>
+        </p:nvSpPr>
+        <p:spPr>
+          <a:xfrm>
+            <a:off x="0" y="6713739"/>
+            <a:ext cx="12192000" cy="144261"/>
+          </a:xfrm>
+          <a:prstGeom prst="rect">
+            <a:avLst/>
+          </a:prstGeom>
+          <a:solidFill>
+            <a:srgbClr val="C55A11"/>
+          </a:solidFill>
+          <a:ln>
+            <a:noFill/>
+          </a:ln>
+        </p:spPr>
+        <p:style>
+          <a:lnRef idx="2">
+            <a:schemeClr val="accent1">
+              <a:shade val="50000"/>
+            </a:schemeClr>
+          </a:lnRef>
+          <a:fillRef idx="1">
+            <a:schemeClr val="accent1"/>
+          </a:fillRef>
+          <a:effectRef idx="0">
+            <a:schemeClr val="accent1"/>
+          </a:effectRef>
+          <a:fontRef idx="minor">
+            <a:schemeClr val="lt1"/>
+          </a:fontRef>
+        </p:style>
+        <p:txBody>
+          <a:bodyPr rtlCol="0" anchor="ctr"/>
+          <a:lstStyle/>
+          <a:p>
+            <a:pPr algn="ctr"/>
+            <a:endParaRPr lang="zh-CN" altLang="en-US"/>
+          </a:p>
+        </p:txBody>
+      </p:sp>
+      <p:pic>
+        <p:nvPicPr>
+          <p:cNvPr id="5" name="图片 4">
+            <a:extLst>
+              <a:ext uri="{FF2B5EF4-FFF2-40B4-BE49-F238E27FC236}">
+                <a16:creationId xmlns:a16="http://schemas.microsoft.com/office/drawing/2014/main" id="{331F8B9E-44A9-48A8-A615-661C088C7B35}"/>
+              </a:ext>
+            </a:extLst>
+          </p:cNvPr>
+          <p:cNvPicPr>
+            <a:picLocks noChangeAspect="1"/>
+          </p:cNvPicPr>
+          <p:nvPr/>
+        </p:nvPicPr>
+        <p:blipFill>
+          <a:blip r:embed="rId7" cstate="print">
+            <a:extLst>
+              <a:ext uri="{28A0092B-C50C-407E-A947-70E740481C1C}">
+                <a14:useLocalDpi xmlns:a14="http://schemas.microsoft.com/office/drawing/2010/main" val="0"/>
+              </a:ext>
+            </a:extLst>
+          </a:blip>
+          <a:stretch>
+            <a:fillRect/>
+          </a:stretch>
+        </p:blipFill>
+        <p:spPr>
+          <a:xfrm>
+            <a:off x="11042374" y="139459"/>
+            <a:ext cx="967805" cy="967805"/>
+          </a:xfrm>
+          <a:prstGeom prst="rect">
+            <a:avLst/>
+          </a:prstGeom>
+        </p:spPr>
+      </p:pic>
+      <p:sp>
+        <p:nvSpPr>
+          <p:cNvPr id="13" name="矩形 12">
+            <a:extLst>
+              <a:ext uri="{FF2B5EF4-FFF2-40B4-BE49-F238E27FC236}">
+                <a16:creationId xmlns:a16="http://schemas.microsoft.com/office/drawing/2014/main" id="{2B277579-C26B-4516-B8AC-02305AA55F0F}"/>
+              </a:ext>
+            </a:extLst>
+          </p:cNvPr>
+          <p:cNvSpPr/>
+          <p:nvPr/>
+        </p:nvSpPr>
+        <p:spPr>
+          <a:xfrm>
+            <a:off x="181821" y="331578"/>
+            <a:ext cx="10860553" cy="646331"/>
+          </a:xfrm>
+          <a:prstGeom prst="rect">
+            <a:avLst/>
+          </a:prstGeom>
+        </p:spPr>
+        <p:txBody>
+          <a:bodyPr wrap="square">
+            <a:spAutoFit/>
+          </a:bodyPr>
+          <a:lstStyle/>
+          <a:p>
+            <a:r>
+              <a:rPr lang="zh-CN" altLang="en-US" sz="3600" b="1" dirty="0">
+                <a:solidFill>
+                  <a:schemeClr val="tx1">
+                    <a:lumMod val="75000"/>
+                    <a:lumOff val="25000"/>
+                  </a:schemeClr>
+                </a:solidFill>
+                <a:latin typeface="华文楷体" panose="02010600040101010101" pitchFamily="2" charset="-122"/>
+                <a:ea typeface="华文楷体" panose="02010600040101010101" pitchFamily="2" charset="-122"/>
+              </a:rPr>
+              <a:t>实验结果</a:t>
+            </a:r>
+            <a:endParaRPr lang="zh-CN" altLang="en-US" sz="3600" b="1" dirty="0">
+              <a:solidFill>
+                <a:srgbClr val="C55A11"/>
+              </a:solidFill>
+              <a:latin typeface="华文楷体" panose="02010600040101010101" pitchFamily="2" charset="-122"/>
+              <a:ea typeface="华文楷体" panose="02010600040101010101" pitchFamily="2" charset="-122"/>
+            </a:endParaRPr>
+          </a:p>
+        </p:txBody>
+      </p:sp>
+      <p:pic>
+        <p:nvPicPr>
+          <p:cNvPr id="4" name="图片 3">
+            <a:extLst>
+              <a:ext uri="{FF2B5EF4-FFF2-40B4-BE49-F238E27FC236}">
+                <a16:creationId xmlns:a16="http://schemas.microsoft.com/office/drawing/2014/main" id="{BCCF10C1-9EFD-4CE9-BCEA-28324C7C05E3}"/>
+              </a:ext>
+            </a:extLst>
+          </p:cNvPr>
+          <p:cNvPicPr>
+            <a:picLocks noChangeAspect="1"/>
+          </p:cNvPicPr>
+          <p:nvPr/>
+        </p:nvPicPr>
+        <p:blipFill>
+          <a:blip r:embed="rId8">
+            <a:extLst>
+              <a:ext uri="{28A0092B-C50C-407E-A947-70E740481C1C}">
+                <a14:useLocalDpi xmlns:a14="http://schemas.microsoft.com/office/drawing/2010/main" val="0"/>
+              </a:ext>
+            </a:extLst>
+          </a:blip>
+          <a:stretch>
+            <a:fillRect/>
+          </a:stretch>
+        </p:blipFill>
+        <p:spPr>
+          <a:xfrm>
+            <a:off x="3115940" y="204660"/>
+            <a:ext cx="5960120" cy="6509079"/>
+          </a:xfrm>
+          <a:prstGeom prst="rect">
+            <a:avLst/>
+          </a:prstGeom>
+        </p:spPr>
+      </p:pic>
+    </p:spTree>
+    <p:custDataLst>
+      <p:tags r:id="rId1"/>
+    </p:custDataLst>
+    <p:extLst>
+      <p:ext uri="{BB962C8B-B14F-4D97-AF65-F5344CB8AC3E}">
+        <p14:creationId xmlns:p14="http://schemas.microsoft.com/office/powerpoint/2010/main" val="262532577"/>
+      </p:ext>
+    </p:extLst>
+  </p:cSld>
+  <p:clrMapOvr>
+    <a:masterClrMapping/>
+  </p:clrMapOvr>
+  <mc:AlternateContent xmlns:mc="http://schemas.openxmlformats.org/markup-compatibility/2006" xmlns:p14="http://schemas.microsoft.com/office/powerpoint/2010/main">
+    <mc:Choice Requires="p14">
+      <p:transition spd="med" p14:dur="700" advTm="31146">
+        <p:fade/>
+      </p:transition>
+    </mc:Choice>
+    <mc:Fallback xmlns="">
+      <p:transition spd="med" advTm="31146">
+        <p:fade/>
+      </p:transition>
+    </mc:Fallback>
+  </mc:AlternateContent>
+</p:sld>
+</file>
+
+<file path=ppt/slides/slide31.xml><?xml version="1.0" encoding="utf-8"?>
+<p:sld xmlns:a="http://schemas.openxmlformats.org/drawingml/2006/main" xmlns:r="http://schemas.openxmlformats.org/officeDocument/2006/relationships" xmlns:p="http://schemas.openxmlformats.org/presentationml/2006/main">
+  <p:cSld>
+    <p:spTree>
+      <p:nvGrpSpPr>
+        <p:cNvPr id="1" name=""/>
+        <p:cNvGrpSpPr/>
+        <p:nvPr/>
+      </p:nvGrpSpPr>
+      <p:grpSpPr>
+        <a:xfrm>
+          <a:off x="0" y="0"/>
+          <a:ext cx="0" cy="0"/>
+          <a:chOff x="0" y="0"/>
+          <a:chExt cx="0" cy="0"/>
+        </a:xfrm>
+      </p:grpSpPr>
+      <p:sp>
+        <p:nvSpPr>
+          <p:cNvPr id="3" name="PA_矩形 2"/>
+          <p:cNvSpPr/>
+          <p:nvPr>
+            <p:custDataLst>
+              <p:tags r:id="rId2"/>
+            </p:custDataLst>
+          </p:nvPr>
+        </p:nvSpPr>
+        <p:spPr>
+          <a:xfrm>
+            <a:off x="0" y="1"/>
+            <a:ext cx="12192000" cy="45719"/>
+          </a:xfrm>
+          <a:prstGeom prst="rect">
+            <a:avLst/>
+          </a:prstGeom>
+          <a:solidFill>
+            <a:srgbClr val="C55A11"/>
+          </a:solidFill>
+          <a:ln>
+            <a:noFill/>
+          </a:ln>
+        </p:spPr>
+        <p:style>
+          <a:lnRef idx="2">
+            <a:schemeClr val="accent1">
+              <a:shade val="50000"/>
+            </a:schemeClr>
+          </a:lnRef>
+          <a:fillRef idx="1">
+            <a:schemeClr val="accent1"/>
+          </a:fillRef>
+          <a:effectRef idx="0">
+            <a:schemeClr val="accent1"/>
+          </a:effectRef>
+          <a:fontRef idx="minor">
+            <a:schemeClr val="lt1"/>
+          </a:fontRef>
+        </p:style>
+        <p:txBody>
+          <a:bodyPr rtlCol="0" anchor="ctr"/>
+          <a:lstStyle/>
+          <a:p>
+            <a:pPr algn="ctr"/>
+            <a:endParaRPr lang="zh-CN" altLang="en-US"/>
+          </a:p>
+        </p:txBody>
+      </p:sp>
+      <p:cxnSp>
+        <p:nvCxnSpPr>
+          <p:cNvPr id="6" name="PA_直接连接符 5"/>
+          <p:cNvCxnSpPr>
+            <a:cxnSpLocks/>
+          </p:cNvCxnSpPr>
+          <p:nvPr>
+            <p:custDataLst>
+              <p:tags r:id="rId3"/>
+            </p:custDataLst>
+          </p:nvPr>
+        </p:nvCxnSpPr>
+        <p:spPr>
+          <a:xfrm>
+            <a:off x="0" y="1201003"/>
+            <a:ext cx="12192000" cy="0"/>
+          </a:xfrm>
+          <a:prstGeom prst="line">
+            <a:avLst/>
+          </a:prstGeom>
+          <a:ln>
+            <a:solidFill>
+              <a:schemeClr val="tx1">
+                <a:lumMod val="50000"/>
+                <a:lumOff val="50000"/>
+              </a:schemeClr>
+            </a:solidFill>
+          </a:ln>
+        </p:spPr>
+        <p:style>
+          <a:lnRef idx="1">
+            <a:schemeClr val="accent1"/>
+          </a:lnRef>
+          <a:fillRef idx="0">
+            <a:schemeClr val="accent1"/>
+          </a:fillRef>
+          <a:effectRef idx="0">
+            <a:schemeClr val="accent1"/>
+          </a:effectRef>
+          <a:fontRef idx="minor">
+            <a:schemeClr val="tx1"/>
+          </a:fontRef>
+        </p:style>
+      </p:cxnSp>
+      <p:sp>
+        <p:nvSpPr>
+          <p:cNvPr id="10" name="PA_矩形 9"/>
+          <p:cNvSpPr/>
+          <p:nvPr>
+            <p:custDataLst>
+              <p:tags r:id="rId4"/>
+            </p:custDataLst>
+          </p:nvPr>
+        </p:nvSpPr>
+        <p:spPr>
+          <a:xfrm>
+            <a:off x="0" y="6713739"/>
+            <a:ext cx="12192000" cy="144261"/>
+          </a:xfrm>
+          <a:prstGeom prst="rect">
+            <a:avLst/>
+          </a:prstGeom>
+          <a:solidFill>
+            <a:srgbClr val="C55A11"/>
+          </a:solidFill>
+          <a:ln>
+            <a:noFill/>
+          </a:ln>
+        </p:spPr>
+        <p:style>
+          <a:lnRef idx="2">
+            <a:schemeClr val="accent1">
+              <a:shade val="50000"/>
+            </a:schemeClr>
+          </a:lnRef>
+          <a:fillRef idx="1">
+            <a:schemeClr val="accent1"/>
+          </a:fillRef>
+          <a:effectRef idx="0">
+            <a:schemeClr val="accent1"/>
+          </a:effectRef>
+          <a:fontRef idx="minor">
+            <a:schemeClr val="lt1"/>
+          </a:fontRef>
+        </p:style>
+        <p:txBody>
+          <a:bodyPr rtlCol="0" anchor="ctr"/>
+          <a:lstStyle/>
+          <a:p>
+            <a:pPr algn="ctr"/>
+            <a:endParaRPr lang="zh-CN" altLang="en-US"/>
+          </a:p>
+        </p:txBody>
+      </p:sp>
+      <p:pic>
+        <p:nvPicPr>
+          <p:cNvPr id="5" name="图片 4">
+            <a:extLst>
+              <a:ext uri="{FF2B5EF4-FFF2-40B4-BE49-F238E27FC236}">
+                <a16:creationId xmlns:a16="http://schemas.microsoft.com/office/drawing/2014/main" id="{331F8B9E-44A9-48A8-A615-661C088C7B35}"/>
+              </a:ext>
+            </a:extLst>
+          </p:cNvPr>
+          <p:cNvPicPr>
+            <a:picLocks noChangeAspect="1"/>
+          </p:cNvPicPr>
+          <p:nvPr/>
+        </p:nvPicPr>
+        <p:blipFill>
+          <a:blip r:embed="rId7" cstate="print">
+            <a:extLst>
+              <a:ext uri="{28A0092B-C50C-407E-A947-70E740481C1C}">
+                <a14:useLocalDpi xmlns:a14="http://schemas.microsoft.com/office/drawing/2010/main" val="0"/>
+              </a:ext>
+            </a:extLst>
+          </a:blip>
+          <a:stretch>
+            <a:fillRect/>
+          </a:stretch>
+        </p:blipFill>
+        <p:spPr>
+          <a:xfrm>
+            <a:off x="11042374" y="139459"/>
+            <a:ext cx="967805" cy="967805"/>
+          </a:xfrm>
+          <a:prstGeom prst="rect">
+            <a:avLst/>
+          </a:prstGeom>
+        </p:spPr>
+      </p:pic>
+      <p:sp>
+        <p:nvSpPr>
+          <p:cNvPr id="13" name="矩形 12">
+            <a:extLst>
+              <a:ext uri="{FF2B5EF4-FFF2-40B4-BE49-F238E27FC236}">
+                <a16:creationId xmlns:a16="http://schemas.microsoft.com/office/drawing/2014/main" id="{2B277579-C26B-4516-B8AC-02305AA55F0F}"/>
+              </a:ext>
+            </a:extLst>
+          </p:cNvPr>
+          <p:cNvSpPr/>
+          <p:nvPr/>
+        </p:nvSpPr>
+        <p:spPr>
+          <a:xfrm>
+            <a:off x="181821" y="331578"/>
+            <a:ext cx="10860553" cy="646331"/>
+          </a:xfrm>
+          <a:prstGeom prst="rect">
+            <a:avLst/>
+          </a:prstGeom>
+        </p:spPr>
+        <p:txBody>
+          <a:bodyPr wrap="square">
+            <a:spAutoFit/>
+          </a:bodyPr>
+          <a:lstStyle/>
+          <a:p>
+            <a:r>
+              <a:rPr lang="zh-CN" altLang="en-US" sz="3600" b="1" dirty="0">
+                <a:solidFill>
+                  <a:schemeClr val="tx1">
+                    <a:lumMod val="75000"/>
+                    <a:lumOff val="25000"/>
+                  </a:schemeClr>
+                </a:solidFill>
+                <a:latin typeface="华文楷体" panose="02010600040101010101" pitchFamily="2" charset="-122"/>
+                <a:ea typeface="华文楷体" panose="02010600040101010101" pitchFamily="2" charset="-122"/>
+              </a:rPr>
+              <a:t>实验结果</a:t>
+            </a:r>
+            <a:endParaRPr lang="zh-CN" altLang="en-US" sz="3600" b="1" dirty="0">
+              <a:solidFill>
+                <a:srgbClr val="C55A11"/>
+              </a:solidFill>
+              <a:latin typeface="华文楷体" panose="02010600040101010101" pitchFamily="2" charset="-122"/>
+              <a:ea typeface="华文楷体" panose="02010600040101010101" pitchFamily="2" charset="-122"/>
+            </a:endParaRPr>
+          </a:p>
+        </p:txBody>
+      </p:sp>
+      <p:pic>
+        <p:nvPicPr>
+          <p:cNvPr id="8" name="图片 7">
+            <a:extLst>
+              <a:ext uri="{FF2B5EF4-FFF2-40B4-BE49-F238E27FC236}">
+                <a16:creationId xmlns:a16="http://schemas.microsoft.com/office/drawing/2014/main" id="{BFA26660-4636-4400-BEC8-5C40075812E8}"/>
+              </a:ext>
+            </a:extLst>
+          </p:cNvPr>
+          <p:cNvPicPr>
+            <a:picLocks noChangeAspect="1"/>
+          </p:cNvPicPr>
+          <p:nvPr/>
+        </p:nvPicPr>
+        <p:blipFill>
+          <a:blip r:embed="rId8">
+            <a:extLst>
+              <a:ext uri="{28A0092B-C50C-407E-A947-70E740481C1C}">
+                <a14:useLocalDpi xmlns:a14="http://schemas.microsoft.com/office/drawing/2010/main" val="0"/>
+              </a:ext>
+            </a:extLst>
+          </a:blip>
+          <a:stretch>
+            <a:fillRect/>
+          </a:stretch>
+        </p:blipFill>
+        <p:spPr>
+          <a:xfrm>
+            <a:off x="824708" y="2671728"/>
+            <a:ext cx="4406874" cy="2314721"/>
+          </a:xfrm>
+          <a:prstGeom prst="rect">
+            <a:avLst/>
+          </a:prstGeom>
+        </p:spPr>
+      </p:pic>
+      <p:pic>
+        <p:nvPicPr>
+          <p:cNvPr id="7" name="图片 6">
+            <a:extLst>
+              <a:ext uri="{FF2B5EF4-FFF2-40B4-BE49-F238E27FC236}">
+                <a16:creationId xmlns:a16="http://schemas.microsoft.com/office/drawing/2014/main" id="{EA4F668F-0A28-43D2-8936-BD0102568AF9}"/>
+              </a:ext>
+            </a:extLst>
+          </p:cNvPr>
+          <p:cNvPicPr>
+            <a:picLocks noChangeAspect="1"/>
+          </p:cNvPicPr>
+          <p:nvPr/>
+        </p:nvPicPr>
+        <p:blipFill>
+          <a:blip r:embed="rId9">
+            <a:extLst>
+              <a:ext uri="{28A0092B-C50C-407E-A947-70E740481C1C}">
+                <a14:useLocalDpi xmlns:a14="http://schemas.microsoft.com/office/drawing/2010/main" val="0"/>
+              </a:ext>
+            </a:extLst>
+          </a:blip>
+          <a:stretch>
+            <a:fillRect/>
+          </a:stretch>
+        </p:blipFill>
+        <p:spPr>
+          <a:xfrm>
+            <a:off x="6096000" y="2099724"/>
+            <a:ext cx="5461155" cy="3458731"/>
+          </a:xfrm>
+          <a:prstGeom prst="rect">
+            <a:avLst/>
+          </a:prstGeom>
+        </p:spPr>
+      </p:pic>
+    </p:spTree>
+    <p:custDataLst>
+      <p:tags r:id="rId1"/>
+    </p:custDataLst>
+    <p:extLst>
+      <p:ext uri="{BB962C8B-B14F-4D97-AF65-F5344CB8AC3E}">
+        <p14:creationId xmlns:p14="http://schemas.microsoft.com/office/powerpoint/2010/main" val="4021406936"/>
+      </p:ext>
+    </p:extLst>
+  </p:cSld>
+  <p:clrMapOvr>
+    <a:masterClrMapping/>
+  </p:clrMapOvr>
+  <mc:AlternateContent xmlns:mc="http://schemas.openxmlformats.org/markup-compatibility/2006" xmlns:p14="http://schemas.microsoft.com/office/powerpoint/2010/main">
+    <mc:Choice Requires="p14">
+      <p:transition spd="med" p14:dur="700" advTm="31146">
+        <p:fade/>
+      </p:transition>
+    </mc:Choice>
+    <mc:Fallback xmlns="">
+      <p:transition spd="med" advTm="31146">
+        <p:fade/>
+      </p:transition>
+    </mc:Fallback>
+  </mc:AlternateContent>
+</p:sld>
+</file>
+
+<file path=ppt/slides/slide32.xml><?xml version="1.0" encoding="utf-8"?>
+<p:sld xmlns:a="http://schemas.openxmlformats.org/drawingml/2006/main" xmlns:r="http://schemas.openxmlformats.org/officeDocument/2006/relationships" xmlns:p="http://schemas.openxmlformats.org/presentationml/2006/main">
+  <p:cSld>
+    <p:spTree>
+      <p:nvGrpSpPr>
+        <p:cNvPr id="1" name=""/>
+        <p:cNvGrpSpPr/>
+        <p:nvPr/>
+      </p:nvGrpSpPr>
+      <p:grpSpPr>
+        <a:xfrm>
+          <a:off x="0" y="0"/>
+          <a:ext cx="0" cy="0"/>
+          <a:chOff x="0" y="0"/>
+          <a:chExt cx="0" cy="0"/>
+        </a:xfrm>
+      </p:grpSpPr>
+      <p:sp>
+        <p:nvSpPr>
+          <p:cNvPr id="3" name="PA_矩形 2"/>
+          <p:cNvSpPr/>
+          <p:nvPr>
+            <p:custDataLst>
+              <p:tags r:id="rId2"/>
+            </p:custDataLst>
+          </p:nvPr>
+        </p:nvSpPr>
+        <p:spPr>
+          <a:xfrm>
+            <a:off x="0" y="1"/>
+            <a:ext cx="12192000" cy="45719"/>
+          </a:xfrm>
+          <a:prstGeom prst="rect">
+            <a:avLst/>
+          </a:prstGeom>
+          <a:solidFill>
+            <a:srgbClr val="C55A11"/>
+          </a:solidFill>
+          <a:ln>
+            <a:noFill/>
+          </a:ln>
+        </p:spPr>
+        <p:style>
+          <a:lnRef idx="2">
+            <a:schemeClr val="accent1">
+              <a:shade val="50000"/>
+            </a:schemeClr>
+          </a:lnRef>
+          <a:fillRef idx="1">
+            <a:schemeClr val="accent1"/>
+          </a:fillRef>
+          <a:effectRef idx="0">
+            <a:schemeClr val="accent1"/>
+          </a:effectRef>
+          <a:fontRef idx="minor">
+            <a:schemeClr val="lt1"/>
+          </a:fontRef>
+        </p:style>
+        <p:txBody>
+          <a:bodyPr rtlCol="0" anchor="ctr"/>
+          <a:lstStyle/>
+          <a:p>
+            <a:pPr algn="ctr"/>
+            <a:endParaRPr lang="zh-CN" altLang="en-US"/>
+          </a:p>
+        </p:txBody>
+      </p:sp>
+      <p:cxnSp>
+        <p:nvCxnSpPr>
+          <p:cNvPr id="6" name="PA_直接连接符 5"/>
+          <p:cNvCxnSpPr>
+            <a:cxnSpLocks/>
+          </p:cNvCxnSpPr>
+          <p:nvPr>
+            <p:custDataLst>
+              <p:tags r:id="rId3"/>
+            </p:custDataLst>
+          </p:nvPr>
+        </p:nvCxnSpPr>
+        <p:spPr>
+          <a:xfrm>
+            <a:off x="0" y="1201003"/>
+            <a:ext cx="12192000" cy="0"/>
+          </a:xfrm>
+          <a:prstGeom prst="line">
+            <a:avLst/>
+          </a:prstGeom>
+          <a:ln>
+            <a:solidFill>
+              <a:schemeClr val="tx1">
+                <a:lumMod val="50000"/>
+                <a:lumOff val="50000"/>
+              </a:schemeClr>
+            </a:solidFill>
+          </a:ln>
+        </p:spPr>
+        <p:style>
+          <a:lnRef idx="1">
+            <a:schemeClr val="accent1"/>
+          </a:lnRef>
+          <a:fillRef idx="0">
+            <a:schemeClr val="accent1"/>
+          </a:fillRef>
+          <a:effectRef idx="0">
+            <a:schemeClr val="accent1"/>
+          </a:effectRef>
+          <a:fontRef idx="minor">
+            <a:schemeClr val="tx1"/>
+          </a:fontRef>
+        </p:style>
+      </p:cxnSp>
+      <p:sp>
+        <p:nvSpPr>
+          <p:cNvPr id="10" name="PA_矩形 9"/>
+          <p:cNvSpPr/>
+          <p:nvPr>
+            <p:custDataLst>
+              <p:tags r:id="rId4"/>
+            </p:custDataLst>
+          </p:nvPr>
+        </p:nvSpPr>
+        <p:spPr>
+          <a:xfrm>
+            <a:off x="0" y="6713739"/>
+            <a:ext cx="12192000" cy="144261"/>
+          </a:xfrm>
+          <a:prstGeom prst="rect">
+            <a:avLst/>
+          </a:prstGeom>
+          <a:solidFill>
+            <a:srgbClr val="C55A11"/>
+          </a:solidFill>
+          <a:ln>
+            <a:noFill/>
+          </a:ln>
+        </p:spPr>
+        <p:style>
+          <a:lnRef idx="2">
+            <a:schemeClr val="accent1">
+              <a:shade val="50000"/>
+            </a:schemeClr>
+          </a:lnRef>
+          <a:fillRef idx="1">
+            <a:schemeClr val="accent1"/>
+          </a:fillRef>
+          <a:effectRef idx="0">
+            <a:schemeClr val="accent1"/>
+          </a:effectRef>
+          <a:fontRef idx="minor">
+            <a:schemeClr val="lt1"/>
+          </a:fontRef>
+        </p:style>
+        <p:txBody>
+          <a:bodyPr rtlCol="0" anchor="ctr"/>
+          <a:lstStyle/>
+          <a:p>
+            <a:pPr algn="ctr"/>
+            <a:endParaRPr lang="zh-CN" altLang="en-US"/>
+          </a:p>
+        </p:txBody>
+      </p:sp>
+      <p:pic>
+        <p:nvPicPr>
+          <p:cNvPr id="5" name="图片 4">
+            <a:extLst>
+              <a:ext uri="{FF2B5EF4-FFF2-40B4-BE49-F238E27FC236}">
+                <a16:creationId xmlns:a16="http://schemas.microsoft.com/office/drawing/2014/main" id="{331F8B9E-44A9-48A8-A615-661C088C7B35}"/>
+              </a:ext>
+            </a:extLst>
+          </p:cNvPr>
+          <p:cNvPicPr>
+            <a:picLocks noChangeAspect="1"/>
+          </p:cNvPicPr>
+          <p:nvPr/>
+        </p:nvPicPr>
+        <p:blipFill>
+          <a:blip r:embed="rId7" cstate="print">
+            <a:extLst>
+              <a:ext uri="{28A0092B-C50C-407E-A947-70E740481C1C}">
+                <a14:useLocalDpi xmlns:a14="http://schemas.microsoft.com/office/drawing/2010/main" val="0"/>
+              </a:ext>
+            </a:extLst>
+          </a:blip>
+          <a:stretch>
+            <a:fillRect/>
+          </a:stretch>
+        </p:blipFill>
+        <p:spPr>
+          <a:xfrm>
+            <a:off x="11042374" y="139459"/>
+            <a:ext cx="967805" cy="967805"/>
+          </a:xfrm>
+          <a:prstGeom prst="rect">
+            <a:avLst/>
+          </a:prstGeom>
+        </p:spPr>
+      </p:pic>
+      <p:sp>
+        <p:nvSpPr>
+          <p:cNvPr id="13" name="矩形 12">
+            <a:extLst>
+              <a:ext uri="{FF2B5EF4-FFF2-40B4-BE49-F238E27FC236}">
+                <a16:creationId xmlns:a16="http://schemas.microsoft.com/office/drawing/2014/main" id="{2B277579-C26B-4516-B8AC-02305AA55F0F}"/>
+              </a:ext>
+            </a:extLst>
+          </p:cNvPr>
+          <p:cNvSpPr/>
+          <p:nvPr/>
+        </p:nvSpPr>
+        <p:spPr>
+          <a:xfrm>
+            <a:off x="181821" y="331578"/>
+            <a:ext cx="10860553" cy="646331"/>
+          </a:xfrm>
+          <a:prstGeom prst="rect">
+            <a:avLst/>
+          </a:prstGeom>
+        </p:spPr>
+        <p:txBody>
+          <a:bodyPr wrap="square">
+            <a:spAutoFit/>
+          </a:bodyPr>
+          <a:lstStyle/>
+          <a:p>
+            <a:r>
+              <a:rPr lang="zh-CN" altLang="en-US" sz="3600" b="1" dirty="0">
+                <a:solidFill>
+                  <a:schemeClr val="tx1">
+                    <a:lumMod val="75000"/>
+                    <a:lumOff val="25000"/>
+                  </a:schemeClr>
+                </a:solidFill>
+                <a:latin typeface="华文楷体" panose="02010600040101010101" pitchFamily="2" charset="-122"/>
+                <a:ea typeface="华文楷体" panose="02010600040101010101" pitchFamily="2" charset="-122"/>
+              </a:rPr>
+              <a:t>实验结果</a:t>
+            </a:r>
+            <a:endParaRPr lang="zh-CN" altLang="en-US" sz="3600" b="1" dirty="0">
+              <a:solidFill>
+                <a:srgbClr val="C55A11"/>
+              </a:solidFill>
+              <a:latin typeface="华文楷体" panose="02010600040101010101" pitchFamily="2" charset="-122"/>
+              <a:ea typeface="华文楷体" panose="02010600040101010101" pitchFamily="2" charset="-122"/>
+            </a:endParaRPr>
+          </a:p>
+        </p:txBody>
+      </p:sp>
+      <p:sp>
+        <p:nvSpPr>
+          <p:cNvPr id="11" name="文本框 10">
+            <a:extLst>
+              <a:ext uri="{FF2B5EF4-FFF2-40B4-BE49-F238E27FC236}">
+                <a16:creationId xmlns:a16="http://schemas.microsoft.com/office/drawing/2014/main" id="{A122EAFD-2275-4615-9CB8-FA366A6AE552}"/>
+              </a:ext>
+            </a:extLst>
+          </p:cNvPr>
+          <p:cNvSpPr txBox="1"/>
+          <p:nvPr/>
+        </p:nvSpPr>
+        <p:spPr>
+          <a:xfrm>
+            <a:off x="181821" y="1287077"/>
+            <a:ext cx="11576169" cy="1969770"/>
+          </a:xfrm>
+          <a:prstGeom prst="rect">
+            <a:avLst/>
+          </a:prstGeom>
+          <a:noFill/>
+        </p:spPr>
+        <p:txBody>
+          <a:bodyPr wrap="square" rtlCol="0">
+            <a:spAutoFit/>
+          </a:bodyPr>
+          <a:lstStyle/>
+          <a:p>
+            <a:pPr marL="457200" indent="-457200">
+              <a:lnSpc>
+                <a:spcPct val="150000"/>
+              </a:lnSpc>
+              <a:buClr>
+                <a:srgbClr val="C55A11"/>
+              </a:buClr>
+              <a:buFont typeface="Wingdings" panose="05000000000000000000" pitchFamily="2" charset="2"/>
+              <a:buChar char="Ø"/>
+            </a:pPr>
+            <a:r>
+              <a:rPr lang="zh-CN" altLang="en-US" sz="2800">
+                <a:latin typeface="华文楷体" panose="02010600040101010101" pitchFamily="2" charset="-122"/>
+                <a:ea typeface="华文楷体" panose="02010600040101010101" pitchFamily="2" charset="-122"/>
+              </a:rPr>
+              <a:t>注意力矩阵可视化</a:t>
+            </a:r>
+            <a:endParaRPr lang="en-US" altLang="zh-CN" sz="2800">
+              <a:latin typeface="华文楷体" panose="02010600040101010101" pitchFamily="2" charset="-122"/>
+              <a:ea typeface="华文楷体" panose="02010600040101010101" pitchFamily="2" charset="-122"/>
+            </a:endParaRPr>
+          </a:p>
+          <a:p>
+            <a:pPr marL="914400" lvl="1" indent="-457200">
+              <a:lnSpc>
+                <a:spcPct val="150000"/>
+              </a:lnSpc>
+              <a:buClr>
+                <a:srgbClr val="C55A11"/>
+              </a:buClr>
+              <a:buFont typeface="Arial" panose="020B0604020202020204" pitchFamily="34" charset="0"/>
+              <a:buChar char="•"/>
+            </a:pPr>
+            <a:r>
+              <a:rPr lang="zh-CN" altLang="en-US" sz="2800">
+                <a:latin typeface="华文楷体" panose="02010600040101010101" pitchFamily="2" charset="-122"/>
+                <a:ea typeface="华文楷体" panose="02010600040101010101" pitchFamily="2" charset="-122"/>
+              </a:rPr>
+              <a:t>任务关系建模</a:t>
+            </a:r>
+            <a:endParaRPr lang="en-US" altLang="zh-CN" sz="2800">
+              <a:latin typeface="华文楷体" panose="02010600040101010101" pitchFamily="2" charset="-122"/>
+              <a:ea typeface="华文楷体" panose="02010600040101010101" pitchFamily="2" charset="-122"/>
+            </a:endParaRPr>
+          </a:p>
+          <a:p>
+            <a:pPr marL="914400" lvl="1" indent="-457200">
+              <a:lnSpc>
+                <a:spcPct val="150000"/>
+              </a:lnSpc>
+              <a:buClr>
+                <a:srgbClr val="C55A11"/>
+              </a:buClr>
+              <a:buFont typeface="Arial" panose="020B0604020202020204" pitchFamily="34" charset="0"/>
+              <a:buChar char="•"/>
+            </a:pPr>
+            <a:r>
+              <a:rPr lang="zh-CN" altLang="en-US" sz="2800">
+                <a:latin typeface="华文楷体" panose="02010600040101010101" pitchFamily="2" charset="-122"/>
+                <a:ea typeface="华文楷体" panose="02010600040101010101" pitchFamily="2" charset="-122"/>
+              </a:rPr>
+              <a:t>情感指向词</a:t>
+            </a:r>
+            <a:endParaRPr lang="en-US" altLang="zh-CN" sz="2800">
+              <a:latin typeface="华文楷体" panose="02010600040101010101" pitchFamily="2" charset="-122"/>
+              <a:ea typeface="华文楷体" panose="02010600040101010101" pitchFamily="2" charset="-122"/>
+            </a:endParaRPr>
+          </a:p>
+        </p:txBody>
+      </p:sp>
+      <p:pic>
+        <p:nvPicPr>
+          <p:cNvPr id="4" name="图片 3">
+            <a:extLst>
+              <a:ext uri="{FF2B5EF4-FFF2-40B4-BE49-F238E27FC236}">
+                <a16:creationId xmlns:a16="http://schemas.microsoft.com/office/drawing/2014/main" id="{142E933F-1700-4179-BBB3-C723CAD6797A}"/>
+              </a:ext>
+            </a:extLst>
+          </p:cNvPr>
+          <p:cNvPicPr>
+            <a:picLocks noChangeAspect="1"/>
+          </p:cNvPicPr>
+          <p:nvPr/>
+        </p:nvPicPr>
+        <p:blipFill rotWithShape="1">
+          <a:blip r:embed="rId8">
+            <a:extLst>
+              <a:ext uri="{28A0092B-C50C-407E-A947-70E740481C1C}">
+                <a14:useLocalDpi xmlns:a14="http://schemas.microsoft.com/office/drawing/2010/main" val="0"/>
+              </a:ext>
+            </a:extLst>
+          </a:blip>
+          <a:srcRect b="49419"/>
+          <a:stretch/>
+        </p:blipFill>
+        <p:spPr>
+          <a:xfrm>
+            <a:off x="958173" y="1645790"/>
+            <a:ext cx="10275653" cy="4176973"/>
+          </a:xfrm>
+          <a:prstGeom prst="rect">
+            <a:avLst/>
+          </a:prstGeom>
+        </p:spPr>
+      </p:pic>
+      <p:pic>
+        <p:nvPicPr>
+          <p:cNvPr id="12" name="图片 11">
+            <a:extLst>
+              <a:ext uri="{FF2B5EF4-FFF2-40B4-BE49-F238E27FC236}">
+                <a16:creationId xmlns:a16="http://schemas.microsoft.com/office/drawing/2014/main" id="{3B7A392D-206B-46D2-95EA-542A88E747E2}"/>
+              </a:ext>
+            </a:extLst>
+          </p:cNvPr>
+          <p:cNvPicPr>
+            <a:picLocks noChangeAspect="1"/>
+          </p:cNvPicPr>
+          <p:nvPr/>
+        </p:nvPicPr>
+        <p:blipFill rotWithShape="1">
+          <a:blip r:embed="rId8">
+            <a:extLst>
+              <a:ext uri="{28A0092B-C50C-407E-A947-70E740481C1C}">
+                <a14:useLocalDpi xmlns:a14="http://schemas.microsoft.com/office/drawing/2010/main" val="0"/>
+              </a:ext>
+            </a:extLst>
+          </a:blip>
+          <a:srcRect t="50173"/>
+          <a:stretch/>
+        </p:blipFill>
+        <p:spPr>
+          <a:xfrm>
+            <a:off x="958173" y="1775631"/>
+            <a:ext cx="10428684" cy="4176000"/>
+          </a:xfrm>
+          <a:prstGeom prst="rect">
+            <a:avLst/>
+          </a:prstGeom>
+        </p:spPr>
+      </p:pic>
+    </p:spTree>
+    <p:custDataLst>
+      <p:tags r:id="rId1"/>
+    </p:custDataLst>
+    <p:extLst>
+      <p:ext uri="{BB962C8B-B14F-4D97-AF65-F5344CB8AC3E}">
+        <p14:creationId xmlns:p14="http://schemas.microsoft.com/office/powerpoint/2010/main" val="1591288312"/>
+      </p:ext>
+    </p:extLst>
+  </p:cSld>
+  <p:clrMapOvr>
+    <a:masterClrMapping/>
+  </p:clrMapOvr>
+  <mc:AlternateContent xmlns:mc="http://schemas.openxmlformats.org/markup-compatibility/2006" xmlns:p14="http://schemas.microsoft.com/office/powerpoint/2010/main">
+    <mc:Choice Requires="p14">
+      <p:transition spd="med" p14:dur="700" advTm="31146">
+        <p:fade/>
+      </p:transition>
+    </mc:Choice>
+    <mc:Fallback xmlns="">
+      <p:transition spd="med" advTm="31146">
+        <p:fade/>
+      </p:transition>
+    </mc:Fallback>
+  </mc:AlternateContent>
+  <p:timing>
+    <p:tnLst>
+      <p:par>
+        <p:cTn id="1" dur="indefinite" restart="never" nodeType="tmRoot">
+          <p:childTnLst>
+            <p:seq concurrent="1" nextAc="seek">
+              <p:cTn id="2" dur="indefinite" nodeType="mainSeq">
+                <p:childTnLst>
+                  <p:par>
+                    <p:cTn id="3" fill="hold">
+                      <p:stCondLst>
+                        <p:cond delay="indefinite"/>
+                      </p:stCondLst>
+                      <p:childTnLst>
+                        <p:par>
+                          <p:cTn id="4" fill="hold">
+                            <p:stCondLst>
+                              <p:cond delay="0"/>
+                            </p:stCondLst>
+                            <p:childTnLst>
+                              <p:par>
+                                <p:cTn id="5" presetID="10" presetClass="entr" presetSubtype="0" fill="hold" nodeType="clickEffect">
+                                  <p:stCondLst>
+                                    <p:cond delay="0"/>
+                                  </p:stCondLst>
+                                  <p:childTnLst>
+                                    <p:set>
+                                      <p:cBhvr>
+                                        <p:cTn id="6" dur="1" fill="hold">
+                                          <p:stCondLst>
+                                            <p:cond delay="0"/>
+                                          </p:stCondLst>
+                                        </p:cTn>
+                                        <p:tgtEl>
+                                          <p:spTgt spid="4"/>
+                                        </p:tgtEl>
+                                        <p:attrNameLst>
+                                          <p:attrName>style.visibility</p:attrName>
+                                        </p:attrNameLst>
+                                      </p:cBhvr>
+                                      <p:to>
+                                        <p:strVal val="visible"/>
+                                      </p:to>
+                                    </p:set>
+                                    <p:animEffect transition="in" filter="fade">
+                                      <p:cBhvr>
+                                        <p:cTn id="7" dur="500"/>
+                                        <p:tgtEl>
+                                          <p:spTgt spid="4"/>
+                                        </p:tgtEl>
+                                      </p:cBhvr>
+                                    </p:animEffect>
+                                  </p:childTnLst>
+                                </p:cTn>
+                              </p:par>
+                            </p:childTnLst>
+                          </p:cTn>
+                        </p:par>
+                      </p:childTnLst>
+                    </p:cTn>
+                  </p:par>
+                  <p:par>
+                    <p:cTn id="8" fill="hold">
+                      <p:stCondLst>
+                        <p:cond delay="indefinite"/>
+                      </p:stCondLst>
+                      <p:childTnLst>
+                        <p:par>
+                          <p:cTn id="9" fill="hold">
+                            <p:stCondLst>
+                              <p:cond delay="0"/>
+                            </p:stCondLst>
+                            <p:childTnLst>
+                              <p:par>
+                                <p:cTn id="10" presetID="10" presetClass="entr" presetSubtype="0" fill="hold" nodeType="clickEffect">
+                                  <p:stCondLst>
+                                    <p:cond delay="0"/>
+                                  </p:stCondLst>
+                                  <p:childTnLst>
+                                    <p:set>
+                                      <p:cBhvr>
+                                        <p:cTn id="11" dur="1" fill="hold">
+                                          <p:stCondLst>
+                                            <p:cond delay="0"/>
+                                          </p:stCondLst>
+                                        </p:cTn>
+                                        <p:tgtEl>
+                                          <p:spTgt spid="12"/>
+                                        </p:tgtEl>
+                                        <p:attrNameLst>
+                                          <p:attrName>style.visibility</p:attrName>
+                                        </p:attrNameLst>
+                                      </p:cBhvr>
+                                      <p:to>
+                                        <p:strVal val="visible"/>
+                                      </p:to>
+                                    </p:set>
+                                    <p:animEffect transition="in" filter="fade">
+                                      <p:cBhvr>
+                                        <p:cTn id="12" dur="500"/>
+                                        <p:tgtEl>
+                                          <p:spTgt spid="12"/>
+                                        </p:tgtEl>
+                                      </p:cBhvr>
+                                    </p:animEffect>
+                                  </p:childTnLst>
+                                </p:cTn>
+                              </p:par>
+                            </p:childTnLst>
+                          </p:cTn>
+                        </p:par>
+                      </p:childTnLst>
+                    </p:cTn>
+                  </p:par>
+                </p:childTnLst>
+              </p:cTn>
+              <p:prevCondLst>
+                <p:cond evt="onPrev" delay="0">
+                  <p:tgtEl>
+                    <p:sldTgt/>
+                  </p:tgtEl>
+                </p:cond>
+              </p:prevCondLst>
+              <p:nextCondLst>
+                <p:cond evt="onNext" delay="0">
+                  <p:tgtEl>
+                    <p:sldTgt/>
+                  </p:tgtEl>
+                </p:cond>
+              </p:nextCondLst>
+            </p:seq>
+          </p:childTnLst>
+        </p:cTn>
+      </p:par>
+    </p:tnLst>
+  </p:timing>
+</p:sld>
+</file>
+
+<file path=ppt/slides/slide33.xml><?xml version="1.0" encoding="utf-8"?>
+<p:sld xmlns:a="http://schemas.openxmlformats.org/drawingml/2006/main" xmlns:r="http://schemas.openxmlformats.org/officeDocument/2006/relationships" xmlns:p="http://schemas.openxmlformats.org/presentationml/2006/main">
+  <p:cSld>
+    <p:spTree>
+      <p:nvGrpSpPr>
+        <p:cNvPr id="1" name=""/>
+        <p:cNvGrpSpPr/>
+        <p:nvPr/>
+      </p:nvGrpSpPr>
+      <p:grpSpPr>
+        <a:xfrm>
+          <a:off x="0" y="0"/>
+          <a:ext cx="0" cy="0"/>
+          <a:chOff x="0" y="0"/>
+          <a:chExt cx="0" cy="0"/>
+        </a:xfrm>
+      </p:grpSpPr>
+      <p:sp>
+        <p:nvSpPr>
+          <p:cNvPr id="3" name="PA_矩形 2"/>
+          <p:cNvSpPr/>
+          <p:nvPr>
+            <p:custDataLst>
+              <p:tags r:id="rId2"/>
+            </p:custDataLst>
+          </p:nvPr>
+        </p:nvSpPr>
+        <p:spPr>
+          <a:xfrm>
+            <a:off x="0" y="1"/>
+            <a:ext cx="12192000" cy="45719"/>
+          </a:xfrm>
+          <a:prstGeom prst="rect">
+            <a:avLst/>
+          </a:prstGeom>
+          <a:solidFill>
+            <a:srgbClr val="C55A11"/>
+          </a:solidFill>
+          <a:ln>
+            <a:noFill/>
+          </a:ln>
+        </p:spPr>
+        <p:style>
+          <a:lnRef idx="2">
+            <a:schemeClr val="accent1">
+              <a:shade val="50000"/>
+            </a:schemeClr>
+          </a:lnRef>
+          <a:fillRef idx="1">
+            <a:schemeClr val="accent1"/>
+          </a:fillRef>
+          <a:effectRef idx="0">
+            <a:schemeClr val="accent1"/>
+          </a:effectRef>
+          <a:fontRef idx="minor">
+            <a:schemeClr val="lt1"/>
+          </a:fontRef>
+        </p:style>
+        <p:txBody>
+          <a:bodyPr rtlCol="0" anchor="ctr"/>
+          <a:lstStyle/>
+          <a:p>
+            <a:pPr algn="ctr"/>
+            <a:endParaRPr lang="zh-CN" altLang="en-US"/>
+          </a:p>
+        </p:txBody>
+      </p:sp>
+      <p:cxnSp>
+        <p:nvCxnSpPr>
+          <p:cNvPr id="6" name="PA_直接连接符 5"/>
+          <p:cNvCxnSpPr>
+            <a:cxnSpLocks/>
+          </p:cNvCxnSpPr>
+          <p:nvPr>
+            <p:custDataLst>
+              <p:tags r:id="rId3"/>
+            </p:custDataLst>
+          </p:nvPr>
+        </p:nvCxnSpPr>
+        <p:spPr>
+          <a:xfrm>
+            <a:off x="0" y="1201003"/>
+            <a:ext cx="12192000" cy="0"/>
+          </a:xfrm>
+          <a:prstGeom prst="line">
+            <a:avLst/>
+          </a:prstGeom>
+          <a:ln>
+            <a:solidFill>
+              <a:schemeClr val="tx1">
+                <a:lumMod val="50000"/>
+                <a:lumOff val="50000"/>
+              </a:schemeClr>
+            </a:solidFill>
+          </a:ln>
+        </p:spPr>
+        <p:style>
+          <a:lnRef idx="1">
+            <a:schemeClr val="accent1"/>
+          </a:lnRef>
+          <a:fillRef idx="0">
+            <a:schemeClr val="accent1"/>
+          </a:fillRef>
+          <a:effectRef idx="0">
+            <a:schemeClr val="accent1"/>
+          </a:effectRef>
+          <a:fontRef idx="minor">
+            <a:schemeClr val="tx1"/>
+          </a:fontRef>
+        </p:style>
+      </p:cxnSp>
+      <p:sp>
+        <p:nvSpPr>
+          <p:cNvPr id="10" name="PA_矩形 9"/>
+          <p:cNvSpPr/>
+          <p:nvPr>
+            <p:custDataLst>
+              <p:tags r:id="rId4"/>
+            </p:custDataLst>
+          </p:nvPr>
+        </p:nvSpPr>
+        <p:spPr>
+          <a:xfrm>
+            <a:off x="0" y="6713739"/>
+            <a:ext cx="12192000" cy="144261"/>
+          </a:xfrm>
+          <a:prstGeom prst="rect">
+            <a:avLst/>
+          </a:prstGeom>
+          <a:solidFill>
+            <a:srgbClr val="C55A11"/>
+          </a:solidFill>
+          <a:ln>
+            <a:noFill/>
+          </a:ln>
+        </p:spPr>
+        <p:style>
+          <a:lnRef idx="2">
+            <a:schemeClr val="accent1">
+              <a:shade val="50000"/>
+            </a:schemeClr>
+          </a:lnRef>
+          <a:fillRef idx="1">
+            <a:schemeClr val="accent1"/>
+          </a:fillRef>
+          <a:effectRef idx="0">
+            <a:schemeClr val="accent1"/>
+          </a:effectRef>
+          <a:fontRef idx="minor">
+            <a:schemeClr val="lt1"/>
+          </a:fontRef>
+        </p:style>
+        <p:txBody>
+          <a:bodyPr rtlCol="0" anchor="ctr"/>
+          <a:lstStyle/>
+          <a:p>
+            <a:pPr algn="ctr"/>
+            <a:endParaRPr lang="zh-CN" altLang="en-US"/>
+          </a:p>
+        </p:txBody>
+      </p:sp>
+      <p:pic>
+        <p:nvPicPr>
+          <p:cNvPr id="5" name="图片 4">
+            <a:extLst>
+              <a:ext uri="{FF2B5EF4-FFF2-40B4-BE49-F238E27FC236}">
+                <a16:creationId xmlns:a16="http://schemas.microsoft.com/office/drawing/2014/main" id="{331F8B9E-44A9-48A8-A615-661C088C7B35}"/>
+              </a:ext>
+            </a:extLst>
+          </p:cNvPr>
+          <p:cNvPicPr>
+            <a:picLocks noChangeAspect="1"/>
+          </p:cNvPicPr>
+          <p:nvPr/>
+        </p:nvPicPr>
+        <p:blipFill>
+          <a:blip r:embed="rId7" cstate="print">
+            <a:extLst>
+              <a:ext uri="{28A0092B-C50C-407E-A947-70E740481C1C}">
+                <a14:useLocalDpi xmlns:a14="http://schemas.microsoft.com/office/drawing/2010/main" val="0"/>
+              </a:ext>
+            </a:extLst>
+          </a:blip>
+          <a:stretch>
+            <a:fillRect/>
+          </a:stretch>
+        </p:blipFill>
+        <p:spPr>
+          <a:xfrm>
+            <a:off x="11042374" y="139459"/>
+            <a:ext cx="967805" cy="967805"/>
+          </a:xfrm>
+          <a:prstGeom prst="rect">
+            <a:avLst/>
+          </a:prstGeom>
+        </p:spPr>
+      </p:pic>
+      <p:sp>
+        <p:nvSpPr>
+          <p:cNvPr id="13" name="矩形 12">
+            <a:extLst>
+              <a:ext uri="{FF2B5EF4-FFF2-40B4-BE49-F238E27FC236}">
+                <a16:creationId xmlns:a16="http://schemas.microsoft.com/office/drawing/2014/main" id="{2B277579-C26B-4516-B8AC-02305AA55F0F}"/>
+              </a:ext>
+            </a:extLst>
+          </p:cNvPr>
+          <p:cNvSpPr/>
+          <p:nvPr/>
+        </p:nvSpPr>
+        <p:spPr>
+          <a:xfrm>
+            <a:off x="181821" y="331578"/>
+            <a:ext cx="8461513" cy="646331"/>
+          </a:xfrm>
+          <a:prstGeom prst="rect">
+            <a:avLst/>
+          </a:prstGeom>
+        </p:spPr>
+        <p:txBody>
+          <a:bodyPr wrap="square">
+            <a:spAutoFit/>
+          </a:bodyPr>
+          <a:lstStyle/>
+          <a:p>
+            <a:r>
+              <a:rPr lang="zh-CN" altLang="en-US" sz="3600" b="1" dirty="0">
+                <a:solidFill>
+                  <a:srgbClr val="C55A11"/>
+                </a:solidFill>
+                <a:latin typeface="华文楷体" panose="02010600040101010101" pitchFamily="2" charset="-122"/>
+                <a:ea typeface="华文楷体" panose="02010600040101010101" pitchFamily="2" charset="-122"/>
+              </a:rPr>
+              <a:t>目录</a:t>
+            </a:r>
+            <a:r>
+              <a:rPr lang="zh-CN" altLang="en-US" sz="3600" b="1" dirty="0">
+                <a:solidFill>
+                  <a:schemeClr val="tx1">
+                    <a:lumMod val="75000"/>
+                    <a:lumOff val="25000"/>
+                  </a:schemeClr>
+                </a:solidFill>
+                <a:latin typeface="华文楷体" panose="02010600040101010101" pitchFamily="2" charset="-122"/>
+                <a:ea typeface="华文楷体" panose="02010600040101010101" pitchFamily="2" charset="-122"/>
+              </a:rPr>
+              <a:t> </a:t>
+            </a:r>
+            <a:r>
+              <a:rPr lang="en-US" altLang="zh-CN" sz="3600" b="1" dirty="0">
+                <a:solidFill>
+                  <a:schemeClr val="tx1">
+                    <a:lumMod val="75000"/>
+                    <a:lumOff val="25000"/>
+                  </a:schemeClr>
+                </a:solidFill>
+                <a:latin typeface="华文楷体" panose="02010600040101010101" pitchFamily="2" charset="-122"/>
+                <a:ea typeface="华文楷体" panose="02010600040101010101" pitchFamily="2" charset="-122"/>
+              </a:rPr>
+              <a:t>– </a:t>
+            </a:r>
+            <a:r>
+              <a:rPr lang="zh-CN" altLang="en-US" sz="3600" b="1" dirty="0">
+                <a:solidFill>
+                  <a:schemeClr val="tx1">
+                    <a:lumMod val="75000"/>
+                    <a:lumOff val="25000"/>
+                  </a:schemeClr>
+                </a:solidFill>
+                <a:latin typeface="华文楷体" panose="02010600040101010101" pitchFamily="2" charset="-122"/>
+                <a:ea typeface="华文楷体" panose="02010600040101010101" pitchFamily="2" charset="-122"/>
+              </a:rPr>
+              <a:t>总结</a:t>
+            </a:r>
+            <a:endParaRPr lang="zh-CN" altLang="en-US" sz="3600" b="1" dirty="0">
+              <a:solidFill>
+                <a:srgbClr val="C55A11"/>
+              </a:solidFill>
+              <a:latin typeface="华文楷体" panose="02010600040101010101" pitchFamily="2" charset="-122"/>
+              <a:ea typeface="华文楷体" panose="02010600040101010101" pitchFamily="2" charset="-122"/>
+            </a:endParaRPr>
+          </a:p>
+        </p:txBody>
+      </p:sp>
+      <p:sp>
+        <p:nvSpPr>
+          <p:cNvPr id="18" name="文本框 17">
+            <a:extLst>
+              <a:ext uri="{FF2B5EF4-FFF2-40B4-BE49-F238E27FC236}">
+                <a16:creationId xmlns:a16="http://schemas.microsoft.com/office/drawing/2014/main" id="{2116245A-D1CA-4242-A875-FA94B7E9ADE9}"/>
+              </a:ext>
+            </a:extLst>
+          </p:cNvPr>
+          <p:cNvSpPr txBox="1"/>
+          <p:nvPr/>
+        </p:nvSpPr>
+        <p:spPr>
+          <a:xfrm>
+            <a:off x="181821" y="1357673"/>
+            <a:ext cx="7286762" cy="3908762"/>
+          </a:xfrm>
+          <a:prstGeom prst="rect">
+            <a:avLst/>
+          </a:prstGeom>
+          <a:noFill/>
+        </p:spPr>
+        <p:txBody>
+          <a:bodyPr wrap="square" rtlCol="0">
+            <a:spAutoFit/>
+          </a:bodyPr>
+          <a:lstStyle/>
+          <a:p>
+            <a:pPr marL="457200" indent="-457200">
+              <a:lnSpc>
+                <a:spcPct val="150000"/>
+              </a:lnSpc>
+              <a:buClr>
+                <a:srgbClr val="C55A11"/>
+              </a:buClr>
+              <a:buFont typeface="Wingdings" panose="05000000000000000000" pitchFamily="2" charset="2"/>
+              <a:buChar char="n"/>
+            </a:pPr>
+            <a:r>
+              <a:rPr lang="zh-CN" altLang="en-US" sz="2800" b="1" dirty="0">
+                <a:latin typeface="华文楷体" panose="02010600040101010101" pitchFamily="2" charset="-122"/>
+                <a:ea typeface="华文楷体" panose="02010600040101010101" pitchFamily="2" charset="-122"/>
+              </a:rPr>
+              <a:t>研究意义</a:t>
+            </a:r>
+            <a:endParaRPr lang="en-US" altLang="zh-CN" sz="2800" b="1" dirty="0">
+              <a:latin typeface="华文楷体" panose="02010600040101010101" pitchFamily="2" charset="-122"/>
+              <a:ea typeface="华文楷体" panose="02010600040101010101" pitchFamily="2" charset="-122"/>
+            </a:endParaRPr>
+          </a:p>
+          <a:p>
+            <a:pPr marL="457200" indent="-457200">
+              <a:lnSpc>
+                <a:spcPct val="150000"/>
+              </a:lnSpc>
+              <a:buClr>
+                <a:srgbClr val="C55A11"/>
+              </a:buClr>
+              <a:buFont typeface="Wingdings" panose="05000000000000000000" pitchFamily="2" charset="2"/>
+              <a:buChar char="n"/>
+            </a:pPr>
+            <a:r>
+              <a:rPr lang="zh-CN" altLang="en-US" sz="2800" b="1" dirty="0">
+                <a:latin typeface="华文楷体" panose="02010600040101010101" pitchFamily="2" charset="-122"/>
+                <a:ea typeface="华文楷体" panose="02010600040101010101" pitchFamily="2" charset="-122"/>
+              </a:rPr>
+              <a:t>相关研究进展</a:t>
+            </a:r>
+            <a:endParaRPr lang="en-US" altLang="zh-CN" sz="2800" b="1" dirty="0">
+              <a:latin typeface="华文楷体" panose="02010600040101010101" pitchFamily="2" charset="-122"/>
+              <a:ea typeface="华文楷体" panose="02010600040101010101" pitchFamily="2" charset="-122"/>
+            </a:endParaRPr>
+          </a:p>
+          <a:p>
+            <a:pPr marL="457200" indent="-457200">
+              <a:lnSpc>
+                <a:spcPct val="150000"/>
+              </a:lnSpc>
+              <a:buClr>
+                <a:srgbClr val="C55A11"/>
+              </a:buClr>
+              <a:buFont typeface="Wingdings" panose="05000000000000000000" pitchFamily="2" charset="2"/>
+              <a:buChar char="n"/>
+            </a:pPr>
+            <a:r>
+              <a:rPr lang="zh-CN" altLang="en-US" sz="2800" b="1" dirty="0">
+                <a:latin typeface="华文楷体" panose="02010600040101010101" pitchFamily="2" charset="-122"/>
+                <a:ea typeface="华文楷体" panose="02010600040101010101" pitchFamily="2" charset="-122"/>
+              </a:rPr>
+              <a:t>模型与实验</a:t>
+            </a:r>
+            <a:endParaRPr lang="en-US" altLang="zh-CN" sz="2800" b="1" dirty="0">
+              <a:latin typeface="华文楷体" panose="02010600040101010101" pitchFamily="2" charset="-122"/>
+              <a:ea typeface="华文楷体" panose="02010600040101010101" pitchFamily="2" charset="-122"/>
+            </a:endParaRPr>
+          </a:p>
+          <a:p>
+            <a:pPr marL="457200" indent="-457200">
+              <a:lnSpc>
+                <a:spcPct val="150000"/>
+              </a:lnSpc>
+              <a:buClr>
+                <a:srgbClr val="C55A11"/>
+              </a:buClr>
+              <a:buFont typeface="Wingdings" panose="05000000000000000000" pitchFamily="2" charset="2"/>
+              <a:buChar char="n"/>
+            </a:pPr>
+            <a:r>
+              <a:rPr lang="zh-CN" altLang="en-US" sz="2800" b="1" dirty="0">
+                <a:solidFill>
+                  <a:srgbClr val="C55A11"/>
+                </a:solidFill>
+                <a:latin typeface="华文楷体" panose="02010600040101010101" pitchFamily="2" charset="-122"/>
+                <a:ea typeface="华文楷体" panose="02010600040101010101" pitchFamily="2" charset="-122"/>
+              </a:rPr>
+              <a:t>总结</a:t>
+            </a:r>
+            <a:endParaRPr lang="en-US" altLang="zh-CN" sz="2800" b="1" dirty="0">
+              <a:solidFill>
+                <a:srgbClr val="C55A11"/>
+              </a:solidFill>
+              <a:latin typeface="华文楷体" panose="02010600040101010101" pitchFamily="2" charset="-122"/>
+              <a:ea typeface="华文楷体" panose="02010600040101010101" pitchFamily="2" charset="-122"/>
+            </a:endParaRPr>
+          </a:p>
+          <a:p>
+            <a:pPr marL="914400" lvl="1" indent="-457200">
+              <a:lnSpc>
+                <a:spcPct val="150000"/>
+              </a:lnSpc>
+              <a:buClr>
+                <a:srgbClr val="C55A11"/>
+              </a:buClr>
+              <a:buFont typeface="Arial" panose="020B0604020202020204" pitchFamily="34" charset="0"/>
+              <a:buChar char="•"/>
+            </a:pPr>
+            <a:r>
+              <a:rPr lang="zh-CN" altLang="en-US" sz="2800" b="1" dirty="0">
+                <a:latin typeface="华文楷体" panose="02010600040101010101" pitchFamily="2" charset="-122"/>
+                <a:ea typeface="华文楷体" panose="02010600040101010101" pitchFamily="2" charset="-122"/>
+              </a:rPr>
+              <a:t>优点</a:t>
+            </a:r>
+            <a:endParaRPr lang="en-US" altLang="zh-CN" sz="2800" b="1" dirty="0">
+              <a:latin typeface="华文楷体" panose="02010600040101010101" pitchFamily="2" charset="-122"/>
+              <a:ea typeface="华文楷体" panose="02010600040101010101" pitchFamily="2" charset="-122"/>
+            </a:endParaRPr>
+          </a:p>
+          <a:p>
+            <a:pPr marL="914400" lvl="1" indent="-457200">
+              <a:lnSpc>
+                <a:spcPct val="150000"/>
+              </a:lnSpc>
+              <a:buClr>
+                <a:srgbClr val="C55A11"/>
+              </a:buClr>
+              <a:buFont typeface="Arial" panose="020B0604020202020204" pitchFamily="34" charset="0"/>
+              <a:buChar char="•"/>
+            </a:pPr>
+            <a:r>
+              <a:rPr lang="zh-CN" altLang="en-US" sz="2800" b="1" dirty="0">
+                <a:latin typeface="华文楷体" panose="02010600040101010101" pitchFamily="2" charset="-122"/>
+                <a:ea typeface="华文楷体" panose="02010600040101010101" pitchFamily="2" charset="-122"/>
+              </a:rPr>
+              <a:t>不足</a:t>
+            </a:r>
+            <a:endParaRPr lang="en-US" altLang="zh-CN" sz="2800" b="1" dirty="0">
+              <a:latin typeface="华文楷体" panose="02010600040101010101" pitchFamily="2" charset="-122"/>
+              <a:ea typeface="华文楷体" panose="02010600040101010101" pitchFamily="2" charset="-122"/>
+            </a:endParaRPr>
+          </a:p>
+        </p:txBody>
+      </p:sp>
+    </p:spTree>
+    <p:custDataLst>
+      <p:tags r:id="rId1"/>
+    </p:custDataLst>
+    <p:extLst>
+      <p:ext uri="{BB962C8B-B14F-4D97-AF65-F5344CB8AC3E}">
+        <p14:creationId xmlns:p14="http://schemas.microsoft.com/office/powerpoint/2010/main" val="1197925058"/>
+      </p:ext>
+    </p:extLst>
+  </p:cSld>
+  <p:clrMapOvr>
+    <a:masterClrMapping/>
+  </p:clrMapOvr>
+  <mc:AlternateContent xmlns:mc="http://schemas.openxmlformats.org/markup-compatibility/2006" xmlns:p14="http://schemas.microsoft.com/office/powerpoint/2010/main">
+    <mc:Choice Requires="p14">
+      <p:transition spd="med" p14:dur="700" advTm="31146">
+        <p:fade/>
+      </p:transition>
+    </mc:Choice>
+    <mc:Fallback xmlns="">
+      <p:transition spd="med" advTm="31146">
+        <p:fade/>
+      </p:transition>
+    </mc:Fallback>
+  </mc:AlternateContent>
+</p:sld>
+</file>
+
+<file path=ppt/slides/slide34.xml><?xml version="1.0" encoding="utf-8"?>
+<p:sld xmlns:a="http://schemas.openxmlformats.org/drawingml/2006/main" xmlns:r="http://schemas.openxmlformats.org/officeDocument/2006/relationships" xmlns:p="http://schemas.openxmlformats.org/presentationml/2006/main">
+  <p:cSld>
+    <p:spTree>
+      <p:nvGrpSpPr>
+        <p:cNvPr id="1" name=""/>
+        <p:cNvGrpSpPr/>
+        <p:nvPr/>
+      </p:nvGrpSpPr>
+      <p:grpSpPr>
+        <a:xfrm>
+          <a:off x="0" y="0"/>
+          <a:ext cx="0" cy="0"/>
+          <a:chOff x="0" y="0"/>
+          <a:chExt cx="0" cy="0"/>
+        </a:xfrm>
+      </p:grpSpPr>
+      <p:sp>
+        <p:nvSpPr>
+          <p:cNvPr id="3" name="PA_矩形 2"/>
+          <p:cNvSpPr/>
+          <p:nvPr>
+            <p:custDataLst>
+              <p:tags r:id="rId2"/>
+            </p:custDataLst>
+          </p:nvPr>
+        </p:nvSpPr>
+        <p:spPr>
+          <a:xfrm>
+            <a:off x="0" y="1"/>
+            <a:ext cx="12192000" cy="45719"/>
+          </a:xfrm>
+          <a:prstGeom prst="rect">
+            <a:avLst/>
+          </a:prstGeom>
+          <a:solidFill>
+            <a:srgbClr val="C55A11"/>
+          </a:solidFill>
+          <a:ln>
+            <a:noFill/>
+          </a:ln>
+        </p:spPr>
+        <p:style>
+          <a:lnRef idx="2">
+            <a:schemeClr val="accent1">
+              <a:shade val="50000"/>
+            </a:schemeClr>
+          </a:lnRef>
+          <a:fillRef idx="1">
+            <a:schemeClr val="accent1"/>
+          </a:fillRef>
+          <a:effectRef idx="0">
+            <a:schemeClr val="accent1"/>
+          </a:effectRef>
+          <a:fontRef idx="minor">
+            <a:schemeClr val="lt1"/>
+          </a:fontRef>
+        </p:style>
+        <p:txBody>
+          <a:bodyPr rtlCol="0" anchor="ctr"/>
+          <a:lstStyle/>
+          <a:p>
+            <a:pPr algn="ctr"/>
+            <a:endParaRPr lang="zh-CN" altLang="en-US"/>
+          </a:p>
+        </p:txBody>
+      </p:sp>
+      <p:cxnSp>
+        <p:nvCxnSpPr>
+          <p:cNvPr id="6" name="PA_直接连接符 5"/>
+          <p:cNvCxnSpPr>
+            <a:cxnSpLocks/>
+          </p:cNvCxnSpPr>
+          <p:nvPr>
+            <p:custDataLst>
+              <p:tags r:id="rId3"/>
+            </p:custDataLst>
+          </p:nvPr>
+        </p:nvCxnSpPr>
+        <p:spPr>
+          <a:xfrm>
+            <a:off x="0" y="1201003"/>
+            <a:ext cx="12192000" cy="0"/>
+          </a:xfrm>
+          <a:prstGeom prst="line">
+            <a:avLst/>
+          </a:prstGeom>
+          <a:ln>
+            <a:solidFill>
+              <a:schemeClr val="tx1">
+                <a:lumMod val="50000"/>
+                <a:lumOff val="50000"/>
+              </a:schemeClr>
+            </a:solidFill>
+          </a:ln>
+        </p:spPr>
+        <p:style>
+          <a:lnRef idx="1">
+            <a:schemeClr val="accent1"/>
+          </a:lnRef>
+          <a:fillRef idx="0">
+            <a:schemeClr val="accent1"/>
+          </a:fillRef>
+          <a:effectRef idx="0">
+            <a:schemeClr val="accent1"/>
+          </a:effectRef>
+          <a:fontRef idx="minor">
+            <a:schemeClr val="tx1"/>
+          </a:fontRef>
+        </p:style>
+      </p:cxnSp>
+      <p:sp>
+        <p:nvSpPr>
+          <p:cNvPr id="10" name="PA_矩形 9"/>
+          <p:cNvSpPr/>
+          <p:nvPr>
+            <p:custDataLst>
+              <p:tags r:id="rId4"/>
+            </p:custDataLst>
+          </p:nvPr>
+        </p:nvSpPr>
+        <p:spPr>
+          <a:xfrm>
+            <a:off x="0" y="6713739"/>
+            <a:ext cx="12192000" cy="144261"/>
+          </a:xfrm>
+          <a:prstGeom prst="rect">
+            <a:avLst/>
+          </a:prstGeom>
+          <a:solidFill>
+            <a:srgbClr val="C55A11"/>
+          </a:solidFill>
+          <a:ln>
+            <a:noFill/>
+          </a:ln>
+        </p:spPr>
+        <p:style>
+          <a:lnRef idx="2">
+            <a:schemeClr val="accent1">
+              <a:shade val="50000"/>
+            </a:schemeClr>
+          </a:lnRef>
+          <a:fillRef idx="1">
+            <a:schemeClr val="accent1"/>
+          </a:fillRef>
+          <a:effectRef idx="0">
+            <a:schemeClr val="accent1"/>
+          </a:effectRef>
+          <a:fontRef idx="minor">
+            <a:schemeClr val="lt1"/>
+          </a:fontRef>
+        </p:style>
+        <p:txBody>
+          <a:bodyPr rtlCol="0" anchor="ctr"/>
+          <a:lstStyle/>
+          <a:p>
+            <a:pPr algn="ctr"/>
+            <a:endParaRPr lang="zh-CN" altLang="en-US"/>
+          </a:p>
+        </p:txBody>
+      </p:sp>
+      <p:pic>
+        <p:nvPicPr>
+          <p:cNvPr id="5" name="图片 4">
+            <a:extLst>
+              <a:ext uri="{FF2B5EF4-FFF2-40B4-BE49-F238E27FC236}">
+                <a16:creationId xmlns:a16="http://schemas.microsoft.com/office/drawing/2014/main" id="{331F8B9E-44A9-48A8-A615-661C088C7B35}"/>
+              </a:ext>
+            </a:extLst>
+          </p:cNvPr>
+          <p:cNvPicPr>
+            <a:picLocks noChangeAspect="1"/>
+          </p:cNvPicPr>
+          <p:nvPr/>
+        </p:nvPicPr>
+        <p:blipFill>
+          <a:blip r:embed="rId7" cstate="print">
+            <a:extLst>
+              <a:ext uri="{28A0092B-C50C-407E-A947-70E740481C1C}">
+                <a14:useLocalDpi xmlns:a14="http://schemas.microsoft.com/office/drawing/2010/main" val="0"/>
+              </a:ext>
+            </a:extLst>
+          </a:blip>
+          <a:stretch>
+            <a:fillRect/>
+          </a:stretch>
+        </p:blipFill>
+        <p:spPr>
+          <a:xfrm>
+            <a:off x="11042374" y="139459"/>
+            <a:ext cx="967805" cy="967805"/>
+          </a:xfrm>
+          <a:prstGeom prst="rect">
+            <a:avLst/>
+          </a:prstGeom>
+        </p:spPr>
+      </p:pic>
+      <p:sp>
+        <p:nvSpPr>
+          <p:cNvPr id="13" name="矩形 12">
+            <a:extLst>
+              <a:ext uri="{FF2B5EF4-FFF2-40B4-BE49-F238E27FC236}">
+                <a16:creationId xmlns:a16="http://schemas.microsoft.com/office/drawing/2014/main" id="{2B277579-C26B-4516-B8AC-02305AA55F0F}"/>
+              </a:ext>
+            </a:extLst>
+          </p:cNvPr>
+          <p:cNvSpPr/>
+          <p:nvPr/>
+        </p:nvSpPr>
+        <p:spPr>
+          <a:xfrm>
+            <a:off x="181821" y="331578"/>
+            <a:ext cx="10860553" cy="646331"/>
+          </a:xfrm>
+          <a:prstGeom prst="rect">
+            <a:avLst/>
+          </a:prstGeom>
+        </p:spPr>
+        <p:txBody>
+          <a:bodyPr wrap="square">
+            <a:spAutoFit/>
+          </a:bodyPr>
+          <a:lstStyle/>
+          <a:p>
+            <a:r>
+              <a:rPr lang="zh-CN" altLang="en-US" sz="3600" b="1">
+                <a:solidFill>
+                  <a:schemeClr val="tx1">
+                    <a:lumMod val="75000"/>
+                    <a:lumOff val="25000"/>
+                  </a:schemeClr>
+                </a:solidFill>
+                <a:latin typeface="华文楷体" panose="02010600040101010101" pitchFamily="2" charset="-122"/>
+                <a:ea typeface="华文楷体" panose="02010600040101010101" pitchFamily="2" charset="-122"/>
+              </a:rPr>
+              <a:t>总结</a:t>
+            </a:r>
+            <a:endParaRPr lang="zh-CN" altLang="en-US" sz="3600" b="1" dirty="0">
+              <a:solidFill>
+                <a:srgbClr val="C55A11"/>
+              </a:solidFill>
+              <a:latin typeface="华文楷体" panose="02010600040101010101" pitchFamily="2" charset="-122"/>
+              <a:ea typeface="华文楷体" panose="02010600040101010101" pitchFamily="2" charset="-122"/>
+            </a:endParaRPr>
+          </a:p>
+        </p:txBody>
+      </p:sp>
+      <p:sp>
+        <p:nvSpPr>
+          <p:cNvPr id="11" name="文本框 10">
+            <a:extLst>
+              <a:ext uri="{FF2B5EF4-FFF2-40B4-BE49-F238E27FC236}">
+                <a16:creationId xmlns:a16="http://schemas.microsoft.com/office/drawing/2014/main" id="{A122EAFD-2275-4615-9CB8-FA366A6AE552}"/>
+              </a:ext>
+            </a:extLst>
+          </p:cNvPr>
+          <p:cNvSpPr txBox="1"/>
+          <p:nvPr/>
+        </p:nvSpPr>
+        <p:spPr>
+          <a:xfrm>
+            <a:off x="181821" y="1287077"/>
+            <a:ext cx="11576169" cy="5201424"/>
+          </a:xfrm>
+          <a:prstGeom prst="rect">
+            <a:avLst/>
+          </a:prstGeom>
+          <a:noFill/>
+        </p:spPr>
+        <p:txBody>
+          <a:bodyPr wrap="square" rtlCol="0">
+            <a:spAutoFit/>
+          </a:bodyPr>
+          <a:lstStyle/>
+          <a:p>
+            <a:pPr marL="457200" indent="-457200">
+              <a:lnSpc>
+                <a:spcPct val="150000"/>
+              </a:lnSpc>
+              <a:buClr>
+                <a:srgbClr val="C55A11"/>
+              </a:buClr>
+              <a:buFont typeface="Wingdings" panose="05000000000000000000" pitchFamily="2" charset="2"/>
+              <a:buChar char="Ø"/>
+            </a:pPr>
+            <a:r>
+              <a:rPr lang="en-US" altLang="zh-CN" sz="2800">
+                <a:latin typeface="华文楷体" panose="02010600040101010101" pitchFamily="2" charset="-122"/>
+                <a:ea typeface="华文楷体" panose="02010600040101010101" pitchFamily="2" charset="-122"/>
+              </a:rPr>
+              <a:t>Contributions</a:t>
+            </a:r>
+          </a:p>
+          <a:p>
+            <a:pPr marL="914400" lvl="1" indent="-457200">
+              <a:lnSpc>
+                <a:spcPct val="150000"/>
+              </a:lnSpc>
+              <a:buClr>
+                <a:srgbClr val="C55A11"/>
+              </a:buClr>
+              <a:buFont typeface="Wingdings" panose="05000000000000000000" pitchFamily="2" charset="2"/>
+              <a:buChar char="Ø"/>
+            </a:pPr>
+            <a:r>
+              <a:rPr lang="en-US" altLang="zh-CN" sz="2800">
+                <a:latin typeface="华文楷体" panose="02010600040101010101" pitchFamily="2" charset="-122"/>
+                <a:ea typeface="华文楷体" panose="02010600040101010101" pitchFamily="2" charset="-122"/>
+              </a:rPr>
+              <a:t>To my best knowledge, it is the first time to systematically explorate multi-task sharing architecture on Transformer.</a:t>
+            </a:r>
+          </a:p>
+          <a:p>
+            <a:pPr marL="914400" lvl="1" indent="-457200">
+              <a:lnSpc>
+                <a:spcPct val="150000"/>
+              </a:lnSpc>
+              <a:buClr>
+                <a:srgbClr val="C55A11"/>
+              </a:buClr>
+              <a:buFont typeface="Wingdings" panose="05000000000000000000" pitchFamily="2" charset="2"/>
+              <a:buChar char="Ø"/>
+            </a:pPr>
+            <a:r>
+              <a:rPr lang="en-US" altLang="zh-CN" sz="2800">
+                <a:latin typeface="华文楷体" panose="02010600040101010101" pitchFamily="2" charset="-122"/>
+                <a:ea typeface="华文楷体" panose="02010600040101010101" pitchFamily="2" charset="-122"/>
+              </a:rPr>
+              <a:t>I propose a new sharing mechanism (L-I and L-E), which is belong to soft sharing paradigm but more efficient.</a:t>
+            </a:r>
+          </a:p>
+          <a:p>
+            <a:pPr marL="457200" indent="-457200">
+              <a:lnSpc>
+                <a:spcPct val="150000"/>
+              </a:lnSpc>
+              <a:buClr>
+                <a:srgbClr val="C55A11"/>
+              </a:buClr>
+              <a:buFont typeface="Wingdings" panose="05000000000000000000" pitchFamily="2" charset="2"/>
+              <a:buChar char="Ø"/>
+            </a:pPr>
+            <a:r>
+              <a:rPr lang="en-US" altLang="zh-CN" sz="2800">
+                <a:latin typeface="华文楷体" panose="02010600040101010101" pitchFamily="2" charset="-122"/>
+                <a:ea typeface="华文楷体" panose="02010600040101010101" pitchFamily="2" charset="-122"/>
+              </a:rPr>
+              <a:t>Defects</a:t>
+            </a:r>
+          </a:p>
+          <a:p>
+            <a:pPr marL="914400" lvl="1" indent="-457200">
+              <a:lnSpc>
+                <a:spcPct val="150000"/>
+              </a:lnSpc>
+              <a:buClr>
+                <a:srgbClr val="C55A11"/>
+              </a:buClr>
+              <a:buFont typeface="Wingdings" panose="05000000000000000000" pitchFamily="2" charset="2"/>
+              <a:buChar char="Ø"/>
+            </a:pPr>
+            <a:r>
+              <a:rPr lang="en-US" altLang="zh-CN" sz="2800">
+                <a:latin typeface="华文楷体" panose="02010600040101010101" pitchFamily="2" charset="-122"/>
+                <a:ea typeface="华文楷体" panose="02010600040101010101" pitchFamily="2" charset="-122"/>
+              </a:rPr>
+              <a:t>Can only handle with sentence-level taks, yet.</a:t>
+            </a:r>
+          </a:p>
+          <a:p>
+            <a:pPr marL="914400" lvl="1" indent="-457200">
+              <a:lnSpc>
+                <a:spcPct val="150000"/>
+              </a:lnSpc>
+              <a:buClr>
+                <a:srgbClr val="C55A11"/>
+              </a:buClr>
+              <a:buFont typeface="Wingdings" panose="05000000000000000000" pitchFamily="2" charset="2"/>
+              <a:buChar char="Ø"/>
+            </a:pPr>
+            <a:r>
+              <a:rPr lang="en-US" altLang="zh-CN" sz="2800">
+                <a:latin typeface="华文楷体" panose="02010600040101010101" pitchFamily="2" charset="-122"/>
+                <a:ea typeface="华文楷体" panose="02010600040101010101" pitchFamily="2" charset="-122"/>
+              </a:rPr>
+              <a:t>Lack experiments on wider range of tasks</a:t>
+            </a:r>
+          </a:p>
+        </p:txBody>
+      </p:sp>
+    </p:spTree>
+    <p:custDataLst>
+      <p:tags r:id="rId1"/>
+    </p:custDataLst>
+    <p:extLst>
+      <p:ext uri="{BB962C8B-B14F-4D97-AF65-F5344CB8AC3E}">
+        <p14:creationId xmlns:p14="http://schemas.microsoft.com/office/powerpoint/2010/main" val="3954569402"/>
+      </p:ext>
+    </p:extLst>
+  </p:cSld>
+  <p:clrMapOvr>
+    <a:masterClrMapping/>
+  </p:clrMapOvr>
+  <mc:AlternateContent xmlns:mc="http://schemas.openxmlformats.org/markup-compatibility/2006" xmlns:p14="http://schemas.microsoft.com/office/powerpoint/2010/main">
+    <mc:Choice Requires="p14">
+      <p:transition spd="med" p14:dur="700" advTm="31146">
+        <p:fade/>
+      </p:transition>
+    </mc:Choice>
+    <mc:Fallback xmlns="">
+      <p:transition spd="med" advTm="31146">
+        <p:fade/>
+      </p:transition>
+    </mc:Fallback>
+  </mc:AlternateContent>
+</p:sld>
+</file>
+
+<file path=ppt/slides/slide35.xml><?xml version="1.0" encoding="utf-8"?>
+<p:sld xmlns:a="http://schemas.openxmlformats.org/drawingml/2006/main" xmlns:r="http://schemas.openxmlformats.org/officeDocument/2006/relationships" xmlns:p="http://schemas.openxmlformats.org/presentationml/2006/main">
+  <p:cSld>
+    <p:spTree>
+      <p:nvGrpSpPr>
+        <p:cNvPr id="1" name=""/>
+        <p:cNvGrpSpPr/>
+        <p:nvPr/>
+      </p:nvGrpSpPr>
+      <p:grpSpPr>
+        <a:xfrm>
+          <a:off x="0" y="0"/>
+          <a:ext cx="0" cy="0"/>
+          <a:chOff x="0" y="0"/>
+          <a:chExt cx="0" cy="0"/>
+        </a:xfrm>
+      </p:grpSpPr>
+      <p:pic>
+        <p:nvPicPr>
+          <p:cNvPr id="4" name="PA_图片 3"/>
+          <p:cNvPicPr>
+            <a:picLocks noChangeAspect="1"/>
+          </p:cNvPicPr>
+          <p:nvPr>
+            <p:custDataLst>
+              <p:tags r:id="rId2"/>
+            </p:custDataLst>
+          </p:nvPr>
+        </p:nvPicPr>
+        <p:blipFill>
+          <a:blip r:embed="rId8" cstate="print">
+            <a:extLst>
+              <a:ext uri="{28A0092B-C50C-407E-A947-70E740481C1C}">
+                <a14:useLocalDpi xmlns:a14="http://schemas.microsoft.com/office/drawing/2010/main" val="0"/>
+              </a:ext>
+            </a:extLst>
+          </a:blip>
+          <a:stretch>
+            <a:fillRect/>
+          </a:stretch>
+        </p:blipFill>
+        <p:spPr>
+          <a:xfrm>
+            <a:off x="75211" y="189980"/>
+            <a:ext cx="2870282" cy="834695"/>
+          </a:xfrm>
+          <a:prstGeom prst="rect">
+            <a:avLst/>
+          </a:prstGeom>
+        </p:spPr>
+      </p:pic>
+      <p:sp>
+        <p:nvSpPr>
+          <p:cNvPr id="3" name="PA_矩形 2"/>
+          <p:cNvSpPr/>
+          <p:nvPr>
+            <p:custDataLst>
+              <p:tags r:id="rId3"/>
+            </p:custDataLst>
+          </p:nvPr>
+        </p:nvSpPr>
+        <p:spPr>
+          <a:xfrm>
+            <a:off x="0" y="1"/>
+            <a:ext cx="12192000" cy="45719"/>
+          </a:xfrm>
+          <a:prstGeom prst="rect">
+            <a:avLst/>
+          </a:prstGeom>
+          <a:solidFill>
+            <a:srgbClr val="C55A11"/>
+          </a:solidFill>
+          <a:ln>
+            <a:noFill/>
+          </a:ln>
+        </p:spPr>
+        <p:style>
+          <a:lnRef idx="2">
+            <a:schemeClr val="accent1">
+              <a:shade val="50000"/>
+            </a:schemeClr>
+          </a:lnRef>
+          <a:fillRef idx="1">
+            <a:schemeClr val="accent1"/>
+          </a:fillRef>
+          <a:effectRef idx="0">
+            <a:schemeClr val="accent1"/>
+          </a:effectRef>
+          <a:fontRef idx="minor">
+            <a:schemeClr val="lt1"/>
+          </a:fontRef>
+        </p:style>
+        <p:txBody>
+          <a:bodyPr rtlCol="0" anchor="ctr"/>
+          <a:lstStyle/>
+          <a:p>
+            <a:pPr algn="ctr"/>
+            <a:endParaRPr lang="zh-CN" altLang="en-US"/>
+          </a:p>
+        </p:txBody>
+      </p:sp>
+      <p:cxnSp>
+        <p:nvCxnSpPr>
+          <p:cNvPr id="6" name="PA_直接连接符 5"/>
+          <p:cNvCxnSpPr>
+            <a:cxnSpLocks/>
+          </p:cNvCxnSpPr>
+          <p:nvPr>
+            <p:custDataLst>
+              <p:tags r:id="rId4"/>
+            </p:custDataLst>
+          </p:nvPr>
+        </p:nvCxnSpPr>
+        <p:spPr>
+          <a:xfrm>
+            <a:off x="0" y="1201003"/>
+            <a:ext cx="12192000" cy="0"/>
+          </a:xfrm>
+          <a:prstGeom prst="line">
+            <a:avLst/>
+          </a:prstGeom>
+          <a:ln>
+            <a:solidFill>
+              <a:schemeClr val="tx1">
+                <a:lumMod val="50000"/>
+                <a:lumOff val="50000"/>
+              </a:schemeClr>
+            </a:solidFill>
+          </a:ln>
+        </p:spPr>
+        <p:style>
+          <a:lnRef idx="1">
+            <a:schemeClr val="accent1"/>
+          </a:lnRef>
+          <a:fillRef idx="0">
+            <a:schemeClr val="accent1"/>
+          </a:fillRef>
+          <a:effectRef idx="0">
+            <a:schemeClr val="accent1"/>
+          </a:effectRef>
+          <a:fontRef idx="minor">
+            <a:schemeClr val="tx1"/>
+          </a:fontRef>
+        </p:style>
+      </p:cxnSp>
+      <p:sp>
+        <p:nvSpPr>
+          <p:cNvPr id="10" name="PA_矩形 9"/>
+          <p:cNvSpPr/>
+          <p:nvPr>
+            <p:custDataLst>
+              <p:tags r:id="rId5"/>
+            </p:custDataLst>
+          </p:nvPr>
+        </p:nvSpPr>
+        <p:spPr>
+          <a:xfrm>
+            <a:off x="0" y="6713739"/>
+            <a:ext cx="12192000" cy="144261"/>
+          </a:xfrm>
+          <a:prstGeom prst="rect">
+            <a:avLst/>
+          </a:prstGeom>
+          <a:solidFill>
+            <a:srgbClr val="C55A11"/>
+          </a:solidFill>
+          <a:ln>
+            <a:noFill/>
+          </a:ln>
+        </p:spPr>
+        <p:style>
+          <a:lnRef idx="2">
+            <a:schemeClr val="accent1">
+              <a:shade val="50000"/>
+            </a:schemeClr>
+          </a:lnRef>
+          <a:fillRef idx="1">
+            <a:schemeClr val="accent1"/>
+          </a:fillRef>
+          <a:effectRef idx="0">
+            <a:schemeClr val="accent1"/>
+          </a:effectRef>
+          <a:fontRef idx="minor">
+            <a:schemeClr val="lt1"/>
+          </a:fontRef>
+        </p:style>
+        <p:txBody>
+          <a:bodyPr rtlCol="0" anchor="ctr"/>
+          <a:lstStyle/>
+          <a:p>
+            <a:pPr algn="ctr"/>
+            <a:endParaRPr lang="zh-CN" altLang="en-US"/>
+          </a:p>
+        </p:txBody>
+      </p:sp>
+      <p:sp>
+        <p:nvSpPr>
+          <p:cNvPr id="7" name="矩形 6">
+            <a:extLst>
+              <a:ext uri="{FF2B5EF4-FFF2-40B4-BE49-F238E27FC236}">
+                <a16:creationId xmlns:a16="http://schemas.microsoft.com/office/drawing/2014/main" id="{3230901B-08E6-40C4-839C-A2F3FDB430C9}"/>
+              </a:ext>
+            </a:extLst>
+          </p:cNvPr>
+          <p:cNvSpPr/>
+          <p:nvPr/>
+        </p:nvSpPr>
+        <p:spPr>
+          <a:xfrm>
+            <a:off x="4886740" y="2967335"/>
+            <a:ext cx="2100470" cy="923330"/>
+          </a:xfrm>
+          <a:prstGeom prst="rect">
+            <a:avLst/>
+          </a:prstGeom>
+        </p:spPr>
+        <p:txBody>
+          <a:bodyPr wrap="square">
+            <a:spAutoFit/>
+          </a:bodyPr>
+          <a:lstStyle/>
+          <a:p>
+            <a:pPr algn="dist"/>
+            <a:r>
+              <a:rPr lang="zh-CN" altLang="en-US" sz="5400" dirty="0">
+                <a:solidFill>
+                  <a:schemeClr val="tx1">
+                    <a:lumMod val="75000"/>
+                    <a:lumOff val="25000"/>
+                  </a:schemeClr>
+                </a:solidFill>
+                <a:latin typeface="华文楷体" panose="02010600040101010101" pitchFamily="2" charset="-122"/>
+                <a:ea typeface="华文楷体" panose="02010600040101010101" pitchFamily="2" charset="-122"/>
+              </a:rPr>
+              <a:t>谢谢</a:t>
+            </a:r>
+          </a:p>
+        </p:txBody>
+      </p:sp>
+    </p:spTree>
+    <p:custDataLst>
+      <p:tags r:id="rId1"/>
+    </p:custDataLst>
+    <p:extLst>
+      <p:ext uri="{BB962C8B-B14F-4D97-AF65-F5344CB8AC3E}">
+        <p14:creationId xmlns:p14="http://schemas.microsoft.com/office/powerpoint/2010/main" val="3423386161"/>
       </p:ext>
     </p:extLst>
   </p:cSld>
@@ -21611,11 +25952,77 @@
 
 <file path=ppt/tags/tag118.xml><?xml version="1.0" encoding="utf-8"?>
 <p:tagLst xmlns:a="http://schemas.openxmlformats.org/drawingml/2006/main" xmlns:r="http://schemas.openxmlformats.org/officeDocument/2006/relationships" xmlns:p="http://schemas.openxmlformats.org/presentationml/2006/main">
+  <p:tag name="TIMING" val="|28.4"/>
+</p:tagLst>
+</file>
+
+<file path=ppt/tags/tag119.xml><?xml version="1.0" encoding="utf-8"?>
+<p:tagLst xmlns:a="http://schemas.openxmlformats.org/drawingml/2006/main" xmlns:r="http://schemas.openxmlformats.org/officeDocument/2006/relationships" xmlns:p="http://schemas.openxmlformats.org/presentationml/2006/main">
   <p:tag name="PA" val="v4.0.0"/>
 </p:tagLst>
 </file>
 
 <file path=ppt/tags/tag12.xml><?xml version="1.0" encoding="utf-8"?>
+<p:tagLst xmlns:a="http://schemas.openxmlformats.org/drawingml/2006/main" xmlns:r="http://schemas.openxmlformats.org/officeDocument/2006/relationships" xmlns:p="http://schemas.openxmlformats.org/presentationml/2006/main">
+  <p:tag name="PA" val="v4.0.0"/>
+</p:tagLst>
+</file>
+
+<file path=ppt/tags/tag120.xml><?xml version="1.0" encoding="utf-8"?>
+<p:tagLst xmlns:a="http://schemas.openxmlformats.org/drawingml/2006/main" xmlns:r="http://schemas.openxmlformats.org/officeDocument/2006/relationships" xmlns:p="http://schemas.openxmlformats.org/presentationml/2006/main">
+  <p:tag name="PA" val="v4.0.0"/>
+</p:tagLst>
+</file>
+
+<file path=ppt/tags/tag121.xml><?xml version="1.0" encoding="utf-8"?>
+<p:tagLst xmlns:a="http://schemas.openxmlformats.org/drawingml/2006/main" xmlns:r="http://schemas.openxmlformats.org/officeDocument/2006/relationships" xmlns:p="http://schemas.openxmlformats.org/presentationml/2006/main">
+  <p:tag name="PA" val="v4.0.0"/>
+</p:tagLst>
+</file>
+
+<file path=ppt/tags/tag122.xml><?xml version="1.0" encoding="utf-8"?>
+<p:tagLst xmlns:a="http://schemas.openxmlformats.org/drawingml/2006/main" xmlns:r="http://schemas.openxmlformats.org/officeDocument/2006/relationships" xmlns:p="http://schemas.openxmlformats.org/presentationml/2006/main">
+  <p:tag name="TIMING" val="|28.4"/>
+</p:tagLst>
+</file>
+
+<file path=ppt/tags/tag123.xml><?xml version="1.0" encoding="utf-8"?>
+<p:tagLst xmlns:a="http://schemas.openxmlformats.org/drawingml/2006/main" xmlns:r="http://schemas.openxmlformats.org/officeDocument/2006/relationships" xmlns:p="http://schemas.openxmlformats.org/presentationml/2006/main">
+  <p:tag name="PA" val="v4.0.0"/>
+</p:tagLst>
+</file>
+
+<file path=ppt/tags/tag124.xml><?xml version="1.0" encoding="utf-8"?>
+<p:tagLst xmlns:a="http://schemas.openxmlformats.org/drawingml/2006/main" xmlns:r="http://schemas.openxmlformats.org/officeDocument/2006/relationships" xmlns:p="http://schemas.openxmlformats.org/presentationml/2006/main">
+  <p:tag name="PA" val="v4.0.0"/>
+</p:tagLst>
+</file>
+
+<file path=ppt/tags/tag125.xml><?xml version="1.0" encoding="utf-8"?>
+<p:tagLst xmlns:a="http://schemas.openxmlformats.org/drawingml/2006/main" xmlns:r="http://schemas.openxmlformats.org/officeDocument/2006/relationships" xmlns:p="http://schemas.openxmlformats.org/presentationml/2006/main">
+  <p:tag name="PA" val="v4.0.0"/>
+</p:tagLst>
+</file>
+
+<file path=ppt/tags/tag126.xml><?xml version="1.0" encoding="utf-8"?>
+<p:tagLst xmlns:a="http://schemas.openxmlformats.org/drawingml/2006/main" xmlns:r="http://schemas.openxmlformats.org/officeDocument/2006/relationships" xmlns:p="http://schemas.openxmlformats.org/presentationml/2006/main">
+  <p:tag name="TIMING" val="|28.4"/>
+</p:tagLst>
+</file>
+
+<file path=ppt/tags/tag127.xml><?xml version="1.0" encoding="utf-8"?>
+<p:tagLst xmlns:a="http://schemas.openxmlformats.org/drawingml/2006/main" xmlns:r="http://schemas.openxmlformats.org/officeDocument/2006/relationships" xmlns:p="http://schemas.openxmlformats.org/presentationml/2006/main">
+  <p:tag name="PA" val="v4.0.0"/>
+</p:tagLst>
+</file>
+
+<file path=ppt/tags/tag128.xml><?xml version="1.0" encoding="utf-8"?>
+<p:tagLst xmlns:a="http://schemas.openxmlformats.org/drawingml/2006/main" xmlns:r="http://schemas.openxmlformats.org/officeDocument/2006/relationships" xmlns:p="http://schemas.openxmlformats.org/presentationml/2006/main">
+  <p:tag name="PA" val="v4.0.0"/>
+</p:tagLst>
+</file>
+
+<file path=ppt/tags/tag129.xml><?xml version="1.0" encoding="utf-8"?>
 <p:tagLst xmlns:a="http://schemas.openxmlformats.org/drawingml/2006/main" xmlns:r="http://schemas.openxmlformats.org/officeDocument/2006/relationships" xmlns:p="http://schemas.openxmlformats.org/presentationml/2006/main">
   <p:tag name="PA" val="v4.0.0"/>
 </p:tagLst>
@@ -21627,9 +26034,87 @@
 </p:tagLst>
 </file>
 
+<file path=ppt/tags/tag130.xml><?xml version="1.0" encoding="utf-8"?>
+<p:tagLst xmlns:a="http://schemas.openxmlformats.org/drawingml/2006/main" xmlns:r="http://schemas.openxmlformats.org/officeDocument/2006/relationships" xmlns:p="http://schemas.openxmlformats.org/presentationml/2006/main">
+  <p:tag name="TIMING" val="|28.4"/>
+</p:tagLst>
+</file>
+
+<file path=ppt/tags/tag131.xml><?xml version="1.0" encoding="utf-8"?>
+<p:tagLst xmlns:a="http://schemas.openxmlformats.org/drawingml/2006/main" xmlns:r="http://schemas.openxmlformats.org/officeDocument/2006/relationships" xmlns:p="http://schemas.openxmlformats.org/presentationml/2006/main">
+  <p:tag name="PA" val="v4.0.0"/>
+</p:tagLst>
+</file>
+
+<file path=ppt/tags/tag132.xml><?xml version="1.0" encoding="utf-8"?>
+<p:tagLst xmlns:a="http://schemas.openxmlformats.org/drawingml/2006/main" xmlns:r="http://schemas.openxmlformats.org/officeDocument/2006/relationships" xmlns:p="http://schemas.openxmlformats.org/presentationml/2006/main">
+  <p:tag name="PA" val="v4.0.0"/>
+</p:tagLst>
+</file>
+
+<file path=ppt/tags/tag133.xml><?xml version="1.0" encoding="utf-8"?>
+<p:tagLst xmlns:a="http://schemas.openxmlformats.org/drawingml/2006/main" xmlns:r="http://schemas.openxmlformats.org/officeDocument/2006/relationships" xmlns:p="http://schemas.openxmlformats.org/presentationml/2006/main">
+  <p:tag name="PA" val="v4.0.0"/>
+</p:tagLst>
+</file>
+
+<file path=ppt/tags/tag134.xml><?xml version="1.0" encoding="utf-8"?>
+<p:tagLst xmlns:a="http://schemas.openxmlformats.org/drawingml/2006/main" xmlns:r="http://schemas.openxmlformats.org/officeDocument/2006/relationships" xmlns:p="http://schemas.openxmlformats.org/presentationml/2006/main">
+  <p:tag name="TIMING" val="|28.4"/>
+</p:tagLst>
+</file>
+
+<file path=ppt/tags/tag135.xml><?xml version="1.0" encoding="utf-8"?>
+<p:tagLst xmlns:a="http://schemas.openxmlformats.org/drawingml/2006/main" xmlns:r="http://schemas.openxmlformats.org/officeDocument/2006/relationships" xmlns:p="http://schemas.openxmlformats.org/presentationml/2006/main">
+  <p:tag name="PA" val="v4.0.0"/>
+</p:tagLst>
+</file>
+
+<file path=ppt/tags/tag136.xml><?xml version="1.0" encoding="utf-8"?>
+<p:tagLst xmlns:a="http://schemas.openxmlformats.org/drawingml/2006/main" xmlns:r="http://schemas.openxmlformats.org/officeDocument/2006/relationships" xmlns:p="http://schemas.openxmlformats.org/presentationml/2006/main">
+  <p:tag name="PA" val="v4.0.0"/>
+</p:tagLst>
+</file>
+
+<file path=ppt/tags/tag137.xml><?xml version="1.0" encoding="utf-8"?>
+<p:tagLst xmlns:a="http://schemas.openxmlformats.org/drawingml/2006/main" xmlns:r="http://schemas.openxmlformats.org/officeDocument/2006/relationships" xmlns:p="http://schemas.openxmlformats.org/presentationml/2006/main">
+  <p:tag name="PA" val="v4.0.0"/>
+</p:tagLst>
+</file>
+
+<file path=ppt/tags/tag138.xml><?xml version="1.0" encoding="utf-8"?>
+<p:tagLst xmlns:a="http://schemas.openxmlformats.org/drawingml/2006/main" xmlns:r="http://schemas.openxmlformats.org/officeDocument/2006/relationships" xmlns:p="http://schemas.openxmlformats.org/presentationml/2006/main">
+  <p:tag name="TIMING" val="|28.4"/>
+</p:tagLst>
+</file>
+
+<file path=ppt/tags/tag139.xml><?xml version="1.0" encoding="utf-8"?>
+<p:tagLst xmlns:a="http://schemas.openxmlformats.org/drawingml/2006/main" xmlns:r="http://schemas.openxmlformats.org/officeDocument/2006/relationships" xmlns:p="http://schemas.openxmlformats.org/presentationml/2006/main">
+  <p:tag name="PA" val="v4.0.0"/>
+</p:tagLst>
+</file>
+
 <file path=ppt/tags/tag14.xml><?xml version="1.0" encoding="utf-8"?>
 <p:tagLst xmlns:a="http://schemas.openxmlformats.org/drawingml/2006/main" xmlns:r="http://schemas.openxmlformats.org/officeDocument/2006/relationships" xmlns:p="http://schemas.openxmlformats.org/presentationml/2006/main">
   <p:tag name="TIMING" val="|28.4"/>
+</p:tagLst>
+</file>
+
+<file path=ppt/tags/tag140.xml><?xml version="1.0" encoding="utf-8"?>
+<p:tagLst xmlns:a="http://schemas.openxmlformats.org/drawingml/2006/main" xmlns:r="http://schemas.openxmlformats.org/officeDocument/2006/relationships" xmlns:p="http://schemas.openxmlformats.org/presentationml/2006/main">
+  <p:tag name="PA" val="v4.0.0"/>
+</p:tagLst>
+</file>
+
+<file path=ppt/tags/tag141.xml><?xml version="1.0" encoding="utf-8"?>
+<p:tagLst xmlns:a="http://schemas.openxmlformats.org/drawingml/2006/main" xmlns:r="http://schemas.openxmlformats.org/officeDocument/2006/relationships" xmlns:p="http://schemas.openxmlformats.org/presentationml/2006/main">
+  <p:tag name="PA" val="v4.0.0"/>
+</p:tagLst>
+</file>
+
+<file path=ppt/tags/tag142.xml><?xml version="1.0" encoding="utf-8"?>
+<p:tagLst xmlns:a="http://schemas.openxmlformats.org/drawingml/2006/main" xmlns:r="http://schemas.openxmlformats.org/officeDocument/2006/relationships" xmlns:p="http://schemas.openxmlformats.org/presentationml/2006/main">
+  <p:tag name="PA" val="v4.0.0"/>
 </p:tagLst>
 </file>
 

--- a/materials/毕业设计答辩.pptx
+++ b/materials/毕业设计答辩.pptx
@@ -242,7 +242,7 @@
           <a:p>
             <a:fld id="{F75178F4-C18B-48EC-9055-35D023B30368}" type="datetimeFigureOut">
               <a:rPr lang="zh-CN" altLang="en-US" smtClean="0"/>
-              <a:t>2019/5/19</a:t>
+              <a:t>2019/5/22</a:t>
             </a:fld>
             <a:endParaRPr lang="zh-CN" altLang="en-US"/>
           </a:p>
@@ -3773,7 +3773,7 @@
           <a:p>
             <a:fld id="{287BCA0E-3945-47E9-A9AA-27ACE9347398}" type="datetimeFigureOut">
               <a:rPr lang="zh-CN" altLang="en-US" smtClean="0"/>
-              <a:t>2019/5/19</a:t>
+              <a:t>2019/5/22</a:t>
             </a:fld>
             <a:endParaRPr lang="zh-CN" altLang="en-US"/>
           </a:p>
@@ -3943,7 +3943,7 @@
           <a:p>
             <a:fld id="{287BCA0E-3945-47E9-A9AA-27ACE9347398}" type="datetimeFigureOut">
               <a:rPr lang="zh-CN" altLang="en-US" smtClean="0"/>
-              <a:t>2019/5/19</a:t>
+              <a:t>2019/5/22</a:t>
             </a:fld>
             <a:endParaRPr lang="zh-CN" altLang="en-US"/>
           </a:p>
@@ -4123,7 +4123,7 @@
           <a:p>
             <a:fld id="{287BCA0E-3945-47E9-A9AA-27ACE9347398}" type="datetimeFigureOut">
               <a:rPr lang="zh-CN" altLang="en-US" smtClean="0"/>
-              <a:t>2019/5/19</a:t>
+              <a:t>2019/5/22</a:t>
             </a:fld>
             <a:endParaRPr lang="zh-CN" altLang="en-US"/>
           </a:p>
@@ -4293,7 +4293,7 @@
           <a:p>
             <a:fld id="{287BCA0E-3945-47E9-A9AA-27ACE9347398}" type="datetimeFigureOut">
               <a:rPr lang="zh-CN" altLang="en-US" smtClean="0"/>
-              <a:t>2019/5/19</a:t>
+              <a:t>2019/5/22</a:t>
             </a:fld>
             <a:endParaRPr lang="zh-CN" altLang="en-US"/>
           </a:p>
@@ -4539,7 +4539,7 @@
           <a:p>
             <a:fld id="{287BCA0E-3945-47E9-A9AA-27ACE9347398}" type="datetimeFigureOut">
               <a:rPr lang="zh-CN" altLang="en-US" smtClean="0"/>
-              <a:t>2019/5/19</a:t>
+              <a:t>2019/5/22</a:t>
             </a:fld>
             <a:endParaRPr lang="zh-CN" altLang="en-US"/>
           </a:p>
@@ -4771,7 +4771,7 @@
           <a:p>
             <a:fld id="{287BCA0E-3945-47E9-A9AA-27ACE9347398}" type="datetimeFigureOut">
               <a:rPr lang="zh-CN" altLang="en-US" smtClean="0"/>
-              <a:t>2019/5/19</a:t>
+              <a:t>2019/5/22</a:t>
             </a:fld>
             <a:endParaRPr lang="zh-CN" altLang="en-US"/>
           </a:p>
@@ -5138,7 +5138,7 @@
           <a:p>
             <a:fld id="{287BCA0E-3945-47E9-A9AA-27ACE9347398}" type="datetimeFigureOut">
               <a:rPr lang="zh-CN" altLang="en-US" smtClean="0"/>
-              <a:t>2019/5/19</a:t>
+              <a:t>2019/5/22</a:t>
             </a:fld>
             <a:endParaRPr lang="zh-CN" altLang="en-US"/>
           </a:p>
@@ -5256,7 +5256,7 @@
           <a:p>
             <a:fld id="{287BCA0E-3945-47E9-A9AA-27ACE9347398}" type="datetimeFigureOut">
               <a:rPr lang="zh-CN" altLang="en-US" smtClean="0"/>
-              <a:t>2019/5/19</a:t>
+              <a:t>2019/5/22</a:t>
             </a:fld>
             <a:endParaRPr lang="zh-CN" altLang="en-US"/>
           </a:p>
@@ -5351,7 +5351,7 @@
           <a:p>
             <a:fld id="{287BCA0E-3945-47E9-A9AA-27ACE9347398}" type="datetimeFigureOut">
               <a:rPr lang="zh-CN" altLang="en-US" smtClean="0"/>
-              <a:t>2019/5/19</a:t>
+              <a:t>2019/5/22</a:t>
             </a:fld>
             <a:endParaRPr lang="zh-CN" altLang="en-US"/>
           </a:p>
@@ -5628,7 +5628,7 @@
           <a:p>
             <a:fld id="{287BCA0E-3945-47E9-A9AA-27ACE9347398}" type="datetimeFigureOut">
               <a:rPr lang="zh-CN" altLang="en-US" smtClean="0"/>
-              <a:t>2019/5/19</a:t>
+              <a:t>2019/5/22</a:t>
             </a:fld>
             <a:endParaRPr lang="zh-CN" altLang="en-US"/>
           </a:p>
@@ -5885,7 +5885,7 @@
           <a:p>
             <a:fld id="{287BCA0E-3945-47E9-A9AA-27ACE9347398}" type="datetimeFigureOut">
               <a:rPr lang="zh-CN" altLang="en-US" smtClean="0"/>
-              <a:t>2019/5/19</a:t>
+              <a:t>2019/5/22</a:t>
             </a:fld>
             <a:endParaRPr lang="zh-CN" altLang="en-US"/>
           </a:p>
@@ -6098,7 +6098,7 @@
           <a:p>
             <a:fld id="{287BCA0E-3945-47E9-A9AA-27ACE9347398}" type="datetimeFigureOut">
               <a:rPr lang="zh-CN" altLang="en-US" smtClean="0"/>
-              <a:t>2019/5/19</a:t>
+              <a:t>2019/5/22</a:t>
             </a:fld>
             <a:endParaRPr lang="zh-CN" altLang="en-US"/>
           </a:p>
@@ -6489,6 +6489,20 @@
 <file path=ppt/slides/slide1.xml><?xml version="1.0" encoding="utf-8"?>
 <p:sld xmlns:a="http://schemas.openxmlformats.org/drawingml/2006/main" xmlns:r="http://schemas.openxmlformats.org/officeDocument/2006/relationships" xmlns:p="http://schemas.openxmlformats.org/presentationml/2006/main">
   <p:cSld>
+    <p:bg>
+      <p:bgPr>
+        <a:blipFill dpi="0" rotWithShape="1">
+          <a:blip r:embed="rId8">
+            <a:lum/>
+          </a:blip>
+          <a:srcRect/>
+          <a:stretch>
+            <a:fillRect/>
+          </a:stretch>
+        </a:blipFill>
+        <a:effectLst/>
+      </p:bgPr>
+    </p:bg>
     <p:spTree>
       <p:nvGrpSpPr>
         <p:cNvPr id="1" name=""/>
@@ -6516,7 +6530,7 @@
           </p:nvPr>
         </p:nvPicPr>
         <p:blipFill>
-          <a:blip r:embed="rId8" cstate="print">
+          <a:blip r:embed="rId9" cstate="print">
             <a:extLst>
               <a:ext uri="{28A0092B-C50C-407E-A947-70E740481C1C}">
                 <a14:useLocalDpi xmlns:a14="http://schemas.microsoft.com/office/drawing/2010/main" val="0"/>
@@ -6755,13 +6769,13 @@
           <a:p>
             <a:pPr algn="ctr"/>
             <a:r>
-              <a:rPr lang="zh-CN" altLang="en-US" sz="2400" dirty="0">
+              <a:rPr lang="zh-CN" altLang="en-US" sz="2400" b="1" dirty="0">
                 <a:latin typeface="华文楷体" panose="02010600040101010101" pitchFamily="2" charset="-122"/>
                 <a:ea typeface="华文楷体" panose="02010600040101010101" pitchFamily="2" charset="-122"/>
               </a:rPr>
               <a:t>孙天祥</a:t>
             </a:r>
-            <a:endParaRPr lang="en-US" altLang="zh-CN" sz="2400" dirty="0">
+            <a:endParaRPr lang="en-US" altLang="zh-CN" sz="2400" b="1" dirty="0">
               <a:latin typeface="华文楷体" panose="02010600040101010101" pitchFamily="2" charset="-122"/>
               <a:ea typeface="华文楷体" panose="02010600040101010101" pitchFamily="2" charset="-122"/>
             </a:endParaRPr>
@@ -6914,34 +6928,34 @@
           <a:p>
             <a:pPr algn="ctr"/>
             <a:r>
-              <a:rPr lang="en-US" altLang="zh-CN" sz="2400" dirty="0">
+              <a:rPr lang="en-US" altLang="zh-CN" sz="2400" b="1" dirty="0">
                 <a:latin typeface="华文楷体" panose="02010600040101010101" pitchFamily="2" charset="-122"/>
                 <a:ea typeface="华文楷体" panose="02010600040101010101" pitchFamily="2" charset="-122"/>
               </a:rPr>
               <a:t>2019</a:t>
             </a:r>
             <a:r>
-              <a:rPr lang="zh-CN" altLang="en-US" sz="2400" dirty="0">
+              <a:rPr lang="zh-CN" altLang="en-US" sz="2400" b="1" dirty="0">
                 <a:latin typeface="华文楷体" panose="02010600040101010101" pitchFamily="2" charset="-122"/>
                 <a:ea typeface="华文楷体" panose="02010600040101010101" pitchFamily="2" charset="-122"/>
               </a:rPr>
               <a:t>年</a:t>
             </a:r>
             <a:r>
-              <a:rPr lang="en-US" altLang="zh-CN" sz="2400" dirty="0">
+              <a:rPr lang="en-US" altLang="zh-CN" sz="2400" b="1" dirty="0">
                 <a:latin typeface="华文楷体" panose="02010600040101010101" pitchFamily="2" charset="-122"/>
                 <a:ea typeface="华文楷体" panose="02010600040101010101" pitchFamily="2" charset="-122"/>
               </a:rPr>
               <a:t>5</a:t>
             </a:r>
             <a:r>
-              <a:rPr lang="zh-CN" altLang="en-US" sz="2400" dirty="0">
+              <a:rPr lang="zh-CN" altLang="en-US" sz="2400" b="1" dirty="0">
                 <a:latin typeface="华文楷体" panose="02010600040101010101" pitchFamily="2" charset="-122"/>
                 <a:ea typeface="华文楷体" panose="02010600040101010101" pitchFamily="2" charset="-122"/>
               </a:rPr>
               <a:t>月</a:t>
             </a:r>
-            <a:endParaRPr lang="en-US" altLang="zh-CN" sz="2400" dirty="0">
+            <a:endParaRPr lang="en-US" altLang="zh-CN" sz="2400" b="1" dirty="0">
               <a:latin typeface="华文楷体" panose="02010600040101010101" pitchFamily="2" charset="-122"/>
               <a:ea typeface="华文楷体" panose="02010600040101010101" pitchFamily="2" charset="-122"/>
             </a:endParaRPr>
@@ -11158,6 +11172,43 @@
           </a:p>
         </p:txBody>
       </p:sp>
+      <p:pic>
+        <p:nvPicPr>
+          <p:cNvPr id="8" name="图片 7">
+            <a:extLst>
+              <a:ext uri="{FF2B5EF4-FFF2-40B4-BE49-F238E27FC236}">
+                <a16:creationId xmlns:a16="http://schemas.microsoft.com/office/drawing/2014/main" id="{A4F05A4F-CA7D-40D4-9B1C-8473BBFAD1B2}"/>
+              </a:ext>
+            </a:extLst>
+          </p:cNvPr>
+          <p:cNvPicPr>
+            <a:picLocks noChangeAspect="1"/>
+          </p:cNvPicPr>
+          <p:nvPr/>
+        </p:nvPicPr>
+        <p:blipFill rotWithShape="1">
+          <a:blip r:embed="rId8">
+            <a:duotone>
+              <a:schemeClr val="bg2">
+                <a:shade val="45000"/>
+                <a:satMod val="135000"/>
+              </a:schemeClr>
+              <a:prstClr val="white"/>
+            </a:duotone>
+          </a:blip>
+          <a:srcRect t="-8375" r="69791"/>
+          <a:stretch/>
+        </p:blipFill>
+        <p:spPr>
+          <a:xfrm>
+            <a:off x="9913955" y="4136066"/>
+            <a:ext cx="3769087" cy="3644263"/>
+          </a:xfrm>
+          <a:prstGeom prst="rect">
+            <a:avLst/>
+          </a:prstGeom>
+        </p:spPr>
+      </p:pic>
     </p:spTree>
     <p:custDataLst>
       <p:tags r:id="rId1"/>
@@ -11171,14 +11222,14 @@
   <p:clrMapOvr>
     <a:masterClrMapping/>
   </p:clrMapOvr>
-  <mc:AlternateContent xmlns:mc="http://schemas.openxmlformats.org/markup-compatibility/2006" xmlns:p14="http://schemas.microsoft.com/office/powerpoint/2010/main">
-    <mc:Choice Requires="p14">
-      <p:transition spd="med" p14:dur="700" advTm="31146">
-        <p:fade/>
+  <mc:AlternateContent xmlns:mc="http://schemas.openxmlformats.org/markup-compatibility/2006">
+    <mc:Choice xmlns:p15="http://schemas.microsoft.com/office/powerpoint/2012/main" Requires="p15">
+      <p:transition xmlns:p14="http://schemas.microsoft.com/office/powerpoint/2010/main" spd="slow" p14:dur="1250" advTm="31146">
+        <p15:prstTrans prst="peelOff"/>
       </p:transition>
     </mc:Choice>
-    <mc:Fallback xmlns="">
-      <p:transition spd="med" advTm="31146">
+    <mc:Fallback>
+      <p:transition spd="slow" advTm="31146">
         <p:fade/>
       </p:transition>
     </mc:Fallback>
@@ -13072,6 +13123,43 @@
           </a:p>
         </p:txBody>
       </p:sp>
+      <p:pic>
+        <p:nvPicPr>
+          <p:cNvPr id="8" name="图片 7">
+            <a:extLst>
+              <a:ext uri="{FF2B5EF4-FFF2-40B4-BE49-F238E27FC236}">
+                <a16:creationId xmlns:a16="http://schemas.microsoft.com/office/drawing/2014/main" id="{527DEE5F-B828-4541-A73C-1DFD40862A7D}"/>
+              </a:ext>
+            </a:extLst>
+          </p:cNvPr>
+          <p:cNvPicPr>
+            <a:picLocks noChangeAspect="1"/>
+          </p:cNvPicPr>
+          <p:nvPr/>
+        </p:nvPicPr>
+        <p:blipFill rotWithShape="1">
+          <a:blip r:embed="rId8">
+            <a:duotone>
+              <a:schemeClr val="bg2">
+                <a:shade val="45000"/>
+                <a:satMod val="135000"/>
+              </a:schemeClr>
+              <a:prstClr val="white"/>
+            </a:duotone>
+          </a:blip>
+          <a:srcRect t="-8375" r="69791"/>
+          <a:stretch/>
+        </p:blipFill>
+        <p:spPr>
+          <a:xfrm>
+            <a:off x="9913955" y="4136066"/>
+            <a:ext cx="3769087" cy="3644263"/>
+          </a:xfrm>
+          <a:prstGeom prst="rect">
+            <a:avLst/>
+          </a:prstGeom>
+        </p:spPr>
+      </p:pic>
     </p:spTree>
     <p:custDataLst>
       <p:tags r:id="rId1"/>
@@ -13085,14 +13173,14 @@
   <p:clrMapOvr>
     <a:masterClrMapping/>
   </p:clrMapOvr>
-  <mc:AlternateContent xmlns:mc="http://schemas.openxmlformats.org/markup-compatibility/2006" xmlns:p14="http://schemas.microsoft.com/office/powerpoint/2010/main">
-    <mc:Choice Requires="p14">
-      <p:transition spd="med" p14:dur="700" advTm="31146">
-        <p:fade/>
+  <mc:AlternateContent xmlns:mc="http://schemas.openxmlformats.org/markup-compatibility/2006">
+    <mc:Choice xmlns:p15="http://schemas.microsoft.com/office/powerpoint/2012/main" Requires="p15">
+      <p:transition xmlns:p14="http://schemas.microsoft.com/office/powerpoint/2010/main" spd="slow" p14:dur="1250" advTm="31146">
+        <p15:prstTrans prst="peelOff"/>
       </p:transition>
     </mc:Choice>
-    <mc:Fallback xmlns="">
-      <p:transition spd="med" advTm="31146">
+    <mc:Fallback>
+      <p:transition spd="slow" advTm="31146">
         <p:fade/>
       </p:transition>
     </mc:Fallback>
@@ -14493,6 +14581,43 @@
           </a:p>
         </p:txBody>
       </p:sp>
+      <p:pic>
+        <p:nvPicPr>
+          <p:cNvPr id="18" name="图片 17">
+            <a:extLst>
+              <a:ext uri="{FF2B5EF4-FFF2-40B4-BE49-F238E27FC236}">
+                <a16:creationId xmlns:a16="http://schemas.microsoft.com/office/drawing/2014/main" id="{7C1B1AF8-0F0D-4D10-AB89-661E366AB0BB}"/>
+              </a:ext>
+            </a:extLst>
+          </p:cNvPr>
+          <p:cNvPicPr>
+            <a:picLocks noChangeAspect="1"/>
+          </p:cNvPicPr>
+          <p:nvPr/>
+        </p:nvPicPr>
+        <p:blipFill rotWithShape="1">
+          <a:blip r:embed="rId8">
+            <a:duotone>
+              <a:schemeClr val="bg2">
+                <a:shade val="45000"/>
+                <a:satMod val="135000"/>
+              </a:schemeClr>
+              <a:prstClr val="white"/>
+            </a:duotone>
+          </a:blip>
+          <a:srcRect t="-8375" r="69791"/>
+          <a:stretch/>
+        </p:blipFill>
+        <p:spPr>
+          <a:xfrm>
+            <a:off x="9913955" y="4136066"/>
+            <a:ext cx="3769087" cy="3644263"/>
+          </a:xfrm>
+          <a:prstGeom prst="rect">
+            <a:avLst/>
+          </a:prstGeom>
+        </p:spPr>
+      </p:pic>
     </p:spTree>
     <p:custDataLst>
       <p:tags r:id="rId1"/>
@@ -20268,6 +20393,43 @@
           </a:p>
         </p:txBody>
       </p:sp>
+      <p:pic>
+        <p:nvPicPr>
+          <p:cNvPr id="8" name="图片 7">
+            <a:extLst>
+              <a:ext uri="{FF2B5EF4-FFF2-40B4-BE49-F238E27FC236}">
+                <a16:creationId xmlns:a16="http://schemas.microsoft.com/office/drawing/2014/main" id="{6776F2E1-7983-41EB-8D6F-9ED2E47CE038}"/>
+              </a:ext>
+            </a:extLst>
+          </p:cNvPr>
+          <p:cNvPicPr>
+            <a:picLocks noChangeAspect="1"/>
+          </p:cNvPicPr>
+          <p:nvPr/>
+        </p:nvPicPr>
+        <p:blipFill rotWithShape="1">
+          <a:blip r:embed="rId8">
+            <a:duotone>
+              <a:schemeClr val="bg2">
+                <a:shade val="45000"/>
+                <a:satMod val="135000"/>
+              </a:schemeClr>
+              <a:prstClr val="white"/>
+            </a:duotone>
+          </a:blip>
+          <a:srcRect t="-8375" r="69791"/>
+          <a:stretch/>
+        </p:blipFill>
+        <p:spPr>
+          <a:xfrm>
+            <a:off x="9913955" y="4136066"/>
+            <a:ext cx="3769087" cy="3644263"/>
+          </a:xfrm>
+          <a:prstGeom prst="rect">
+            <a:avLst/>
+          </a:prstGeom>
+        </p:spPr>
+      </p:pic>
     </p:spTree>
     <p:custDataLst>
       <p:tags r:id="rId1"/>
@@ -20281,14 +20443,14 @@
   <p:clrMapOvr>
     <a:masterClrMapping/>
   </p:clrMapOvr>
-  <mc:AlternateContent xmlns:mc="http://schemas.openxmlformats.org/markup-compatibility/2006" xmlns:p14="http://schemas.microsoft.com/office/powerpoint/2010/main">
-    <mc:Choice Requires="p14">
-      <p:transition spd="med" p14:dur="700" advTm="31146">
-        <p:fade/>
+  <mc:AlternateContent xmlns:mc="http://schemas.openxmlformats.org/markup-compatibility/2006">
+    <mc:Choice xmlns:p15="http://schemas.microsoft.com/office/powerpoint/2012/main" Requires="p15">
+      <p:transition xmlns:p14="http://schemas.microsoft.com/office/powerpoint/2010/main" spd="slow" p14:dur="1250" advTm="31146">
+        <p15:prstTrans prst="peelOff"/>
       </p:transition>
     </mc:Choice>
-    <mc:Fallback xmlns="">
-      <p:transition spd="med" advTm="31146">
+    <mc:Fallback>
+      <p:transition spd="slow" advTm="31146">
         <p:fade/>
       </p:transition>
     </mc:Fallback>
@@ -21989,6 +22151,43 @@
           </a:p>
         </p:txBody>
       </p:sp>
+      <p:pic>
+        <p:nvPicPr>
+          <p:cNvPr id="8" name="图片 7">
+            <a:extLst>
+              <a:ext uri="{FF2B5EF4-FFF2-40B4-BE49-F238E27FC236}">
+                <a16:creationId xmlns:a16="http://schemas.microsoft.com/office/drawing/2014/main" id="{D2296D80-0CA9-4E78-B69B-335F59A00130}"/>
+              </a:ext>
+            </a:extLst>
+          </p:cNvPr>
+          <p:cNvPicPr>
+            <a:picLocks noChangeAspect="1"/>
+          </p:cNvPicPr>
+          <p:nvPr/>
+        </p:nvPicPr>
+        <p:blipFill rotWithShape="1">
+          <a:blip r:embed="rId8">
+            <a:duotone>
+              <a:schemeClr val="bg2">
+                <a:shade val="45000"/>
+                <a:satMod val="135000"/>
+              </a:schemeClr>
+              <a:prstClr val="white"/>
+            </a:duotone>
+          </a:blip>
+          <a:srcRect t="-8375" r="69791"/>
+          <a:stretch/>
+        </p:blipFill>
+        <p:spPr>
+          <a:xfrm>
+            <a:off x="9913955" y="4136066"/>
+            <a:ext cx="3769087" cy="3644263"/>
+          </a:xfrm>
+          <a:prstGeom prst="rect">
+            <a:avLst/>
+          </a:prstGeom>
+        </p:spPr>
+      </p:pic>
     </p:spTree>
     <p:custDataLst>
       <p:tags r:id="rId1"/>
@@ -22002,14 +22201,14 @@
   <p:clrMapOvr>
     <a:masterClrMapping/>
   </p:clrMapOvr>
-  <mc:AlternateContent xmlns:mc="http://schemas.openxmlformats.org/markup-compatibility/2006" xmlns:p14="http://schemas.microsoft.com/office/powerpoint/2010/main">
-    <mc:Choice Requires="p14">
-      <p:transition spd="med" p14:dur="700" advTm="31146">
-        <p:fade/>
+  <mc:AlternateContent xmlns:mc="http://schemas.openxmlformats.org/markup-compatibility/2006">
+    <mc:Choice xmlns:p15="http://schemas.microsoft.com/office/powerpoint/2012/main" Requires="p15">
+      <p:transition xmlns:p14="http://schemas.microsoft.com/office/powerpoint/2010/main" spd="slow" p14:dur="1250" advTm="31146">
+        <p15:prstTrans prst="peelOff"/>
       </p:transition>
     </mc:Choice>
-    <mc:Fallback xmlns="">
-      <p:transition spd="med" advTm="31146">
+    <mc:Fallback>
+      <p:transition spd="slow" advTm="31146">
         <p:fade/>
       </p:transition>
     </mc:Fallback>
@@ -22438,6 +22637,20 @@
 <file path=ppt/slides/slide35.xml><?xml version="1.0" encoding="utf-8"?>
 <p:sld xmlns:a="http://schemas.openxmlformats.org/drawingml/2006/main" xmlns:r="http://schemas.openxmlformats.org/officeDocument/2006/relationships" xmlns:p="http://schemas.openxmlformats.org/presentationml/2006/main">
   <p:cSld>
+    <p:bg>
+      <p:bgPr>
+        <a:blipFill dpi="0" rotWithShape="1">
+          <a:blip r:embed="rId8">
+            <a:lum/>
+          </a:blip>
+          <a:srcRect/>
+          <a:stretch>
+            <a:fillRect/>
+          </a:stretch>
+        </a:blipFill>
+        <a:effectLst/>
+      </p:bgPr>
+    </p:bg>
     <p:spTree>
       <p:nvGrpSpPr>
         <p:cNvPr id="1" name=""/>
@@ -22465,7 +22678,7 @@
           </p:nvPr>
         </p:nvPicPr>
         <p:blipFill>
-          <a:blip r:embed="rId8" cstate="print">
+          <a:blip r:embed="rId9" cstate="print">
             <a:extLst>
               <a:ext uri="{28A0092B-C50C-407E-A947-70E740481C1C}">
                 <a14:useLocalDpi xmlns:a14="http://schemas.microsoft.com/office/drawing/2010/main" val="0"/>
@@ -22669,7 +22882,7 @@
                 <a:latin typeface="华文楷体" panose="02010600040101010101" pitchFamily="2" charset="-122"/>
                 <a:ea typeface="华文楷体" panose="02010600040101010101" pitchFamily="2" charset="-122"/>
               </a:rPr>
-              <a:t>谢谢</a:t>
+              <a:t>谢谢！</a:t>
             </a:r>
           </a:p>
         </p:txBody>

--- a/materials/毕业设计答辩.pptx
+++ b/materials/毕业设计答辩.pptx
@@ -5,7 +5,7 @@
     <p:sldMasterId id="2147483660" r:id="rId1"/>
   </p:sldMasterIdLst>
   <p:notesMasterIdLst>
-    <p:notesMasterId r:id="rId37"/>
+    <p:notesMasterId r:id="rId38"/>
   </p:notesMasterIdLst>
   <p:sldIdLst>
     <p:sldId id="278" r:id="rId2"/>
@@ -18,31 +18,32 @@
     <p:sldId id="329" r:id="rId9"/>
     <p:sldId id="330" r:id="rId10"/>
     <p:sldId id="331" r:id="rId11"/>
-    <p:sldId id="332" r:id="rId12"/>
-    <p:sldId id="333" r:id="rId13"/>
-    <p:sldId id="334" r:id="rId14"/>
-    <p:sldId id="338" r:id="rId15"/>
-    <p:sldId id="336" r:id="rId16"/>
-    <p:sldId id="337" r:id="rId17"/>
-    <p:sldId id="339" r:id="rId18"/>
-    <p:sldId id="340" r:id="rId19"/>
-    <p:sldId id="342" r:id="rId20"/>
-    <p:sldId id="343" r:id="rId21"/>
-    <p:sldId id="344" r:id="rId22"/>
-    <p:sldId id="345" r:id="rId23"/>
-    <p:sldId id="346" r:id="rId24"/>
-    <p:sldId id="347" r:id="rId25"/>
-    <p:sldId id="348" r:id="rId26"/>
-    <p:sldId id="351" r:id="rId27"/>
-    <p:sldId id="352" r:id="rId28"/>
-    <p:sldId id="349" r:id="rId29"/>
-    <p:sldId id="353" r:id="rId30"/>
-    <p:sldId id="350" r:id="rId31"/>
-    <p:sldId id="354" r:id="rId32"/>
-    <p:sldId id="355" r:id="rId33"/>
-    <p:sldId id="341" r:id="rId34"/>
-    <p:sldId id="356" r:id="rId35"/>
-    <p:sldId id="297" r:id="rId36"/>
+    <p:sldId id="357" r:id="rId12"/>
+    <p:sldId id="332" r:id="rId13"/>
+    <p:sldId id="333" r:id="rId14"/>
+    <p:sldId id="334" r:id="rId15"/>
+    <p:sldId id="338" r:id="rId16"/>
+    <p:sldId id="336" r:id="rId17"/>
+    <p:sldId id="337" r:id="rId18"/>
+    <p:sldId id="339" r:id="rId19"/>
+    <p:sldId id="340" r:id="rId20"/>
+    <p:sldId id="342" r:id="rId21"/>
+    <p:sldId id="343" r:id="rId22"/>
+    <p:sldId id="344" r:id="rId23"/>
+    <p:sldId id="345" r:id="rId24"/>
+    <p:sldId id="346" r:id="rId25"/>
+    <p:sldId id="347" r:id="rId26"/>
+    <p:sldId id="348" r:id="rId27"/>
+    <p:sldId id="351" r:id="rId28"/>
+    <p:sldId id="352" r:id="rId29"/>
+    <p:sldId id="349" r:id="rId30"/>
+    <p:sldId id="353" r:id="rId31"/>
+    <p:sldId id="350" r:id="rId32"/>
+    <p:sldId id="354" r:id="rId33"/>
+    <p:sldId id="355" r:id="rId34"/>
+    <p:sldId id="341" r:id="rId35"/>
+    <p:sldId id="356" r:id="rId36"/>
+    <p:sldId id="297" r:id="rId37"/>
   </p:sldIdLst>
   <p:sldSz cx="12192000" cy="6858000"/>
   <p:notesSz cx="6858000" cy="9144000"/>
@@ -242,7 +243,7 @@
           <a:p>
             <a:fld id="{F75178F4-C18B-48EC-9055-35D023B30368}" type="datetimeFigureOut">
               <a:rPr lang="zh-CN" altLang="en-US" smtClean="0"/>
-              <a:t>2019/5/22</a:t>
+              <a:t>2019/5/24</a:t>
             </a:fld>
             <a:endParaRPr lang="zh-CN" altLang="en-US"/>
           </a:p>
@@ -766,7 +767,7 @@
     </p:spTree>
     <p:extLst>
       <p:ext uri="{BB962C8B-B14F-4D97-AF65-F5344CB8AC3E}">
-        <p14:creationId xmlns:p14="http://schemas.microsoft.com/office/powerpoint/2010/main" val="1679101951"/>
+        <p14:creationId xmlns:p14="http://schemas.microsoft.com/office/powerpoint/2010/main" val="1160692252"/>
       </p:ext>
     </p:extLst>
   </p:cSld>
@@ -855,7 +856,7 @@
     </p:spTree>
     <p:extLst>
       <p:ext uri="{BB962C8B-B14F-4D97-AF65-F5344CB8AC3E}">
-        <p14:creationId xmlns:p14="http://schemas.microsoft.com/office/powerpoint/2010/main" val="1102230051"/>
+        <p14:creationId xmlns:p14="http://schemas.microsoft.com/office/powerpoint/2010/main" val="1679101951"/>
       </p:ext>
     </p:extLst>
   </p:cSld>
@@ -914,18 +915,7 @@
           <a:bodyPr/>
           <a:lstStyle/>
           <a:p>
-            <a:r>
-              <a:rPr lang="zh-CN" altLang="en-US" dirty="0"/>
-              <a:t>回顾深度学习时代以来的</a:t>
-            </a:r>
-            <a:r>
-              <a:rPr lang="en-US" altLang="zh-CN" dirty="0"/>
-              <a:t>NLP</a:t>
-            </a:r>
-            <a:r>
-              <a:rPr lang="zh-CN" altLang="en-US" dirty="0"/>
-              <a:t>发展历史，很多重大突破都来自对文本的分布式表示方法的研究</a:t>
-            </a:r>
+            <a:endParaRPr lang="zh-CN" altLang="en-US" dirty="0"/>
           </a:p>
         </p:txBody>
       </p:sp>
@@ -955,7 +945,7 @@
     </p:spTree>
     <p:extLst>
       <p:ext uri="{BB962C8B-B14F-4D97-AF65-F5344CB8AC3E}">
-        <p14:creationId xmlns:p14="http://schemas.microsoft.com/office/powerpoint/2010/main" val="3257402574"/>
+        <p14:creationId xmlns:p14="http://schemas.microsoft.com/office/powerpoint/2010/main" val="1102230051"/>
       </p:ext>
     </p:extLst>
   </p:cSld>
@@ -1014,7 +1004,18 @@
           <a:bodyPr/>
           <a:lstStyle/>
           <a:p>
-            <a:endParaRPr lang="zh-CN" altLang="en-US" dirty="0"/>
+            <a:r>
+              <a:rPr lang="zh-CN" altLang="en-US" dirty="0"/>
+              <a:t>回顾深度学习时代以来的</a:t>
+            </a:r>
+            <a:r>
+              <a:rPr lang="en-US" altLang="zh-CN" dirty="0"/>
+              <a:t>NLP</a:t>
+            </a:r>
+            <a:r>
+              <a:rPr lang="zh-CN" altLang="en-US" dirty="0"/>
+              <a:t>发展历史，很多重大突破都来自对文本的分布式表示方法的研究</a:t>
+            </a:r>
           </a:p>
         </p:txBody>
       </p:sp>
@@ -1044,7 +1045,7 @@
     </p:spTree>
     <p:extLst>
       <p:ext uri="{BB962C8B-B14F-4D97-AF65-F5344CB8AC3E}">
-        <p14:creationId xmlns:p14="http://schemas.microsoft.com/office/powerpoint/2010/main" val="2397134981"/>
+        <p14:creationId xmlns:p14="http://schemas.microsoft.com/office/powerpoint/2010/main" val="3257402574"/>
       </p:ext>
     </p:extLst>
   </p:cSld>
@@ -1133,7 +1134,7 @@
     </p:spTree>
     <p:extLst>
       <p:ext uri="{BB962C8B-B14F-4D97-AF65-F5344CB8AC3E}">
-        <p14:creationId xmlns:p14="http://schemas.microsoft.com/office/powerpoint/2010/main" val="1764232226"/>
+        <p14:creationId xmlns:p14="http://schemas.microsoft.com/office/powerpoint/2010/main" val="2397134981"/>
       </p:ext>
     </p:extLst>
   </p:cSld>
@@ -1222,7 +1223,7 @@
     </p:spTree>
     <p:extLst>
       <p:ext uri="{BB962C8B-B14F-4D97-AF65-F5344CB8AC3E}">
-        <p14:creationId xmlns:p14="http://schemas.microsoft.com/office/powerpoint/2010/main" val="3698867809"/>
+        <p14:creationId xmlns:p14="http://schemas.microsoft.com/office/powerpoint/2010/main" val="1764232226"/>
       </p:ext>
     </p:extLst>
   </p:cSld>
@@ -1311,7 +1312,7 @@
     </p:spTree>
     <p:extLst>
       <p:ext uri="{BB962C8B-B14F-4D97-AF65-F5344CB8AC3E}">
-        <p14:creationId xmlns:p14="http://schemas.microsoft.com/office/powerpoint/2010/main" val="1710095164"/>
+        <p14:creationId xmlns:p14="http://schemas.microsoft.com/office/powerpoint/2010/main" val="3698867809"/>
       </p:ext>
     </p:extLst>
   </p:cSld>
@@ -1400,7 +1401,7 @@
     </p:spTree>
     <p:extLst>
       <p:ext uri="{BB962C8B-B14F-4D97-AF65-F5344CB8AC3E}">
-        <p14:creationId xmlns:p14="http://schemas.microsoft.com/office/powerpoint/2010/main" val="3908851386"/>
+        <p14:creationId xmlns:p14="http://schemas.microsoft.com/office/powerpoint/2010/main" val="1710095164"/>
       </p:ext>
     </p:extLst>
   </p:cSld>
@@ -1489,7 +1490,7 @@
     </p:spTree>
     <p:extLst>
       <p:ext uri="{BB962C8B-B14F-4D97-AF65-F5344CB8AC3E}">
-        <p14:creationId xmlns:p14="http://schemas.microsoft.com/office/powerpoint/2010/main" val="4011681464"/>
+        <p14:creationId xmlns:p14="http://schemas.microsoft.com/office/powerpoint/2010/main" val="3908851386"/>
       </p:ext>
     </p:extLst>
   </p:cSld>
@@ -1667,7 +1668,7 @@
     </p:spTree>
     <p:extLst>
       <p:ext uri="{BB962C8B-B14F-4D97-AF65-F5344CB8AC3E}">
-        <p14:creationId xmlns:p14="http://schemas.microsoft.com/office/powerpoint/2010/main" val="1946848608"/>
+        <p14:creationId xmlns:p14="http://schemas.microsoft.com/office/powerpoint/2010/main" val="4011681464"/>
       </p:ext>
     </p:extLst>
   </p:cSld>
@@ -1756,7 +1757,7 @@
     </p:spTree>
     <p:extLst>
       <p:ext uri="{BB962C8B-B14F-4D97-AF65-F5344CB8AC3E}">
-        <p14:creationId xmlns:p14="http://schemas.microsoft.com/office/powerpoint/2010/main" val="1333209271"/>
+        <p14:creationId xmlns:p14="http://schemas.microsoft.com/office/powerpoint/2010/main" val="1946848608"/>
       </p:ext>
     </p:extLst>
   </p:cSld>
@@ -1845,7 +1846,7 @@
     </p:spTree>
     <p:extLst>
       <p:ext uri="{BB962C8B-B14F-4D97-AF65-F5344CB8AC3E}">
-        <p14:creationId xmlns:p14="http://schemas.microsoft.com/office/powerpoint/2010/main" val="3051588380"/>
+        <p14:creationId xmlns:p14="http://schemas.microsoft.com/office/powerpoint/2010/main" val="1333209271"/>
       </p:ext>
     </p:extLst>
   </p:cSld>
@@ -1934,7 +1935,7 @@
     </p:spTree>
     <p:extLst>
       <p:ext uri="{BB962C8B-B14F-4D97-AF65-F5344CB8AC3E}">
-        <p14:creationId xmlns:p14="http://schemas.microsoft.com/office/powerpoint/2010/main" val="2718688536"/>
+        <p14:creationId xmlns:p14="http://schemas.microsoft.com/office/powerpoint/2010/main" val="3051588380"/>
       </p:ext>
     </p:extLst>
   </p:cSld>
@@ -2023,7 +2024,7 @@
     </p:spTree>
     <p:extLst>
       <p:ext uri="{BB962C8B-B14F-4D97-AF65-F5344CB8AC3E}">
-        <p14:creationId xmlns:p14="http://schemas.microsoft.com/office/powerpoint/2010/main" val="2222720591"/>
+        <p14:creationId xmlns:p14="http://schemas.microsoft.com/office/powerpoint/2010/main" val="2718688536"/>
       </p:ext>
     </p:extLst>
   </p:cSld>
@@ -2112,7 +2113,7 @@
     </p:spTree>
     <p:extLst>
       <p:ext uri="{BB962C8B-B14F-4D97-AF65-F5344CB8AC3E}">
-        <p14:creationId xmlns:p14="http://schemas.microsoft.com/office/powerpoint/2010/main" val="3231217023"/>
+        <p14:creationId xmlns:p14="http://schemas.microsoft.com/office/powerpoint/2010/main" val="2222720591"/>
       </p:ext>
     </p:extLst>
   </p:cSld>
@@ -2201,7 +2202,7 @@
     </p:spTree>
     <p:extLst>
       <p:ext uri="{BB962C8B-B14F-4D97-AF65-F5344CB8AC3E}">
-        <p14:creationId xmlns:p14="http://schemas.microsoft.com/office/powerpoint/2010/main" val="1437332843"/>
+        <p14:creationId xmlns:p14="http://schemas.microsoft.com/office/powerpoint/2010/main" val="3231217023"/>
       </p:ext>
     </p:extLst>
   </p:cSld>
@@ -2290,7 +2291,7 @@
     </p:spTree>
     <p:extLst>
       <p:ext uri="{BB962C8B-B14F-4D97-AF65-F5344CB8AC3E}">
-        <p14:creationId xmlns:p14="http://schemas.microsoft.com/office/powerpoint/2010/main" val="1813618886"/>
+        <p14:creationId xmlns:p14="http://schemas.microsoft.com/office/powerpoint/2010/main" val="1437332843"/>
       </p:ext>
     </p:extLst>
   </p:cSld>
@@ -2379,7 +2380,7 @@
     </p:spTree>
     <p:extLst>
       <p:ext uri="{BB962C8B-B14F-4D97-AF65-F5344CB8AC3E}">
-        <p14:creationId xmlns:p14="http://schemas.microsoft.com/office/powerpoint/2010/main" val="1170235283"/>
+        <p14:creationId xmlns:p14="http://schemas.microsoft.com/office/powerpoint/2010/main" val="1813618886"/>
       </p:ext>
     </p:extLst>
   </p:cSld>
@@ -2468,7 +2469,7 @@
     </p:spTree>
     <p:extLst>
       <p:ext uri="{BB962C8B-B14F-4D97-AF65-F5344CB8AC3E}">
-        <p14:creationId xmlns:p14="http://schemas.microsoft.com/office/powerpoint/2010/main" val="3233459790"/>
+        <p14:creationId xmlns:p14="http://schemas.microsoft.com/office/powerpoint/2010/main" val="1170235283"/>
       </p:ext>
     </p:extLst>
   </p:cSld>
@@ -2646,7 +2647,7 @@
     </p:spTree>
     <p:extLst>
       <p:ext uri="{BB962C8B-B14F-4D97-AF65-F5344CB8AC3E}">
-        <p14:creationId xmlns:p14="http://schemas.microsoft.com/office/powerpoint/2010/main" val="3113367039"/>
+        <p14:creationId xmlns:p14="http://schemas.microsoft.com/office/powerpoint/2010/main" val="3233459790"/>
       </p:ext>
     </p:extLst>
   </p:cSld>
@@ -2735,7 +2736,7 @@
     </p:spTree>
     <p:extLst>
       <p:ext uri="{BB962C8B-B14F-4D97-AF65-F5344CB8AC3E}">
-        <p14:creationId xmlns:p14="http://schemas.microsoft.com/office/powerpoint/2010/main" val="3542634210"/>
+        <p14:creationId xmlns:p14="http://schemas.microsoft.com/office/powerpoint/2010/main" val="3113367039"/>
       </p:ext>
     </p:extLst>
   </p:cSld>
@@ -2824,7 +2825,7 @@
     </p:spTree>
     <p:extLst>
       <p:ext uri="{BB962C8B-B14F-4D97-AF65-F5344CB8AC3E}">
-        <p14:creationId xmlns:p14="http://schemas.microsoft.com/office/powerpoint/2010/main" val="2986982991"/>
+        <p14:creationId xmlns:p14="http://schemas.microsoft.com/office/powerpoint/2010/main" val="3542634210"/>
       </p:ext>
     </p:extLst>
   </p:cSld>
@@ -2913,7 +2914,7 @@
     </p:spTree>
     <p:extLst>
       <p:ext uri="{BB962C8B-B14F-4D97-AF65-F5344CB8AC3E}">
-        <p14:creationId xmlns:p14="http://schemas.microsoft.com/office/powerpoint/2010/main" val="3340204156"/>
+        <p14:creationId xmlns:p14="http://schemas.microsoft.com/office/powerpoint/2010/main" val="2986982991"/>
       </p:ext>
     </p:extLst>
   </p:cSld>
@@ -3002,7 +3003,7 @@
     </p:spTree>
     <p:extLst>
       <p:ext uri="{BB962C8B-B14F-4D97-AF65-F5344CB8AC3E}">
-        <p14:creationId xmlns:p14="http://schemas.microsoft.com/office/powerpoint/2010/main" val="634284632"/>
+        <p14:creationId xmlns:p14="http://schemas.microsoft.com/office/powerpoint/2010/main" val="3340204156"/>
       </p:ext>
     </p:extLst>
   </p:cSld>
@@ -3083,6 +3084,95 @@
             <a:fld id="{2E16E15A-D7A9-4169-A7C2-BCB1B8BA29D0}" type="slidenum">
               <a:rPr lang="zh-CN" altLang="en-US" smtClean="0"/>
               <a:t>35</a:t>
+            </a:fld>
+            <a:endParaRPr lang="zh-CN" altLang="en-US"/>
+          </a:p>
+        </p:txBody>
+      </p:sp>
+    </p:spTree>
+    <p:extLst>
+      <p:ext uri="{BB962C8B-B14F-4D97-AF65-F5344CB8AC3E}">
+        <p14:creationId xmlns:p14="http://schemas.microsoft.com/office/powerpoint/2010/main" val="634284632"/>
+      </p:ext>
+    </p:extLst>
+  </p:cSld>
+  <p:clrMapOvr>
+    <a:masterClrMapping/>
+  </p:clrMapOvr>
+</p:notes>
+</file>
+
+<file path=ppt/notesSlides/notesSlide36.xml><?xml version="1.0" encoding="utf-8"?>
+<p:notes xmlns:a="http://schemas.openxmlformats.org/drawingml/2006/main" xmlns:r="http://schemas.openxmlformats.org/officeDocument/2006/relationships" xmlns:p="http://schemas.openxmlformats.org/presentationml/2006/main">
+  <p:cSld>
+    <p:spTree>
+      <p:nvGrpSpPr>
+        <p:cNvPr id="1" name=""/>
+        <p:cNvGrpSpPr/>
+        <p:nvPr/>
+      </p:nvGrpSpPr>
+      <p:grpSpPr>
+        <a:xfrm>
+          <a:off x="0" y="0"/>
+          <a:ext cx="0" cy="0"/>
+          <a:chOff x="0" y="0"/>
+          <a:chExt cx="0" cy="0"/>
+        </a:xfrm>
+      </p:grpSpPr>
+      <p:sp>
+        <p:nvSpPr>
+          <p:cNvPr id="2" name="幻灯片图像占位符 1"/>
+          <p:cNvSpPr>
+            <a:spLocks noGrp="1" noRot="1" noChangeAspect="1"/>
+          </p:cNvSpPr>
+          <p:nvPr>
+            <p:ph type="sldImg"/>
+          </p:nvPr>
+        </p:nvSpPr>
+        <p:spPr>
+          <a:xfrm>
+            <a:off x="685800" y="1143000"/>
+            <a:ext cx="5486400" cy="3086100"/>
+          </a:xfrm>
+        </p:spPr>
+      </p:sp>
+      <p:sp>
+        <p:nvSpPr>
+          <p:cNvPr id="3" name="备注占位符 2"/>
+          <p:cNvSpPr>
+            <a:spLocks noGrp="1"/>
+          </p:cNvSpPr>
+          <p:nvPr>
+            <p:ph type="body" idx="1"/>
+          </p:nvPr>
+        </p:nvSpPr>
+        <p:spPr/>
+        <p:txBody>
+          <a:bodyPr/>
+          <a:lstStyle/>
+          <a:p>
+            <a:endParaRPr lang="zh-CN" altLang="en-US" dirty="0"/>
+          </a:p>
+        </p:txBody>
+      </p:sp>
+      <p:sp>
+        <p:nvSpPr>
+          <p:cNvPr id="4" name="灯片编号占位符 3"/>
+          <p:cNvSpPr>
+            <a:spLocks noGrp="1"/>
+          </p:cNvSpPr>
+          <p:nvPr>
+            <p:ph type="sldNum" sz="quarter" idx="10"/>
+          </p:nvPr>
+        </p:nvSpPr>
+        <p:spPr/>
+        <p:txBody>
+          <a:bodyPr/>
+          <a:lstStyle/>
+          <a:p>
+            <a:fld id="{2E16E15A-D7A9-4169-A7C2-BCB1B8BA29D0}" type="slidenum">
+              <a:rPr lang="zh-CN" altLang="en-US" smtClean="0"/>
+              <a:t>36</a:t>
             </a:fld>
             <a:endParaRPr lang="zh-CN" altLang="en-US"/>
           </a:p>
@@ -3773,7 +3863,7 @@
           <a:p>
             <a:fld id="{287BCA0E-3945-47E9-A9AA-27ACE9347398}" type="datetimeFigureOut">
               <a:rPr lang="zh-CN" altLang="en-US" smtClean="0"/>
-              <a:t>2019/5/22</a:t>
+              <a:t>2019/5/24</a:t>
             </a:fld>
             <a:endParaRPr lang="zh-CN" altLang="en-US"/>
           </a:p>
@@ -3943,7 +4033,7 @@
           <a:p>
             <a:fld id="{287BCA0E-3945-47E9-A9AA-27ACE9347398}" type="datetimeFigureOut">
               <a:rPr lang="zh-CN" altLang="en-US" smtClean="0"/>
-              <a:t>2019/5/22</a:t>
+              <a:t>2019/5/24</a:t>
             </a:fld>
             <a:endParaRPr lang="zh-CN" altLang="en-US"/>
           </a:p>
@@ -4123,7 +4213,7 @@
           <a:p>
             <a:fld id="{287BCA0E-3945-47E9-A9AA-27ACE9347398}" type="datetimeFigureOut">
               <a:rPr lang="zh-CN" altLang="en-US" smtClean="0"/>
-              <a:t>2019/5/22</a:t>
+              <a:t>2019/5/24</a:t>
             </a:fld>
             <a:endParaRPr lang="zh-CN" altLang="en-US"/>
           </a:p>
@@ -4293,7 +4383,7 @@
           <a:p>
             <a:fld id="{287BCA0E-3945-47E9-A9AA-27ACE9347398}" type="datetimeFigureOut">
               <a:rPr lang="zh-CN" altLang="en-US" smtClean="0"/>
-              <a:t>2019/5/22</a:t>
+              <a:t>2019/5/24</a:t>
             </a:fld>
             <a:endParaRPr lang="zh-CN" altLang="en-US"/>
           </a:p>
@@ -4539,7 +4629,7 @@
           <a:p>
             <a:fld id="{287BCA0E-3945-47E9-A9AA-27ACE9347398}" type="datetimeFigureOut">
               <a:rPr lang="zh-CN" altLang="en-US" smtClean="0"/>
-              <a:t>2019/5/22</a:t>
+              <a:t>2019/5/24</a:t>
             </a:fld>
             <a:endParaRPr lang="zh-CN" altLang="en-US"/>
           </a:p>
@@ -4771,7 +4861,7 @@
           <a:p>
             <a:fld id="{287BCA0E-3945-47E9-A9AA-27ACE9347398}" type="datetimeFigureOut">
               <a:rPr lang="zh-CN" altLang="en-US" smtClean="0"/>
-              <a:t>2019/5/22</a:t>
+              <a:t>2019/5/24</a:t>
             </a:fld>
             <a:endParaRPr lang="zh-CN" altLang="en-US"/>
           </a:p>
@@ -5138,7 +5228,7 @@
           <a:p>
             <a:fld id="{287BCA0E-3945-47E9-A9AA-27ACE9347398}" type="datetimeFigureOut">
               <a:rPr lang="zh-CN" altLang="en-US" smtClean="0"/>
-              <a:t>2019/5/22</a:t>
+              <a:t>2019/5/24</a:t>
             </a:fld>
             <a:endParaRPr lang="zh-CN" altLang="en-US"/>
           </a:p>
@@ -5256,7 +5346,7 @@
           <a:p>
             <a:fld id="{287BCA0E-3945-47E9-A9AA-27ACE9347398}" type="datetimeFigureOut">
               <a:rPr lang="zh-CN" altLang="en-US" smtClean="0"/>
-              <a:t>2019/5/22</a:t>
+              <a:t>2019/5/24</a:t>
             </a:fld>
             <a:endParaRPr lang="zh-CN" altLang="en-US"/>
           </a:p>
@@ -5351,7 +5441,7 @@
           <a:p>
             <a:fld id="{287BCA0E-3945-47E9-A9AA-27ACE9347398}" type="datetimeFigureOut">
               <a:rPr lang="zh-CN" altLang="en-US" smtClean="0"/>
-              <a:t>2019/5/22</a:t>
+              <a:t>2019/5/24</a:t>
             </a:fld>
             <a:endParaRPr lang="zh-CN" altLang="en-US"/>
           </a:p>
@@ -5628,7 +5718,7 @@
           <a:p>
             <a:fld id="{287BCA0E-3945-47E9-A9AA-27ACE9347398}" type="datetimeFigureOut">
               <a:rPr lang="zh-CN" altLang="en-US" smtClean="0"/>
-              <a:t>2019/5/22</a:t>
+              <a:t>2019/5/24</a:t>
             </a:fld>
             <a:endParaRPr lang="zh-CN" altLang="en-US"/>
           </a:p>
@@ -5885,7 +5975,7 @@
           <a:p>
             <a:fld id="{287BCA0E-3945-47E9-A9AA-27ACE9347398}" type="datetimeFigureOut">
               <a:rPr lang="zh-CN" altLang="en-US" smtClean="0"/>
-              <a:t>2019/5/22</a:t>
+              <a:t>2019/5/24</a:t>
             </a:fld>
             <a:endParaRPr lang="zh-CN" altLang="en-US"/>
           </a:p>
@@ -6098,7 +6188,7 @@
           <a:p>
             <a:fld id="{287BCA0E-3945-47E9-A9AA-27ACE9347398}" type="datetimeFigureOut">
               <a:rPr lang="zh-CN" altLang="en-US" smtClean="0"/>
-              <a:t>2019/5/22</a:t>
+              <a:t>2019/5/24</a:t>
             </a:fld>
             <a:endParaRPr lang="zh-CN" altLang="en-US"/>
           </a:p>
@@ -7251,309 +7341,220 @@
           <a:lstStyle/>
           <a:p>
             <a:r>
+              <a:rPr lang="zh-CN" altLang="en-US" sz="3600" b="1">
+                <a:solidFill>
+                  <a:srgbClr val="C55A11"/>
+                </a:solidFill>
+                <a:latin typeface="华文楷体" panose="02010600040101010101" pitchFamily="2" charset="-122"/>
+                <a:ea typeface="华文楷体" panose="02010600040101010101" pitchFamily="2" charset="-122"/>
+              </a:rPr>
+              <a:t>自然语言处理（</a:t>
+            </a:r>
+            <a:r>
+              <a:rPr lang="en-US" altLang="zh-CN" sz="3600" b="1" dirty="0">
+                <a:solidFill>
+                  <a:srgbClr val="C55A11"/>
+                </a:solidFill>
+                <a:latin typeface="华文楷体" panose="02010600040101010101" pitchFamily="2" charset="-122"/>
+                <a:ea typeface="华文楷体" panose="02010600040101010101" pitchFamily="2" charset="-122"/>
+              </a:rPr>
+              <a:t>natural language processing, NLP</a:t>
+            </a:r>
+            <a:r>
               <a:rPr lang="zh-CN" altLang="en-US" sz="3600" b="1" dirty="0">
                 <a:solidFill>
-                  <a:schemeClr val="tx1">
-                    <a:lumMod val="75000"/>
-                    <a:lumOff val="25000"/>
-                  </a:schemeClr>
+                  <a:srgbClr val="C55A11"/>
                 </a:solidFill>
                 <a:latin typeface="华文楷体" panose="02010600040101010101" pitchFamily="2" charset="-122"/>
                 <a:ea typeface="华文楷体" panose="02010600040101010101" pitchFamily="2" charset="-122"/>
               </a:rPr>
-              <a:t>自然语言处理（</a:t>
-            </a:r>
-            <a:r>
-              <a:rPr lang="en-US" altLang="zh-CN" sz="3600" b="1" dirty="0">
-                <a:solidFill>
-                  <a:schemeClr val="tx1">
-                    <a:lumMod val="75000"/>
-                    <a:lumOff val="25000"/>
-                  </a:schemeClr>
-                </a:solidFill>
-                <a:latin typeface="华文楷体" panose="02010600040101010101" pitchFamily="2" charset="-122"/>
-                <a:ea typeface="华文楷体" panose="02010600040101010101" pitchFamily="2" charset="-122"/>
-              </a:rPr>
-              <a:t>natural language processing, NLP</a:t>
-            </a:r>
-            <a:r>
-              <a:rPr lang="zh-CN" altLang="en-US" sz="3600" b="1" dirty="0">
-                <a:solidFill>
-                  <a:schemeClr val="tx1">
-                    <a:lumMod val="75000"/>
-                    <a:lumOff val="25000"/>
-                  </a:schemeClr>
-                </a:solidFill>
-                <a:latin typeface="华文楷体" panose="02010600040101010101" pitchFamily="2" charset="-122"/>
-                <a:ea typeface="华文楷体" panose="02010600040101010101" pitchFamily="2" charset="-122"/>
-              </a:rPr>
               <a:t>）</a:t>
             </a:r>
-            <a:endParaRPr lang="zh-CN" altLang="en-US" sz="3600" b="1" dirty="0">
-              <a:solidFill>
-                <a:srgbClr val="C55A11"/>
-              </a:solidFill>
-              <a:latin typeface="华文楷体" panose="02010600040101010101" pitchFamily="2" charset="-122"/>
-              <a:ea typeface="华文楷体" panose="02010600040101010101" pitchFamily="2" charset="-122"/>
-            </a:endParaRPr>
-          </a:p>
-        </p:txBody>
-      </p:sp>
-      <p:sp>
-        <p:nvSpPr>
-          <p:cNvPr id="11" name="文本框 10">
+          </a:p>
+        </p:txBody>
+      </p:sp>
+      <p:pic>
+        <p:nvPicPr>
+          <p:cNvPr id="4" name="图片 3">
             <a:extLst>
               <a:ext uri="{FF2B5EF4-FFF2-40B4-BE49-F238E27FC236}">
-                <a16:creationId xmlns:a16="http://schemas.microsoft.com/office/drawing/2014/main" id="{874DB589-0FE3-4A09-B9B2-56DA89E5F330}"/>
+                <a16:creationId xmlns:a16="http://schemas.microsoft.com/office/drawing/2014/main" id="{C3E9A25E-A6C8-4858-B6D2-2CE5BAFB0B29}"/>
               </a:ext>
             </a:extLst>
           </p:cNvPr>
-          <p:cNvSpPr txBox="1"/>
+          <p:cNvPicPr>
+            <a:picLocks noChangeAspect="1"/>
+          </p:cNvPicPr>
           <p:nvPr/>
-        </p:nvSpPr>
-        <p:spPr>
-          <a:xfrm>
-            <a:off x="181821" y="1287077"/>
-            <a:ext cx="11828358" cy="5201424"/>
+        </p:nvPicPr>
+        <p:blipFill>
+          <a:blip r:embed="rId8">
+            <a:extLst>
+              <a:ext uri="{28A0092B-C50C-407E-A947-70E740481C1C}">
+                <a14:useLocalDpi xmlns:a14="http://schemas.microsoft.com/office/drawing/2010/main" val="0"/>
+              </a:ext>
+            </a:extLst>
+          </a:blip>
+          <a:stretch>
+            <a:fillRect/>
+          </a:stretch>
+        </p:blipFill>
+        <p:spPr>
+          <a:xfrm>
+            <a:off x="3874314" y="1739005"/>
+            <a:ext cx="3242104" cy="2399329"/>
           </a:xfrm>
           <a:prstGeom prst="rect">
             <a:avLst/>
           </a:prstGeom>
+        </p:spPr>
+      </p:pic>
+      <p:cxnSp>
+        <p:nvCxnSpPr>
+          <p:cNvPr id="8" name="直接箭头连接符 7">
+            <a:extLst>
+              <a:ext uri="{FF2B5EF4-FFF2-40B4-BE49-F238E27FC236}">
+                <a16:creationId xmlns:a16="http://schemas.microsoft.com/office/drawing/2014/main" id="{7D7EDF6A-2AD3-469F-942E-C9D0358B9376}"/>
+              </a:ext>
+            </a:extLst>
+          </p:cNvPr>
+          <p:cNvCxnSpPr/>
+          <p:nvPr/>
+        </p:nvCxnSpPr>
+        <p:spPr>
+          <a:xfrm>
+            <a:off x="5495366" y="2938669"/>
+            <a:ext cx="0" cy="1742661"/>
+          </a:xfrm>
+          <a:prstGeom prst="straightConnector1">
+            <a:avLst/>
+          </a:prstGeom>
+          <a:ln w="19050">
+            <a:tailEnd type="triangle"/>
+          </a:ln>
+        </p:spPr>
+        <p:style>
+          <a:lnRef idx="1">
+            <a:schemeClr val="dk1"/>
+          </a:lnRef>
+          <a:fillRef idx="0">
+            <a:schemeClr val="dk1"/>
+          </a:fillRef>
+          <a:effectRef idx="0">
+            <a:schemeClr val="dk1"/>
+          </a:effectRef>
+          <a:fontRef idx="minor">
+            <a:schemeClr val="tx1"/>
+          </a:fontRef>
+        </p:style>
+      </p:cxnSp>
+      <p:sp>
+        <p:nvSpPr>
+          <p:cNvPr id="9" name="椭圆 8">
+            <a:extLst>
+              <a:ext uri="{FF2B5EF4-FFF2-40B4-BE49-F238E27FC236}">
+                <a16:creationId xmlns:a16="http://schemas.microsoft.com/office/drawing/2014/main" id="{01EEE422-5F8A-45DF-A835-37A3D2C6A73F}"/>
+              </a:ext>
+            </a:extLst>
+          </p:cNvPr>
+          <p:cNvSpPr/>
+          <p:nvPr/>
+        </p:nvSpPr>
+        <p:spPr>
+          <a:xfrm>
+            <a:off x="4024382" y="4704722"/>
+            <a:ext cx="2941968" cy="824947"/>
+          </a:xfrm>
+          <a:prstGeom prst="ellipse">
+            <a:avLst/>
+          </a:prstGeom>
           <a:noFill/>
-        </p:spPr>
-        <p:txBody>
-          <a:bodyPr wrap="square" rtlCol="0">
-            <a:spAutoFit/>
-          </a:bodyPr>
-          <a:lstStyle/>
-          <a:p>
-            <a:pPr marL="457200" indent="-457200">
-              <a:lnSpc>
-                <a:spcPct val="150000"/>
-              </a:lnSpc>
-              <a:buClr>
-                <a:srgbClr val="C55A11"/>
-              </a:buClr>
-              <a:buFont typeface="Wingdings" panose="05000000000000000000" pitchFamily="2" charset="2"/>
-              <a:buChar char="Ø"/>
-            </a:pPr>
-            <a:r>
-              <a:rPr lang="zh-CN" altLang="en-US" sz="2800" b="1" dirty="0">
-                <a:latin typeface="华文楷体" panose="02010600040101010101" pitchFamily="2" charset="-122"/>
-                <a:ea typeface="华文楷体" panose="02010600040101010101" pitchFamily="2" charset="-122"/>
-              </a:rPr>
-              <a:t>自然语言</a:t>
-            </a:r>
-            <a:endParaRPr lang="en-US" altLang="zh-CN" sz="2800" b="1" dirty="0">
-              <a:latin typeface="华文楷体" panose="02010600040101010101" pitchFamily="2" charset="-122"/>
-              <a:ea typeface="华文楷体" panose="02010600040101010101" pitchFamily="2" charset="-122"/>
+          <a:ln>
+            <a:solidFill>
+              <a:schemeClr val="tx1"/>
+            </a:solidFill>
+          </a:ln>
+        </p:spPr>
+        <p:style>
+          <a:lnRef idx="2">
+            <a:schemeClr val="accent1">
+              <a:shade val="50000"/>
+            </a:schemeClr>
+          </a:lnRef>
+          <a:fillRef idx="1">
+            <a:schemeClr val="accent1"/>
+          </a:fillRef>
+          <a:effectRef idx="0">
+            <a:schemeClr val="accent1"/>
+          </a:effectRef>
+          <a:fontRef idx="minor">
+            <a:schemeClr val="lt1"/>
+          </a:fontRef>
+        </p:style>
+        <p:txBody>
+          <a:bodyPr rtlCol="0" anchor="ctr"/>
+          <a:lstStyle/>
+          <a:p>
+            <a:pPr algn="ctr"/>
+            <a:r>
+              <a:rPr lang="zh-CN" altLang="en-US">
+                <a:solidFill>
+                  <a:schemeClr val="tx1"/>
+                </a:solidFill>
+                <a:latin typeface="宋体" panose="02010600030101010101" pitchFamily="2" charset="-122"/>
+                <a:ea typeface="宋体" panose="02010600030101010101" pitchFamily="2" charset="-122"/>
+                <a:cs typeface="Times New Roman" panose="02020603050405020304" pitchFamily="18" charset="0"/>
+              </a:rPr>
+              <a:t>自然语言处理</a:t>
+            </a:r>
+            <a:endParaRPr lang="en-US">
+              <a:solidFill>
+                <a:schemeClr val="tx1"/>
+              </a:solidFill>
+              <a:latin typeface="宋体" panose="02010600030101010101" pitchFamily="2" charset="-122"/>
+              <a:ea typeface="宋体" panose="02010600030101010101" pitchFamily="2" charset="-122"/>
+              <a:cs typeface="Times New Roman" panose="02020603050405020304" pitchFamily="18" charset="0"/>
             </a:endParaRPr>
           </a:p>
-          <a:p>
-            <a:pPr marL="914400" lvl="1" indent="-457200">
-              <a:lnSpc>
-                <a:spcPct val="150000"/>
-              </a:lnSpc>
-              <a:buClr>
-                <a:srgbClr val="C55A11"/>
-              </a:buClr>
-              <a:buFont typeface="Arial" panose="020B0604020202020204" pitchFamily="34" charset="0"/>
-              <a:buChar char="•"/>
-            </a:pPr>
-            <a:r>
-              <a:rPr lang="zh-CN" altLang="en-US" sz="2800" dirty="0">
-                <a:latin typeface="华文楷体" panose="02010600040101010101" pitchFamily="2" charset="-122"/>
-                <a:ea typeface="华文楷体" panose="02010600040101010101" pitchFamily="2" charset="-122"/>
-              </a:rPr>
-              <a:t>≈人类语言</a:t>
-            </a:r>
-            <a:endParaRPr lang="en-US" altLang="zh-CN" sz="2800" dirty="0">
-              <a:latin typeface="华文楷体" panose="02010600040101010101" pitchFamily="2" charset="-122"/>
-              <a:ea typeface="华文楷体" panose="02010600040101010101" pitchFamily="2" charset="-122"/>
-            </a:endParaRPr>
-          </a:p>
-          <a:p>
-            <a:pPr marL="914400" lvl="1" indent="-457200">
-              <a:lnSpc>
-                <a:spcPct val="150000"/>
-              </a:lnSpc>
-              <a:buClr>
-                <a:srgbClr val="C55A11"/>
-              </a:buClr>
-              <a:buFont typeface="Arial" panose="020B0604020202020204" pitchFamily="34" charset="0"/>
-              <a:buChar char="•"/>
-            </a:pPr>
-            <a:r>
-              <a:rPr lang="zh-CN" altLang="en-US" sz="2800" dirty="0">
-                <a:latin typeface="华文楷体" panose="02010600040101010101" pitchFamily="2" charset="-122"/>
-                <a:ea typeface="华文楷体" panose="02010600040101010101" pitchFamily="2" charset="-122"/>
-              </a:rPr>
-              <a:t>≠程序语言</a:t>
-            </a:r>
-            <a:endParaRPr lang="en-US" altLang="zh-CN" sz="2800" dirty="0">
-              <a:latin typeface="华文楷体" panose="02010600040101010101" pitchFamily="2" charset="-122"/>
-              <a:ea typeface="华文楷体" panose="02010600040101010101" pitchFamily="2" charset="-122"/>
-            </a:endParaRPr>
-          </a:p>
-          <a:p>
-            <a:pPr marL="457200" indent="-457200">
-              <a:lnSpc>
-                <a:spcPct val="150000"/>
-              </a:lnSpc>
-              <a:buClr>
-                <a:srgbClr val="C55A11"/>
-              </a:buClr>
-              <a:buFont typeface="Wingdings" panose="05000000000000000000" pitchFamily="2" charset="2"/>
-              <a:buChar char="Ø"/>
-            </a:pPr>
-            <a:r>
-              <a:rPr lang="zh-CN" altLang="en-US" sz="2800" b="1" dirty="0">
-                <a:latin typeface="华文楷体" panose="02010600040101010101" pitchFamily="2" charset="-122"/>
-                <a:ea typeface="华文楷体" panose="02010600040101010101" pitchFamily="2" charset="-122"/>
-              </a:rPr>
-              <a:t>使用计算机技术处理、理解和生成自然语言</a:t>
-            </a:r>
-            <a:endParaRPr lang="en-US" altLang="zh-CN" sz="2800" b="1" dirty="0">
-              <a:latin typeface="华文楷体" panose="02010600040101010101" pitchFamily="2" charset="-122"/>
-              <a:ea typeface="华文楷体" panose="02010600040101010101" pitchFamily="2" charset="-122"/>
-            </a:endParaRPr>
-          </a:p>
-          <a:p>
-            <a:pPr marL="457200" indent="-457200">
-              <a:lnSpc>
-                <a:spcPct val="150000"/>
-              </a:lnSpc>
-              <a:buClr>
-                <a:srgbClr val="C55A11"/>
-              </a:buClr>
-              <a:buFont typeface="Wingdings" panose="05000000000000000000" pitchFamily="2" charset="2"/>
-              <a:buChar char="Ø"/>
-            </a:pPr>
-            <a:r>
-              <a:rPr lang="zh-CN" altLang="en-US" sz="2800" b="1" dirty="0">
-                <a:latin typeface="华文楷体" panose="02010600040101010101" pitchFamily="2" charset="-122"/>
-                <a:ea typeface="华文楷体" panose="02010600040101010101" pitchFamily="2" charset="-122"/>
-              </a:rPr>
-              <a:t>相似概念</a:t>
-            </a:r>
-            <a:endParaRPr lang="en-US" altLang="zh-CN" sz="2800" b="1" dirty="0">
-              <a:latin typeface="华文楷体" panose="02010600040101010101" pitchFamily="2" charset="-122"/>
-              <a:ea typeface="华文楷体" panose="02010600040101010101" pitchFamily="2" charset="-122"/>
-            </a:endParaRPr>
-          </a:p>
-          <a:p>
-            <a:pPr marL="914400" lvl="1" indent="-457200">
-              <a:lnSpc>
-                <a:spcPct val="150000"/>
-              </a:lnSpc>
-              <a:buClr>
-                <a:srgbClr val="C55A11"/>
-              </a:buClr>
-              <a:buFont typeface="Arial" panose="020B0604020202020204" pitchFamily="34" charset="0"/>
-              <a:buChar char="•"/>
-            </a:pPr>
-            <a:r>
-              <a:rPr lang="zh-CN" altLang="en-US" sz="2800" dirty="0">
-                <a:latin typeface="华文楷体" panose="02010600040101010101" pitchFamily="2" charset="-122"/>
-                <a:ea typeface="华文楷体" panose="02010600040101010101" pitchFamily="2" charset="-122"/>
-              </a:rPr>
-              <a:t>计算语言学（</a:t>
-            </a:r>
-            <a:r>
-              <a:rPr lang="en-US" altLang="zh-CN" sz="2800" dirty="0">
-                <a:latin typeface="华文楷体" panose="02010600040101010101" pitchFamily="2" charset="-122"/>
-                <a:ea typeface="华文楷体" panose="02010600040101010101" pitchFamily="2" charset="-122"/>
-              </a:rPr>
-              <a:t>computational linguistics, CL</a:t>
-            </a:r>
-            <a:r>
-              <a:rPr lang="zh-CN" altLang="en-US" sz="2800" dirty="0">
-                <a:latin typeface="华文楷体" panose="02010600040101010101" pitchFamily="2" charset="-122"/>
-                <a:ea typeface="华文楷体" panose="02010600040101010101" pitchFamily="2" charset="-122"/>
-              </a:rPr>
-              <a:t>）</a:t>
-            </a:r>
-            <a:endParaRPr lang="en-US" altLang="zh-CN" sz="2800" dirty="0">
-              <a:latin typeface="华文楷体" panose="02010600040101010101" pitchFamily="2" charset="-122"/>
-              <a:ea typeface="华文楷体" panose="02010600040101010101" pitchFamily="2" charset="-122"/>
-            </a:endParaRPr>
-          </a:p>
-          <a:p>
-            <a:pPr marL="914400" lvl="1" indent="-457200">
-              <a:lnSpc>
-                <a:spcPct val="150000"/>
-              </a:lnSpc>
-              <a:buClr>
-                <a:srgbClr val="C55A11"/>
-              </a:buClr>
-              <a:buFont typeface="Arial" panose="020B0604020202020204" pitchFamily="34" charset="0"/>
-              <a:buChar char="•"/>
-            </a:pPr>
-            <a:r>
-              <a:rPr lang="zh-CN" altLang="en-US" sz="2800" dirty="0">
-                <a:latin typeface="华文楷体" panose="02010600040101010101" pitchFamily="2" charset="-122"/>
-                <a:ea typeface="华文楷体" panose="02010600040101010101" pitchFamily="2" charset="-122"/>
-              </a:rPr>
-              <a:t>自然语言理解（</a:t>
-            </a:r>
-            <a:r>
-              <a:rPr lang="en-US" altLang="zh-CN" sz="2800" dirty="0">
-                <a:latin typeface="华文楷体" panose="02010600040101010101" pitchFamily="2" charset="-122"/>
-                <a:ea typeface="华文楷体" panose="02010600040101010101" pitchFamily="2" charset="-122"/>
-              </a:rPr>
-              <a:t>natural language understanding, NLU</a:t>
-            </a:r>
-            <a:r>
-              <a:rPr lang="zh-CN" altLang="en-US" sz="2800" dirty="0">
-                <a:latin typeface="华文楷体" panose="02010600040101010101" pitchFamily="2" charset="-122"/>
-                <a:ea typeface="华文楷体" panose="02010600040101010101" pitchFamily="2" charset="-122"/>
-              </a:rPr>
-              <a:t>）</a:t>
-            </a:r>
-            <a:endParaRPr lang="en-US" altLang="zh-CN" sz="2800" dirty="0">
-              <a:latin typeface="华文楷体" panose="02010600040101010101" pitchFamily="2" charset="-122"/>
-              <a:ea typeface="华文楷体" panose="02010600040101010101" pitchFamily="2" charset="-122"/>
-            </a:endParaRPr>
-          </a:p>
-          <a:p>
-            <a:pPr marL="457200" indent="-457200">
-              <a:lnSpc>
-                <a:spcPct val="150000"/>
-              </a:lnSpc>
-              <a:buClr>
-                <a:srgbClr val="C55A11"/>
-              </a:buClr>
-              <a:buFont typeface="Arial" panose="020B0604020202020204" pitchFamily="34" charset="0"/>
-              <a:buChar char="•"/>
-            </a:pPr>
-            <a:r>
-              <a:rPr lang="zh-CN" altLang="en-US" sz="2800" b="1" dirty="0">
-                <a:latin typeface="华文楷体" panose="02010600040101010101" pitchFamily="2" charset="-122"/>
-                <a:ea typeface="华文楷体" panose="02010600040101010101" pitchFamily="2" charset="-122"/>
-              </a:rPr>
-              <a:t>一切与处理文本语言相关的问题，都可以归为</a:t>
-            </a:r>
-            <a:r>
-              <a:rPr lang="en-US" altLang="zh-CN" sz="2800" b="1" dirty="0">
-                <a:latin typeface="华文楷体" panose="02010600040101010101" pitchFamily="2" charset="-122"/>
-                <a:ea typeface="华文楷体" panose="02010600040101010101" pitchFamily="2" charset="-122"/>
-              </a:rPr>
-              <a:t>NLP</a:t>
-            </a:r>
-            <a:r>
-              <a:rPr lang="zh-CN" altLang="en-US" sz="2800" b="1" dirty="0">
-                <a:latin typeface="华文楷体" panose="02010600040101010101" pitchFamily="2" charset="-122"/>
-                <a:ea typeface="华文楷体" panose="02010600040101010101" pitchFamily="2" charset="-122"/>
-              </a:rPr>
-              <a:t>的问题</a:t>
-            </a:r>
-            <a:endParaRPr lang="en-US" altLang="zh-CN" sz="2800" b="1" dirty="0">
-              <a:latin typeface="华文楷体" panose="02010600040101010101" pitchFamily="2" charset="-122"/>
-              <a:ea typeface="华文楷体" panose="02010600040101010101" pitchFamily="2" charset="-122"/>
-            </a:endParaRPr>
-          </a:p>
-        </p:txBody>
-      </p:sp>
+        </p:txBody>
+      </p:sp>
+      <p:pic>
+        <p:nvPicPr>
+          <p:cNvPr id="14" name="图片 13">
+            <a:extLst>
+              <a:ext uri="{FF2B5EF4-FFF2-40B4-BE49-F238E27FC236}">
+                <a16:creationId xmlns:a16="http://schemas.microsoft.com/office/drawing/2014/main" id="{2AB2AAF7-8A21-48BE-80C7-6FE5D9960155}"/>
+              </a:ext>
+            </a:extLst>
+          </p:cNvPr>
+          <p:cNvPicPr>
+            <a:picLocks noChangeAspect="1"/>
+          </p:cNvPicPr>
+          <p:nvPr/>
+        </p:nvPicPr>
+        <p:blipFill rotWithShape="1">
+          <a:blip r:embed="rId9">
+            <a:duotone>
+              <a:schemeClr val="bg2">
+                <a:shade val="45000"/>
+                <a:satMod val="135000"/>
+              </a:schemeClr>
+              <a:prstClr val="white"/>
+            </a:duotone>
+          </a:blip>
+          <a:srcRect t="-8375" r="69791"/>
+          <a:stretch/>
+        </p:blipFill>
+        <p:spPr>
+          <a:xfrm>
+            <a:off x="9913955" y="4136066"/>
+            <a:ext cx="3769087" cy="3644263"/>
+          </a:xfrm>
+          <a:prstGeom prst="rect">
+            <a:avLst/>
+          </a:prstGeom>
+        </p:spPr>
+      </p:pic>
     </p:spTree>
     <p:custDataLst>
       <p:tags r:id="rId1"/>
@@ -7807,51 +7808,35 @@
           <a:lstStyle/>
           <a:p>
             <a:r>
+              <a:rPr lang="zh-CN" altLang="en-US" sz="3600" b="1">
+                <a:solidFill>
+                  <a:srgbClr val="C55A11"/>
+                </a:solidFill>
+                <a:latin typeface="华文楷体" panose="02010600040101010101" pitchFamily="2" charset="-122"/>
+                <a:ea typeface="华文楷体" panose="02010600040101010101" pitchFamily="2" charset="-122"/>
+              </a:rPr>
+              <a:t>自然语言处理（</a:t>
+            </a:r>
+            <a:r>
+              <a:rPr lang="en-US" altLang="zh-CN" sz="3600" b="1" dirty="0">
+                <a:solidFill>
+                  <a:srgbClr val="C55A11"/>
+                </a:solidFill>
+                <a:latin typeface="华文楷体" panose="02010600040101010101" pitchFamily="2" charset="-122"/>
+                <a:ea typeface="华文楷体" panose="02010600040101010101" pitchFamily="2" charset="-122"/>
+              </a:rPr>
+              <a:t>natural language processing, NLP</a:t>
+            </a:r>
+            <a:r>
               <a:rPr lang="zh-CN" altLang="en-US" sz="3600" b="1" dirty="0">
                 <a:solidFill>
-                  <a:schemeClr val="tx1">
-                    <a:lumMod val="75000"/>
-                    <a:lumOff val="25000"/>
-                  </a:schemeClr>
+                  <a:srgbClr val="C55A11"/>
                 </a:solidFill>
                 <a:latin typeface="华文楷体" panose="02010600040101010101" pitchFamily="2" charset="-122"/>
                 <a:ea typeface="华文楷体" panose="02010600040101010101" pitchFamily="2" charset="-122"/>
               </a:rPr>
-              <a:t>自然语言处理（</a:t>
-            </a:r>
-            <a:r>
-              <a:rPr lang="en-US" altLang="zh-CN" sz="3600" b="1" dirty="0">
-                <a:solidFill>
-                  <a:schemeClr val="tx1">
-                    <a:lumMod val="75000"/>
-                    <a:lumOff val="25000"/>
-                  </a:schemeClr>
-                </a:solidFill>
-                <a:latin typeface="华文楷体" panose="02010600040101010101" pitchFamily="2" charset="-122"/>
-                <a:ea typeface="华文楷体" panose="02010600040101010101" pitchFamily="2" charset="-122"/>
-              </a:rPr>
-              <a:t>natural language processing, NLP</a:t>
-            </a:r>
-            <a:r>
-              <a:rPr lang="zh-CN" altLang="en-US" sz="3600" b="1" dirty="0">
-                <a:solidFill>
-                  <a:schemeClr val="tx1">
-                    <a:lumMod val="75000"/>
-                    <a:lumOff val="25000"/>
-                  </a:schemeClr>
-                </a:solidFill>
-                <a:latin typeface="华文楷体" panose="02010600040101010101" pitchFamily="2" charset="-122"/>
-                <a:ea typeface="华文楷体" panose="02010600040101010101" pitchFamily="2" charset="-122"/>
-              </a:rPr>
               <a:t>）</a:t>
             </a:r>
-            <a:endParaRPr lang="zh-CN" altLang="en-US" sz="3600" b="1" dirty="0">
-              <a:solidFill>
-                <a:srgbClr val="C55A11"/>
-              </a:solidFill>
-              <a:latin typeface="华文楷体" panose="02010600040101010101" pitchFamily="2" charset="-122"/>
-              <a:ea typeface="华文楷体" panose="02010600040101010101" pitchFamily="2" charset="-122"/>
-            </a:endParaRPr>
           </a:p>
         </p:txBody>
       </p:sp>
@@ -7870,7 +7855,7 @@
         <p:spPr>
           <a:xfrm>
             <a:off x="181821" y="1287077"/>
-            <a:ext cx="11828358" cy="3262432"/>
+            <a:ext cx="11828358" cy="5201424"/>
           </a:xfrm>
           <a:prstGeom prst="rect">
             <a:avLst/>
@@ -7894,13 +7879,13 @@
               <a:buChar char="Ø"/>
             </a:pPr>
             <a:r>
-              <a:rPr lang="zh-CN" altLang="en-US" sz="2800" dirty="0">
-                <a:latin typeface="华文楷体" panose="02010600040101010101" pitchFamily="2" charset="-122"/>
-                <a:ea typeface="华文楷体" panose="02010600040101010101" pitchFamily="2" charset="-122"/>
-              </a:rPr>
-              <a:t>基于深度学习的自然语言处理</a:t>
-            </a:r>
-            <a:endParaRPr lang="en-US" altLang="zh-CN" sz="2800" dirty="0">
+              <a:rPr lang="zh-CN" altLang="en-US" sz="2800" b="1" dirty="0">
+                <a:latin typeface="华文楷体" panose="02010600040101010101" pitchFamily="2" charset="-122"/>
+                <a:ea typeface="华文楷体" panose="02010600040101010101" pitchFamily="2" charset="-122"/>
+              </a:rPr>
+              <a:t>自然语言</a:t>
+            </a:r>
+            <a:endParaRPr lang="en-US" altLang="zh-CN" sz="2800" b="1" dirty="0">
               <a:latin typeface="华文楷体" panose="02010600040101010101" pitchFamily="2" charset="-122"/>
               <a:ea typeface="华文楷体" panose="02010600040101010101" pitchFamily="2" charset="-122"/>
             </a:endParaRPr>
@@ -7921,21 +7906,7 @@
                 <a:latin typeface="华文楷体" panose="02010600040101010101" pitchFamily="2" charset="-122"/>
                 <a:ea typeface="华文楷体" panose="02010600040101010101" pitchFamily="2" charset="-122"/>
               </a:rPr>
-              <a:t>卷积网络（</a:t>
-            </a:r>
-            <a:r>
-              <a:rPr lang="en-US" altLang="zh-CN" sz="2800" dirty="0">
-                <a:latin typeface="华文楷体" panose="02010600040101010101" pitchFamily="2" charset="-122"/>
-                <a:ea typeface="华文楷体" panose="02010600040101010101" pitchFamily="2" charset="-122"/>
-              </a:rPr>
-              <a:t>CNN</a:t>
-            </a:r>
-            <a:r>
-              <a:rPr lang="zh-CN" altLang="en-US" sz="2800" dirty="0">
-                <a:latin typeface="华文楷体" panose="02010600040101010101" pitchFamily="2" charset="-122"/>
-                <a:ea typeface="华文楷体" panose="02010600040101010101" pitchFamily="2" charset="-122"/>
-              </a:rPr>
-              <a:t>）</a:t>
+              <a:t>≈人类语言</a:t>
             </a:r>
             <a:endParaRPr lang="en-US" altLang="zh-CN" sz="2800" dirty="0">
               <a:latin typeface="华文楷体" panose="02010600040101010101" pitchFamily="2" charset="-122"/>
@@ -7958,23 +7929,55 @@
                 <a:latin typeface="华文楷体" panose="02010600040101010101" pitchFamily="2" charset="-122"/>
                 <a:ea typeface="华文楷体" panose="02010600040101010101" pitchFamily="2" charset="-122"/>
               </a:rPr>
-              <a:t>循环网络（</a:t>
-            </a:r>
-            <a:r>
-              <a:rPr lang="en-US" altLang="zh-CN" sz="2800" dirty="0">
-                <a:latin typeface="华文楷体" panose="02010600040101010101" pitchFamily="2" charset="-122"/>
-                <a:ea typeface="华文楷体" panose="02010600040101010101" pitchFamily="2" charset="-122"/>
-              </a:rPr>
-              <a:t>RNN</a:t>
-            </a:r>
-            <a:r>
-              <a:rPr lang="zh-CN" altLang="en-US" sz="2800" dirty="0">
-                <a:latin typeface="华文楷体" panose="02010600040101010101" pitchFamily="2" charset="-122"/>
-                <a:ea typeface="华文楷体" panose="02010600040101010101" pitchFamily="2" charset="-122"/>
-              </a:rPr>
-              <a:t>）</a:t>
+              <a:t>≠程序语言</a:t>
             </a:r>
             <a:endParaRPr lang="en-US" altLang="zh-CN" sz="2800" dirty="0">
+              <a:latin typeface="华文楷体" panose="02010600040101010101" pitchFamily="2" charset="-122"/>
+              <a:ea typeface="华文楷体" panose="02010600040101010101" pitchFamily="2" charset="-122"/>
+            </a:endParaRPr>
+          </a:p>
+          <a:p>
+            <a:pPr marL="457200" indent="-457200">
+              <a:lnSpc>
+                <a:spcPct val="150000"/>
+              </a:lnSpc>
+              <a:buClr>
+                <a:srgbClr val="C55A11"/>
+              </a:buClr>
+              <a:buFont typeface="Wingdings" panose="05000000000000000000" pitchFamily="2" charset="2"/>
+              <a:buChar char="Ø"/>
+            </a:pPr>
+            <a:r>
+              <a:rPr lang="zh-CN" altLang="en-US" sz="2800" b="1" dirty="0">
+                <a:latin typeface="华文楷体" panose="02010600040101010101" pitchFamily="2" charset="-122"/>
+                <a:ea typeface="华文楷体" panose="02010600040101010101" pitchFamily="2" charset="-122"/>
+              </a:rPr>
+              <a:t>使用计算机技术处理、理解和生成自然语言</a:t>
+            </a:r>
+            <a:endParaRPr lang="en-US" altLang="zh-CN" sz="2800" b="1" dirty="0">
+              <a:latin typeface="华文楷体" panose="02010600040101010101" pitchFamily="2" charset="-122"/>
+              <a:ea typeface="华文楷体" panose="02010600040101010101" pitchFamily="2" charset="-122"/>
+            </a:endParaRPr>
+          </a:p>
+          <a:p>
+            <a:pPr marL="457200" indent="-457200">
+              <a:lnSpc>
+                <a:spcPct val="150000"/>
+              </a:lnSpc>
+              <a:buClr>
+                <a:srgbClr val="C55A11"/>
+              </a:buClr>
+              <a:buFont typeface="Wingdings" panose="05000000000000000000" pitchFamily="2" charset="2"/>
+              <a:buChar char="Ø"/>
+            </a:pPr>
+            <a:r>
+              <a:rPr lang="zh-CN" altLang="en-US" sz="2800" b="1" dirty="0">
+                <a:latin typeface="华文楷体" panose="02010600040101010101" pitchFamily="2" charset="-122"/>
+                <a:ea typeface="华文楷体" panose="02010600040101010101" pitchFamily="2" charset="-122"/>
+              </a:rPr>
+              <a:t>相似概念</a:t>
+            </a:r>
+            <a:endParaRPr lang="en-US" altLang="zh-CN" sz="2800" b="1" dirty="0">
               <a:latin typeface="华文楷体" panose="02010600040101010101" pitchFamily="2" charset="-122"/>
               <a:ea typeface="华文楷体" panose="02010600040101010101" pitchFamily="2" charset="-122"/>
             </a:endParaRPr>
@@ -7991,19 +7994,67 @@
               <a:buChar char="•"/>
             </a:pPr>
             <a:r>
+              <a:rPr lang="zh-CN" altLang="en-US" sz="2800" dirty="0">
+                <a:latin typeface="华文楷体" panose="02010600040101010101" pitchFamily="2" charset="-122"/>
+                <a:ea typeface="华文楷体" panose="02010600040101010101" pitchFamily="2" charset="-122"/>
+              </a:rPr>
+              <a:t>计算语言学（</a:t>
+            </a:r>
+            <a:r>
               <a:rPr lang="en-US" altLang="zh-CN" sz="2800" dirty="0">
                 <a:latin typeface="华文楷体" panose="02010600040101010101" pitchFamily="2" charset="-122"/>
                 <a:ea typeface="华文楷体" panose="02010600040101010101" pitchFamily="2" charset="-122"/>
               </a:rPr>
-              <a:t>Transformer</a:t>
-            </a:r>
-            <a:r>
-              <a:rPr lang="en-US" altLang="zh-CN" sz="2800" baseline="30000" dirty="0">
-                <a:latin typeface="华文楷体" panose="02010600040101010101" pitchFamily="2" charset="-122"/>
-                <a:ea typeface="华文楷体" panose="02010600040101010101" pitchFamily="2" charset="-122"/>
-              </a:rPr>
-              <a:t>[2]</a:t>
-            </a:r>
+              <a:t>computational linguistics, CL</a:t>
+            </a:r>
+            <a:r>
+              <a:rPr lang="zh-CN" altLang="en-US" sz="2800" dirty="0">
+                <a:latin typeface="华文楷体" panose="02010600040101010101" pitchFamily="2" charset="-122"/>
+                <a:ea typeface="华文楷体" panose="02010600040101010101" pitchFamily="2" charset="-122"/>
+              </a:rPr>
+              <a:t>）</a:t>
+            </a:r>
+            <a:endParaRPr lang="en-US" altLang="zh-CN" sz="2800" dirty="0">
+              <a:latin typeface="华文楷体" panose="02010600040101010101" pitchFamily="2" charset="-122"/>
+              <a:ea typeface="华文楷体" panose="02010600040101010101" pitchFamily="2" charset="-122"/>
+            </a:endParaRPr>
+          </a:p>
+          <a:p>
+            <a:pPr marL="914400" lvl="1" indent="-457200">
+              <a:lnSpc>
+                <a:spcPct val="150000"/>
+              </a:lnSpc>
+              <a:buClr>
+                <a:srgbClr val="C55A11"/>
+              </a:buClr>
+              <a:buFont typeface="Arial" panose="020B0604020202020204" pitchFamily="34" charset="0"/>
+              <a:buChar char="•"/>
+            </a:pPr>
+            <a:r>
+              <a:rPr lang="zh-CN" altLang="en-US" sz="2800" dirty="0">
+                <a:latin typeface="华文楷体" panose="02010600040101010101" pitchFamily="2" charset="-122"/>
+                <a:ea typeface="华文楷体" panose="02010600040101010101" pitchFamily="2" charset="-122"/>
+              </a:rPr>
+              <a:t>自然语言理解（</a:t>
+            </a:r>
+            <a:r>
+              <a:rPr lang="en-US" altLang="zh-CN" sz="2800" dirty="0">
+                <a:latin typeface="华文楷体" panose="02010600040101010101" pitchFamily="2" charset="-122"/>
+                <a:ea typeface="华文楷体" panose="02010600040101010101" pitchFamily="2" charset="-122"/>
+              </a:rPr>
+              <a:t>natural language understanding, NLU</a:t>
+            </a:r>
+            <a:r>
+              <a:rPr lang="zh-CN" altLang="en-US" sz="2800" dirty="0">
+                <a:latin typeface="华文楷体" panose="02010600040101010101" pitchFamily="2" charset="-122"/>
+                <a:ea typeface="华文楷体" panose="02010600040101010101" pitchFamily="2" charset="-122"/>
+              </a:rPr>
+              <a:t>）</a:t>
+            </a:r>
+            <a:endParaRPr lang="en-US" altLang="zh-CN" sz="2800" dirty="0">
+              <a:latin typeface="华文楷体" panose="02010600040101010101" pitchFamily="2" charset="-122"/>
+              <a:ea typeface="华文楷体" panose="02010600040101010101" pitchFamily="2" charset="-122"/>
+            </a:endParaRPr>
           </a:p>
           <a:p>
             <a:pPr marL="457200" indent="-457200">
@@ -8017,98 +8068,77 @@
               <a:buChar char="Ø"/>
             </a:pPr>
             <a:r>
-              <a:rPr lang="zh-CN" altLang="en-US" sz="2800" dirty="0">
-                <a:latin typeface="华文楷体" panose="02010600040101010101" pitchFamily="2" charset="-122"/>
-                <a:ea typeface="华文楷体" panose="02010600040101010101" pitchFamily="2" charset="-122"/>
-              </a:rPr>
-              <a:t>表示对于深度学习非常重要，文本表示对于</a:t>
-            </a:r>
-            <a:r>
-              <a:rPr lang="en-US" altLang="zh-CN" sz="2800" dirty="0">
+              <a:rPr lang="zh-CN" altLang="en-US" sz="2800" b="1" dirty="0">
+                <a:latin typeface="华文楷体" panose="02010600040101010101" pitchFamily="2" charset="-122"/>
+                <a:ea typeface="华文楷体" panose="02010600040101010101" pitchFamily="2" charset="-122"/>
+              </a:rPr>
+              <a:t>一切与处理文本语言相关的问题，都可以归为</a:t>
+            </a:r>
+            <a:r>
+              <a:rPr lang="en-US" altLang="zh-CN" sz="2800" b="1" dirty="0">
                 <a:latin typeface="华文楷体" panose="02010600040101010101" pitchFamily="2" charset="-122"/>
                 <a:ea typeface="华文楷体" panose="02010600040101010101" pitchFamily="2" charset="-122"/>
               </a:rPr>
               <a:t>NLP</a:t>
             </a:r>
             <a:r>
-              <a:rPr lang="zh-CN" altLang="en-US" sz="2800" dirty="0">
-                <a:latin typeface="华文楷体" panose="02010600040101010101" pitchFamily="2" charset="-122"/>
-                <a:ea typeface="华文楷体" panose="02010600040101010101" pitchFamily="2" charset="-122"/>
-              </a:rPr>
-              <a:t>模型更为重要！</a:t>
-            </a:r>
-            <a:endParaRPr lang="en-US" altLang="zh-CN" sz="2800" dirty="0">
+              <a:rPr lang="zh-CN" altLang="en-US" sz="2800" b="1" dirty="0">
+                <a:latin typeface="华文楷体" panose="02010600040101010101" pitchFamily="2" charset="-122"/>
+                <a:ea typeface="华文楷体" panose="02010600040101010101" pitchFamily="2" charset="-122"/>
+              </a:rPr>
+              <a:t>的问题</a:t>
+            </a:r>
+            <a:endParaRPr lang="en-US" altLang="zh-CN" sz="2800" b="1" dirty="0">
               <a:latin typeface="华文楷体" panose="02010600040101010101" pitchFamily="2" charset="-122"/>
               <a:ea typeface="华文楷体" panose="02010600040101010101" pitchFamily="2" charset="-122"/>
             </a:endParaRPr>
           </a:p>
         </p:txBody>
       </p:sp>
-      <p:sp>
-        <p:nvSpPr>
-          <p:cNvPr id="8" name="矩形 7">
+      <p:pic>
+        <p:nvPicPr>
+          <p:cNvPr id="8" name="图片 7">
             <a:extLst>
               <a:ext uri="{FF2B5EF4-FFF2-40B4-BE49-F238E27FC236}">
-                <a16:creationId xmlns:a16="http://schemas.microsoft.com/office/drawing/2014/main" id="{49A32B4E-678D-43FD-9CE2-483E4D4E6526}"/>
+                <a16:creationId xmlns:a16="http://schemas.microsoft.com/office/drawing/2014/main" id="{3831E684-079D-43C0-99DA-D238B7D82F31}"/>
               </a:ext>
             </a:extLst>
           </p:cNvPr>
-          <p:cNvSpPr/>
+          <p:cNvPicPr>
+            <a:picLocks noChangeAspect="1"/>
+          </p:cNvPicPr>
           <p:nvPr/>
-        </p:nvSpPr>
-        <p:spPr>
-          <a:xfrm>
-            <a:off x="138546" y="6234533"/>
-            <a:ext cx="12053454" cy="369332"/>
+        </p:nvPicPr>
+        <p:blipFill rotWithShape="1">
+          <a:blip r:embed="rId8">
+            <a:duotone>
+              <a:schemeClr val="bg2">
+                <a:shade val="45000"/>
+                <a:satMod val="135000"/>
+              </a:schemeClr>
+              <a:prstClr val="white"/>
+            </a:duotone>
+          </a:blip>
+          <a:srcRect t="-8375" r="69791"/>
+          <a:stretch/>
+        </p:blipFill>
+        <p:spPr>
+          <a:xfrm>
+            <a:off x="9913955" y="4136066"/>
+            <a:ext cx="3769087" cy="3644263"/>
           </a:xfrm>
           <a:prstGeom prst="rect">
             <a:avLst/>
           </a:prstGeom>
         </p:spPr>
-        <p:txBody>
-          <a:bodyPr wrap="square">
-            <a:spAutoFit/>
-          </a:bodyPr>
-          <a:lstStyle/>
-          <a:p>
-            <a:r>
-              <a:rPr lang="en-US" altLang="zh-CN" dirty="0">
-                <a:solidFill>
-                  <a:srgbClr val="222222"/>
-                </a:solidFill>
-                <a:latin typeface="Arial" panose="020B0604020202020204" pitchFamily="34" charset="0"/>
-              </a:rPr>
-              <a:t>[2] Vaswani, Ashish, et al. "Attention is all you need." </a:t>
-            </a:r>
-            <a:r>
-              <a:rPr lang="en-US" altLang="zh-CN" i="1" dirty="0">
-                <a:solidFill>
-                  <a:srgbClr val="222222"/>
-                </a:solidFill>
-                <a:latin typeface="Arial" panose="020B0604020202020204" pitchFamily="34" charset="0"/>
-              </a:rPr>
-              <a:t>Advances in neural information processing systems</a:t>
-            </a:r>
-            <a:r>
-              <a:rPr lang="en-US" altLang="zh-CN" dirty="0">
-                <a:solidFill>
-                  <a:srgbClr val="222222"/>
-                </a:solidFill>
-                <a:latin typeface="Arial" panose="020B0604020202020204" pitchFamily="34" charset="0"/>
-              </a:rPr>
-              <a:t>. 2017.</a:t>
-            </a:r>
-            <a:endParaRPr lang="zh-CN" altLang="en-US" dirty="0"/>
-          </a:p>
-        </p:txBody>
-      </p:sp>
+      </p:pic>
     </p:spTree>
     <p:custDataLst>
       <p:tags r:id="rId1"/>
     </p:custDataLst>
     <p:extLst>
       <p:ext uri="{BB962C8B-B14F-4D97-AF65-F5344CB8AC3E}">
-        <p14:creationId xmlns:p14="http://schemas.microsoft.com/office/powerpoint/2010/main" val="2668292852"/>
+        <p14:creationId xmlns:p14="http://schemas.microsoft.com/office/powerpoint/2010/main" val="3366682914"/>
       </p:ext>
     </p:extLst>
   </p:cSld>
@@ -8355,51 +8385,35 @@
           <a:lstStyle/>
           <a:p>
             <a:r>
+              <a:rPr lang="zh-CN" altLang="en-US" sz="3600" b="1">
+                <a:solidFill>
+                  <a:srgbClr val="C55A11"/>
+                </a:solidFill>
+                <a:latin typeface="华文楷体" panose="02010600040101010101" pitchFamily="2" charset="-122"/>
+                <a:ea typeface="华文楷体" panose="02010600040101010101" pitchFamily="2" charset="-122"/>
+              </a:rPr>
+              <a:t>自然语言处理（</a:t>
+            </a:r>
+            <a:r>
+              <a:rPr lang="en-US" altLang="zh-CN" sz="3600" b="1" dirty="0">
+                <a:solidFill>
+                  <a:srgbClr val="C55A11"/>
+                </a:solidFill>
+                <a:latin typeface="华文楷体" panose="02010600040101010101" pitchFamily="2" charset="-122"/>
+                <a:ea typeface="华文楷体" panose="02010600040101010101" pitchFamily="2" charset="-122"/>
+              </a:rPr>
+              <a:t>natural language processing, NLP</a:t>
+            </a:r>
+            <a:r>
               <a:rPr lang="zh-CN" altLang="en-US" sz="3600" b="1" dirty="0">
                 <a:solidFill>
-                  <a:schemeClr val="tx1">
-                    <a:lumMod val="75000"/>
-                    <a:lumOff val="25000"/>
-                  </a:schemeClr>
+                  <a:srgbClr val="C55A11"/>
                 </a:solidFill>
                 <a:latin typeface="华文楷体" panose="02010600040101010101" pitchFamily="2" charset="-122"/>
                 <a:ea typeface="华文楷体" panose="02010600040101010101" pitchFamily="2" charset="-122"/>
               </a:rPr>
-              <a:t>自然语言处理（</a:t>
-            </a:r>
-            <a:r>
-              <a:rPr lang="en-US" altLang="zh-CN" sz="3600" b="1" dirty="0">
-                <a:solidFill>
-                  <a:schemeClr val="tx1">
-                    <a:lumMod val="75000"/>
-                    <a:lumOff val="25000"/>
-                  </a:schemeClr>
-                </a:solidFill>
-                <a:latin typeface="华文楷体" panose="02010600040101010101" pitchFamily="2" charset="-122"/>
-                <a:ea typeface="华文楷体" panose="02010600040101010101" pitchFamily="2" charset="-122"/>
-              </a:rPr>
-              <a:t>natural language processing, NLP</a:t>
-            </a:r>
-            <a:r>
-              <a:rPr lang="zh-CN" altLang="en-US" sz="3600" b="1" dirty="0">
-                <a:solidFill>
-                  <a:schemeClr val="tx1">
-                    <a:lumMod val="75000"/>
-                    <a:lumOff val="25000"/>
-                  </a:schemeClr>
-                </a:solidFill>
-                <a:latin typeface="华文楷体" panose="02010600040101010101" pitchFamily="2" charset="-122"/>
-                <a:ea typeface="华文楷体" panose="02010600040101010101" pitchFamily="2" charset="-122"/>
-              </a:rPr>
               <a:t>）</a:t>
             </a:r>
-            <a:endParaRPr lang="zh-CN" altLang="en-US" sz="3600" b="1" dirty="0">
-              <a:solidFill>
-                <a:srgbClr val="C55A11"/>
-              </a:solidFill>
-              <a:latin typeface="华文楷体" panose="02010600040101010101" pitchFamily="2" charset="-122"/>
-              <a:ea typeface="华文楷体" panose="02010600040101010101" pitchFamily="2" charset="-122"/>
-            </a:endParaRPr>
           </a:p>
         </p:txBody>
       </p:sp>
@@ -8418,7 +8432,7 @@
         <p:spPr>
           <a:xfrm>
             <a:off x="181821" y="1287077"/>
-            <a:ext cx="11828358" cy="4555093"/>
+            <a:ext cx="11828358" cy="3262432"/>
           </a:xfrm>
           <a:prstGeom prst="rect">
             <a:avLst/>
@@ -8442,16 +8456,116 @@
               <a:buChar char="Ø"/>
             </a:pPr>
             <a:r>
-              <a:rPr lang="zh-CN" altLang="en-US" sz="2800" dirty="0">
-                <a:latin typeface="华文楷体" panose="02010600040101010101" pitchFamily="2" charset="-122"/>
-                <a:ea typeface="华文楷体" panose="02010600040101010101" pitchFamily="2" charset="-122"/>
-              </a:rPr>
-              <a:t>文本是离散的符号，表示难度更大</a:t>
+              <a:rPr lang="zh-CN" altLang="en-US" sz="2800">
+                <a:latin typeface="华文楷体" panose="02010600040101010101" pitchFamily="2" charset="-122"/>
+                <a:ea typeface="华文楷体" panose="02010600040101010101" pitchFamily="2" charset="-122"/>
+              </a:rPr>
+              <a:t>自然语言处理中的神经网络</a:t>
             </a:r>
             <a:endParaRPr lang="en-US" altLang="zh-CN" sz="2800" dirty="0">
               <a:latin typeface="华文楷体" panose="02010600040101010101" pitchFamily="2" charset="-122"/>
               <a:ea typeface="华文楷体" panose="02010600040101010101" pitchFamily="2" charset="-122"/>
             </a:endParaRPr>
+          </a:p>
+          <a:p>
+            <a:pPr marL="914400" lvl="1" indent="-457200">
+              <a:lnSpc>
+                <a:spcPct val="150000"/>
+              </a:lnSpc>
+              <a:buClr>
+                <a:srgbClr val="C55A11"/>
+              </a:buClr>
+              <a:buFont typeface="Arial" panose="020B0604020202020204" pitchFamily="34" charset="0"/>
+              <a:buChar char="•"/>
+            </a:pPr>
+            <a:r>
+              <a:rPr lang="zh-CN" altLang="en-US" sz="2800" dirty="0">
+                <a:latin typeface="华文楷体" panose="02010600040101010101" pitchFamily="2" charset="-122"/>
+                <a:ea typeface="华文楷体" panose="02010600040101010101" pitchFamily="2" charset="-122"/>
+              </a:rPr>
+              <a:t>卷积网络（</a:t>
+            </a:r>
+            <a:r>
+              <a:rPr lang="en-US" altLang="zh-CN" sz="2800" dirty="0">
+                <a:latin typeface="华文楷体" panose="02010600040101010101" pitchFamily="2" charset="-122"/>
+                <a:ea typeface="华文楷体" panose="02010600040101010101" pitchFamily="2" charset="-122"/>
+              </a:rPr>
+              <a:t>CNN</a:t>
+            </a:r>
+            <a:r>
+              <a:rPr lang="zh-CN" altLang="en-US" sz="2800" dirty="0">
+                <a:latin typeface="华文楷体" panose="02010600040101010101" pitchFamily="2" charset="-122"/>
+                <a:ea typeface="华文楷体" panose="02010600040101010101" pitchFamily="2" charset="-122"/>
+              </a:rPr>
+              <a:t>）</a:t>
+            </a:r>
+            <a:endParaRPr lang="en-US" altLang="zh-CN" sz="2800" dirty="0">
+              <a:latin typeface="华文楷体" panose="02010600040101010101" pitchFamily="2" charset="-122"/>
+              <a:ea typeface="华文楷体" panose="02010600040101010101" pitchFamily="2" charset="-122"/>
+            </a:endParaRPr>
+          </a:p>
+          <a:p>
+            <a:pPr marL="914400" lvl="1" indent="-457200">
+              <a:lnSpc>
+                <a:spcPct val="150000"/>
+              </a:lnSpc>
+              <a:buClr>
+                <a:srgbClr val="C55A11"/>
+              </a:buClr>
+              <a:buFont typeface="Arial" panose="020B0604020202020204" pitchFamily="34" charset="0"/>
+              <a:buChar char="•"/>
+            </a:pPr>
+            <a:r>
+              <a:rPr lang="zh-CN" altLang="en-US" sz="2800" dirty="0">
+                <a:latin typeface="华文楷体" panose="02010600040101010101" pitchFamily="2" charset="-122"/>
+                <a:ea typeface="华文楷体" panose="02010600040101010101" pitchFamily="2" charset="-122"/>
+              </a:rPr>
+              <a:t>循环网络（</a:t>
+            </a:r>
+            <a:r>
+              <a:rPr lang="en-US" altLang="zh-CN" sz="2800" dirty="0">
+                <a:latin typeface="华文楷体" panose="02010600040101010101" pitchFamily="2" charset="-122"/>
+                <a:ea typeface="华文楷体" panose="02010600040101010101" pitchFamily="2" charset="-122"/>
+              </a:rPr>
+              <a:t>RNN</a:t>
+            </a:r>
+            <a:r>
+              <a:rPr lang="zh-CN" altLang="en-US" sz="2800" dirty="0">
+                <a:latin typeface="华文楷体" panose="02010600040101010101" pitchFamily="2" charset="-122"/>
+                <a:ea typeface="华文楷体" panose="02010600040101010101" pitchFamily="2" charset="-122"/>
+              </a:rPr>
+              <a:t>）</a:t>
+            </a:r>
+            <a:endParaRPr lang="en-US" altLang="zh-CN" sz="2800" dirty="0">
+              <a:latin typeface="华文楷体" panose="02010600040101010101" pitchFamily="2" charset="-122"/>
+              <a:ea typeface="华文楷体" panose="02010600040101010101" pitchFamily="2" charset="-122"/>
+            </a:endParaRPr>
+          </a:p>
+          <a:p>
+            <a:pPr marL="914400" lvl="1" indent="-457200">
+              <a:lnSpc>
+                <a:spcPct val="150000"/>
+              </a:lnSpc>
+              <a:buClr>
+                <a:srgbClr val="C55A11"/>
+              </a:buClr>
+              <a:buFont typeface="Arial" panose="020B0604020202020204" pitchFamily="34" charset="0"/>
+              <a:buChar char="•"/>
+            </a:pPr>
+            <a:r>
+              <a:rPr lang="en-US" altLang="zh-CN" sz="2800" dirty="0">
+                <a:latin typeface="华文楷体" panose="02010600040101010101" pitchFamily="2" charset="-122"/>
+                <a:ea typeface="华文楷体" panose="02010600040101010101" pitchFamily="2" charset="-122"/>
+              </a:rPr>
+              <a:t>Transformer</a:t>
+            </a:r>
+            <a:r>
+              <a:rPr lang="en-US" altLang="zh-CN" sz="2800" baseline="30000" dirty="0">
+                <a:latin typeface="华文楷体" panose="02010600040101010101" pitchFamily="2" charset="-122"/>
+                <a:ea typeface="华文楷体" panose="02010600040101010101" pitchFamily="2" charset="-122"/>
+              </a:rPr>
+              <a:t>[2]</a:t>
+            </a:r>
           </a:p>
           <a:p>
             <a:pPr marL="457200" indent="-457200">
@@ -8464,187 +8578,40 @@
               <a:buFont typeface="Wingdings" panose="05000000000000000000" pitchFamily="2" charset="2"/>
               <a:buChar char="Ø"/>
             </a:pPr>
+            <a:r>
+              <a:rPr lang="zh-CN" altLang="en-US" sz="2800" dirty="0">
+                <a:latin typeface="华文楷体" panose="02010600040101010101" pitchFamily="2" charset="-122"/>
+                <a:ea typeface="华文楷体" panose="02010600040101010101" pitchFamily="2" charset="-122"/>
+              </a:rPr>
+              <a:t>表示对于深度学习非常重要，文本表示对于</a:t>
+            </a:r>
+            <a:r>
+              <a:rPr lang="en-US" altLang="zh-CN" sz="2800" dirty="0">
+                <a:latin typeface="华文楷体" panose="02010600040101010101" pitchFamily="2" charset="-122"/>
+                <a:ea typeface="华文楷体" panose="02010600040101010101" pitchFamily="2" charset="-122"/>
+              </a:rPr>
+              <a:t>NLP</a:t>
+            </a:r>
+            <a:r>
+              <a:rPr lang="zh-CN" altLang="en-US" sz="2800" dirty="0">
+                <a:latin typeface="华文楷体" panose="02010600040101010101" pitchFamily="2" charset="-122"/>
+                <a:ea typeface="华文楷体" panose="02010600040101010101" pitchFamily="2" charset="-122"/>
+              </a:rPr>
+              <a:t>模型更为重要！</a:t>
+            </a:r>
             <a:endParaRPr lang="en-US" altLang="zh-CN" sz="2800" dirty="0">
               <a:latin typeface="华文楷体" panose="02010600040101010101" pitchFamily="2" charset="-122"/>
               <a:ea typeface="华文楷体" panose="02010600040101010101" pitchFamily="2" charset="-122"/>
             </a:endParaRPr>
           </a:p>
-          <a:p>
-            <a:pPr marL="457200" indent="-457200">
-              <a:lnSpc>
-                <a:spcPct val="150000"/>
-              </a:lnSpc>
-              <a:buClr>
-                <a:srgbClr val="C55A11"/>
-              </a:buClr>
-              <a:buFont typeface="Wingdings" panose="05000000000000000000" pitchFamily="2" charset="2"/>
-              <a:buChar char="Ø"/>
-            </a:pPr>
-            <a:endParaRPr lang="en-US" altLang="zh-CN" sz="2800" dirty="0">
-              <a:latin typeface="华文楷体" panose="02010600040101010101" pitchFamily="2" charset="-122"/>
-              <a:ea typeface="华文楷体" panose="02010600040101010101" pitchFamily="2" charset="-122"/>
-            </a:endParaRPr>
-          </a:p>
-          <a:p>
-            <a:pPr marL="457200" indent="-457200">
-              <a:lnSpc>
-                <a:spcPct val="150000"/>
-              </a:lnSpc>
-              <a:buClr>
-                <a:srgbClr val="C55A11"/>
-              </a:buClr>
-              <a:buFont typeface="Wingdings" panose="05000000000000000000" pitchFamily="2" charset="2"/>
-              <a:buChar char="Ø"/>
-            </a:pPr>
-            <a:endParaRPr lang="en-US" altLang="zh-CN" sz="2800" dirty="0">
-              <a:latin typeface="华文楷体" panose="02010600040101010101" pitchFamily="2" charset="-122"/>
-              <a:ea typeface="华文楷体" panose="02010600040101010101" pitchFamily="2" charset="-122"/>
-            </a:endParaRPr>
-          </a:p>
-          <a:p>
-            <a:pPr marL="457200" indent="-457200">
-              <a:lnSpc>
-                <a:spcPct val="150000"/>
-              </a:lnSpc>
-              <a:buClr>
-                <a:srgbClr val="C55A11"/>
-              </a:buClr>
-              <a:buFont typeface="Wingdings" panose="05000000000000000000" pitchFamily="2" charset="2"/>
-              <a:buChar char="Ø"/>
-            </a:pPr>
-            <a:endParaRPr lang="en-US" altLang="zh-CN" sz="2800" dirty="0">
-              <a:latin typeface="华文楷体" panose="02010600040101010101" pitchFamily="2" charset="-122"/>
-              <a:ea typeface="华文楷体" panose="02010600040101010101" pitchFamily="2" charset="-122"/>
-            </a:endParaRPr>
-          </a:p>
-          <a:p>
-            <a:pPr marL="457200" indent="-457200">
-              <a:lnSpc>
-                <a:spcPct val="150000"/>
-              </a:lnSpc>
-              <a:buClr>
-                <a:srgbClr val="C55A11"/>
-              </a:buClr>
-              <a:buFont typeface="Wingdings" panose="05000000000000000000" pitchFamily="2" charset="2"/>
-              <a:buChar char="Ø"/>
-            </a:pPr>
-            <a:endParaRPr lang="en-US" altLang="zh-CN" sz="2800" dirty="0">
-              <a:latin typeface="华文楷体" panose="02010600040101010101" pitchFamily="2" charset="-122"/>
-              <a:ea typeface="华文楷体" panose="02010600040101010101" pitchFamily="2" charset="-122"/>
-            </a:endParaRPr>
-          </a:p>
-          <a:p>
-            <a:pPr marL="457200" indent="-457200">
-              <a:lnSpc>
-                <a:spcPct val="150000"/>
-              </a:lnSpc>
-              <a:buClr>
-                <a:srgbClr val="C55A11"/>
-              </a:buClr>
-              <a:buFont typeface="Wingdings" panose="05000000000000000000" pitchFamily="2" charset="2"/>
-              <a:buChar char="Ø"/>
-            </a:pPr>
-            <a:r>
-              <a:rPr lang="zh-CN" altLang="en-US" sz="2800" dirty="0">
-                <a:latin typeface="华文楷体" panose="02010600040101010101" pitchFamily="2" charset="-122"/>
-                <a:ea typeface="华文楷体" panose="02010600040101010101" pitchFamily="2" charset="-122"/>
-              </a:rPr>
-              <a:t>文本标注成本高，特定领域文本数据量有限，难以学习到好的表示</a:t>
-            </a:r>
-            <a:endParaRPr lang="en-US" altLang="zh-CN" sz="2800" dirty="0">
-              <a:latin typeface="华文楷体" panose="02010600040101010101" pitchFamily="2" charset="-122"/>
-              <a:ea typeface="华文楷体" panose="02010600040101010101" pitchFamily="2" charset="-122"/>
-            </a:endParaRPr>
-          </a:p>
-        </p:txBody>
-      </p:sp>
-      <p:sp>
-        <p:nvSpPr>
-          <p:cNvPr id="7" name="文本框 6">
+        </p:txBody>
+      </p:sp>
+      <p:pic>
+        <p:nvPicPr>
+          <p:cNvPr id="9" name="图片 8">
             <a:extLst>
               <a:ext uri="{FF2B5EF4-FFF2-40B4-BE49-F238E27FC236}">
-                <a16:creationId xmlns:a16="http://schemas.microsoft.com/office/drawing/2014/main" id="{78C355EE-AB49-47D5-B66F-1C8EABA0CB33}"/>
-              </a:ext>
-            </a:extLst>
-          </p:cNvPr>
-          <p:cNvSpPr txBox="1"/>
-          <p:nvPr/>
-        </p:nvSpPr>
-        <p:spPr>
-          <a:xfrm>
-            <a:off x="1609698" y="4484346"/>
-            <a:ext cx="1529586" cy="400110"/>
-          </a:xfrm>
-          <a:prstGeom prst="rect">
-            <a:avLst/>
-          </a:prstGeom>
-          <a:noFill/>
-        </p:spPr>
-        <p:txBody>
-          <a:bodyPr wrap="none" rtlCol="0">
-            <a:spAutoFit/>
-          </a:bodyPr>
-          <a:lstStyle/>
-          <a:p>
-            <a:r>
-              <a:rPr lang="en-US" altLang="zh-CN" sz="2000" dirty="0">
-                <a:latin typeface="华文楷体" panose="02010600040101010101" pitchFamily="2" charset="-122"/>
-                <a:ea typeface="华文楷体" panose="02010600040101010101" pitchFamily="2" charset="-122"/>
-              </a:rPr>
-              <a:t>(a) </a:t>
-            </a:r>
-            <a:r>
-              <a:rPr lang="zh-CN" altLang="en-US" sz="2000" dirty="0">
-                <a:latin typeface="华文楷体" panose="02010600040101010101" pitchFamily="2" charset="-122"/>
-                <a:ea typeface="华文楷体" panose="02010600040101010101" pitchFamily="2" charset="-122"/>
-              </a:rPr>
-              <a:t>图像数据</a:t>
-            </a:r>
-          </a:p>
-        </p:txBody>
-      </p:sp>
-      <p:pic>
-        <p:nvPicPr>
-          <p:cNvPr id="12" name="图片 11">
-            <a:extLst>
-              <a:ext uri="{FF2B5EF4-FFF2-40B4-BE49-F238E27FC236}">
-                <a16:creationId xmlns:a16="http://schemas.microsoft.com/office/drawing/2014/main" id="{3F01C11E-6DE0-4B5B-8E22-7F5F641A3906}"/>
-              </a:ext>
-            </a:extLst>
-          </p:cNvPr>
-          <p:cNvPicPr>
-            <a:picLocks noChangeAspect="1"/>
-          </p:cNvPicPr>
-          <p:nvPr/>
-        </p:nvPicPr>
-        <p:blipFill>
-          <a:blip r:embed="rId8" cstate="print">
-            <a:extLst>
-              <a:ext uri="{28A0092B-C50C-407E-A947-70E740481C1C}">
-                <a14:useLocalDpi xmlns:a14="http://schemas.microsoft.com/office/drawing/2010/main" val="0"/>
-              </a:ext>
-            </a:extLst>
-          </a:blip>
-          <a:stretch>
-            <a:fillRect/>
-          </a:stretch>
-        </p:blipFill>
-        <p:spPr>
-          <a:xfrm>
-            <a:off x="1328428" y="2268217"/>
-            <a:ext cx="2092126" cy="2006081"/>
-          </a:xfrm>
-          <a:prstGeom prst="rect">
-            <a:avLst/>
-          </a:prstGeom>
-        </p:spPr>
-      </p:pic>
-      <p:pic>
-        <p:nvPicPr>
-          <p:cNvPr id="21" name="图片 20">
-            <a:extLst>
-              <a:ext uri="{FF2B5EF4-FFF2-40B4-BE49-F238E27FC236}">
-                <a16:creationId xmlns:a16="http://schemas.microsoft.com/office/drawing/2014/main" id="{9CA8B495-3C82-4764-BC24-C46BEEEC2095}"/>
+                <a16:creationId xmlns:a16="http://schemas.microsoft.com/office/drawing/2014/main" id="{1EE1BD30-3C3D-412D-B976-1B04EEBC3124}"/>
               </a:ext>
             </a:extLst>
           </p:cNvPr>
@@ -8654,20 +8621,22 @@
           <p:nvPr/>
         </p:nvPicPr>
         <p:blipFill rotWithShape="1">
-          <a:blip r:embed="rId9" cstate="print">
-            <a:extLst>
-              <a:ext uri="{28A0092B-C50C-407E-A947-70E740481C1C}">
-                <a14:useLocalDpi xmlns:a14="http://schemas.microsoft.com/office/drawing/2010/main" val="0"/>
-              </a:ext>
-            </a:extLst>
+          <a:blip r:embed="rId8">
+            <a:duotone>
+              <a:schemeClr val="bg2">
+                <a:shade val="45000"/>
+                <a:satMod val="135000"/>
+              </a:schemeClr>
+              <a:prstClr val="white"/>
+            </a:duotone>
           </a:blip>
-          <a:srcRect t="10735" b="5509"/>
+          <a:srcRect t="-8375" r="69791"/>
           <a:stretch/>
         </p:blipFill>
         <p:spPr>
           <a:xfrm>
-            <a:off x="4717033" y="2215049"/>
-            <a:ext cx="2250435" cy="2090746"/>
+            <a:off x="9913955" y="4136066"/>
+            <a:ext cx="3769087" cy="3644263"/>
           </a:xfrm>
           <a:prstGeom prst="rect">
             <a:avLst/>
@@ -8676,186 +8645,59 @@
       </p:pic>
       <p:sp>
         <p:nvSpPr>
-          <p:cNvPr id="22" name="文本框 21">
+          <p:cNvPr id="8" name="矩形 7">
             <a:extLst>
               <a:ext uri="{FF2B5EF4-FFF2-40B4-BE49-F238E27FC236}">
-                <a16:creationId xmlns:a16="http://schemas.microsoft.com/office/drawing/2014/main" id="{A8C46ED5-BB1C-4F54-9B37-A740638F4A96}"/>
+                <a16:creationId xmlns:a16="http://schemas.microsoft.com/office/drawing/2014/main" id="{49A32B4E-678D-43FD-9CE2-483E4D4E6526}"/>
               </a:ext>
             </a:extLst>
           </p:cNvPr>
-          <p:cNvSpPr txBox="1"/>
+          <p:cNvSpPr/>
           <p:nvPr/>
         </p:nvSpPr>
         <p:spPr>
           <a:xfrm>
-            <a:off x="4833679" y="4484346"/>
-            <a:ext cx="1556836" cy="400110"/>
+            <a:off x="138546" y="6234533"/>
+            <a:ext cx="12053454" cy="369332"/>
           </a:xfrm>
           <a:prstGeom prst="rect">
             <a:avLst/>
           </a:prstGeom>
-          <a:noFill/>
-        </p:spPr>
-        <p:txBody>
-          <a:bodyPr wrap="none" rtlCol="0">
+        </p:spPr>
+        <p:txBody>
+          <a:bodyPr wrap="square">
             <a:spAutoFit/>
           </a:bodyPr>
           <a:lstStyle/>
           <a:p>
             <a:r>
-              <a:rPr lang="en-US" altLang="zh-CN" sz="2000" dirty="0">
-                <a:latin typeface="华文楷体" panose="02010600040101010101" pitchFamily="2" charset="-122"/>
-                <a:ea typeface="华文楷体" panose="02010600040101010101" pitchFamily="2" charset="-122"/>
-              </a:rPr>
-              <a:t>(b) </a:t>
-            </a:r>
-            <a:r>
-              <a:rPr lang="zh-CN" altLang="en-US" sz="2000" dirty="0">
-                <a:latin typeface="华文楷体" panose="02010600040101010101" pitchFamily="2" charset="-122"/>
-                <a:ea typeface="华文楷体" panose="02010600040101010101" pitchFamily="2" charset="-122"/>
-              </a:rPr>
-              <a:t>语音数据</a:t>
-            </a:r>
-          </a:p>
-        </p:txBody>
-      </p:sp>
-      <p:sp>
-        <p:nvSpPr>
-          <p:cNvPr id="23" name="文本框 22">
-            <a:extLst>
-              <a:ext uri="{FF2B5EF4-FFF2-40B4-BE49-F238E27FC236}">
-                <a16:creationId xmlns:a16="http://schemas.microsoft.com/office/drawing/2014/main" id="{CD749F53-5143-4177-8E88-5C603D8AD711}"/>
-              </a:ext>
-            </a:extLst>
-          </p:cNvPr>
-          <p:cNvSpPr txBox="1"/>
-          <p:nvPr/>
-        </p:nvSpPr>
-        <p:spPr>
-          <a:xfrm>
-            <a:off x="8084910" y="4484346"/>
-            <a:ext cx="1532792" cy="400110"/>
-          </a:xfrm>
-          <a:prstGeom prst="rect">
-            <a:avLst/>
-          </a:prstGeom>
-          <a:noFill/>
-        </p:spPr>
-        <p:txBody>
-          <a:bodyPr wrap="none" rtlCol="0">
-            <a:spAutoFit/>
-          </a:bodyPr>
-          <a:lstStyle/>
-          <a:p>
-            <a:r>
-              <a:rPr lang="en-US" altLang="zh-CN" sz="2000" dirty="0">
-                <a:latin typeface="华文楷体" panose="02010600040101010101" pitchFamily="2" charset="-122"/>
-                <a:ea typeface="华文楷体" panose="02010600040101010101" pitchFamily="2" charset="-122"/>
-              </a:rPr>
-              <a:t>(c) </a:t>
-            </a:r>
-            <a:r>
-              <a:rPr lang="zh-CN" altLang="en-US" sz="2000" dirty="0">
-                <a:latin typeface="华文楷体" panose="02010600040101010101" pitchFamily="2" charset="-122"/>
-                <a:ea typeface="华文楷体" panose="02010600040101010101" pitchFamily="2" charset="-122"/>
-              </a:rPr>
-              <a:t>文本数据</a:t>
-            </a:r>
-          </a:p>
-        </p:txBody>
-      </p:sp>
-      <p:sp>
-        <p:nvSpPr>
-          <p:cNvPr id="24" name="文本框 23">
-            <a:extLst>
-              <a:ext uri="{FF2B5EF4-FFF2-40B4-BE49-F238E27FC236}">
-                <a16:creationId xmlns:a16="http://schemas.microsoft.com/office/drawing/2014/main" id="{52334B5E-0709-4982-ACD1-06377F23437A}"/>
-              </a:ext>
-            </a:extLst>
-          </p:cNvPr>
-          <p:cNvSpPr txBox="1"/>
-          <p:nvPr/>
-        </p:nvSpPr>
-        <p:spPr>
-          <a:xfrm>
-            <a:off x="7243890" y="2174057"/>
-            <a:ext cx="3227465" cy="2239844"/>
-          </a:xfrm>
-          <a:prstGeom prst="rect">
-            <a:avLst/>
-          </a:prstGeom>
-          <a:noFill/>
-        </p:spPr>
-        <p:txBody>
-          <a:bodyPr wrap="square" rtlCol="0">
-            <a:spAutoFit/>
-          </a:bodyPr>
-          <a:lstStyle/>
-          <a:p>
-            <a:pPr algn="ctr">
-              <a:lnSpc>
-                <a:spcPct val="150000"/>
-              </a:lnSpc>
-            </a:pPr>
-            <a:r>
-              <a:rPr lang="zh-CN" altLang="en-US" sz="2400" dirty="0">
-                <a:latin typeface="宋体" panose="02010600030101010101" pitchFamily="2" charset="-122"/>
-                <a:ea typeface="宋体" panose="02010600030101010101" pitchFamily="2" charset="-122"/>
-              </a:rPr>
-              <a:t>我喜欢猫</a:t>
-            </a:r>
-            <a:endParaRPr lang="en-US" altLang="zh-CN" sz="2400" dirty="0">
-              <a:latin typeface="宋体" panose="02010600030101010101" pitchFamily="2" charset="-122"/>
-              <a:ea typeface="宋体" panose="02010600030101010101" pitchFamily="2" charset="-122"/>
-            </a:endParaRPr>
-          </a:p>
-          <a:p>
-            <a:pPr algn="ctr">
-              <a:lnSpc>
-                <a:spcPct val="150000"/>
-              </a:lnSpc>
-            </a:pPr>
-            <a:r>
-              <a:rPr lang="en-US" altLang="zh-CN" sz="2400" dirty="0">
-                <a:ea typeface="华文楷体" panose="02010600040101010101" pitchFamily="2" charset="-122"/>
-              </a:rPr>
-              <a:t>I love cat</a:t>
-            </a:r>
-          </a:p>
-          <a:p>
-            <a:pPr algn="ctr">
-              <a:lnSpc>
-                <a:spcPct val="150000"/>
-              </a:lnSpc>
-            </a:pPr>
-            <a:r>
-              <a:rPr lang="en-US" altLang="zh-CN" sz="2400" dirty="0">
-                <a:ea typeface="华文楷体" panose="02010600040101010101" pitchFamily="2" charset="-122"/>
-              </a:rPr>
-              <a:t>Amo el </a:t>
-            </a:r>
-            <a:r>
-              <a:rPr lang="en-US" altLang="zh-CN" sz="2400" dirty="0" err="1">
-                <a:ea typeface="华文楷体" panose="02010600040101010101" pitchFamily="2" charset="-122"/>
-              </a:rPr>
-              <a:t>gato</a:t>
-            </a:r>
-            <a:endParaRPr lang="en-US" altLang="zh-CN" sz="2400" dirty="0">
-              <a:ea typeface="华文楷体" panose="02010600040101010101" pitchFamily="2" charset="-122"/>
-            </a:endParaRPr>
-          </a:p>
-          <a:p>
-            <a:pPr algn="ctr">
-              <a:lnSpc>
-                <a:spcPct val="150000"/>
-              </a:lnSpc>
-            </a:pPr>
-            <a:r>
-              <a:rPr lang="ar-AE" altLang="zh-CN" sz="2400" dirty="0">
-                <a:ea typeface="华文楷体" panose="02010600040101010101" pitchFamily="2" charset="-122"/>
-              </a:rPr>
-              <a:t>أنا أحب القطط</a:t>
-            </a:r>
+              <a:rPr lang="en-US" altLang="zh-CN" dirty="0">
+                <a:solidFill>
+                  <a:srgbClr val="222222"/>
+                </a:solidFill>
+                <a:latin typeface="Arial" panose="020B0604020202020204" pitchFamily="34" charset="0"/>
+              </a:rPr>
+              <a:t>[2] Vaswani, Ashish, et al. "Attention is all you need." </a:t>
+            </a:r>
+            <a:r>
+              <a:rPr lang="en-US" altLang="zh-CN" i="1" dirty="0">
+                <a:solidFill>
+                  <a:srgbClr val="222222"/>
+                </a:solidFill>
+                <a:latin typeface="Arial" panose="020B0604020202020204" pitchFamily="34" charset="0"/>
+              </a:rPr>
+              <a:t>Advances in neural information processing systems</a:t>
+            </a:r>
+            <a:r>
+              <a:rPr lang="en-US" altLang="zh-CN" dirty="0">
+                <a:solidFill>
+                  <a:srgbClr val="222222"/>
+                </a:solidFill>
+                <a:latin typeface="Arial" panose="020B0604020202020204" pitchFamily="34" charset="0"/>
+              </a:rPr>
+              <a:t>. 2017.</a:t>
+            </a:r>
+            <a:endParaRPr lang="zh-CN" altLang="en-US" dirty="0"/>
           </a:p>
         </p:txBody>
       </p:sp>
@@ -8865,7 +8707,7 @@
     </p:custDataLst>
     <p:extLst>
       <p:ext uri="{BB962C8B-B14F-4D97-AF65-F5344CB8AC3E}">
-        <p14:creationId xmlns:p14="http://schemas.microsoft.com/office/powerpoint/2010/main" val="979580877"/>
+        <p14:creationId xmlns:p14="http://schemas.microsoft.com/office/powerpoint/2010/main" val="2668292852"/>
       </p:ext>
     </p:extLst>
   </p:cSld>
@@ -9112,51 +8954,776 @@
           <a:lstStyle/>
           <a:p>
             <a:r>
+              <a:rPr lang="zh-CN" altLang="en-US" sz="3600" b="1">
+                <a:solidFill>
+                  <a:srgbClr val="C55A11"/>
+                </a:solidFill>
+                <a:latin typeface="华文楷体" panose="02010600040101010101" pitchFamily="2" charset="-122"/>
+                <a:ea typeface="华文楷体" panose="02010600040101010101" pitchFamily="2" charset="-122"/>
+              </a:rPr>
+              <a:t>自然语言处理（</a:t>
+            </a:r>
+            <a:r>
+              <a:rPr lang="en-US" altLang="zh-CN" sz="3600" b="1" dirty="0">
+                <a:solidFill>
+                  <a:srgbClr val="C55A11"/>
+                </a:solidFill>
+                <a:latin typeface="华文楷体" panose="02010600040101010101" pitchFamily="2" charset="-122"/>
+                <a:ea typeface="华文楷体" panose="02010600040101010101" pitchFamily="2" charset="-122"/>
+              </a:rPr>
+              <a:t>natural language processing, NLP</a:t>
+            </a:r>
+            <a:r>
               <a:rPr lang="zh-CN" altLang="en-US" sz="3600" b="1" dirty="0">
                 <a:solidFill>
-                  <a:schemeClr val="tx1">
-                    <a:lumMod val="75000"/>
-                    <a:lumOff val="25000"/>
-                  </a:schemeClr>
+                  <a:srgbClr val="C55A11"/>
                 </a:solidFill>
                 <a:latin typeface="华文楷体" panose="02010600040101010101" pitchFamily="2" charset="-122"/>
                 <a:ea typeface="华文楷体" panose="02010600040101010101" pitchFamily="2" charset="-122"/>
               </a:rPr>
-              <a:t>自然语言处理（</a:t>
-            </a:r>
-            <a:r>
-              <a:rPr lang="en-US" altLang="zh-CN" sz="3600" b="1" dirty="0">
-                <a:solidFill>
-                  <a:schemeClr val="tx1">
-                    <a:lumMod val="75000"/>
-                    <a:lumOff val="25000"/>
-                  </a:schemeClr>
-                </a:solidFill>
-                <a:latin typeface="华文楷体" panose="02010600040101010101" pitchFamily="2" charset="-122"/>
-                <a:ea typeface="华文楷体" panose="02010600040101010101" pitchFamily="2" charset="-122"/>
-              </a:rPr>
-              <a:t>natural language processing, NLP</a:t>
-            </a:r>
-            <a:r>
-              <a:rPr lang="zh-CN" altLang="en-US" sz="3600" b="1" dirty="0">
-                <a:solidFill>
-                  <a:schemeClr val="tx1">
-                    <a:lumMod val="75000"/>
-                    <a:lumOff val="25000"/>
-                  </a:schemeClr>
-                </a:solidFill>
-                <a:latin typeface="华文楷体" panose="02010600040101010101" pitchFamily="2" charset="-122"/>
-                <a:ea typeface="华文楷体" panose="02010600040101010101" pitchFamily="2" charset="-122"/>
-              </a:rPr>
               <a:t>）</a:t>
             </a:r>
-            <a:endParaRPr lang="zh-CN" altLang="en-US" sz="3600" b="1" dirty="0">
-              <a:solidFill>
+          </a:p>
+        </p:txBody>
+      </p:sp>
+      <p:sp>
+        <p:nvSpPr>
+          <p:cNvPr id="11" name="文本框 10">
+            <a:extLst>
+              <a:ext uri="{FF2B5EF4-FFF2-40B4-BE49-F238E27FC236}">
+                <a16:creationId xmlns:a16="http://schemas.microsoft.com/office/drawing/2014/main" id="{874DB589-0FE3-4A09-B9B2-56DA89E5F330}"/>
+              </a:ext>
+            </a:extLst>
+          </p:cNvPr>
+          <p:cNvSpPr txBox="1"/>
+          <p:nvPr/>
+        </p:nvSpPr>
+        <p:spPr>
+          <a:xfrm>
+            <a:off x="181821" y="1287077"/>
+            <a:ext cx="11828358" cy="4555093"/>
+          </a:xfrm>
+          <a:prstGeom prst="rect">
+            <a:avLst/>
+          </a:prstGeom>
+          <a:noFill/>
+        </p:spPr>
+        <p:txBody>
+          <a:bodyPr wrap="square" rtlCol="0">
+            <a:spAutoFit/>
+          </a:bodyPr>
+          <a:lstStyle/>
+          <a:p>
+            <a:pPr marL="457200" indent="-457200">
+              <a:lnSpc>
+                <a:spcPct val="150000"/>
+              </a:lnSpc>
+              <a:buClr>
                 <a:srgbClr val="C55A11"/>
-              </a:solidFill>
+              </a:buClr>
+              <a:buFont typeface="Wingdings" panose="05000000000000000000" pitchFamily="2" charset="2"/>
+              <a:buChar char="Ø"/>
+            </a:pPr>
+            <a:r>
+              <a:rPr lang="zh-CN" altLang="en-US" sz="2800" dirty="0">
+                <a:latin typeface="华文楷体" panose="02010600040101010101" pitchFamily="2" charset="-122"/>
+                <a:ea typeface="华文楷体" panose="02010600040101010101" pitchFamily="2" charset="-122"/>
+              </a:rPr>
+              <a:t>文本是离散的符号，表示难度更大</a:t>
+            </a:r>
+            <a:endParaRPr lang="en-US" altLang="zh-CN" sz="2800" dirty="0">
               <a:latin typeface="华文楷体" panose="02010600040101010101" pitchFamily="2" charset="-122"/>
               <a:ea typeface="华文楷体" panose="02010600040101010101" pitchFamily="2" charset="-122"/>
             </a:endParaRPr>
+          </a:p>
+          <a:p>
+            <a:pPr marL="457200" indent="-457200">
+              <a:lnSpc>
+                <a:spcPct val="150000"/>
+              </a:lnSpc>
+              <a:buClr>
+                <a:srgbClr val="C55A11"/>
+              </a:buClr>
+              <a:buFont typeface="Wingdings" panose="05000000000000000000" pitchFamily="2" charset="2"/>
+              <a:buChar char="Ø"/>
+            </a:pPr>
+            <a:endParaRPr lang="en-US" altLang="zh-CN" sz="2800" dirty="0">
+              <a:latin typeface="华文楷体" panose="02010600040101010101" pitchFamily="2" charset="-122"/>
+              <a:ea typeface="华文楷体" panose="02010600040101010101" pitchFamily="2" charset="-122"/>
+            </a:endParaRPr>
+          </a:p>
+          <a:p>
+            <a:pPr marL="457200" indent="-457200">
+              <a:lnSpc>
+                <a:spcPct val="150000"/>
+              </a:lnSpc>
+              <a:buClr>
+                <a:srgbClr val="C55A11"/>
+              </a:buClr>
+              <a:buFont typeface="Wingdings" panose="05000000000000000000" pitchFamily="2" charset="2"/>
+              <a:buChar char="Ø"/>
+            </a:pPr>
+            <a:endParaRPr lang="en-US" altLang="zh-CN" sz="2800" dirty="0">
+              <a:latin typeface="华文楷体" panose="02010600040101010101" pitchFamily="2" charset="-122"/>
+              <a:ea typeface="华文楷体" panose="02010600040101010101" pitchFamily="2" charset="-122"/>
+            </a:endParaRPr>
+          </a:p>
+          <a:p>
+            <a:pPr marL="457200" indent="-457200">
+              <a:lnSpc>
+                <a:spcPct val="150000"/>
+              </a:lnSpc>
+              <a:buClr>
+                <a:srgbClr val="C55A11"/>
+              </a:buClr>
+              <a:buFont typeface="Wingdings" panose="05000000000000000000" pitchFamily="2" charset="2"/>
+              <a:buChar char="Ø"/>
+            </a:pPr>
+            <a:endParaRPr lang="en-US" altLang="zh-CN" sz="2800" dirty="0">
+              <a:latin typeface="华文楷体" panose="02010600040101010101" pitchFamily="2" charset="-122"/>
+              <a:ea typeface="华文楷体" panose="02010600040101010101" pitchFamily="2" charset="-122"/>
+            </a:endParaRPr>
+          </a:p>
+          <a:p>
+            <a:pPr marL="457200" indent="-457200">
+              <a:lnSpc>
+                <a:spcPct val="150000"/>
+              </a:lnSpc>
+              <a:buClr>
+                <a:srgbClr val="C55A11"/>
+              </a:buClr>
+              <a:buFont typeface="Wingdings" panose="05000000000000000000" pitchFamily="2" charset="2"/>
+              <a:buChar char="Ø"/>
+            </a:pPr>
+            <a:endParaRPr lang="en-US" altLang="zh-CN" sz="2800" dirty="0">
+              <a:latin typeface="华文楷体" panose="02010600040101010101" pitchFamily="2" charset="-122"/>
+              <a:ea typeface="华文楷体" panose="02010600040101010101" pitchFamily="2" charset="-122"/>
+            </a:endParaRPr>
+          </a:p>
+          <a:p>
+            <a:pPr marL="457200" indent="-457200">
+              <a:lnSpc>
+                <a:spcPct val="150000"/>
+              </a:lnSpc>
+              <a:buClr>
+                <a:srgbClr val="C55A11"/>
+              </a:buClr>
+              <a:buFont typeface="Wingdings" panose="05000000000000000000" pitchFamily="2" charset="2"/>
+              <a:buChar char="Ø"/>
+            </a:pPr>
+            <a:endParaRPr lang="en-US" altLang="zh-CN" sz="2800" dirty="0">
+              <a:latin typeface="华文楷体" panose="02010600040101010101" pitchFamily="2" charset="-122"/>
+              <a:ea typeface="华文楷体" panose="02010600040101010101" pitchFamily="2" charset="-122"/>
+            </a:endParaRPr>
+          </a:p>
+          <a:p>
+            <a:pPr marL="457200" indent="-457200">
+              <a:lnSpc>
+                <a:spcPct val="150000"/>
+              </a:lnSpc>
+              <a:buClr>
+                <a:srgbClr val="C55A11"/>
+              </a:buClr>
+              <a:buFont typeface="Wingdings" panose="05000000000000000000" pitchFamily="2" charset="2"/>
+              <a:buChar char="Ø"/>
+            </a:pPr>
+            <a:r>
+              <a:rPr lang="zh-CN" altLang="en-US" sz="2800" dirty="0">
+                <a:latin typeface="华文楷体" panose="02010600040101010101" pitchFamily="2" charset="-122"/>
+                <a:ea typeface="华文楷体" panose="02010600040101010101" pitchFamily="2" charset="-122"/>
+              </a:rPr>
+              <a:t>文本标注成本高，特定领域文本数据量有限，难以学习到好的表示</a:t>
+            </a:r>
+            <a:endParaRPr lang="en-US" altLang="zh-CN" sz="2800" dirty="0">
+              <a:latin typeface="华文楷体" panose="02010600040101010101" pitchFamily="2" charset="-122"/>
+              <a:ea typeface="华文楷体" panose="02010600040101010101" pitchFamily="2" charset="-122"/>
+            </a:endParaRPr>
+          </a:p>
+        </p:txBody>
+      </p:sp>
+      <p:sp>
+        <p:nvSpPr>
+          <p:cNvPr id="7" name="文本框 6">
+            <a:extLst>
+              <a:ext uri="{FF2B5EF4-FFF2-40B4-BE49-F238E27FC236}">
+                <a16:creationId xmlns:a16="http://schemas.microsoft.com/office/drawing/2014/main" id="{78C355EE-AB49-47D5-B66F-1C8EABA0CB33}"/>
+              </a:ext>
+            </a:extLst>
+          </p:cNvPr>
+          <p:cNvSpPr txBox="1"/>
+          <p:nvPr/>
+        </p:nvSpPr>
+        <p:spPr>
+          <a:xfrm>
+            <a:off x="1609698" y="4484346"/>
+            <a:ext cx="1529586" cy="400110"/>
+          </a:xfrm>
+          <a:prstGeom prst="rect">
+            <a:avLst/>
+          </a:prstGeom>
+          <a:noFill/>
+        </p:spPr>
+        <p:txBody>
+          <a:bodyPr wrap="none" rtlCol="0">
+            <a:spAutoFit/>
+          </a:bodyPr>
+          <a:lstStyle/>
+          <a:p>
+            <a:r>
+              <a:rPr lang="en-US" altLang="zh-CN" sz="2000" dirty="0">
+                <a:latin typeface="华文楷体" panose="02010600040101010101" pitchFamily="2" charset="-122"/>
+                <a:ea typeface="华文楷体" panose="02010600040101010101" pitchFamily="2" charset="-122"/>
+              </a:rPr>
+              <a:t>(a) </a:t>
+            </a:r>
+            <a:r>
+              <a:rPr lang="zh-CN" altLang="en-US" sz="2000" dirty="0">
+                <a:latin typeface="华文楷体" panose="02010600040101010101" pitchFamily="2" charset="-122"/>
+                <a:ea typeface="华文楷体" panose="02010600040101010101" pitchFamily="2" charset="-122"/>
+              </a:rPr>
+              <a:t>图像数据</a:t>
+            </a:r>
+          </a:p>
+        </p:txBody>
+      </p:sp>
+      <p:pic>
+        <p:nvPicPr>
+          <p:cNvPr id="12" name="图片 11">
+            <a:extLst>
+              <a:ext uri="{FF2B5EF4-FFF2-40B4-BE49-F238E27FC236}">
+                <a16:creationId xmlns:a16="http://schemas.microsoft.com/office/drawing/2014/main" id="{3F01C11E-6DE0-4B5B-8E22-7F5F641A3906}"/>
+              </a:ext>
+            </a:extLst>
+          </p:cNvPr>
+          <p:cNvPicPr>
+            <a:picLocks noChangeAspect="1"/>
+          </p:cNvPicPr>
+          <p:nvPr/>
+        </p:nvPicPr>
+        <p:blipFill>
+          <a:blip r:embed="rId8" cstate="print">
+            <a:extLst>
+              <a:ext uri="{28A0092B-C50C-407E-A947-70E740481C1C}">
+                <a14:useLocalDpi xmlns:a14="http://schemas.microsoft.com/office/drawing/2010/main" val="0"/>
+              </a:ext>
+            </a:extLst>
+          </a:blip>
+          <a:stretch>
+            <a:fillRect/>
+          </a:stretch>
+        </p:blipFill>
+        <p:spPr>
+          <a:xfrm>
+            <a:off x="1328428" y="2268217"/>
+            <a:ext cx="2092126" cy="2006081"/>
+          </a:xfrm>
+          <a:prstGeom prst="rect">
+            <a:avLst/>
+          </a:prstGeom>
+        </p:spPr>
+      </p:pic>
+      <p:pic>
+        <p:nvPicPr>
+          <p:cNvPr id="21" name="图片 20">
+            <a:extLst>
+              <a:ext uri="{FF2B5EF4-FFF2-40B4-BE49-F238E27FC236}">
+                <a16:creationId xmlns:a16="http://schemas.microsoft.com/office/drawing/2014/main" id="{9CA8B495-3C82-4764-BC24-C46BEEEC2095}"/>
+              </a:ext>
+            </a:extLst>
+          </p:cNvPr>
+          <p:cNvPicPr>
+            <a:picLocks noChangeAspect="1"/>
+          </p:cNvPicPr>
+          <p:nvPr/>
+        </p:nvPicPr>
+        <p:blipFill rotWithShape="1">
+          <a:blip r:embed="rId9" cstate="print">
+            <a:extLst>
+              <a:ext uri="{28A0092B-C50C-407E-A947-70E740481C1C}">
+                <a14:useLocalDpi xmlns:a14="http://schemas.microsoft.com/office/drawing/2010/main" val="0"/>
+              </a:ext>
+            </a:extLst>
+          </a:blip>
+          <a:srcRect t="10735" b="5509"/>
+          <a:stretch/>
+        </p:blipFill>
+        <p:spPr>
+          <a:xfrm>
+            <a:off x="4717033" y="2215049"/>
+            <a:ext cx="2250435" cy="2090746"/>
+          </a:xfrm>
+          <a:prstGeom prst="rect">
+            <a:avLst/>
+          </a:prstGeom>
+        </p:spPr>
+      </p:pic>
+      <p:sp>
+        <p:nvSpPr>
+          <p:cNvPr id="22" name="文本框 21">
+            <a:extLst>
+              <a:ext uri="{FF2B5EF4-FFF2-40B4-BE49-F238E27FC236}">
+                <a16:creationId xmlns:a16="http://schemas.microsoft.com/office/drawing/2014/main" id="{A8C46ED5-BB1C-4F54-9B37-A740638F4A96}"/>
+              </a:ext>
+            </a:extLst>
+          </p:cNvPr>
+          <p:cNvSpPr txBox="1"/>
+          <p:nvPr/>
+        </p:nvSpPr>
+        <p:spPr>
+          <a:xfrm>
+            <a:off x="4833679" y="4484346"/>
+            <a:ext cx="1556836" cy="400110"/>
+          </a:xfrm>
+          <a:prstGeom prst="rect">
+            <a:avLst/>
+          </a:prstGeom>
+          <a:noFill/>
+        </p:spPr>
+        <p:txBody>
+          <a:bodyPr wrap="none" rtlCol="0">
+            <a:spAutoFit/>
+          </a:bodyPr>
+          <a:lstStyle/>
+          <a:p>
+            <a:r>
+              <a:rPr lang="en-US" altLang="zh-CN" sz="2000" dirty="0">
+                <a:latin typeface="华文楷体" panose="02010600040101010101" pitchFamily="2" charset="-122"/>
+                <a:ea typeface="华文楷体" panose="02010600040101010101" pitchFamily="2" charset="-122"/>
+              </a:rPr>
+              <a:t>(b) </a:t>
+            </a:r>
+            <a:r>
+              <a:rPr lang="zh-CN" altLang="en-US" sz="2000" dirty="0">
+                <a:latin typeface="华文楷体" panose="02010600040101010101" pitchFamily="2" charset="-122"/>
+                <a:ea typeface="华文楷体" panose="02010600040101010101" pitchFamily="2" charset="-122"/>
+              </a:rPr>
+              <a:t>语音数据</a:t>
+            </a:r>
+          </a:p>
+        </p:txBody>
+      </p:sp>
+      <p:sp>
+        <p:nvSpPr>
+          <p:cNvPr id="23" name="文本框 22">
+            <a:extLst>
+              <a:ext uri="{FF2B5EF4-FFF2-40B4-BE49-F238E27FC236}">
+                <a16:creationId xmlns:a16="http://schemas.microsoft.com/office/drawing/2014/main" id="{CD749F53-5143-4177-8E88-5C603D8AD711}"/>
+              </a:ext>
+            </a:extLst>
+          </p:cNvPr>
+          <p:cNvSpPr txBox="1"/>
+          <p:nvPr/>
+        </p:nvSpPr>
+        <p:spPr>
+          <a:xfrm>
+            <a:off x="8084910" y="4484346"/>
+            <a:ext cx="1532792" cy="400110"/>
+          </a:xfrm>
+          <a:prstGeom prst="rect">
+            <a:avLst/>
+          </a:prstGeom>
+          <a:noFill/>
+        </p:spPr>
+        <p:txBody>
+          <a:bodyPr wrap="none" rtlCol="0">
+            <a:spAutoFit/>
+          </a:bodyPr>
+          <a:lstStyle/>
+          <a:p>
+            <a:r>
+              <a:rPr lang="en-US" altLang="zh-CN" sz="2000" dirty="0">
+                <a:latin typeface="华文楷体" panose="02010600040101010101" pitchFamily="2" charset="-122"/>
+                <a:ea typeface="华文楷体" panose="02010600040101010101" pitchFamily="2" charset="-122"/>
+              </a:rPr>
+              <a:t>(c) </a:t>
+            </a:r>
+            <a:r>
+              <a:rPr lang="zh-CN" altLang="en-US" sz="2000" dirty="0">
+                <a:latin typeface="华文楷体" panose="02010600040101010101" pitchFamily="2" charset="-122"/>
+                <a:ea typeface="华文楷体" panose="02010600040101010101" pitchFamily="2" charset="-122"/>
+              </a:rPr>
+              <a:t>文本数据</a:t>
+            </a:r>
+          </a:p>
+        </p:txBody>
+      </p:sp>
+      <p:sp>
+        <p:nvSpPr>
+          <p:cNvPr id="24" name="文本框 23">
+            <a:extLst>
+              <a:ext uri="{FF2B5EF4-FFF2-40B4-BE49-F238E27FC236}">
+                <a16:creationId xmlns:a16="http://schemas.microsoft.com/office/drawing/2014/main" id="{52334B5E-0709-4982-ACD1-06377F23437A}"/>
+              </a:ext>
+            </a:extLst>
+          </p:cNvPr>
+          <p:cNvSpPr txBox="1"/>
+          <p:nvPr/>
+        </p:nvSpPr>
+        <p:spPr>
+          <a:xfrm>
+            <a:off x="7243890" y="2174057"/>
+            <a:ext cx="3227465" cy="2239844"/>
+          </a:xfrm>
+          <a:prstGeom prst="rect">
+            <a:avLst/>
+          </a:prstGeom>
+          <a:noFill/>
+        </p:spPr>
+        <p:txBody>
+          <a:bodyPr wrap="square" rtlCol="0">
+            <a:spAutoFit/>
+          </a:bodyPr>
+          <a:lstStyle/>
+          <a:p>
+            <a:pPr algn="ctr">
+              <a:lnSpc>
+                <a:spcPct val="150000"/>
+              </a:lnSpc>
+            </a:pPr>
+            <a:r>
+              <a:rPr lang="zh-CN" altLang="en-US" sz="2400" dirty="0">
+                <a:latin typeface="宋体" panose="02010600030101010101" pitchFamily="2" charset="-122"/>
+                <a:ea typeface="宋体" panose="02010600030101010101" pitchFamily="2" charset="-122"/>
+              </a:rPr>
+              <a:t>我喜欢猫</a:t>
+            </a:r>
+            <a:endParaRPr lang="en-US" altLang="zh-CN" sz="2400" dirty="0">
+              <a:latin typeface="宋体" panose="02010600030101010101" pitchFamily="2" charset="-122"/>
+              <a:ea typeface="宋体" panose="02010600030101010101" pitchFamily="2" charset="-122"/>
+            </a:endParaRPr>
+          </a:p>
+          <a:p>
+            <a:pPr algn="ctr">
+              <a:lnSpc>
+                <a:spcPct val="150000"/>
+              </a:lnSpc>
+            </a:pPr>
+            <a:r>
+              <a:rPr lang="en-US" altLang="zh-CN" sz="2400" dirty="0">
+                <a:ea typeface="华文楷体" panose="02010600040101010101" pitchFamily="2" charset="-122"/>
+              </a:rPr>
+              <a:t>I love cat</a:t>
+            </a:r>
+          </a:p>
+          <a:p>
+            <a:pPr algn="ctr">
+              <a:lnSpc>
+                <a:spcPct val="150000"/>
+              </a:lnSpc>
+            </a:pPr>
+            <a:r>
+              <a:rPr lang="en-US" altLang="zh-CN" sz="2400" dirty="0">
+                <a:ea typeface="华文楷体" panose="02010600040101010101" pitchFamily="2" charset="-122"/>
+              </a:rPr>
+              <a:t>Amo el </a:t>
+            </a:r>
+            <a:r>
+              <a:rPr lang="en-US" altLang="zh-CN" sz="2400" dirty="0" err="1">
+                <a:ea typeface="华文楷体" panose="02010600040101010101" pitchFamily="2" charset="-122"/>
+              </a:rPr>
+              <a:t>gato</a:t>
+            </a:r>
+            <a:endParaRPr lang="en-US" altLang="zh-CN" sz="2400" dirty="0">
+              <a:ea typeface="华文楷体" panose="02010600040101010101" pitchFamily="2" charset="-122"/>
+            </a:endParaRPr>
+          </a:p>
+          <a:p>
+            <a:pPr algn="ctr">
+              <a:lnSpc>
+                <a:spcPct val="150000"/>
+              </a:lnSpc>
+            </a:pPr>
+            <a:r>
+              <a:rPr lang="ar-AE" altLang="zh-CN" sz="2400" dirty="0">
+                <a:ea typeface="华文楷体" panose="02010600040101010101" pitchFamily="2" charset="-122"/>
+              </a:rPr>
+              <a:t>أنا أحب القطط</a:t>
+            </a:r>
+          </a:p>
+        </p:txBody>
+      </p:sp>
+    </p:spTree>
+    <p:custDataLst>
+      <p:tags r:id="rId1"/>
+    </p:custDataLst>
+    <p:extLst>
+      <p:ext uri="{BB962C8B-B14F-4D97-AF65-F5344CB8AC3E}">
+        <p14:creationId xmlns:p14="http://schemas.microsoft.com/office/powerpoint/2010/main" val="979580877"/>
+      </p:ext>
+    </p:extLst>
+  </p:cSld>
+  <p:clrMapOvr>
+    <a:masterClrMapping/>
+  </p:clrMapOvr>
+  <mc:AlternateContent xmlns:mc="http://schemas.openxmlformats.org/markup-compatibility/2006" xmlns:p14="http://schemas.microsoft.com/office/powerpoint/2010/main">
+    <mc:Choice Requires="p14">
+      <p:transition spd="med" p14:dur="700" advTm="31146">
+        <p:fade/>
+      </p:transition>
+    </mc:Choice>
+    <mc:Fallback xmlns="">
+      <p:transition spd="med" advTm="31146">
+        <p:fade/>
+      </p:transition>
+    </mc:Fallback>
+  </mc:AlternateContent>
+</p:sld>
+</file>
+
+<file path=ppt/slides/slide14.xml><?xml version="1.0" encoding="utf-8"?>
+<p:sld xmlns:a="http://schemas.openxmlformats.org/drawingml/2006/main" xmlns:r="http://schemas.openxmlformats.org/officeDocument/2006/relationships" xmlns:p="http://schemas.openxmlformats.org/presentationml/2006/main">
+  <p:cSld>
+    <p:spTree>
+      <p:nvGrpSpPr>
+        <p:cNvPr id="1" name=""/>
+        <p:cNvGrpSpPr/>
+        <p:nvPr/>
+      </p:nvGrpSpPr>
+      <p:grpSpPr>
+        <a:xfrm>
+          <a:off x="0" y="0"/>
+          <a:ext cx="0" cy="0"/>
+          <a:chOff x="0" y="0"/>
+          <a:chExt cx="0" cy="0"/>
+        </a:xfrm>
+      </p:grpSpPr>
+      <p:sp>
+        <p:nvSpPr>
+          <p:cNvPr id="3" name="PA_矩形 2"/>
+          <p:cNvSpPr/>
+          <p:nvPr>
+            <p:custDataLst>
+              <p:tags r:id="rId2"/>
+            </p:custDataLst>
+          </p:nvPr>
+        </p:nvSpPr>
+        <p:spPr>
+          <a:xfrm>
+            <a:off x="0" y="1"/>
+            <a:ext cx="12192000" cy="45719"/>
+          </a:xfrm>
+          <a:prstGeom prst="rect">
+            <a:avLst/>
+          </a:prstGeom>
+          <a:solidFill>
+            <a:srgbClr val="C55A11"/>
+          </a:solidFill>
+          <a:ln>
+            <a:noFill/>
+          </a:ln>
+        </p:spPr>
+        <p:style>
+          <a:lnRef idx="2">
+            <a:schemeClr val="accent1">
+              <a:shade val="50000"/>
+            </a:schemeClr>
+          </a:lnRef>
+          <a:fillRef idx="1">
+            <a:schemeClr val="accent1"/>
+          </a:fillRef>
+          <a:effectRef idx="0">
+            <a:schemeClr val="accent1"/>
+          </a:effectRef>
+          <a:fontRef idx="minor">
+            <a:schemeClr val="lt1"/>
+          </a:fontRef>
+        </p:style>
+        <p:txBody>
+          <a:bodyPr rtlCol="0" anchor="ctr"/>
+          <a:lstStyle/>
+          <a:p>
+            <a:pPr algn="ctr"/>
+            <a:endParaRPr lang="zh-CN" altLang="en-US"/>
+          </a:p>
+        </p:txBody>
+      </p:sp>
+      <p:cxnSp>
+        <p:nvCxnSpPr>
+          <p:cNvPr id="6" name="PA_直接连接符 5"/>
+          <p:cNvCxnSpPr>
+            <a:cxnSpLocks/>
+          </p:cNvCxnSpPr>
+          <p:nvPr>
+            <p:custDataLst>
+              <p:tags r:id="rId3"/>
+            </p:custDataLst>
+          </p:nvPr>
+        </p:nvCxnSpPr>
+        <p:spPr>
+          <a:xfrm>
+            <a:off x="0" y="1201003"/>
+            <a:ext cx="12192000" cy="0"/>
+          </a:xfrm>
+          <a:prstGeom prst="line">
+            <a:avLst/>
+          </a:prstGeom>
+          <a:ln>
+            <a:solidFill>
+              <a:schemeClr val="tx1">
+                <a:lumMod val="50000"/>
+                <a:lumOff val="50000"/>
+              </a:schemeClr>
+            </a:solidFill>
+          </a:ln>
+        </p:spPr>
+        <p:style>
+          <a:lnRef idx="1">
+            <a:schemeClr val="accent1"/>
+          </a:lnRef>
+          <a:fillRef idx="0">
+            <a:schemeClr val="accent1"/>
+          </a:fillRef>
+          <a:effectRef idx="0">
+            <a:schemeClr val="accent1"/>
+          </a:effectRef>
+          <a:fontRef idx="minor">
+            <a:schemeClr val="tx1"/>
+          </a:fontRef>
+        </p:style>
+      </p:cxnSp>
+      <p:sp>
+        <p:nvSpPr>
+          <p:cNvPr id="10" name="PA_矩形 9"/>
+          <p:cNvSpPr/>
+          <p:nvPr>
+            <p:custDataLst>
+              <p:tags r:id="rId4"/>
+            </p:custDataLst>
+          </p:nvPr>
+        </p:nvSpPr>
+        <p:spPr>
+          <a:xfrm>
+            <a:off x="0" y="6713739"/>
+            <a:ext cx="12192000" cy="144261"/>
+          </a:xfrm>
+          <a:prstGeom prst="rect">
+            <a:avLst/>
+          </a:prstGeom>
+          <a:solidFill>
+            <a:srgbClr val="C55A11"/>
+          </a:solidFill>
+          <a:ln>
+            <a:noFill/>
+          </a:ln>
+        </p:spPr>
+        <p:style>
+          <a:lnRef idx="2">
+            <a:schemeClr val="accent1">
+              <a:shade val="50000"/>
+            </a:schemeClr>
+          </a:lnRef>
+          <a:fillRef idx="1">
+            <a:schemeClr val="accent1"/>
+          </a:fillRef>
+          <a:effectRef idx="0">
+            <a:schemeClr val="accent1"/>
+          </a:effectRef>
+          <a:fontRef idx="minor">
+            <a:schemeClr val="lt1"/>
+          </a:fontRef>
+        </p:style>
+        <p:txBody>
+          <a:bodyPr rtlCol="0" anchor="ctr"/>
+          <a:lstStyle/>
+          <a:p>
+            <a:pPr algn="ctr"/>
+            <a:endParaRPr lang="zh-CN" altLang="en-US"/>
+          </a:p>
+        </p:txBody>
+      </p:sp>
+      <p:pic>
+        <p:nvPicPr>
+          <p:cNvPr id="5" name="图片 4">
+            <a:extLst>
+              <a:ext uri="{FF2B5EF4-FFF2-40B4-BE49-F238E27FC236}">
+                <a16:creationId xmlns:a16="http://schemas.microsoft.com/office/drawing/2014/main" id="{331F8B9E-44A9-48A8-A615-661C088C7B35}"/>
+              </a:ext>
+            </a:extLst>
+          </p:cNvPr>
+          <p:cNvPicPr>
+            <a:picLocks noChangeAspect="1"/>
+          </p:cNvPicPr>
+          <p:nvPr/>
+        </p:nvPicPr>
+        <p:blipFill>
+          <a:blip r:embed="rId7" cstate="print">
+            <a:extLst>
+              <a:ext uri="{28A0092B-C50C-407E-A947-70E740481C1C}">
+                <a14:useLocalDpi xmlns:a14="http://schemas.microsoft.com/office/drawing/2010/main" val="0"/>
+              </a:ext>
+            </a:extLst>
+          </a:blip>
+          <a:stretch>
+            <a:fillRect/>
+          </a:stretch>
+        </p:blipFill>
+        <p:spPr>
+          <a:xfrm>
+            <a:off x="11042374" y="139459"/>
+            <a:ext cx="967805" cy="967805"/>
+          </a:xfrm>
+          <a:prstGeom prst="rect">
+            <a:avLst/>
+          </a:prstGeom>
+        </p:spPr>
+      </p:pic>
+      <p:sp>
+        <p:nvSpPr>
+          <p:cNvPr id="13" name="矩形 12">
+            <a:extLst>
+              <a:ext uri="{FF2B5EF4-FFF2-40B4-BE49-F238E27FC236}">
+                <a16:creationId xmlns:a16="http://schemas.microsoft.com/office/drawing/2014/main" id="{2B277579-C26B-4516-B8AC-02305AA55F0F}"/>
+              </a:ext>
+            </a:extLst>
+          </p:cNvPr>
+          <p:cNvSpPr/>
+          <p:nvPr/>
+        </p:nvSpPr>
+        <p:spPr>
+          <a:xfrm>
+            <a:off x="181821" y="331578"/>
+            <a:ext cx="10860553" cy="646331"/>
+          </a:xfrm>
+          <a:prstGeom prst="rect">
+            <a:avLst/>
+          </a:prstGeom>
+        </p:spPr>
+        <p:txBody>
+          <a:bodyPr wrap="square">
+            <a:spAutoFit/>
+          </a:bodyPr>
+          <a:lstStyle/>
+          <a:p>
+            <a:r>
+              <a:rPr lang="zh-CN" altLang="en-US" sz="3600" b="1">
+                <a:solidFill>
+                  <a:srgbClr val="C55A11"/>
+                </a:solidFill>
+                <a:latin typeface="华文楷体" panose="02010600040101010101" pitchFamily="2" charset="-122"/>
+                <a:ea typeface="华文楷体" panose="02010600040101010101" pitchFamily="2" charset="-122"/>
+              </a:rPr>
+              <a:t>自然语言处理（</a:t>
+            </a:r>
+            <a:r>
+              <a:rPr lang="en-US" altLang="zh-CN" sz="3600" b="1" dirty="0">
+                <a:solidFill>
+                  <a:srgbClr val="C55A11"/>
+                </a:solidFill>
+                <a:latin typeface="华文楷体" panose="02010600040101010101" pitchFamily="2" charset="-122"/>
+                <a:ea typeface="华文楷体" panose="02010600040101010101" pitchFamily="2" charset="-122"/>
+              </a:rPr>
+              <a:t>natural language processing, NLP</a:t>
+            </a:r>
+            <a:r>
+              <a:rPr lang="zh-CN" altLang="en-US" sz="3600" b="1" dirty="0">
+                <a:solidFill>
+                  <a:srgbClr val="C55A11"/>
+                </a:solidFill>
+                <a:latin typeface="华文楷体" panose="02010600040101010101" pitchFamily="2" charset="-122"/>
+                <a:ea typeface="华文楷体" panose="02010600040101010101" pitchFamily="2" charset="-122"/>
+              </a:rPr>
+              <a:t>）</a:t>
+            </a:r>
           </a:p>
         </p:txBody>
       </p:sp>
@@ -9849,7 +10416,7 @@
 </p:sld>
 </file>
 
-<file path=ppt/slides/slide14.xml><?xml version="1.0" encoding="utf-8"?>
+<file path=ppt/slides/slide15.xml><?xml version="1.0" encoding="utf-8"?>
 <p:sld xmlns:a="http://schemas.openxmlformats.org/drawingml/2006/main" xmlns:r="http://schemas.openxmlformats.org/officeDocument/2006/relationships" xmlns:p="http://schemas.openxmlformats.org/presentationml/2006/main">
   <p:cSld>
     <p:spTree>
@@ -10074,51 +10641,35 @@
           <a:lstStyle/>
           <a:p>
             <a:r>
+              <a:rPr lang="zh-CN" altLang="en-US" sz="3600" b="1">
+                <a:solidFill>
+                  <a:srgbClr val="C55A11"/>
+                </a:solidFill>
+                <a:latin typeface="华文楷体" panose="02010600040101010101" pitchFamily="2" charset="-122"/>
+                <a:ea typeface="华文楷体" panose="02010600040101010101" pitchFamily="2" charset="-122"/>
+              </a:rPr>
+              <a:t>自然语言处理（</a:t>
+            </a:r>
+            <a:r>
+              <a:rPr lang="en-US" altLang="zh-CN" sz="3600" b="1" dirty="0">
+                <a:solidFill>
+                  <a:srgbClr val="C55A11"/>
+                </a:solidFill>
+                <a:latin typeface="华文楷体" panose="02010600040101010101" pitchFamily="2" charset="-122"/>
+                <a:ea typeface="华文楷体" panose="02010600040101010101" pitchFamily="2" charset="-122"/>
+              </a:rPr>
+              <a:t>natural language processing, NLP</a:t>
+            </a:r>
+            <a:r>
               <a:rPr lang="zh-CN" altLang="en-US" sz="3600" b="1" dirty="0">
                 <a:solidFill>
-                  <a:schemeClr val="tx1">
-                    <a:lumMod val="75000"/>
-                    <a:lumOff val="25000"/>
-                  </a:schemeClr>
+                  <a:srgbClr val="C55A11"/>
                 </a:solidFill>
                 <a:latin typeface="华文楷体" panose="02010600040101010101" pitchFamily="2" charset="-122"/>
                 <a:ea typeface="华文楷体" panose="02010600040101010101" pitchFamily="2" charset="-122"/>
               </a:rPr>
-              <a:t>自然语言处理（</a:t>
-            </a:r>
-            <a:r>
-              <a:rPr lang="en-US" altLang="zh-CN" sz="3600" b="1" dirty="0">
-                <a:solidFill>
-                  <a:schemeClr val="tx1">
-                    <a:lumMod val="75000"/>
-                    <a:lumOff val="25000"/>
-                  </a:schemeClr>
-                </a:solidFill>
-                <a:latin typeface="华文楷体" panose="02010600040101010101" pitchFamily="2" charset="-122"/>
-                <a:ea typeface="华文楷体" panose="02010600040101010101" pitchFamily="2" charset="-122"/>
-              </a:rPr>
-              <a:t>natural language processing, NLP</a:t>
-            </a:r>
-            <a:r>
-              <a:rPr lang="zh-CN" altLang="en-US" sz="3600" b="1" dirty="0">
-                <a:solidFill>
-                  <a:schemeClr val="tx1">
-                    <a:lumMod val="75000"/>
-                    <a:lumOff val="25000"/>
-                  </a:schemeClr>
-                </a:solidFill>
-                <a:latin typeface="华文楷体" panose="02010600040101010101" pitchFamily="2" charset="-122"/>
-                <a:ea typeface="华文楷体" panose="02010600040101010101" pitchFamily="2" charset="-122"/>
-              </a:rPr>
               <a:t>）</a:t>
             </a:r>
-            <a:endParaRPr lang="zh-CN" altLang="en-US" sz="3600" b="1" dirty="0">
-              <a:solidFill>
-                <a:srgbClr val="C55A11"/>
-              </a:solidFill>
-              <a:latin typeface="华文楷体" panose="02010600040101010101" pitchFamily="2" charset="-122"/>
-              <a:ea typeface="华文楷体" panose="02010600040101010101" pitchFamily="2" charset="-122"/>
-            </a:endParaRPr>
           </a:p>
         </p:txBody>
       </p:sp>
@@ -10490,6 +11041,43 @@
           </a:p>
         </p:txBody>
       </p:sp>
+      <p:pic>
+        <p:nvPicPr>
+          <p:cNvPr id="12" name="图片 11">
+            <a:extLst>
+              <a:ext uri="{FF2B5EF4-FFF2-40B4-BE49-F238E27FC236}">
+                <a16:creationId xmlns:a16="http://schemas.microsoft.com/office/drawing/2014/main" id="{F9643162-6109-4941-AFC1-57FF613A0688}"/>
+              </a:ext>
+            </a:extLst>
+          </p:cNvPr>
+          <p:cNvPicPr>
+            <a:picLocks noChangeAspect="1"/>
+          </p:cNvPicPr>
+          <p:nvPr/>
+        </p:nvPicPr>
+        <p:blipFill rotWithShape="1">
+          <a:blip r:embed="rId8">
+            <a:duotone>
+              <a:schemeClr val="bg2">
+                <a:shade val="45000"/>
+                <a:satMod val="135000"/>
+              </a:schemeClr>
+              <a:prstClr val="white"/>
+            </a:duotone>
+          </a:blip>
+          <a:srcRect t="-8375" r="69791"/>
+          <a:stretch/>
+        </p:blipFill>
+        <p:spPr>
+          <a:xfrm>
+            <a:off x="9913955" y="4136066"/>
+            <a:ext cx="3769087" cy="3644263"/>
+          </a:xfrm>
+          <a:prstGeom prst="rect">
+            <a:avLst/>
+          </a:prstGeom>
+        </p:spPr>
+      </p:pic>
     </p:spTree>
     <p:custDataLst>
       <p:tags r:id="rId1"/>
@@ -10716,7 +11304,7 @@
 </p:sld>
 </file>
 
-<file path=ppt/slides/slide15.xml><?xml version="1.0" encoding="utf-8"?>
+<file path=ppt/slides/slide16.xml><?xml version="1.0" encoding="utf-8"?>
 <p:sld xmlns:a="http://schemas.openxmlformats.org/drawingml/2006/main" xmlns:r="http://schemas.openxmlformats.org/officeDocument/2006/relationships" xmlns:p="http://schemas.openxmlformats.org/presentationml/2006/main">
   <p:cSld>
     <p:spTree>
@@ -11222,13 +11810,13 @@
   <p:clrMapOvr>
     <a:masterClrMapping/>
   </p:clrMapOvr>
-  <mc:AlternateContent xmlns:mc="http://schemas.openxmlformats.org/markup-compatibility/2006">
-    <mc:Choice xmlns:p15="http://schemas.microsoft.com/office/powerpoint/2012/main" Requires="p15">
+  <mc:AlternateContent xmlns:mc="http://schemas.openxmlformats.org/markup-compatibility/2006" xmlns:p15="http://schemas.microsoft.com/office/powerpoint/2012/main">
+    <mc:Choice Requires="p15">
       <p:transition xmlns:p14="http://schemas.microsoft.com/office/powerpoint/2010/main" spd="slow" p14:dur="1250" advTm="31146">
         <p15:prstTrans prst="peelOff"/>
       </p:transition>
     </mc:Choice>
-    <mc:Fallback>
+    <mc:Fallback xmlns="">
       <p:transition spd="slow" advTm="31146">
         <p:fade/>
       </p:transition>
@@ -11237,7 +11825,7 @@
 </p:sld>
 </file>
 
-<file path=ppt/slides/slide16.xml><?xml version="1.0" encoding="utf-8"?>
+<file path=ppt/slides/slide17.xml><?xml version="1.0" encoding="utf-8"?>
 <p:sld xmlns:a="http://schemas.openxmlformats.org/drawingml/2006/main" xmlns:r="http://schemas.openxmlformats.org/officeDocument/2006/relationships" xmlns:p="http://schemas.openxmlformats.org/presentationml/2006/main">
   <p:cSld>
     <p:spTree>
@@ -11464,23 +12052,27 @@
             <a:r>
               <a:rPr lang="zh-CN" altLang="en-US" sz="3600" b="1" dirty="0">
                 <a:solidFill>
-                  <a:schemeClr val="tx1">
-                    <a:lumMod val="75000"/>
-                    <a:lumOff val="25000"/>
-                  </a:schemeClr>
+                  <a:srgbClr val="C55A11"/>
                 </a:solidFill>
                 <a:latin typeface="华文楷体" panose="02010600040101010101" pitchFamily="2" charset="-122"/>
                 <a:ea typeface="华文楷体" panose="02010600040101010101" pitchFamily="2" charset="-122"/>
               </a:rPr>
-              <a:t>基于深度学习的自然语言处理（</a:t>
+              <a:t>基于深度学习的</a:t>
+            </a:r>
+            <a:r>
+              <a:rPr lang="zh-CN" altLang="en-US" sz="3600" b="1">
+                <a:solidFill>
+                  <a:srgbClr val="C55A11"/>
+                </a:solidFill>
+                <a:latin typeface="华文楷体" panose="02010600040101010101" pitchFamily="2" charset="-122"/>
+                <a:ea typeface="华文楷体" panose="02010600040101010101" pitchFamily="2" charset="-122"/>
+              </a:rPr>
+              <a:t>自然语言处理（</a:t>
             </a:r>
             <a:r>
               <a:rPr lang="en-US" altLang="zh-CN" sz="3600" b="1" dirty="0">
                 <a:solidFill>
-                  <a:schemeClr val="tx1">
-                    <a:lumMod val="75000"/>
-                    <a:lumOff val="25000"/>
-                  </a:schemeClr>
+                  <a:srgbClr val="C55A11"/>
                 </a:solidFill>
                 <a:latin typeface="华文楷体" panose="02010600040101010101" pitchFamily="2" charset="-122"/>
                 <a:ea typeface="华文楷体" panose="02010600040101010101" pitchFamily="2" charset="-122"/>
@@ -11490,23 +12082,13 @@
             <a:r>
               <a:rPr lang="zh-CN" altLang="en-US" sz="3600" b="1" dirty="0">
                 <a:solidFill>
-                  <a:schemeClr val="tx1">
-                    <a:lumMod val="75000"/>
-                    <a:lumOff val="25000"/>
-                  </a:schemeClr>
+                  <a:srgbClr val="C55A11"/>
                 </a:solidFill>
                 <a:latin typeface="华文楷体" panose="02010600040101010101" pitchFamily="2" charset="-122"/>
                 <a:ea typeface="华文楷体" panose="02010600040101010101" pitchFamily="2" charset="-122"/>
               </a:rPr>
               <a:t>）</a:t>
             </a:r>
-            <a:endParaRPr lang="zh-CN" altLang="en-US" sz="3600" b="1" dirty="0">
-              <a:solidFill>
-                <a:srgbClr val="C55A11"/>
-              </a:solidFill>
-              <a:latin typeface="华文楷体" panose="02010600040101010101" pitchFamily="2" charset="-122"/>
-              <a:ea typeface="华文楷体" panose="02010600040101010101" pitchFamily="2" charset="-122"/>
-            </a:endParaRPr>
           </a:p>
         </p:txBody>
       </p:sp>
@@ -11701,6 +12283,43 @@
           </a:p>
         </p:txBody>
       </p:sp>
+      <p:pic>
+        <p:nvPicPr>
+          <p:cNvPr id="8" name="图片 7">
+            <a:extLst>
+              <a:ext uri="{FF2B5EF4-FFF2-40B4-BE49-F238E27FC236}">
+                <a16:creationId xmlns:a16="http://schemas.microsoft.com/office/drawing/2014/main" id="{2820FA3E-5F16-4843-91B7-DD4B830277FF}"/>
+              </a:ext>
+            </a:extLst>
+          </p:cNvPr>
+          <p:cNvPicPr>
+            <a:picLocks noChangeAspect="1"/>
+          </p:cNvPicPr>
+          <p:nvPr/>
+        </p:nvPicPr>
+        <p:blipFill rotWithShape="1">
+          <a:blip r:embed="rId8">
+            <a:duotone>
+              <a:schemeClr val="bg2">
+                <a:shade val="45000"/>
+                <a:satMod val="135000"/>
+              </a:schemeClr>
+              <a:prstClr val="white"/>
+            </a:duotone>
+          </a:blip>
+          <a:srcRect t="-8375" r="69791"/>
+          <a:stretch/>
+        </p:blipFill>
+        <p:spPr>
+          <a:xfrm>
+            <a:off x="9913955" y="4136066"/>
+            <a:ext cx="3769087" cy="3644263"/>
+          </a:xfrm>
+          <a:prstGeom prst="rect">
+            <a:avLst/>
+          </a:prstGeom>
+        </p:spPr>
+      </p:pic>
     </p:spTree>
     <p:custDataLst>
       <p:tags r:id="rId1"/>
@@ -11729,7 +12348,7 @@
 </p:sld>
 </file>
 
-<file path=ppt/slides/slide17.xml><?xml version="1.0" encoding="utf-8"?>
+<file path=ppt/slides/slide18.xml><?xml version="1.0" encoding="utf-8"?>
 <p:sld xmlns:a="http://schemas.openxmlformats.org/drawingml/2006/main" xmlns:r="http://schemas.openxmlformats.org/officeDocument/2006/relationships" xmlns:p="http://schemas.openxmlformats.org/presentationml/2006/main">
   <p:cSld>
     <p:spTree>
@@ -11956,23 +12575,27 @@
             <a:r>
               <a:rPr lang="zh-CN" altLang="en-US" sz="3600" b="1" dirty="0">
                 <a:solidFill>
-                  <a:schemeClr val="tx1">
-                    <a:lumMod val="75000"/>
-                    <a:lumOff val="25000"/>
-                  </a:schemeClr>
+                  <a:srgbClr val="C55A11"/>
                 </a:solidFill>
                 <a:latin typeface="华文楷体" panose="02010600040101010101" pitchFamily="2" charset="-122"/>
                 <a:ea typeface="华文楷体" panose="02010600040101010101" pitchFamily="2" charset="-122"/>
               </a:rPr>
-              <a:t>自然语言处理中的多任务学习（</a:t>
+              <a:t>自然语言处理中的多任务</a:t>
+            </a:r>
+            <a:r>
+              <a:rPr lang="zh-CN" altLang="en-US" sz="3600" b="1">
+                <a:solidFill>
+                  <a:srgbClr val="C55A11"/>
+                </a:solidFill>
+                <a:latin typeface="华文楷体" panose="02010600040101010101" pitchFamily="2" charset="-122"/>
+                <a:ea typeface="华文楷体" panose="02010600040101010101" pitchFamily="2" charset="-122"/>
+              </a:rPr>
+              <a:t>学习（</a:t>
             </a:r>
             <a:r>
               <a:rPr lang="en-US" altLang="zh-CN" sz="3600" b="1" dirty="0">
                 <a:solidFill>
-                  <a:schemeClr val="tx1">
-                    <a:lumMod val="75000"/>
-                    <a:lumOff val="25000"/>
-                  </a:schemeClr>
+                  <a:srgbClr val="C55A11"/>
                 </a:solidFill>
                 <a:latin typeface="华文楷体" panose="02010600040101010101" pitchFamily="2" charset="-122"/>
                 <a:ea typeface="华文楷体" panose="02010600040101010101" pitchFamily="2" charset="-122"/>
@@ -11982,23 +12605,13 @@
             <a:r>
               <a:rPr lang="zh-CN" altLang="en-US" sz="3600" b="1" dirty="0">
                 <a:solidFill>
-                  <a:schemeClr val="tx1">
-                    <a:lumMod val="75000"/>
-                    <a:lumOff val="25000"/>
-                  </a:schemeClr>
+                  <a:srgbClr val="C55A11"/>
                 </a:solidFill>
                 <a:latin typeface="华文楷体" panose="02010600040101010101" pitchFamily="2" charset="-122"/>
                 <a:ea typeface="华文楷体" panose="02010600040101010101" pitchFamily="2" charset="-122"/>
               </a:rPr>
               <a:t>）</a:t>
             </a:r>
-            <a:endParaRPr lang="zh-CN" altLang="en-US" sz="3600" b="1" dirty="0">
-              <a:solidFill>
-                <a:srgbClr val="C55A11"/>
-              </a:solidFill>
-              <a:latin typeface="华文楷体" panose="02010600040101010101" pitchFamily="2" charset="-122"/>
-              <a:ea typeface="华文楷体" panose="02010600040101010101" pitchFamily="2" charset="-122"/>
-            </a:endParaRPr>
           </a:p>
         </p:txBody>
       </p:sp>
@@ -12017,7 +12630,7 @@
         <p:spPr>
           <a:xfrm>
             <a:off x="181821" y="1287077"/>
-            <a:ext cx="11828358" cy="4374724"/>
+            <a:ext cx="11828358" cy="4247317"/>
           </a:xfrm>
           <a:prstGeom prst="rect">
             <a:avLst/>
@@ -12113,7 +12726,13 @@
               <a:rPr lang="en-US" altLang="zh-CN" dirty="0">
                 <a:ea typeface="华文楷体" panose="02010600040101010101" pitchFamily="2" charset="-122"/>
               </a:rPr>
-              <a:t>Cross-stitch Networks for Multi-task Learning</a:t>
+              <a:t>Cross-stitch Networks for </a:t>
+            </a:r>
+            <a:r>
+              <a:rPr lang="en-US" altLang="zh-CN">
+                <a:ea typeface="华文楷体" panose="02010600040101010101" pitchFamily="2" charset="-122"/>
+              </a:rPr>
+              <a:t>Multi-task Learning</a:t>
             </a:r>
             <a:endParaRPr lang="en-US" altLang="zh-CN" sz="2800" dirty="0">
               <a:ea typeface="华文楷体" panose="02010600040101010101" pitchFamily="2" charset="-122"/>
@@ -12218,7 +12837,13 @@
               <a:rPr lang="en-US" altLang="zh-CN" dirty="0">
                 <a:ea typeface="华文楷体" panose="02010600040101010101" pitchFamily="2" charset="-122"/>
               </a:rPr>
-              <a:t>A Joint Many-Task Model: Growing a Neural Network for Multiple NLP Tasks</a:t>
+              <a:t>A Joint Many-Task Model: Growing a Neural Network for Multiple </a:t>
+            </a:r>
+            <a:r>
+              <a:rPr lang="en-US" altLang="zh-CN">
+                <a:ea typeface="华文楷体" panose="02010600040101010101" pitchFamily="2" charset="-122"/>
+              </a:rPr>
+              <a:t>NLP Tasks</a:t>
             </a:r>
             <a:endParaRPr lang="en-US" altLang="zh-CN" sz="2800" dirty="0">
               <a:ea typeface="华文楷体" panose="02010600040101010101" pitchFamily="2" charset="-122"/>
@@ -12396,6 +13021,43 @@
           </a:p>
         </p:txBody>
       </p:sp>
+      <p:pic>
+        <p:nvPicPr>
+          <p:cNvPr id="12" name="图片 11">
+            <a:extLst>
+              <a:ext uri="{FF2B5EF4-FFF2-40B4-BE49-F238E27FC236}">
+                <a16:creationId xmlns:a16="http://schemas.microsoft.com/office/drawing/2014/main" id="{287AA69F-1B45-4283-8B7B-020B27F7A8F9}"/>
+              </a:ext>
+            </a:extLst>
+          </p:cNvPr>
+          <p:cNvPicPr>
+            <a:picLocks noChangeAspect="1"/>
+          </p:cNvPicPr>
+          <p:nvPr/>
+        </p:nvPicPr>
+        <p:blipFill rotWithShape="1">
+          <a:blip r:embed="rId8">
+            <a:duotone>
+              <a:schemeClr val="bg2">
+                <a:shade val="45000"/>
+                <a:satMod val="135000"/>
+              </a:schemeClr>
+              <a:prstClr val="white"/>
+            </a:duotone>
+          </a:blip>
+          <a:srcRect t="-8375" r="69791"/>
+          <a:stretch/>
+        </p:blipFill>
+        <p:spPr>
+          <a:xfrm>
+            <a:off x="9913955" y="4136066"/>
+            <a:ext cx="3769087" cy="3644263"/>
+          </a:xfrm>
+          <a:prstGeom prst="rect">
+            <a:avLst/>
+          </a:prstGeom>
+        </p:spPr>
+      </p:pic>
     </p:spTree>
     <p:custDataLst>
       <p:tags r:id="rId1"/>
@@ -12622,7 +13284,7 @@
 </p:sld>
 </file>
 
-<file path=ppt/slides/slide18.xml><?xml version="1.0" encoding="utf-8"?>
+<file path=ppt/slides/slide19.xml><?xml version="1.0" encoding="utf-8"?>
 <p:sld xmlns:a="http://schemas.openxmlformats.org/drawingml/2006/main" xmlns:r="http://schemas.openxmlformats.org/officeDocument/2006/relationships" xmlns:p="http://schemas.openxmlformats.org/presentationml/2006/main">
   <p:cSld>
     <p:spTree>
@@ -13173,13 +13835,13 @@
   <p:clrMapOvr>
     <a:masterClrMapping/>
   </p:clrMapOvr>
-  <mc:AlternateContent xmlns:mc="http://schemas.openxmlformats.org/markup-compatibility/2006">
-    <mc:Choice xmlns:p15="http://schemas.microsoft.com/office/powerpoint/2012/main" Requires="p15">
+  <mc:AlternateContent xmlns:mc="http://schemas.openxmlformats.org/markup-compatibility/2006" xmlns:p15="http://schemas.microsoft.com/office/powerpoint/2012/main">
+    <mc:Choice Requires="p15">
       <p:transition xmlns:p14="http://schemas.microsoft.com/office/powerpoint/2010/main" spd="slow" p14:dur="1250" advTm="31146">
         <p15:prstTrans prst="peelOff"/>
       </p:transition>
     </mc:Choice>
-    <mc:Fallback>
+    <mc:Fallback xmlns="">
       <p:transition spd="slow" advTm="31146">
         <p:fade/>
       </p:transition>
@@ -13188,7 +13850,7 @@
 </p:sld>
 </file>
 
-<file path=ppt/slides/slide19.xml><?xml version="1.0" encoding="utf-8"?>
+<file path=ppt/slides/slide2.xml><?xml version="1.0" encoding="utf-8"?>
 <p:sld xmlns:a="http://schemas.openxmlformats.org/drawingml/2006/main" xmlns:r="http://schemas.openxmlformats.org/officeDocument/2006/relationships" xmlns:p="http://schemas.openxmlformats.org/presentationml/2006/main">
   <p:cSld>
     <p:spTree>
@@ -13205,6 +13867,186 @@
           <a:chExt cx="0" cy="0"/>
         </a:xfrm>
       </p:grpSpPr>
+      <p:sp>
+        <p:nvSpPr>
+          <p:cNvPr id="12" name="矩形: 圆角 11">
+            <a:extLst>
+              <a:ext uri="{FF2B5EF4-FFF2-40B4-BE49-F238E27FC236}">
+                <a16:creationId xmlns:a16="http://schemas.microsoft.com/office/drawing/2014/main" id="{6876BC4C-50E2-4B97-8604-838C2856AD9E}"/>
+              </a:ext>
+            </a:extLst>
+          </p:cNvPr>
+          <p:cNvSpPr/>
+          <p:nvPr/>
+        </p:nvSpPr>
+        <p:spPr>
+          <a:xfrm>
+            <a:off x="1716711" y="3740170"/>
+            <a:ext cx="8247298" cy="720000"/>
+          </a:xfrm>
+          <a:prstGeom prst="roundRect">
+            <a:avLst/>
+          </a:prstGeom>
+          <a:solidFill>
+            <a:srgbClr val="C55A11">
+              <a:alpha val="75000"/>
+            </a:srgbClr>
+          </a:solidFill>
+          <a:ln>
+            <a:noFill/>
+          </a:ln>
+        </p:spPr>
+        <p:style>
+          <a:lnRef idx="2">
+            <a:schemeClr val="accent1">
+              <a:shade val="50000"/>
+            </a:schemeClr>
+          </a:lnRef>
+          <a:fillRef idx="1">
+            <a:schemeClr val="accent1"/>
+          </a:fillRef>
+          <a:effectRef idx="0">
+            <a:schemeClr val="accent1"/>
+          </a:effectRef>
+          <a:fontRef idx="minor">
+            <a:schemeClr val="lt1"/>
+          </a:fontRef>
+        </p:style>
+        <p:txBody>
+          <a:bodyPr rtlCol="0" anchor="ctr"/>
+          <a:lstStyle/>
+          <a:p>
+            <a:pPr algn="ctr"/>
+            <a:r>
+              <a:rPr lang="zh-CN" altLang="en-US" sz="2400" dirty="0">
+                <a:latin typeface="微软雅黑" panose="020B0503020204020204" pitchFamily="34" charset="-122"/>
+                <a:ea typeface="微软雅黑" panose="020B0503020204020204" pitchFamily="34" charset="-122"/>
+              </a:rPr>
+              <a:t>为什么要用多任务学习做文本表示？</a:t>
+            </a:r>
+          </a:p>
+        </p:txBody>
+      </p:sp>
+      <p:sp>
+        <p:nvSpPr>
+          <p:cNvPr id="14" name="矩形: 圆角 13">
+            <a:extLst>
+              <a:ext uri="{FF2B5EF4-FFF2-40B4-BE49-F238E27FC236}">
+                <a16:creationId xmlns:a16="http://schemas.microsoft.com/office/drawing/2014/main" id="{7269CA43-878C-4E48-A1BF-C96487772F01}"/>
+              </a:ext>
+            </a:extLst>
+          </p:cNvPr>
+          <p:cNvSpPr/>
+          <p:nvPr/>
+        </p:nvSpPr>
+        <p:spPr>
+          <a:xfrm>
+            <a:off x="1716711" y="4838455"/>
+            <a:ext cx="8247298" cy="720000"/>
+          </a:xfrm>
+          <a:prstGeom prst="roundRect">
+            <a:avLst/>
+          </a:prstGeom>
+          <a:solidFill>
+            <a:srgbClr val="C55A11">
+              <a:alpha val="75000"/>
+            </a:srgbClr>
+          </a:solidFill>
+          <a:ln>
+            <a:noFill/>
+          </a:ln>
+        </p:spPr>
+        <p:style>
+          <a:lnRef idx="2">
+            <a:schemeClr val="accent1">
+              <a:shade val="50000"/>
+            </a:schemeClr>
+          </a:lnRef>
+          <a:fillRef idx="1">
+            <a:schemeClr val="accent1"/>
+          </a:fillRef>
+          <a:effectRef idx="0">
+            <a:schemeClr val="accent1"/>
+          </a:effectRef>
+          <a:fontRef idx="minor">
+            <a:schemeClr val="lt1"/>
+          </a:fontRef>
+        </p:style>
+        <p:txBody>
+          <a:bodyPr rtlCol="0" anchor="ctr"/>
+          <a:lstStyle/>
+          <a:p>
+            <a:pPr algn="ctr"/>
+            <a:r>
+              <a:rPr lang="zh-CN" altLang="en-US" sz="2400" dirty="0">
+                <a:latin typeface="微软雅黑" panose="020B0503020204020204" pitchFamily="34" charset="-122"/>
+                <a:ea typeface="微软雅黑" panose="020B0503020204020204" pitchFamily="34" charset="-122"/>
+              </a:rPr>
+              <a:t>如何用多任务学习做文本表示？</a:t>
+            </a:r>
+          </a:p>
+        </p:txBody>
+      </p:sp>
+      <p:sp>
+        <p:nvSpPr>
+          <p:cNvPr id="11" name="矩形: 圆角 10">
+            <a:extLst>
+              <a:ext uri="{FF2B5EF4-FFF2-40B4-BE49-F238E27FC236}">
+                <a16:creationId xmlns:a16="http://schemas.microsoft.com/office/drawing/2014/main" id="{F73C3990-E1D7-42C9-B9CB-B71397130AF3}"/>
+              </a:ext>
+            </a:extLst>
+          </p:cNvPr>
+          <p:cNvSpPr/>
+          <p:nvPr/>
+        </p:nvSpPr>
+        <p:spPr>
+          <a:xfrm>
+            <a:off x="1716710" y="2641885"/>
+            <a:ext cx="8247299" cy="720000"/>
+          </a:xfrm>
+          <a:prstGeom prst="roundRect">
+            <a:avLst/>
+          </a:prstGeom>
+          <a:solidFill>
+            <a:srgbClr val="C55A11">
+              <a:alpha val="75000"/>
+            </a:srgbClr>
+          </a:solidFill>
+          <a:ln>
+            <a:noFill/>
+          </a:ln>
+        </p:spPr>
+        <p:style>
+          <a:lnRef idx="2">
+            <a:schemeClr val="accent1">
+              <a:shade val="50000"/>
+            </a:schemeClr>
+          </a:lnRef>
+          <a:fillRef idx="1">
+            <a:schemeClr val="accent1"/>
+          </a:fillRef>
+          <a:effectRef idx="0">
+            <a:schemeClr val="accent1"/>
+          </a:effectRef>
+          <a:fontRef idx="minor">
+            <a:schemeClr val="lt1"/>
+          </a:fontRef>
+        </p:style>
+        <p:txBody>
+          <a:bodyPr rtlCol="0" anchor="ctr"/>
+          <a:lstStyle/>
+          <a:p>
+            <a:pPr algn="ctr"/>
+            <a:r>
+              <a:rPr lang="zh-CN" altLang="en-US" sz="2400" dirty="0">
+                <a:latin typeface="微软雅黑" panose="020B0503020204020204" pitchFamily="34" charset="-122"/>
+                <a:ea typeface="微软雅黑" panose="020B0503020204020204" pitchFamily="34" charset="-122"/>
+              </a:rPr>
+              <a:t>为什么要做文本表示？</a:t>
+            </a:r>
+          </a:p>
+        </p:txBody>
+      </p:sp>
       <p:sp>
         <p:nvSpPr>
           <p:cNvPr id="3" name="PA_矩形 2"/>
@@ -13400,7 +14242,7 @@
         <p:spPr>
           <a:xfrm>
             <a:off x="181821" y="331578"/>
-            <a:ext cx="10860553" cy="646331"/>
+            <a:ext cx="8461513" cy="646331"/>
           </a:xfrm>
           <a:prstGeom prst="rect">
             <a:avLst/>
@@ -13413,864 +14255,29 @@
           <a:lstStyle/>
           <a:p>
             <a:r>
+              <a:rPr lang="zh-CN" altLang="en-US" sz="3600" b="1" dirty="0">
+                <a:solidFill>
+                  <a:srgbClr val="C55A11"/>
+                </a:solidFill>
+                <a:latin typeface="华文楷体" panose="02010600040101010101" pitchFamily="2" charset="-122"/>
+                <a:ea typeface="华文楷体" panose="02010600040101010101" pitchFamily="2" charset="-122"/>
+              </a:rPr>
+              <a:t>几</a:t>
+            </a:r>
+            <a:r>
+              <a:rPr lang="zh-CN" altLang="en-US" sz="3600" b="1">
+                <a:solidFill>
+                  <a:srgbClr val="C55A11"/>
+                </a:solidFill>
+                <a:latin typeface="华文楷体" panose="02010600040101010101" pitchFamily="2" charset="-122"/>
+                <a:ea typeface="华文楷体" panose="02010600040101010101" pitchFamily="2" charset="-122"/>
+              </a:rPr>
+              <a:t>个问题</a:t>
+            </a:r>
+            <a:r>
               <a:rPr lang="en-US" altLang="zh-CN" sz="3600" b="1" dirty="0">
                 <a:solidFill>
-                  <a:schemeClr val="tx1">
-                    <a:lumMod val="75000"/>
-                    <a:lumOff val="25000"/>
-                  </a:schemeClr>
-                </a:solidFill>
-                <a:latin typeface="华文楷体" panose="02010600040101010101" pitchFamily="2" charset="-122"/>
-                <a:ea typeface="华文楷体" panose="02010600040101010101" pitchFamily="2" charset="-122"/>
-              </a:rPr>
-              <a:t>Transformer</a:t>
-            </a:r>
-            <a:endParaRPr lang="zh-CN" altLang="en-US" sz="3600" b="1" dirty="0">
-              <a:solidFill>
-                <a:srgbClr val="C55A11"/>
-              </a:solidFill>
-              <a:latin typeface="华文楷体" panose="02010600040101010101" pitchFamily="2" charset="-122"/>
-              <a:ea typeface="华文楷体" panose="02010600040101010101" pitchFamily="2" charset="-122"/>
-            </a:endParaRPr>
-          </a:p>
-        </p:txBody>
-      </p:sp>
-      <p:sp>
-        <p:nvSpPr>
-          <p:cNvPr id="12" name="矩形 11">
-            <a:extLst>
-              <a:ext uri="{FF2B5EF4-FFF2-40B4-BE49-F238E27FC236}">
-                <a16:creationId xmlns:a16="http://schemas.microsoft.com/office/drawing/2014/main" id="{980AEA6B-576A-4E93-ACF1-D74D082BFF25}"/>
-              </a:ext>
-            </a:extLst>
-          </p:cNvPr>
-          <p:cNvSpPr/>
-          <p:nvPr/>
-        </p:nvSpPr>
-        <p:spPr>
-          <a:xfrm>
-            <a:off x="138546" y="6234533"/>
-            <a:ext cx="11713258" cy="369332"/>
-          </a:xfrm>
-          <a:prstGeom prst="rect">
-            <a:avLst/>
-          </a:prstGeom>
-        </p:spPr>
-        <p:txBody>
-          <a:bodyPr wrap="square">
-            <a:spAutoFit/>
-          </a:bodyPr>
-          <a:lstStyle/>
-          <a:p>
-            <a:r>
-              <a:rPr lang="en-US" altLang="zh-CN" dirty="0">
-                <a:solidFill>
-                  <a:srgbClr val="222222"/>
-                </a:solidFill>
-                <a:latin typeface="Arial" panose="020B0604020202020204" pitchFamily="34" charset="0"/>
-              </a:rPr>
-              <a:t>[2] Vaswani, Ashish, et al. "Attention is all you need." </a:t>
-            </a:r>
-            <a:r>
-              <a:rPr lang="en-US" altLang="zh-CN" i="1" dirty="0">
-                <a:solidFill>
-                  <a:srgbClr val="222222"/>
-                </a:solidFill>
-                <a:latin typeface="Arial" panose="020B0604020202020204" pitchFamily="34" charset="0"/>
-              </a:rPr>
-              <a:t>Advances in neural information processing systems</a:t>
-            </a:r>
-            <a:r>
-              <a:rPr lang="en-US" altLang="zh-CN" dirty="0">
-                <a:solidFill>
-                  <a:srgbClr val="222222"/>
-                </a:solidFill>
-                <a:latin typeface="Arial" panose="020B0604020202020204" pitchFamily="34" charset="0"/>
-              </a:rPr>
-              <a:t>. 2017.</a:t>
-            </a:r>
-            <a:endParaRPr lang="zh-CN" altLang="en-US" dirty="0"/>
-          </a:p>
-        </p:txBody>
-      </p:sp>
-      <p:pic>
-        <p:nvPicPr>
-          <p:cNvPr id="14" name="图片 13">
-            <a:extLst>
-              <a:ext uri="{FF2B5EF4-FFF2-40B4-BE49-F238E27FC236}">
-                <a16:creationId xmlns:a16="http://schemas.microsoft.com/office/drawing/2014/main" id="{CE47F335-0C74-415D-8D46-00C590D4D9CC}"/>
-              </a:ext>
-            </a:extLst>
-          </p:cNvPr>
-          <p:cNvPicPr>
-            <a:picLocks noChangeAspect="1"/>
-          </p:cNvPicPr>
-          <p:nvPr/>
-        </p:nvPicPr>
-        <p:blipFill rotWithShape="1">
-          <a:blip r:embed="rId8">
-            <a:extLst>
-              <a:ext uri="{28A0092B-C50C-407E-A947-70E740481C1C}">
-                <a14:useLocalDpi xmlns:a14="http://schemas.microsoft.com/office/drawing/2010/main" val="0"/>
-              </a:ext>
-            </a:extLst>
-          </a:blip>
-          <a:srcRect b="6943"/>
-          <a:stretch/>
-        </p:blipFill>
-        <p:spPr>
-          <a:xfrm>
-            <a:off x="6495252" y="213158"/>
-            <a:ext cx="4244009" cy="6021375"/>
-          </a:xfrm>
-          <a:prstGeom prst="rect">
-            <a:avLst/>
-          </a:prstGeom>
-        </p:spPr>
-      </p:pic>
-      <p:sp>
-        <p:nvSpPr>
-          <p:cNvPr id="15" name="文本框 14">
-            <a:extLst>
-              <a:ext uri="{FF2B5EF4-FFF2-40B4-BE49-F238E27FC236}">
-                <a16:creationId xmlns:a16="http://schemas.microsoft.com/office/drawing/2014/main" id="{85EEBECD-DD2A-475A-820B-97CE96F3190C}"/>
-              </a:ext>
-            </a:extLst>
-          </p:cNvPr>
-          <p:cNvSpPr txBox="1"/>
-          <p:nvPr/>
-        </p:nvSpPr>
-        <p:spPr>
-          <a:xfrm>
-            <a:off x="181821" y="1361362"/>
-            <a:ext cx="6313431" cy="523220"/>
-          </a:xfrm>
-          <a:prstGeom prst="rect">
-            <a:avLst/>
-          </a:prstGeom>
-          <a:noFill/>
-        </p:spPr>
-        <p:txBody>
-          <a:bodyPr wrap="square" rtlCol="0">
-            <a:spAutoFit/>
-          </a:bodyPr>
-          <a:lstStyle/>
-          <a:p>
-            <a:pPr marL="457200" indent="-457200">
-              <a:buClr>
-                <a:srgbClr val="C55A11"/>
-              </a:buClr>
-              <a:buFont typeface="Wingdings" panose="05000000000000000000" pitchFamily="2" charset="2"/>
-              <a:buChar char="Ø"/>
-            </a:pPr>
-            <a:r>
-              <a:rPr lang="zh-CN" altLang="en-US" sz="2800" dirty="0">
-                <a:latin typeface="华文楷体" panose="02010600040101010101" pitchFamily="2" charset="-122"/>
-                <a:ea typeface="华文楷体" panose="02010600040101010101" pitchFamily="2" charset="-122"/>
-              </a:rPr>
-              <a:t>自注意力</a:t>
-            </a:r>
-            <a:endParaRPr lang="en-US" altLang="zh-CN" sz="2800" dirty="0">
-              <a:latin typeface="华文楷体" panose="02010600040101010101" pitchFamily="2" charset="-122"/>
-              <a:ea typeface="华文楷体" panose="02010600040101010101" pitchFamily="2" charset="-122"/>
-            </a:endParaRPr>
-          </a:p>
-        </p:txBody>
-      </p:sp>
-      <p:pic>
-        <p:nvPicPr>
-          <p:cNvPr id="4" name="图片 3">
-            <a:extLst>
-              <a:ext uri="{FF2B5EF4-FFF2-40B4-BE49-F238E27FC236}">
-                <a16:creationId xmlns:a16="http://schemas.microsoft.com/office/drawing/2014/main" id="{691B261B-B825-4F74-8E04-D46FE66EB736}"/>
-              </a:ext>
-            </a:extLst>
-          </p:cNvPr>
-          <p:cNvPicPr>
-            <a:picLocks noChangeAspect="1"/>
-          </p:cNvPicPr>
-          <p:nvPr/>
-        </p:nvPicPr>
-        <p:blipFill>
-          <a:blip r:embed="rId9">
-            <a:extLst>
-              <a:ext uri="{28A0092B-C50C-407E-A947-70E740481C1C}">
-                <a14:useLocalDpi xmlns:a14="http://schemas.microsoft.com/office/drawing/2010/main" val="0"/>
-              </a:ext>
-            </a:extLst>
-          </a:blip>
-          <a:stretch>
-            <a:fillRect/>
-          </a:stretch>
-        </p:blipFill>
-        <p:spPr>
-          <a:xfrm>
-            <a:off x="1241230" y="1865085"/>
-            <a:ext cx="4514356" cy="908097"/>
-          </a:xfrm>
-          <a:prstGeom prst="rect">
-            <a:avLst/>
-          </a:prstGeom>
-        </p:spPr>
-      </p:pic>
-      <p:pic>
-        <p:nvPicPr>
-          <p:cNvPr id="16" name="图片 15">
-            <a:extLst>
-              <a:ext uri="{FF2B5EF4-FFF2-40B4-BE49-F238E27FC236}">
-                <a16:creationId xmlns:a16="http://schemas.microsoft.com/office/drawing/2014/main" id="{920A68D0-46B8-409E-B728-6DEFA6455744}"/>
-              </a:ext>
-            </a:extLst>
-          </p:cNvPr>
-          <p:cNvPicPr>
-            <a:picLocks noChangeAspect="1"/>
-          </p:cNvPicPr>
-          <p:nvPr/>
-        </p:nvPicPr>
-        <p:blipFill>
-          <a:blip r:embed="rId10">
-            <a:extLst>
-              <a:ext uri="{28A0092B-C50C-407E-A947-70E740481C1C}">
-                <a14:useLocalDpi xmlns:a14="http://schemas.microsoft.com/office/drawing/2010/main" val="0"/>
-              </a:ext>
-            </a:extLst>
-          </a:blip>
-          <a:stretch>
-            <a:fillRect/>
-          </a:stretch>
-        </p:blipFill>
-        <p:spPr>
-          <a:xfrm>
-            <a:off x="702024" y="3303815"/>
-            <a:ext cx="5895938" cy="681844"/>
-          </a:xfrm>
-          <a:prstGeom prst="rect">
-            <a:avLst/>
-          </a:prstGeom>
-        </p:spPr>
-      </p:pic>
-      <p:pic>
-        <p:nvPicPr>
-          <p:cNvPr id="18" name="图片 17">
-            <a:extLst>
-              <a:ext uri="{FF2B5EF4-FFF2-40B4-BE49-F238E27FC236}">
-                <a16:creationId xmlns:a16="http://schemas.microsoft.com/office/drawing/2014/main" id="{34EBCC12-8B8C-407B-8B00-3D765194ADA7}"/>
-              </a:ext>
-            </a:extLst>
-          </p:cNvPr>
-          <p:cNvPicPr>
-            <a:picLocks noChangeAspect="1"/>
-          </p:cNvPicPr>
-          <p:nvPr/>
-        </p:nvPicPr>
-        <p:blipFill>
-          <a:blip r:embed="rId11">
-            <a:extLst>
-              <a:ext uri="{28A0092B-C50C-407E-A947-70E740481C1C}">
-                <a14:useLocalDpi xmlns:a14="http://schemas.microsoft.com/office/drawing/2010/main" val="0"/>
-              </a:ext>
-            </a:extLst>
-          </a:blip>
-          <a:stretch>
-            <a:fillRect/>
-          </a:stretch>
-        </p:blipFill>
-        <p:spPr>
-          <a:xfrm>
-            <a:off x="903685" y="4013508"/>
-            <a:ext cx="4826428" cy="676666"/>
-          </a:xfrm>
-          <a:prstGeom prst="rect">
-            <a:avLst/>
-          </a:prstGeom>
-        </p:spPr>
-      </p:pic>
-      <p:pic>
-        <p:nvPicPr>
-          <p:cNvPr id="20" name="图片 19">
-            <a:extLst>
-              <a:ext uri="{FF2B5EF4-FFF2-40B4-BE49-F238E27FC236}">
-                <a16:creationId xmlns:a16="http://schemas.microsoft.com/office/drawing/2014/main" id="{04EF87BF-67DA-408F-B355-29A78C7E2B66}"/>
-              </a:ext>
-            </a:extLst>
-          </p:cNvPr>
-          <p:cNvPicPr>
-            <a:picLocks noChangeAspect="1"/>
-          </p:cNvPicPr>
-          <p:nvPr/>
-        </p:nvPicPr>
-        <p:blipFill>
-          <a:blip r:embed="rId12">
-            <a:extLst>
-              <a:ext uri="{28A0092B-C50C-407E-A947-70E740481C1C}">
-                <a14:useLocalDpi xmlns:a14="http://schemas.microsoft.com/office/drawing/2010/main" val="0"/>
-              </a:ext>
-            </a:extLst>
-          </a:blip>
-          <a:stretch>
-            <a:fillRect/>
-          </a:stretch>
-        </p:blipFill>
-        <p:spPr>
-          <a:xfrm>
-            <a:off x="987866" y="5413381"/>
-            <a:ext cx="4525673" cy="711278"/>
-          </a:xfrm>
-          <a:prstGeom prst="rect">
-            <a:avLst/>
-          </a:prstGeom>
-        </p:spPr>
-      </p:pic>
-      <p:sp>
-        <p:nvSpPr>
-          <p:cNvPr id="21" name="文本框 20">
-            <a:extLst>
-              <a:ext uri="{FF2B5EF4-FFF2-40B4-BE49-F238E27FC236}">
-                <a16:creationId xmlns:a16="http://schemas.microsoft.com/office/drawing/2014/main" id="{750F9417-877B-4403-B502-29B79E881D66}"/>
-              </a:ext>
-            </a:extLst>
-          </p:cNvPr>
-          <p:cNvSpPr txBox="1"/>
-          <p:nvPr/>
-        </p:nvSpPr>
-        <p:spPr>
-          <a:xfrm>
-            <a:off x="181821" y="2668638"/>
-            <a:ext cx="6313431" cy="523220"/>
-          </a:xfrm>
-          <a:prstGeom prst="rect">
-            <a:avLst/>
-          </a:prstGeom>
-          <a:noFill/>
-        </p:spPr>
-        <p:txBody>
-          <a:bodyPr wrap="square" rtlCol="0">
-            <a:spAutoFit/>
-          </a:bodyPr>
-          <a:lstStyle/>
-          <a:p>
-            <a:pPr marL="457200" indent="-457200">
-              <a:buClr>
-                <a:srgbClr val="C55A11"/>
-              </a:buClr>
-              <a:buFont typeface="Wingdings" panose="05000000000000000000" pitchFamily="2" charset="2"/>
-              <a:buChar char="Ø"/>
-            </a:pPr>
-            <a:r>
-              <a:rPr lang="zh-CN" altLang="en-US" sz="2800" dirty="0">
-                <a:latin typeface="华文楷体" panose="02010600040101010101" pitchFamily="2" charset="-122"/>
-                <a:ea typeface="华文楷体" panose="02010600040101010101" pitchFamily="2" charset="-122"/>
-              </a:rPr>
-              <a:t>多头自注意力</a:t>
-            </a:r>
-            <a:endParaRPr lang="en-US" altLang="zh-CN" sz="2800" dirty="0">
-              <a:latin typeface="华文楷体" panose="02010600040101010101" pitchFamily="2" charset="-122"/>
-              <a:ea typeface="华文楷体" panose="02010600040101010101" pitchFamily="2" charset="-122"/>
-            </a:endParaRPr>
-          </a:p>
-        </p:txBody>
-      </p:sp>
-      <p:sp>
-        <p:nvSpPr>
-          <p:cNvPr id="22" name="文本框 21">
-            <a:extLst>
-              <a:ext uri="{FF2B5EF4-FFF2-40B4-BE49-F238E27FC236}">
-                <a16:creationId xmlns:a16="http://schemas.microsoft.com/office/drawing/2014/main" id="{26FC7747-CF43-43F9-ACA1-A5C319BD84E7}"/>
-              </a:ext>
-            </a:extLst>
-          </p:cNvPr>
-          <p:cNvSpPr txBox="1"/>
-          <p:nvPr/>
-        </p:nvSpPr>
-        <p:spPr>
-          <a:xfrm>
-            <a:off x="181821" y="4775026"/>
-            <a:ext cx="6313431" cy="523220"/>
-          </a:xfrm>
-          <a:prstGeom prst="rect">
-            <a:avLst/>
-          </a:prstGeom>
-          <a:noFill/>
-        </p:spPr>
-        <p:txBody>
-          <a:bodyPr wrap="square" rtlCol="0">
-            <a:spAutoFit/>
-          </a:bodyPr>
-          <a:lstStyle/>
-          <a:p>
-            <a:pPr marL="457200" indent="-457200">
-              <a:buClr>
-                <a:srgbClr val="C55A11"/>
-              </a:buClr>
-              <a:buFont typeface="Wingdings" panose="05000000000000000000" pitchFamily="2" charset="2"/>
-              <a:buChar char="Ø"/>
-            </a:pPr>
-            <a:r>
-              <a:rPr lang="zh-CN" altLang="en-US" sz="2800" dirty="0">
-                <a:latin typeface="华文楷体" panose="02010600040101010101" pitchFamily="2" charset="-122"/>
-                <a:ea typeface="华文楷体" panose="02010600040101010101" pitchFamily="2" charset="-122"/>
-              </a:rPr>
-              <a:t>逐点前馈网络</a:t>
-            </a:r>
-            <a:endParaRPr lang="en-US" altLang="zh-CN" sz="2800" dirty="0">
-              <a:latin typeface="华文楷体" panose="02010600040101010101" pitchFamily="2" charset="-122"/>
-              <a:ea typeface="华文楷体" panose="02010600040101010101" pitchFamily="2" charset="-122"/>
-            </a:endParaRPr>
-          </a:p>
-        </p:txBody>
-      </p:sp>
-    </p:spTree>
-    <p:custDataLst>
-      <p:tags r:id="rId1"/>
-    </p:custDataLst>
-    <p:extLst>
-      <p:ext uri="{BB962C8B-B14F-4D97-AF65-F5344CB8AC3E}">
-        <p14:creationId xmlns:p14="http://schemas.microsoft.com/office/powerpoint/2010/main" val="2546496565"/>
-      </p:ext>
-    </p:extLst>
-  </p:cSld>
-  <p:clrMapOvr>
-    <a:masterClrMapping/>
-  </p:clrMapOvr>
-  <mc:AlternateContent xmlns:mc="http://schemas.openxmlformats.org/markup-compatibility/2006" xmlns:p14="http://schemas.microsoft.com/office/powerpoint/2010/main">
-    <mc:Choice Requires="p14">
-      <p:transition spd="med" p14:dur="700" advTm="31146">
-        <p:fade/>
-      </p:transition>
-    </mc:Choice>
-    <mc:Fallback xmlns="">
-      <p:transition spd="med" advTm="31146">
-        <p:fade/>
-      </p:transition>
-    </mc:Fallback>
-  </mc:AlternateContent>
-</p:sld>
-</file>
-
-<file path=ppt/slides/slide2.xml><?xml version="1.0" encoding="utf-8"?>
-<p:sld xmlns:a="http://schemas.openxmlformats.org/drawingml/2006/main" xmlns:r="http://schemas.openxmlformats.org/officeDocument/2006/relationships" xmlns:p="http://schemas.openxmlformats.org/presentationml/2006/main">
-  <p:cSld>
-    <p:spTree>
-      <p:nvGrpSpPr>
-        <p:cNvPr id="1" name=""/>
-        <p:cNvGrpSpPr/>
-        <p:nvPr/>
-      </p:nvGrpSpPr>
-      <p:grpSpPr>
-        <a:xfrm>
-          <a:off x="0" y="0"/>
-          <a:ext cx="0" cy="0"/>
-          <a:chOff x="0" y="0"/>
-          <a:chExt cx="0" cy="0"/>
-        </a:xfrm>
-      </p:grpSpPr>
-      <p:sp>
-        <p:nvSpPr>
-          <p:cNvPr id="12" name="矩形: 圆角 11">
-            <a:extLst>
-              <a:ext uri="{FF2B5EF4-FFF2-40B4-BE49-F238E27FC236}">
-                <a16:creationId xmlns:a16="http://schemas.microsoft.com/office/drawing/2014/main" id="{6876BC4C-50E2-4B97-8604-838C2856AD9E}"/>
-              </a:ext>
-            </a:extLst>
-          </p:cNvPr>
-          <p:cNvSpPr/>
-          <p:nvPr/>
-        </p:nvSpPr>
-        <p:spPr>
-          <a:xfrm>
-            <a:off x="1716711" y="3740170"/>
-            <a:ext cx="8247298" cy="720000"/>
-          </a:xfrm>
-          <a:prstGeom prst="roundRect">
-            <a:avLst/>
-          </a:prstGeom>
-          <a:solidFill>
-            <a:srgbClr val="C55A11">
-              <a:alpha val="75000"/>
-            </a:srgbClr>
-          </a:solidFill>
-          <a:ln>
-            <a:noFill/>
-          </a:ln>
-        </p:spPr>
-        <p:style>
-          <a:lnRef idx="2">
-            <a:schemeClr val="accent1">
-              <a:shade val="50000"/>
-            </a:schemeClr>
-          </a:lnRef>
-          <a:fillRef idx="1">
-            <a:schemeClr val="accent1"/>
-          </a:fillRef>
-          <a:effectRef idx="0">
-            <a:schemeClr val="accent1"/>
-          </a:effectRef>
-          <a:fontRef idx="minor">
-            <a:schemeClr val="lt1"/>
-          </a:fontRef>
-        </p:style>
-        <p:txBody>
-          <a:bodyPr rtlCol="0" anchor="ctr"/>
-          <a:lstStyle/>
-          <a:p>
-            <a:pPr algn="ctr"/>
-            <a:r>
-              <a:rPr lang="zh-CN" altLang="en-US" sz="2400" dirty="0">
-                <a:latin typeface="微软雅黑" panose="020B0503020204020204" pitchFamily="34" charset="-122"/>
-                <a:ea typeface="微软雅黑" panose="020B0503020204020204" pitchFamily="34" charset="-122"/>
-              </a:rPr>
-              <a:t>为什么要用多任务学习做文本表示？</a:t>
-            </a:r>
-          </a:p>
-        </p:txBody>
-      </p:sp>
-      <p:sp>
-        <p:nvSpPr>
-          <p:cNvPr id="14" name="矩形: 圆角 13">
-            <a:extLst>
-              <a:ext uri="{FF2B5EF4-FFF2-40B4-BE49-F238E27FC236}">
-                <a16:creationId xmlns:a16="http://schemas.microsoft.com/office/drawing/2014/main" id="{7269CA43-878C-4E48-A1BF-C96487772F01}"/>
-              </a:ext>
-            </a:extLst>
-          </p:cNvPr>
-          <p:cNvSpPr/>
-          <p:nvPr/>
-        </p:nvSpPr>
-        <p:spPr>
-          <a:xfrm>
-            <a:off x="1716711" y="4838455"/>
-            <a:ext cx="8247298" cy="720000"/>
-          </a:xfrm>
-          <a:prstGeom prst="roundRect">
-            <a:avLst/>
-          </a:prstGeom>
-          <a:solidFill>
-            <a:srgbClr val="C55A11">
-              <a:alpha val="75000"/>
-            </a:srgbClr>
-          </a:solidFill>
-          <a:ln>
-            <a:noFill/>
-          </a:ln>
-        </p:spPr>
-        <p:style>
-          <a:lnRef idx="2">
-            <a:schemeClr val="accent1">
-              <a:shade val="50000"/>
-            </a:schemeClr>
-          </a:lnRef>
-          <a:fillRef idx="1">
-            <a:schemeClr val="accent1"/>
-          </a:fillRef>
-          <a:effectRef idx="0">
-            <a:schemeClr val="accent1"/>
-          </a:effectRef>
-          <a:fontRef idx="minor">
-            <a:schemeClr val="lt1"/>
-          </a:fontRef>
-        </p:style>
-        <p:txBody>
-          <a:bodyPr rtlCol="0" anchor="ctr"/>
-          <a:lstStyle/>
-          <a:p>
-            <a:pPr algn="ctr"/>
-            <a:r>
-              <a:rPr lang="zh-CN" altLang="en-US" sz="2400" dirty="0">
-                <a:latin typeface="微软雅黑" panose="020B0503020204020204" pitchFamily="34" charset="-122"/>
-                <a:ea typeface="微软雅黑" panose="020B0503020204020204" pitchFamily="34" charset="-122"/>
-              </a:rPr>
-              <a:t>如何用多任务学习做文本表示？</a:t>
-            </a:r>
-          </a:p>
-        </p:txBody>
-      </p:sp>
-      <p:sp>
-        <p:nvSpPr>
-          <p:cNvPr id="11" name="矩形: 圆角 10">
-            <a:extLst>
-              <a:ext uri="{FF2B5EF4-FFF2-40B4-BE49-F238E27FC236}">
-                <a16:creationId xmlns:a16="http://schemas.microsoft.com/office/drawing/2014/main" id="{F73C3990-E1D7-42C9-B9CB-B71397130AF3}"/>
-              </a:ext>
-            </a:extLst>
-          </p:cNvPr>
-          <p:cNvSpPr/>
-          <p:nvPr/>
-        </p:nvSpPr>
-        <p:spPr>
-          <a:xfrm>
-            <a:off x="1716710" y="2641885"/>
-            <a:ext cx="8247299" cy="720000"/>
-          </a:xfrm>
-          <a:prstGeom prst="roundRect">
-            <a:avLst/>
-          </a:prstGeom>
-          <a:solidFill>
-            <a:srgbClr val="C55A11">
-              <a:alpha val="75000"/>
-            </a:srgbClr>
-          </a:solidFill>
-          <a:ln>
-            <a:noFill/>
-          </a:ln>
-        </p:spPr>
-        <p:style>
-          <a:lnRef idx="2">
-            <a:schemeClr val="accent1">
-              <a:shade val="50000"/>
-            </a:schemeClr>
-          </a:lnRef>
-          <a:fillRef idx="1">
-            <a:schemeClr val="accent1"/>
-          </a:fillRef>
-          <a:effectRef idx="0">
-            <a:schemeClr val="accent1"/>
-          </a:effectRef>
-          <a:fontRef idx="minor">
-            <a:schemeClr val="lt1"/>
-          </a:fontRef>
-        </p:style>
-        <p:txBody>
-          <a:bodyPr rtlCol="0" anchor="ctr"/>
-          <a:lstStyle/>
-          <a:p>
-            <a:pPr algn="ctr"/>
-            <a:r>
-              <a:rPr lang="zh-CN" altLang="en-US" sz="2400" dirty="0">
-                <a:latin typeface="微软雅黑" panose="020B0503020204020204" pitchFamily="34" charset="-122"/>
-                <a:ea typeface="微软雅黑" panose="020B0503020204020204" pitchFamily="34" charset="-122"/>
-              </a:rPr>
-              <a:t>为什么要做文本表示？</a:t>
-            </a:r>
-          </a:p>
-        </p:txBody>
-      </p:sp>
-      <p:sp>
-        <p:nvSpPr>
-          <p:cNvPr id="3" name="PA_矩形 2"/>
-          <p:cNvSpPr/>
-          <p:nvPr>
-            <p:custDataLst>
-              <p:tags r:id="rId2"/>
-            </p:custDataLst>
-          </p:nvPr>
-        </p:nvSpPr>
-        <p:spPr>
-          <a:xfrm>
-            <a:off x="0" y="1"/>
-            <a:ext cx="12192000" cy="45719"/>
-          </a:xfrm>
-          <a:prstGeom prst="rect">
-            <a:avLst/>
-          </a:prstGeom>
-          <a:solidFill>
-            <a:srgbClr val="C55A11"/>
-          </a:solidFill>
-          <a:ln>
-            <a:noFill/>
-          </a:ln>
-        </p:spPr>
-        <p:style>
-          <a:lnRef idx="2">
-            <a:schemeClr val="accent1">
-              <a:shade val="50000"/>
-            </a:schemeClr>
-          </a:lnRef>
-          <a:fillRef idx="1">
-            <a:schemeClr val="accent1"/>
-          </a:fillRef>
-          <a:effectRef idx="0">
-            <a:schemeClr val="accent1"/>
-          </a:effectRef>
-          <a:fontRef idx="minor">
-            <a:schemeClr val="lt1"/>
-          </a:fontRef>
-        </p:style>
-        <p:txBody>
-          <a:bodyPr rtlCol="0" anchor="ctr"/>
-          <a:lstStyle/>
-          <a:p>
-            <a:pPr algn="ctr"/>
-            <a:endParaRPr lang="zh-CN" altLang="en-US"/>
-          </a:p>
-        </p:txBody>
-      </p:sp>
-      <p:cxnSp>
-        <p:nvCxnSpPr>
-          <p:cNvPr id="6" name="PA_直接连接符 5"/>
-          <p:cNvCxnSpPr>
-            <a:cxnSpLocks/>
-          </p:cNvCxnSpPr>
-          <p:nvPr>
-            <p:custDataLst>
-              <p:tags r:id="rId3"/>
-            </p:custDataLst>
-          </p:nvPr>
-        </p:nvCxnSpPr>
-        <p:spPr>
-          <a:xfrm>
-            <a:off x="0" y="1201003"/>
-            <a:ext cx="12192000" cy="0"/>
-          </a:xfrm>
-          <a:prstGeom prst="line">
-            <a:avLst/>
-          </a:prstGeom>
-          <a:ln>
-            <a:solidFill>
-              <a:schemeClr val="tx1">
-                <a:lumMod val="50000"/>
-                <a:lumOff val="50000"/>
-              </a:schemeClr>
-            </a:solidFill>
-          </a:ln>
-        </p:spPr>
-        <p:style>
-          <a:lnRef idx="1">
-            <a:schemeClr val="accent1"/>
-          </a:lnRef>
-          <a:fillRef idx="0">
-            <a:schemeClr val="accent1"/>
-          </a:fillRef>
-          <a:effectRef idx="0">
-            <a:schemeClr val="accent1"/>
-          </a:effectRef>
-          <a:fontRef idx="minor">
-            <a:schemeClr val="tx1"/>
-          </a:fontRef>
-        </p:style>
-      </p:cxnSp>
-      <p:sp>
-        <p:nvSpPr>
-          <p:cNvPr id="10" name="PA_矩形 9"/>
-          <p:cNvSpPr/>
-          <p:nvPr>
-            <p:custDataLst>
-              <p:tags r:id="rId4"/>
-            </p:custDataLst>
-          </p:nvPr>
-        </p:nvSpPr>
-        <p:spPr>
-          <a:xfrm>
-            <a:off x="0" y="6713739"/>
-            <a:ext cx="12192000" cy="144261"/>
-          </a:xfrm>
-          <a:prstGeom prst="rect">
-            <a:avLst/>
-          </a:prstGeom>
-          <a:solidFill>
-            <a:srgbClr val="C55A11"/>
-          </a:solidFill>
-          <a:ln>
-            <a:noFill/>
-          </a:ln>
-        </p:spPr>
-        <p:style>
-          <a:lnRef idx="2">
-            <a:schemeClr val="accent1">
-              <a:shade val="50000"/>
-            </a:schemeClr>
-          </a:lnRef>
-          <a:fillRef idx="1">
-            <a:schemeClr val="accent1"/>
-          </a:fillRef>
-          <a:effectRef idx="0">
-            <a:schemeClr val="accent1"/>
-          </a:effectRef>
-          <a:fontRef idx="minor">
-            <a:schemeClr val="lt1"/>
-          </a:fontRef>
-        </p:style>
-        <p:txBody>
-          <a:bodyPr rtlCol="0" anchor="ctr"/>
-          <a:lstStyle/>
-          <a:p>
-            <a:pPr algn="ctr"/>
-            <a:endParaRPr lang="zh-CN" altLang="en-US"/>
-          </a:p>
-        </p:txBody>
-      </p:sp>
-      <p:pic>
-        <p:nvPicPr>
-          <p:cNvPr id="5" name="图片 4">
-            <a:extLst>
-              <a:ext uri="{FF2B5EF4-FFF2-40B4-BE49-F238E27FC236}">
-                <a16:creationId xmlns:a16="http://schemas.microsoft.com/office/drawing/2014/main" id="{331F8B9E-44A9-48A8-A615-661C088C7B35}"/>
-              </a:ext>
-            </a:extLst>
-          </p:cNvPr>
-          <p:cNvPicPr>
-            <a:picLocks noChangeAspect="1"/>
-          </p:cNvPicPr>
-          <p:nvPr/>
-        </p:nvPicPr>
-        <p:blipFill>
-          <a:blip r:embed="rId7" cstate="print">
-            <a:extLst>
-              <a:ext uri="{28A0092B-C50C-407E-A947-70E740481C1C}">
-                <a14:useLocalDpi xmlns:a14="http://schemas.microsoft.com/office/drawing/2010/main" val="0"/>
-              </a:ext>
-            </a:extLst>
-          </a:blip>
-          <a:stretch>
-            <a:fillRect/>
-          </a:stretch>
-        </p:blipFill>
-        <p:spPr>
-          <a:xfrm>
-            <a:off x="11042374" y="139459"/>
-            <a:ext cx="967805" cy="967805"/>
-          </a:xfrm>
-          <a:prstGeom prst="rect">
-            <a:avLst/>
-          </a:prstGeom>
-        </p:spPr>
-      </p:pic>
-      <p:sp>
-        <p:nvSpPr>
-          <p:cNvPr id="13" name="矩形 12">
-            <a:extLst>
-              <a:ext uri="{FF2B5EF4-FFF2-40B4-BE49-F238E27FC236}">
-                <a16:creationId xmlns:a16="http://schemas.microsoft.com/office/drawing/2014/main" id="{2B277579-C26B-4516-B8AC-02305AA55F0F}"/>
-              </a:ext>
-            </a:extLst>
-          </p:cNvPr>
-          <p:cNvSpPr/>
-          <p:nvPr/>
-        </p:nvSpPr>
-        <p:spPr>
-          <a:xfrm>
-            <a:off x="181821" y="331578"/>
-            <a:ext cx="8461513" cy="646331"/>
-          </a:xfrm>
-          <a:prstGeom prst="rect">
-            <a:avLst/>
-          </a:prstGeom>
-        </p:spPr>
-        <p:txBody>
-          <a:bodyPr wrap="square">
-            <a:spAutoFit/>
-          </a:bodyPr>
-          <a:lstStyle/>
-          <a:p>
-            <a:r>
-              <a:rPr lang="zh-CN" altLang="en-US" sz="3600" b="1" dirty="0">
-                <a:solidFill>
-                  <a:schemeClr val="tx1">
-                    <a:lumMod val="75000"/>
-                    <a:lumOff val="25000"/>
-                  </a:schemeClr>
-                </a:solidFill>
-                <a:latin typeface="华文楷体" panose="02010600040101010101" pitchFamily="2" charset="-122"/>
-                <a:ea typeface="华文楷体" panose="02010600040101010101" pitchFamily="2" charset="-122"/>
-              </a:rPr>
-              <a:t>几个问题</a:t>
-            </a:r>
-            <a:r>
-              <a:rPr lang="en-US" altLang="zh-CN" sz="3600" b="1" dirty="0">
-                <a:solidFill>
-                  <a:schemeClr val="tx1">
-                    <a:lumMod val="75000"/>
-                    <a:lumOff val="25000"/>
-                  </a:schemeClr>
+                  <a:srgbClr val="C55A11"/>
                 </a:solidFill>
                 <a:latin typeface="华文楷体" panose="02010600040101010101" pitchFamily="2" charset="-122"/>
                 <a:ea typeface="华文楷体" panose="02010600040101010101" pitchFamily="2" charset="-122"/>
@@ -14873,10 +14880,7 @@
             <a:r>
               <a:rPr lang="en-US" altLang="zh-CN" sz="3600" b="1" dirty="0">
                 <a:solidFill>
-                  <a:schemeClr val="tx1">
-                    <a:lumMod val="75000"/>
-                    <a:lumOff val="25000"/>
-                  </a:schemeClr>
+                  <a:srgbClr val="C55A11"/>
                 </a:solidFill>
                 <a:latin typeface="华文楷体" panose="02010600040101010101" pitchFamily="2" charset="-122"/>
                 <a:ea typeface="华文楷体" panose="02010600040101010101" pitchFamily="2" charset="-122"/>
@@ -14893,12 +14897,70 @@
           </a:p>
         </p:txBody>
       </p:sp>
+      <p:sp>
+        <p:nvSpPr>
+          <p:cNvPr id="12" name="矩形 11">
+            <a:extLst>
+              <a:ext uri="{FF2B5EF4-FFF2-40B4-BE49-F238E27FC236}">
+                <a16:creationId xmlns:a16="http://schemas.microsoft.com/office/drawing/2014/main" id="{980AEA6B-576A-4E93-ACF1-D74D082BFF25}"/>
+              </a:ext>
+            </a:extLst>
+          </p:cNvPr>
+          <p:cNvSpPr/>
+          <p:nvPr/>
+        </p:nvSpPr>
+        <p:spPr>
+          <a:xfrm>
+            <a:off x="138546" y="6234533"/>
+            <a:ext cx="11713258" cy="369332"/>
+          </a:xfrm>
+          <a:prstGeom prst="rect">
+            <a:avLst/>
+          </a:prstGeom>
+        </p:spPr>
+        <p:txBody>
+          <a:bodyPr wrap="square">
+            <a:spAutoFit/>
+          </a:bodyPr>
+          <a:lstStyle/>
+          <a:p>
+            <a:r>
+              <a:rPr lang="en-US" altLang="zh-CN" dirty="0">
+                <a:solidFill>
+                  <a:srgbClr val="222222"/>
+                </a:solidFill>
+                <a:latin typeface="Arial" panose="020B0604020202020204" pitchFamily="34" charset="0"/>
+              </a:rPr>
+              <a:t>[2] Vaswani, Ashish, et al. "Attention is all you need." </a:t>
+            </a:r>
+            <a:r>
+              <a:rPr lang="en-US" altLang="zh-CN" i="1" dirty="0">
+                <a:solidFill>
+                  <a:srgbClr val="222222"/>
+                </a:solidFill>
+                <a:latin typeface="Arial" panose="020B0604020202020204" pitchFamily="34" charset="0"/>
+              </a:rPr>
+              <a:t>Advances in neural information processing systems</a:t>
+            </a:r>
+            <a:r>
+              <a:rPr lang="en-US" altLang="zh-CN" dirty="0">
+                <a:solidFill>
+                  <a:srgbClr val="222222"/>
+                </a:solidFill>
+                <a:latin typeface="Arial" panose="020B0604020202020204" pitchFamily="34" charset="0"/>
+              </a:rPr>
+              <a:t>. 2017.</a:t>
+            </a:r>
+            <a:endParaRPr lang="zh-CN" altLang="en-US" dirty="0"/>
+          </a:p>
+        </p:txBody>
+      </p:sp>
       <p:pic>
         <p:nvPicPr>
-          <p:cNvPr id="17" name="图片 16">
+          <p:cNvPr id="14" name="图片 13">
             <a:extLst>
               <a:ext uri="{FF2B5EF4-FFF2-40B4-BE49-F238E27FC236}">
-                <a16:creationId xmlns:a16="http://schemas.microsoft.com/office/drawing/2014/main" id="{C663354B-0721-4410-AAC4-EB0731C0BA66}"/>
+                <a16:creationId xmlns:a16="http://schemas.microsoft.com/office/drawing/2014/main" id="{CE47F335-0C74-415D-8D46-00C590D4D9CC}"/>
               </a:ext>
             </a:extLst>
           </p:cNvPr>
@@ -14915,25 +14977,74 @@
               </a:ext>
             </a:extLst>
           </a:blip>
-          <a:srcRect l="19843" r="15865" b="19345"/>
+          <a:srcRect b="6943"/>
           <a:stretch/>
         </p:blipFill>
         <p:spPr>
           <a:xfrm>
-            <a:off x="8643334" y="2620152"/>
-            <a:ext cx="2846301" cy="1923806"/>
+            <a:off x="6495252" y="213158"/>
+            <a:ext cx="4244009" cy="6021375"/>
           </a:xfrm>
           <a:prstGeom prst="rect">
             <a:avLst/>
           </a:prstGeom>
         </p:spPr>
       </p:pic>
+      <p:sp>
+        <p:nvSpPr>
+          <p:cNvPr id="15" name="文本框 14">
+            <a:extLst>
+              <a:ext uri="{FF2B5EF4-FFF2-40B4-BE49-F238E27FC236}">
+                <a16:creationId xmlns:a16="http://schemas.microsoft.com/office/drawing/2014/main" id="{85EEBECD-DD2A-475A-820B-97CE96F3190C}"/>
+              </a:ext>
+            </a:extLst>
+          </p:cNvPr>
+          <p:cNvSpPr txBox="1"/>
+          <p:nvPr/>
+        </p:nvSpPr>
+        <p:spPr>
+          <a:xfrm>
+            <a:off x="181821" y="1361362"/>
+            <a:ext cx="6313431" cy="523220"/>
+          </a:xfrm>
+          <a:prstGeom prst="rect">
+            <a:avLst/>
+          </a:prstGeom>
+          <a:noFill/>
+        </p:spPr>
+        <p:txBody>
+          <a:bodyPr wrap="square" rtlCol="0">
+            <a:spAutoFit/>
+          </a:bodyPr>
+          <a:lstStyle/>
+          <a:p>
+            <a:pPr marL="457200" indent="-457200">
+              <a:buClr>
+                <a:srgbClr val="C55A11"/>
+              </a:buClr>
+              <a:buFont typeface="Wingdings" panose="05000000000000000000" pitchFamily="2" charset="2"/>
+              <a:buChar char="Ø"/>
+            </a:pPr>
+            <a:r>
+              <a:rPr lang="zh-CN" altLang="en-US" sz="2800" dirty="0">
+                <a:latin typeface="华文楷体" panose="02010600040101010101" pitchFamily="2" charset="-122"/>
+                <a:ea typeface="华文楷体" panose="02010600040101010101" pitchFamily="2" charset="-122"/>
+              </a:rPr>
+              <a:t>自注意力</a:t>
+            </a:r>
+            <a:endParaRPr lang="en-US" altLang="zh-CN" sz="2800" dirty="0">
+              <a:latin typeface="华文楷体" panose="02010600040101010101" pitchFamily="2" charset="-122"/>
+              <a:ea typeface="华文楷体" panose="02010600040101010101" pitchFamily="2" charset="-122"/>
+            </a:endParaRPr>
+          </a:p>
+        </p:txBody>
+      </p:sp>
       <p:pic>
         <p:nvPicPr>
-          <p:cNvPr id="19" name="图片 18">
+          <p:cNvPr id="4" name="图片 3">
             <a:extLst>
               <a:ext uri="{FF2B5EF4-FFF2-40B4-BE49-F238E27FC236}">
-                <a16:creationId xmlns:a16="http://schemas.microsoft.com/office/drawing/2014/main" id="{2B20D02A-38D1-4C85-B067-2A5D869F6BC8}"/>
+                <a16:creationId xmlns:a16="http://schemas.microsoft.com/office/drawing/2014/main" id="{691B261B-B825-4F74-8E04-D46FE66EB736}"/>
               </a:ext>
             </a:extLst>
           </p:cNvPr>
@@ -14956,56 +15067,165 @@
         </p:blipFill>
         <p:spPr>
           <a:xfrm>
-            <a:off x="138546" y="2246603"/>
-            <a:ext cx="7867577" cy="2187481"/>
+            <a:off x="1241230" y="1865085"/>
+            <a:ext cx="4514356" cy="908097"/>
           </a:xfrm>
           <a:prstGeom prst="rect">
             <a:avLst/>
           </a:prstGeom>
         </p:spPr>
       </p:pic>
-      <p:sp>
-        <p:nvSpPr>
-          <p:cNvPr id="23" name="矩形 22">
+      <p:pic>
+        <p:nvPicPr>
+          <p:cNvPr id="16" name="图片 15">
             <a:extLst>
               <a:ext uri="{FF2B5EF4-FFF2-40B4-BE49-F238E27FC236}">
-                <a16:creationId xmlns:a16="http://schemas.microsoft.com/office/drawing/2014/main" id="{1F95EE4B-F172-4761-8874-8BE40BBE62A0}"/>
+                <a16:creationId xmlns:a16="http://schemas.microsoft.com/office/drawing/2014/main" id="{920A68D0-46B8-409E-B728-6DEFA6455744}"/>
               </a:ext>
             </a:extLst>
           </p:cNvPr>
-          <p:cNvSpPr/>
+          <p:cNvPicPr>
+            <a:picLocks noChangeAspect="1"/>
+          </p:cNvPicPr>
           <p:nvPr/>
-        </p:nvSpPr>
-        <p:spPr>
-          <a:xfrm>
-            <a:off x="2355996" y="4571486"/>
-            <a:ext cx="3432676" cy="523220"/>
+        </p:nvPicPr>
+        <p:blipFill>
+          <a:blip r:embed="rId10">
+            <a:extLst>
+              <a:ext uri="{28A0092B-C50C-407E-A947-70E740481C1C}">
+                <a14:useLocalDpi xmlns:a14="http://schemas.microsoft.com/office/drawing/2010/main" val="0"/>
+              </a:ext>
+            </a:extLst>
+          </a:blip>
+          <a:stretch>
+            <a:fillRect/>
+          </a:stretch>
+        </p:blipFill>
+        <p:spPr>
+          <a:xfrm>
+            <a:off x="702024" y="3303815"/>
+            <a:ext cx="5895938" cy="681844"/>
           </a:xfrm>
           <a:prstGeom prst="rect">
             <a:avLst/>
           </a:prstGeom>
         </p:spPr>
-        <p:txBody>
-          <a:bodyPr wrap="square">
+      </p:pic>
+      <p:pic>
+        <p:nvPicPr>
+          <p:cNvPr id="18" name="图片 17">
+            <a:extLst>
+              <a:ext uri="{FF2B5EF4-FFF2-40B4-BE49-F238E27FC236}">
+                <a16:creationId xmlns:a16="http://schemas.microsoft.com/office/drawing/2014/main" id="{34EBCC12-8B8C-407B-8B00-3D765194ADA7}"/>
+              </a:ext>
+            </a:extLst>
+          </p:cNvPr>
+          <p:cNvPicPr>
+            <a:picLocks noChangeAspect="1"/>
+          </p:cNvPicPr>
+          <p:nvPr/>
+        </p:nvPicPr>
+        <p:blipFill>
+          <a:blip r:embed="rId11">
+            <a:extLst>
+              <a:ext uri="{28A0092B-C50C-407E-A947-70E740481C1C}">
+                <a14:useLocalDpi xmlns:a14="http://schemas.microsoft.com/office/drawing/2010/main" val="0"/>
+              </a:ext>
+            </a:extLst>
+          </a:blip>
+          <a:stretch>
+            <a:fillRect/>
+          </a:stretch>
+        </p:blipFill>
+        <p:spPr>
+          <a:xfrm>
+            <a:off x="903685" y="4013508"/>
+            <a:ext cx="4826428" cy="676666"/>
+          </a:xfrm>
+          <a:prstGeom prst="rect">
+            <a:avLst/>
+          </a:prstGeom>
+        </p:spPr>
+      </p:pic>
+      <p:pic>
+        <p:nvPicPr>
+          <p:cNvPr id="20" name="图片 19">
+            <a:extLst>
+              <a:ext uri="{FF2B5EF4-FFF2-40B4-BE49-F238E27FC236}">
+                <a16:creationId xmlns:a16="http://schemas.microsoft.com/office/drawing/2014/main" id="{04EF87BF-67DA-408F-B355-29A78C7E2B66}"/>
+              </a:ext>
+            </a:extLst>
+          </p:cNvPr>
+          <p:cNvPicPr>
+            <a:picLocks noChangeAspect="1"/>
+          </p:cNvPicPr>
+          <p:nvPr/>
+        </p:nvPicPr>
+        <p:blipFill>
+          <a:blip r:embed="rId12">
+            <a:extLst>
+              <a:ext uri="{28A0092B-C50C-407E-A947-70E740481C1C}">
+                <a14:useLocalDpi xmlns:a14="http://schemas.microsoft.com/office/drawing/2010/main" val="0"/>
+              </a:ext>
+            </a:extLst>
+          </a:blip>
+          <a:stretch>
+            <a:fillRect/>
+          </a:stretch>
+        </p:blipFill>
+        <p:spPr>
+          <a:xfrm>
+            <a:off x="987866" y="5413381"/>
+            <a:ext cx="4525673" cy="711278"/>
+          </a:xfrm>
+          <a:prstGeom prst="rect">
+            <a:avLst/>
+          </a:prstGeom>
+        </p:spPr>
+      </p:pic>
+      <p:sp>
+        <p:nvSpPr>
+          <p:cNvPr id="21" name="文本框 20">
+            <a:extLst>
+              <a:ext uri="{FF2B5EF4-FFF2-40B4-BE49-F238E27FC236}">
+                <a16:creationId xmlns:a16="http://schemas.microsoft.com/office/drawing/2014/main" id="{750F9417-877B-4403-B502-29B79E881D66}"/>
+              </a:ext>
+            </a:extLst>
+          </p:cNvPr>
+          <p:cNvSpPr txBox="1"/>
+          <p:nvPr/>
+        </p:nvSpPr>
+        <p:spPr>
+          <a:xfrm>
+            <a:off x="181821" y="2668638"/>
+            <a:ext cx="6313431" cy="523220"/>
+          </a:xfrm>
+          <a:prstGeom prst="rect">
+            <a:avLst/>
+          </a:prstGeom>
+          <a:noFill/>
+        </p:spPr>
+        <p:txBody>
+          <a:bodyPr wrap="square" rtlCol="0">
             <a:spAutoFit/>
           </a:bodyPr>
           <a:lstStyle/>
           <a:p>
-            <a:r>
-              <a:rPr lang="en-US" altLang="zh-CN" sz="2800">
-                <a:latin typeface="华文楷体" panose="02010600040101010101" pitchFamily="2" charset="-122"/>
-                <a:ea typeface="华文楷体" panose="02010600040101010101" pitchFamily="2" charset="-122"/>
-              </a:rPr>
-              <a:t>Transformer</a:t>
-            </a:r>
-            <a:r>
-              <a:rPr lang="zh-CN" altLang="en-US" sz="2800">
-                <a:latin typeface="华文楷体" panose="02010600040101010101" pitchFamily="2" charset="-122"/>
-                <a:ea typeface="华文楷体" panose="02010600040101010101" pitchFamily="2" charset="-122"/>
-              </a:rPr>
-              <a:t>编码过程</a:t>
-            </a:r>
-            <a:endParaRPr lang="zh-CN" altLang="en-US" sz="2800" dirty="0">
+            <a:pPr marL="457200" indent="-457200">
+              <a:buClr>
+                <a:srgbClr val="C55A11"/>
+              </a:buClr>
+              <a:buFont typeface="Wingdings" panose="05000000000000000000" pitchFamily="2" charset="2"/>
+              <a:buChar char="Ø"/>
+            </a:pPr>
+            <a:r>
+              <a:rPr lang="zh-CN" altLang="en-US" sz="2800" dirty="0">
+                <a:latin typeface="华文楷体" panose="02010600040101010101" pitchFamily="2" charset="-122"/>
+                <a:ea typeface="华文楷体" panose="02010600040101010101" pitchFamily="2" charset="-122"/>
+              </a:rPr>
+              <a:t>多头自注意力</a:t>
+            </a:r>
+            <a:endParaRPr lang="en-US" altLang="zh-CN" sz="2800" dirty="0">
               <a:latin typeface="华文楷体" panose="02010600040101010101" pitchFamily="2" charset="-122"/>
               <a:ea typeface="华文楷体" panose="02010600040101010101" pitchFamily="2" charset="-122"/>
             </a:endParaRPr>
@@ -15014,39 +15234,47 @@
       </p:sp>
       <p:sp>
         <p:nvSpPr>
-          <p:cNvPr id="24" name="矩形 23">
+          <p:cNvPr id="22" name="文本框 21">
             <a:extLst>
               <a:ext uri="{FF2B5EF4-FFF2-40B4-BE49-F238E27FC236}">
-                <a16:creationId xmlns:a16="http://schemas.microsoft.com/office/drawing/2014/main" id="{B5CC0428-764C-4744-9EB3-0C86E13202E4}"/>
+                <a16:creationId xmlns:a16="http://schemas.microsoft.com/office/drawing/2014/main" id="{26FC7747-CF43-43F9-ACA1-A5C319BD84E7}"/>
               </a:ext>
             </a:extLst>
           </p:cNvPr>
-          <p:cNvSpPr/>
+          <p:cNvSpPr txBox="1"/>
           <p:nvPr/>
         </p:nvSpPr>
         <p:spPr>
           <a:xfrm>
-            <a:off x="8852072" y="4571486"/>
-            <a:ext cx="2428824" cy="523220"/>
+            <a:off x="181821" y="4775026"/>
+            <a:ext cx="6313431" cy="523220"/>
           </a:xfrm>
           <a:prstGeom prst="rect">
             <a:avLst/>
           </a:prstGeom>
-        </p:spPr>
-        <p:txBody>
-          <a:bodyPr wrap="square">
+          <a:noFill/>
+        </p:spPr>
+        <p:txBody>
+          <a:bodyPr wrap="square" rtlCol="0">
             <a:spAutoFit/>
           </a:bodyPr>
           <a:lstStyle/>
           <a:p>
-            <a:r>
-              <a:rPr lang="zh-CN" altLang="en-US" sz="2800">
-                <a:latin typeface="华文楷体" panose="02010600040101010101" pitchFamily="2" charset="-122"/>
-                <a:ea typeface="华文楷体" panose="02010600040101010101" pitchFamily="2" charset="-122"/>
-              </a:rPr>
-              <a:t>一个简化版本</a:t>
-            </a:r>
-            <a:endParaRPr lang="zh-CN" altLang="en-US" sz="2800" dirty="0">
+            <a:pPr marL="457200" indent="-457200">
+              <a:buClr>
+                <a:srgbClr val="C55A11"/>
+              </a:buClr>
+              <a:buFont typeface="Wingdings" panose="05000000000000000000" pitchFamily="2" charset="2"/>
+              <a:buChar char="Ø"/>
+            </a:pPr>
+            <a:r>
+              <a:rPr lang="zh-CN" altLang="en-US" sz="2800" dirty="0">
+                <a:latin typeface="华文楷体" panose="02010600040101010101" pitchFamily="2" charset="-122"/>
+                <a:ea typeface="华文楷体" panose="02010600040101010101" pitchFamily="2" charset="-122"/>
+              </a:rPr>
+              <a:t>逐点前馈网络</a:t>
+            </a:r>
+            <a:endParaRPr lang="en-US" altLang="zh-CN" sz="2800" dirty="0">
               <a:latin typeface="华文楷体" panose="02010600040101010101" pitchFamily="2" charset="-122"/>
               <a:ea typeface="华文楷体" panose="02010600040101010101" pitchFamily="2" charset="-122"/>
             </a:endParaRPr>
@@ -15059,7 +15287,7 @@
     </p:custDataLst>
     <p:extLst>
       <p:ext uri="{BB962C8B-B14F-4D97-AF65-F5344CB8AC3E}">
-        <p14:creationId xmlns:p14="http://schemas.microsoft.com/office/powerpoint/2010/main" val="3396811287"/>
+        <p14:creationId xmlns:p14="http://schemas.microsoft.com/office/powerpoint/2010/main" val="2546496565"/>
       </p:ext>
     </p:extLst>
   </p:cSld>
@@ -15306,25 +15534,9 @@
           <a:lstStyle/>
           <a:p>
             <a:r>
-              <a:rPr lang="zh-CN" altLang="en-US" sz="3600" b="1" dirty="0">
-                <a:solidFill>
-                  <a:schemeClr val="tx1">
-                    <a:lumMod val="75000"/>
-                    <a:lumOff val="25000"/>
-                  </a:schemeClr>
-                </a:solidFill>
-                <a:latin typeface="华文楷体" panose="02010600040101010101" pitchFamily="2" charset="-122"/>
-                <a:ea typeface="华文楷体" panose="02010600040101010101" pitchFamily="2" charset="-122"/>
-              </a:rPr>
-              <a:t>多任务</a:t>
-            </a:r>
-            <a:r>
               <a:rPr lang="en-US" altLang="zh-CN" sz="3600" b="1" dirty="0">
                 <a:solidFill>
-                  <a:schemeClr val="tx1">
-                    <a:lumMod val="75000"/>
-                    <a:lumOff val="25000"/>
-                  </a:schemeClr>
+                  <a:srgbClr val="C55A11"/>
                 </a:solidFill>
                 <a:latin typeface="华文楷体" panose="02010600040101010101" pitchFamily="2" charset="-122"/>
                 <a:ea typeface="华文楷体" panose="02010600040101010101" pitchFamily="2" charset="-122"/>
@@ -15341,373 +15553,160 @@
           </a:p>
         </p:txBody>
       </p:sp>
-      <p:sp>
-        <p:nvSpPr>
-          <p:cNvPr id="11" name="文本框 10">
+      <p:pic>
+        <p:nvPicPr>
+          <p:cNvPr id="17" name="图片 16">
             <a:extLst>
               <a:ext uri="{FF2B5EF4-FFF2-40B4-BE49-F238E27FC236}">
-                <a16:creationId xmlns:a16="http://schemas.microsoft.com/office/drawing/2014/main" id="{0D08125D-FF1D-4DA7-97E6-E6C9CAF93D68}"/>
+                <a16:creationId xmlns:a16="http://schemas.microsoft.com/office/drawing/2014/main" id="{C663354B-0721-4410-AAC4-EB0731C0BA66}"/>
               </a:ext>
             </a:extLst>
           </p:cNvPr>
-          <p:cNvSpPr txBox="1"/>
+          <p:cNvPicPr>
+            <a:picLocks noChangeAspect="1"/>
+          </p:cNvPicPr>
           <p:nvPr/>
-        </p:nvSpPr>
-        <p:spPr>
-          <a:xfrm>
-            <a:off x="181821" y="1287077"/>
-            <a:ext cx="11828358" cy="3908762"/>
+        </p:nvPicPr>
+        <p:blipFill rotWithShape="1">
+          <a:blip r:embed="rId8">
+            <a:extLst>
+              <a:ext uri="{28A0092B-C50C-407E-A947-70E740481C1C}">
+                <a14:useLocalDpi xmlns:a14="http://schemas.microsoft.com/office/drawing/2010/main" val="0"/>
+              </a:ext>
+            </a:extLst>
+          </a:blip>
+          <a:srcRect l="19843" r="15865" b="19345"/>
+          <a:stretch/>
+        </p:blipFill>
+        <p:spPr>
+          <a:xfrm>
+            <a:off x="8643334" y="2620152"/>
+            <a:ext cx="2846301" cy="1923806"/>
           </a:xfrm>
           <a:prstGeom prst="rect">
             <a:avLst/>
           </a:prstGeom>
-          <a:noFill/>
-        </p:spPr>
-        <p:txBody>
-          <a:bodyPr wrap="square" rtlCol="0">
+        </p:spPr>
+      </p:pic>
+      <p:pic>
+        <p:nvPicPr>
+          <p:cNvPr id="19" name="图片 18">
+            <a:extLst>
+              <a:ext uri="{FF2B5EF4-FFF2-40B4-BE49-F238E27FC236}">
+                <a16:creationId xmlns:a16="http://schemas.microsoft.com/office/drawing/2014/main" id="{2B20D02A-38D1-4C85-B067-2A5D869F6BC8}"/>
+              </a:ext>
+            </a:extLst>
+          </p:cNvPr>
+          <p:cNvPicPr>
+            <a:picLocks noChangeAspect="1"/>
+          </p:cNvPicPr>
+          <p:nvPr/>
+        </p:nvPicPr>
+        <p:blipFill>
+          <a:blip r:embed="rId9">
+            <a:extLst>
+              <a:ext uri="{28A0092B-C50C-407E-A947-70E740481C1C}">
+                <a14:useLocalDpi xmlns:a14="http://schemas.microsoft.com/office/drawing/2010/main" val="0"/>
+              </a:ext>
+            </a:extLst>
+          </a:blip>
+          <a:stretch>
+            <a:fillRect/>
+          </a:stretch>
+        </p:blipFill>
+        <p:spPr>
+          <a:xfrm>
+            <a:off x="138546" y="2246603"/>
+            <a:ext cx="7867577" cy="2187481"/>
+          </a:xfrm>
+          <a:prstGeom prst="rect">
+            <a:avLst/>
+          </a:prstGeom>
+        </p:spPr>
+      </p:pic>
+      <p:sp>
+        <p:nvSpPr>
+          <p:cNvPr id="23" name="矩形 22">
+            <a:extLst>
+              <a:ext uri="{FF2B5EF4-FFF2-40B4-BE49-F238E27FC236}">
+                <a16:creationId xmlns:a16="http://schemas.microsoft.com/office/drawing/2014/main" id="{1F95EE4B-F172-4761-8874-8BE40BBE62A0}"/>
+              </a:ext>
+            </a:extLst>
+          </p:cNvPr>
+          <p:cNvSpPr/>
+          <p:nvPr/>
+        </p:nvSpPr>
+        <p:spPr>
+          <a:xfrm>
+            <a:off x="2355996" y="4571486"/>
+            <a:ext cx="3432676" cy="523220"/>
+          </a:xfrm>
+          <a:prstGeom prst="rect">
+            <a:avLst/>
+          </a:prstGeom>
+        </p:spPr>
+        <p:txBody>
+          <a:bodyPr wrap="square">
             <a:spAutoFit/>
           </a:bodyPr>
           <a:lstStyle/>
           <a:p>
-            <a:pPr marL="457200" indent="-457200">
-              <a:lnSpc>
-                <a:spcPct val="150000"/>
-              </a:lnSpc>
-              <a:buClr>
-                <a:srgbClr val="C55A11"/>
-              </a:buClr>
-              <a:buFont typeface="Wingdings" panose="05000000000000000000" pitchFamily="2" charset="2"/>
-              <a:buChar char="Ø"/>
-            </a:pPr>
-            <a:r>
-              <a:rPr lang="zh-CN" altLang="en-US" sz="2800" b="1" dirty="0">
-                <a:latin typeface="华文楷体" panose="02010600040101010101" pitchFamily="2" charset="-122"/>
-                <a:ea typeface="华文楷体" panose="02010600040101010101" pitchFamily="2" charset="-122"/>
-              </a:rPr>
-              <a:t>顶层分化</a:t>
-            </a:r>
-            <a:endParaRPr lang="en-US" altLang="zh-CN" sz="2800" b="1" dirty="0">
+            <a:r>
+              <a:rPr lang="en-US" altLang="zh-CN" sz="2800">
+                <a:latin typeface="华文楷体" panose="02010600040101010101" pitchFamily="2" charset="-122"/>
+                <a:ea typeface="华文楷体" panose="02010600040101010101" pitchFamily="2" charset="-122"/>
+              </a:rPr>
+              <a:t>Transformer</a:t>
+            </a:r>
+            <a:r>
+              <a:rPr lang="zh-CN" altLang="en-US" sz="2800">
+                <a:latin typeface="华文楷体" panose="02010600040101010101" pitchFamily="2" charset="-122"/>
+                <a:ea typeface="华文楷体" panose="02010600040101010101" pitchFamily="2" charset="-122"/>
+              </a:rPr>
+              <a:t>编码过程</a:t>
+            </a:r>
+            <a:endParaRPr lang="zh-CN" altLang="en-US" sz="2800" dirty="0">
               <a:latin typeface="华文楷体" panose="02010600040101010101" pitchFamily="2" charset="-122"/>
               <a:ea typeface="华文楷体" panose="02010600040101010101" pitchFamily="2" charset="-122"/>
             </a:endParaRPr>
           </a:p>
-          <a:p>
-            <a:pPr marL="914400" lvl="1" indent="-457200">
-              <a:lnSpc>
-                <a:spcPct val="150000"/>
-              </a:lnSpc>
-              <a:buClr>
-                <a:srgbClr val="C55A11"/>
-              </a:buClr>
-              <a:buFont typeface="Arial" panose="020B0604020202020204" pitchFamily="34" charset="0"/>
-              <a:buChar char="•"/>
-            </a:pPr>
-            <a:r>
-              <a:rPr lang="en-US" altLang="zh-CN" sz="2800" dirty="0">
-                <a:solidFill>
-                  <a:srgbClr val="C55A11"/>
-                </a:solidFill>
-                <a:latin typeface="华文楷体" panose="02010600040101010101" pitchFamily="2" charset="-122"/>
-                <a:ea typeface="华文楷体" panose="02010600040101010101" pitchFamily="2" charset="-122"/>
-              </a:rPr>
-              <a:t>S-P</a:t>
-            </a:r>
-            <a:r>
-              <a:rPr lang="zh-CN" altLang="en-US" sz="2800" dirty="0">
-                <a:solidFill>
-                  <a:srgbClr val="C55A11"/>
-                </a:solidFill>
-                <a:latin typeface="华文楷体" panose="02010600040101010101" pitchFamily="2" charset="-122"/>
-                <a:ea typeface="华文楷体" panose="02010600040101010101" pitchFamily="2" charset="-122"/>
-              </a:rPr>
-              <a:t>结构 </a:t>
-            </a:r>
-            <a:r>
-              <a:rPr lang="zh-CN" altLang="en-US" sz="2800" dirty="0">
-                <a:latin typeface="华文楷体" panose="02010600040101010101" pitchFamily="2" charset="-122"/>
-                <a:ea typeface="华文楷体" panose="02010600040101010101" pitchFamily="2" charset="-122"/>
-              </a:rPr>
-              <a:t>（</a:t>
-            </a:r>
-            <a:r>
-              <a:rPr lang="en-US" altLang="zh-CN" sz="2800" dirty="0">
-                <a:latin typeface="华文楷体" panose="02010600040101010101" pitchFamily="2" charset="-122"/>
-                <a:ea typeface="华文楷体" panose="02010600040101010101" pitchFamily="2" charset="-122"/>
-              </a:rPr>
-              <a:t>Stack-Pooling</a:t>
-            </a:r>
-            <a:r>
-              <a:rPr lang="zh-CN" altLang="en-US" sz="2800" dirty="0">
-                <a:latin typeface="华文楷体" panose="02010600040101010101" pitchFamily="2" charset="-122"/>
-                <a:ea typeface="华文楷体" panose="02010600040101010101" pitchFamily="2" charset="-122"/>
-              </a:rPr>
-              <a:t>，堆叠</a:t>
-            </a:r>
-            <a:r>
-              <a:rPr lang="en-US" altLang="zh-CN" sz="2800" dirty="0">
-                <a:latin typeface="华文楷体" panose="02010600040101010101" pitchFamily="2" charset="-122"/>
-                <a:ea typeface="华文楷体" panose="02010600040101010101" pitchFamily="2" charset="-122"/>
-              </a:rPr>
-              <a:t>-</a:t>
-            </a:r>
-            <a:r>
-              <a:rPr lang="zh-CN" altLang="en-US" sz="2800" dirty="0">
-                <a:latin typeface="华文楷体" panose="02010600040101010101" pitchFamily="2" charset="-122"/>
-                <a:ea typeface="华文楷体" panose="02010600040101010101" pitchFamily="2" charset="-122"/>
-              </a:rPr>
-              <a:t>池化）</a:t>
-            </a:r>
-            <a:endParaRPr lang="en-US" altLang="zh-CN" sz="2800" dirty="0">
-              <a:latin typeface="华文楷体" panose="02010600040101010101" pitchFamily="2" charset="-122"/>
-              <a:ea typeface="华文楷体" panose="02010600040101010101" pitchFamily="2" charset="-122"/>
-            </a:endParaRPr>
-          </a:p>
-          <a:p>
-            <a:pPr marL="914400" lvl="1" indent="-457200">
-              <a:lnSpc>
-                <a:spcPct val="150000"/>
-              </a:lnSpc>
-              <a:buClr>
-                <a:srgbClr val="C55A11"/>
-              </a:buClr>
-              <a:buFont typeface="Arial" panose="020B0604020202020204" pitchFamily="34" charset="0"/>
-              <a:buChar char="•"/>
-            </a:pPr>
-            <a:r>
-              <a:rPr lang="en-US" altLang="zh-CN" sz="2800" dirty="0">
-                <a:solidFill>
-                  <a:srgbClr val="C55A11"/>
-                </a:solidFill>
-                <a:latin typeface="华文楷体" panose="02010600040101010101" pitchFamily="2" charset="-122"/>
-                <a:ea typeface="华文楷体" panose="02010600040101010101" pitchFamily="2" charset="-122"/>
-              </a:rPr>
-              <a:t>S-C</a:t>
-            </a:r>
-            <a:r>
-              <a:rPr lang="zh-CN" altLang="en-US" sz="2800" dirty="0">
-                <a:solidFill>
-                  <a:srgbClr val="C55A11"/>
-                </a:solidFill>
-                <a:latin typeface="华文楷体" panose="02010600040101010101" pitchFamily="2" charset="-122"/>
-                <a:ea typeface="华文楷体" panose="02010600040101010101" pitchFamily="2" charset="-122"/>
-              </a:rPr>
-              <a:t>结构</a:t>
-            </a:r>
-            <a:r>
-              <a:rPr lang="zh-CN" altLang="en-US" sz="2800" dirty="0">
-                <a:latin typeface="华文楷体" panose="02010600040101010101" pitchFamily="2" charset="-122"/>
-                <a:ea typeface="华文楷体" panose="02010600040101010101" pitchFamily="2" charset="-122"/>
-              </a:rPr>
-              <a:t>（</a:t>
-            </a:r>
-            <a:r>
-              <a:rPr lang="en-US" altLang="zh-CN" sz="2800" dirty="0">
-                <a:latin typeface="华文楷体" panose="02010600040101010101" pitchFamily="2" charset="-122"/>
-                <a:ea typeface="华文楷体" panose="02010600040101010101" pitchFamily="2" charset="-122"/>
-              </a:rPr>
-              <a:t>Stack-CLS</a:t>
-            </a:r>
-            <a:r>
-              <a:rPr lang="zh-CN" altLang="en-US" sz="2800" dirty="0">
-                <a:latin typeface="华文楷体" panose="02010600040101010101" pitchFamily="2" charset="-122"/>
-                <a:ea typeface="华文楷体" panose="02010600040101010101" pitchFamily="2" charset="-122"/>
-              </a:rPr>
-              <a:t>，堆叠</a:t>
-            </a:r>
-            <a:r>
-              <a:rPr lang="en-US" altLang="zh-CN" sz="2800" dirty="0">
-                <a:latin typeface="华文楷体" panose="02010600040101010101" pitchFamily="2" charset="-122"/>
-                <a:ea typeface="华文楷体" panose="02010600040101010101" pitchFamily="2" charset="-122"/>
-              </a:rPr>
-              <a:t>-CLS</a:t>
-            </a:r>
-            <a:r>
-              <a:rPr lang="zh-CN" altLang="en-US" sz="2800" dirty="0">
-                <a:latin typeface="华文楷体" panose="02010600040101010101" pitchFamily="2" charset="-122"/>
-                <a:ea typeface="华文楷体" panose="02010600040101010101" pitchFamily="2" charset="-122"/>
-              </a:rPr>
-              <a:t>）</a:t>
-            </a:r>
-            <a:endParaRPr lang="en-US" altLang="zh-CN" sz="2800" dirty="0">
-              <a:latin typeface="华文楷体" panose="02010600040101010101" pitchFamily="2" charset="-122"/>
-              <a:ea typeface="华文楷体" panose="02010600040101010101" pitchFamily="2" charset="-122"/>
-            </a:endParaRPr>
-          </a:p>
-          <a:p>
-            <a:pPr marL="457200" indent="-457200">
-              <a:lnSpc>
-                <a:spcPct val="150000"/>
-              </a:lnSpc>
-              <a:buClr>
-                <a:srgbClr val="C55A11"/>
-              </a:buClr>
-              <a:buFont typeface="Wingdings" panose="05000000000000000000" pitchFamily="2" charset="2"/>
-              <a:buChar char="Ø"/>
-            </a:pPr>
-            <a:r>
-              <a:rPr lang="zh-CN" altLang="en-US" sz="2800" b="1" dirty="0">
-                <a:latin typeface="华文楷体" panose="02010600040101010101" pitchFamily="2" charset="-122"/>
-                <a:ea typeface="华文楷体" panose="02010600040101010101" pitchFamily="2" charset="-122"/>
-              </a:rPr>
-              <a:t>逐层分化</a:t>
-            </a:r>
-            <a:endParaRPr lang="en-US" altLang="zh-CN" sz="2800" b="1" dirty="0">
-              <a:latin typeface="华文楷体" panose="02010600040101010101" pitchFamily="2" charset="-122"/>
-              <a:ea typeface="华文楷体" panose="02010600040101010101" pitchFamily="2" charset="-122"/>
-            </a:endParaRPr>
-          </a:p>
-          <a:p>
-            <a:pPr marL="914400" lvl="1" indent="-457200">
-              <a:lnSpc>
-                <a:spcPct val="150000"/>
-              </a:lnSpc>
-              <a:buClr>
-                <a:srgbClr val="C55A11"/>
-              </a:buClr>
-              <a:buFont typeface="Arial" panose="020B0604020202020204" pitchFamily="34" charset="0"/>
-              <a:buChar char="•"/>
-            </a:pPr>
-            <a:r>
-              <a:rPr lang="en-US" altLang="zh-CN" sz="2800" dirty="0">
-                <a:solidFill>
-                  <a:srgbClr val="C55A11"/>
-                </a:solidFill>
-                <a:latin typeface="华文楷体" panose="02010600040101010101" pitchFamily="2" charset="-122"/>
-                <a:ea typeface="华文楷体" panose="02010600040101010101" pitchFamily="2" charset="-122"/>
-              </a:rPr>
-              <a:t>L-I</a:t>
-            </a:r>
-            <a:r>
-              <a:rPr lang="zh-CN" altLang="en-US" sz="2800" dirty="0">
-                <a:solidFill>
-                  <a:srgbClr val="C55A11"/>
-                </a:solidFill>
-                <a:latin typeface="华文楷体" panose="02010600040101010101" pitchFamily="2" charset="-122"/>
-                <a:ea typeface="华文楷体" panose="02010600040101010101" pitchFamily="2" charset="-122"/>
-              </a:rPr>
-              <a:t>结构</a:t>
-            </a:r>
-            <a:r>
-              <a:rPr lang="zh-CN" altLang="en-US" sz="2800" dirty="0">
-                <a:latin typeface="华文楷体" panose="02010600040101010101" pitchFamily="2" charset="-122"/>
-                <a:ea typeface="华文楷体" panose="02010600040101010101" pitchFamily="2" charset="-122"/>
-              </a:rPr>
-              <a:t>（</a:t>
-            </a:r>
-            <a:r>
-              <a:rPr lang="en-US" altLang="zh-CN" sz="2800" dirty="0" err="1">
-                <a:latin typeface="华文楷体" panose="02010600040101010101" pitchFamily="2" charset="-122"/>
-                <a:ea typeface="华文楷体" panose="02010600040101010101" pitchFamily="2" charset="-122"/>
-              </a:rPr>
-              <a:t>Layerwise</a:t>
-            </a:r>
-            <a:r>
-              <a:rPr lang="en-US" altLang="zh-CN" sz="2800" dirty="0">
-                <a:latin typeface="华文楷体" panose="02010600040101010101" pitchFamily="2" charset="-122"/>
-                <a:ea typeface="华文楷体" panose="02010600040101010101" pitchFamily="2" charset="-122"/>
-              </a:rPr>
-              <a:t>-Implicit Sharing</a:t>
-            </a:r>
-            <a:r>
-              <a:rPr lang="zh-CN" altLang="en-US" sz="2800" dirty="0">
-                <a:latin typeface="华文楷体" panose="02010600040101010101" pitchFamily="2" charset="-122"/>
-                <a:ea typeface="华文楷体" panose="02010600040101010101" pitchFamily="2" charset="-122"/>
-              </a:rPr>
-              <a:t>，逐层</a:t>
-            </a:r>
-            <a:r>
-              <a:rPr lang="en-US" altLang="zh-CN" sz="2800" dirty="0">
-                <a:latin typeface="华文楷体" panose="02010600040101010101" pitchFamily="2" charset="-122"/>
-                <a:ea typeface="华文楷体" panose="02010600040101010101" pitchFamily="2" charset="-122"/>
-              </a:rPr>
-              <a:t>-</a:t>
-            </a:r>
-            <a:r>
-              <a:rPr lang="zh-CN" altLang="en-US" sz="2800" dirty="0">
-                <a:latin typeface="华文楷体" panose="02010600040101010101" pitchFamily="2" charset="-122"/>
-                <a:ea typeface="华文楷体" panose="02010600040101010101" pitchFamily="2" charset="-122"/>
-              </a:rPr>
-              <a:t>隐式共享）</a:t>
-            </a:r>
-            <a:endParaRPr lang="en-US" altLang="zh-CN" sz="2800" dirty="0">
-              <a:latin typeface="华文楷体" panose="02010600040101010101" pitchFamily="2" charset="-122"/>
-              <a:ea typeface="华文楷体" panose="02010600040101010101" pitchFamily="2" charset="-122"/>
-            </a:endParaRPr>
-          </a:p>
-          <a:p>
-            <a:pPr marL="914400" lvl="1" indent="-457200">
-              <a:lnSpc>
-                <a:spcPct val="150000"/>
-              </a:lnSpc>
-              <a:buClr>
-                <a:srgbClr val="C55A11"/>
-              </a:buClr>
-              <a:buFont typeface="Arial" panose="020B0604020202020204" pitchFamily="34" charset="0"/>
-              <a:buChar char="•"/>
-            </a:pPr>
-            <a:r>
-              <a:rPr lang="en-US" altLang="zh-CN" sz="2800" dirty="0">
-                <a:solidFill>
-                  <a:srgbClr val="C55A11"/>
-                </a:solidFill>
-                <a:latin typeface="华文楷体" panose="02010600040101010101" pitchFamily="2" charset="-122"/>
-                <a:ea typeface="华文楷体" panose="02010600040101010101" pitchFamily="2" charset="-122"/>
-              </a:rPr>
-              <a:t>L-E</a:t>
-            </a:r>
-            <a:r>
-              <a:rPr lang="zh-CN" altLang="en-US" sz="2800" dirty="0">
-                <a:solidFill>
-                  <a:srgbClr val="C55A11"/>
-                </a:solidFill>
-                <a:latin typeface="华文楷体" panose="02010600040101010101" pitchFamily="2" charset="-122"/>
-                <a:ea typeface="华文楷体" panose="02010600040101010101" pitchFamily="2" charset="-122"/>
-              </a:rPr>
-              <a:t>结构</a:t>
-            </a:r>
-            <a:r>
-              <a:rPr lang="zh-CN" altLang="en-US" sz="2800" dirty="0">
-                <a:latin typeface="华文楷体" panose="02010600040101010101" pitchFamily="2" charset="-122"/>
-                <a:ea typeface="华文楷体" panose="02010600040101010101" pitchFamily="2" charset="-122"/>
-              </a:rPr>
-              <a:t>（</a:t>
-            </a:r>
-            <a:r>
-              <a:rPr lang="en-US" altLang="zh-CN" sz="2800" dirty="0" err="1">
-                <a:latin typeface="华文楷体" panose="02010600040101010101" pitchFamily="2" charset="-122"/>
-                <a:ea typeface="华文楷体" panose="02010600040101010101" pitchFamily="2" charset="-122"/>
-              </a:rPr>
-              <a:t>Layerwise</a:t>
-            </a:r>
-            <a:r>
-              <a:rPr lang="en-US" altLang="zh-CN" sz="2800" dirty="0">
-                <a:latin typeface="华文楷体" panose="02010600040101010101" pitchFamily="2" charset="-122"/>
-                <a:ea typeface="华文楷体" panose="02010600040101010101" pitchFamily="2" charset="-122"/>
-              </a:rPr>
-              <a:t>-Explicit Sharing</a:t>
-            </a:r>
-            <a:r>
-              <a:rPr lang="zh-CN" altLang="en-US" sz="2800" dirty="0">
-                <a:latin typeface="华文楷体" panose="02010600040101010101" pitchFamily="2" charset="-122"/>
-                <a:ea typeface="华文楷体" panose="02010600040101010101" pitchFamily="2" charset="-122"/>
-              </a:rPr>
-              <a:t>，逐层</a:t>
-            </a:r>
-            <a:r>
-              <a:rPr lang="en-US" altLang="zh-CN" sz="2800" dirty="0">
-                <a:latin typeface="华文楷体" panose="02010600040101010101" pitchFamily="2" charset="-122"/>
-                <a:ea typeface="华文楷体" panose="02010600040101010101" pitchFamily="2" charset="-122"/>
-              </a:rPr>
-              <a:t>-</a:t>
-            </a:r>
-            <a:r>
-              <a:rPr lang="zh-CN" altLang="en-US" sz="2800" dirty="0">
-                <a:latin typeface="华文楷体" panose="02010600040101010101" pitchFamily="2" charset="-122"/>
-                <a:ea typeface="华文楷体" panose="02010600040101010101" pitchFamily="2" charset="-122"/>
-              </a:rPr>
-              <a:t>显式共享）</a:t>
-            </a:r>
-            <a:endParaRPr lang="en-US" altLang="zh-CN" sz="2800" dirty="0">
+        </p:txBody>
+      </p:sp>
+      <p:sp>
+        <p:nvSpPr>
+          <p:cNvPr id="24" name="矩形 23">
+            <a:extLst>
+              <a:ext uri="{FF2B5EF4-FFF2-40B4-BE49-F238E27FC236}">
+                <a16:creationId xmlns:a16="http://schemas.microsoft.com/office/drawing/2014/main" id="{B5CC0428-764C-4744-9EB3-0C86E13202E4}"/>
+              </a:ext>
+            </a:extLst>
+          </p:cNvPr>
+          <p:cNvSpPr/>
+          <p:nvPr/>
+        </p:nvSpPr>
+        <p:spPr>
+          <a:xfrm>
+            <a:off x="8852072" y="4571486"/>
+            <a:ext cx="2428824" cy="523220"/>
+          </a:xfrm>
+          <a:prstGeom prst="rect">
+            <a:avLst/>
+          </a:prstGeom>
+        </p:spPr>
+        <p:txBody>
+          <a:bodyPr wrap="square">
+            <a:spAutoFit/>
+          </a:bodyPr>
+          <a:lstStyle/>
+          <a:p>
+            <a:r>
+              <a:rPr lang="zh-CN" altLang="en-US" sz="2800">
+                <a:latin typeface="华文楷体" panose="02010600040101010101" pitchFamily="2" charset="-122"/>
+                <a:ea typeface="华文楷体" panose="02010600040101010101" pitchFamily="2" charset="-122"/>
+              </a:rPr>
+              <a:t>一个简化版本</a:t>
+            </a:r>
+            <a:endParaRPr lang="zh-CN" altLang="en-US" sz="2800" dirty="0">
               <a:latin typeface="华文楷体" panose="02010600040101010101" pitchFamily="2" charset="-122"/>
               <a:ea typeface="华文楷体" panose="02010600040101010101" pitchFamily="2" charset="-122"/>
             </a:endParaRPr>
@@ -15720,7 +15719,7 @@
     </p:custDataLst>
     <p:extLst>
       <p:ext uri="{BB962C8B-B14F-4D97-AF65-F5344CB8AC3E}">
-        <p14:creationId xmlns:p14="http://schemas.microsoft.com/office/powerpoint/2010/main" val="921896492"/>
+        <p14:creationId xmlns:p14="http://schemas.microsoft.com/office/powerpoint/2010/main" val="3396811287"/>
       </p:ext>
     </p:extLst>
   </p:cSld>
@@ -15967,30 +15966,24 @@
           <a:lstStyle/>
           <a:p>
             <a:r>
+              <a:rPr lang="zh-CN" altLang="en-US" sz="3600" b="1">
+                <a:solidFill>
+                  <a:srgbClr val="C55A11"/>
+                </a:solidFill>
+                <a:latin typeface="华文楷体" panose="02010600040101010101" pitchFamily="2" charset="-122"/>
+                <a:ea typeface="华文楷体" panose="02010600040101010101" pitchFamily="2" charset="-122"/>
+              </a:rPr>
+              <a:t>多任务</a:t>
+            </a:r>
+            <a:r>
               <a:rPr lang="en-US" altLang="zh-CN" sz="3600" b="1" dirty="0">
                 <a:solidFill>
-                  <a:schemeClr val="tx1">
-                    <a:lumMod val="75000"/>
-                    <a:lumOff val="25000"/>
-                  </a:schemeClr>
+                  <a:srgbClr val="C55A11"/>
                 </a:solidFill>
                 <a:latin typeface="华文楷体" panose="02010600040101010101" pitchFamily="2" charset="-122"/>
                 <a:ea typeface="华文楷体" panose="02010600040101010101" pitchFamily="2" charset="-122"/>
               </a:rPr>
-              <a:t>S-P</a:t>
-            </a:r>
-            <a:r>
-              <a:rPr lang="zh-CN" altLang="en-US" sz="3600" b="1" dirty="0">
-                <a:solidFill>
-                  <a:schemeClr val="tx1">
-                    <a:lumMod val="75000"/>
-                    <a:lumOff val="25000"/>
-                  </a:schemeClr>
-                </a:solidFill>
-                <a:latin typeface="华文楷体" panose="02010600040101010101" pitchFamily="2" charset="-122"/>
-                <a:ea typeface="华文楷体" panose="02010600040101010101" pitchFamily="2" charset="-122"/>
-              </a:rPr>
-              <a:t>结构</a:t>
+              <a:t>Transformer</a:t>
             </a:r>
             <a:endParaRPr lang="zh-CN" altLang="en-US" sz="3600" b="1" dirty="0">
               <a:solidFill>
@@ -16002,84 +15995,12 @@
           </a:p>
         </p:txBody>
       </p:sp>
-      <p:pic>
-        <p:nvPicPr>
-          <p:cNvPr id="4" name="图片 3">
+      <p:sp>
+        <p:nvSpPr>
+          <p:cNvPr id="11" name="文本框 10">
             <a:extLst>
               <a:ext uri="{FF2B5EF4-FFF2-40B4-BE49-F238E27FC236}">
-                <a16:creationId xmlns:a16="http://schemas.microsoft.com/office/drawing/2014/main" id="{A3EF957C-9CF0-405C-B803-013EBB95956E}"/>
-              </a:ext>
-            </a:extLst>
-          </p:cNvPr>
-          <p:cNvPicPr>
-            <a:picLocks noChangeAspect="1"/>
-          </p:cNvPicPr>
-          <p:nvPr/>
-        </p:nvPicPr>
-        <p:blipFill>
-          <a:blip r:embed="rId8">
-            <a:extLst>
-              <a:ext uri="{28A0092B-C50C-407E-A947-70E740481C1C}">
-                <a14:useLocalDpi xmlns:a14="http://schemas.microsoft.com/office/drawing/2010/main" val="0"/>
-              </a:ext>
-            </a:extLst>
-          </a:blip>
-          <a:stretch>
-            <a:fillRect/>
-          </a:stretch>
-        </p:blipFill>
-        <p:spPr>
-          <a:xfrm>
-            <a:off x="8259097" y="1829738"/>
-            <a:ext cx="2783277" cy="3960054"/>
-          </a:xfrm>
-          <a:prstGeom prst="rect">
-            <a:avLst/>
-          </a:prstGeom>
-        </p:spPr>
-      </p:pic>
-      <p:pic>
-        <p:nvPicPr>
-          <p:cNvPr id="8" name="图片 7">
-            <a:extLst>
-              <a:ext uri="{FF2B5EF4-FFF2-40B4-BE49-F238E27FC236}">
-                <a16:creationId xmlns:a16="http://schemas.microsoft.com/office/drawing/2014/main" id="{510FC2E1-B8CE-4F07-BB5D-15378C083AFB}"/>
-              </a:ext>
-            </a:extLst>
-          </p:cNvPr>
-          <p:cNvPicPr>
-            <a:picLocks noChangeAspect="1"/>
-          </p:cNvPicPr>
-          <p:nvPr/>
-        </p:nvPicPr>
-        <p:blipFill>
-          <a:blip r:embed="rId9">
-            <a:extLst>
-              <a:ext uri="{28A0092B-C50C-407E-A947-70E740481C1C}">
-                <a14:useLocalDpi xmlns:a14="http://schemas.microsoft.com/office/drawing/2010/main" val="0"/>
-              </a:ext>
-            </a:extLst>
-          </a:blip>
-          <a:stretch>
-            <a:fillRect/>
-          </a:stretch>
-        </p:blipFill>
-        <p:spPr>
-          <a:xfrm>
-            <a:off x="1126236" y="4079472"/>
-            <a:ext cx="4284167" cy="1495305"/>
-          </a:xfrm>
-          <a:prstGeom prst="rect">
-            <a:avLst/>
-          </a:prstGeom>
-        </p:spPr>
-      </p:pic>
-      <p:sp>
-        <p:nvSpPr>
-          <p:cNvPr id="9" name="文本框 8">
-            <a:extLst>
-              <a:ext uri="{FF2B5EF4-FFF2-40B4-BE49-F238E27FC236}">
-                <a16:creationId xmlns:a16="http://schemas.microsoft.com/office/drawing/2014/main" id="{6FD67789-5E0F-47AC-A8F4-59D2E4CA4152}"/>
+                <a16:creationId xmlns:a16="http://schemas.microsoft.com/office/drawing/2014/main" id="{0D08125D-FF1D-4DA7-97E6-E6C9CAF93D68}"/>
               </a:ext>
             </a:extLst>
           </p:cNvPr>
@@ -16089,7 +16010,7 @@
         <p:spPr>
           <a:xfrm>
             <a:off x="181821" y="1287077"/>
-            <a:ext cx="7600518" cy="2616101"/>
+            <a:ext cx="11828358" cy="3908762"/>
           </a:xfrm>
           <a:prstGeom prst="rect">
             <a:avLst/>
@@ -16113,27 +16034,155 @@
               <a:buChar char="Ø"/>
             </a:pPr>
             <a:r>
-              <a:rPr lang="zh-CN" altLang="en-US" sz="2800">
-                <a:latin typeface="华文楷体" panose="02010600040101010101" pitchFamily="2" charset="-122"/>
-                <a:ea typeface="华文楷体" panose="02010600040101010101" pitchFamily="2" charset="-122"/>
-              </a:rPr>
-              <a:t>句子表示通过池化（</a:t>
-            </a:r>
-            <a:r>
-              <a:rPr lang="en-US" altLang="zh-CN" sz="2800">
-                <a:latin typeface="华文楷体" panose="02010600040101010101" pitchFamily="2" charset="-122"/>
-                <a:ea typeface="华文楷体" panose="02010600040101010101" pitchFamily="2" charset="-122"/>
-              </a:rPr>
-              <a:t>pooling</a:t>
-            </a:r>
-            <a:r>
-              <a:rPr lang="zh-CN" altLang="en-US" sz="2800">
-                <a:latin typeface="华文楷体" panose="02010600040101010101" pitchFamily="2" charset="-122"/>
-                <a:ea typeface="华文楷体" panose="02010600040101010101" pitchFamily="2" charset="-122"/>
-              </a:rPr>
-              <a:t>）得到</a:t>
-            </a:r>
-            <a:endParaRPr lang="en-US" altLang="zh-CN" sz="2800">
+              <a:rPr lang="zh-CN" altLang="en-US" sz="2800" b="1" dirty="0">
+                <a:latin typeface="华文楷体" panose="02010600040101010101" pitchFamily="2" charset="-122"/>
+                <a:ea typeface="华文楷体" panose="02010600040101010101" pitchFamily="2" charset="-122"/>
+              </a:rPr>
+              <a:t>顶层分化</a:t>
+            </a:r>
+            <a:endParaRPr lang="en-US" altLang="zh-CN" sz="2800" b="1" dirty="0">
+              <a:latin typeface="华文楷体" panose="02010600040101010101" pitchFamily="2" charset="-122"/>
+              <a:ea typeface="华文楷体" panose="02010600040101010101" pitchFamily="2" charset="-122"/>
+            </a:endParaRPr>
+          </a:p>
+          <a:p>
+            <a:pPr marL="914400" lvl="1" indent="-457200">
+              <a:lnSpc>
+                <a:spcPct val="150000"/>
+              </a:lnSpc>
+              <a:buClr>
+                <a:srgbClr val="C55A11"/>
+              </a:buClr>
+              <a:buFont typeface="Arial" panose="020B0604020202020204" pitchFamily="34" charset="0"/>
+              <a:buChar char="•"/>
+            </a:pPr>
+            <a:r>
+              <a:rPr lang="en-US" altLang="zh-CN" sz="2800" dirty="0">
+                <a:solidFill>
+                  <a:srgbClr val="C55A11"/>
+                </a:solidFill>
+                <a:latin typeface="华文楷体" panose="02010600040101010101" pitchFamily="2" charset="-122"/>
+                <a:ea typeface="华文楷体" panose="02010600040101010101" pitchFamily="2" charset="-122"/>
+              </a:rPr>
+              <a:t>S-P</a:t>
+            </a:r>
+            <a:r>
+              <a:rPr lang="zh-CN" altLang="en-US" sz="2800" dirty="0">
+                <a:solidFill>
+                  <a:srgbClr val="C55A11"/>
+                </a:solidFill>
+                <a:latin typeface="华文楷体" panose="02010600040101010101" pitchFamily="2" charset="-122"/>
+                <a:ea typeface="华文楷体" panose="02010600040101010101" pitchFamily="2" charset="-122"/>
+              </a:rPr>
+              <a:t>结构 </a:t>
+            </a:r>
+            <a:r>
+              <a:rPr lang="zh-CN" altLang="en-US" sz="2800" dirty="0">
+                <a:latin typeface="华文楷体" panose="02010600040101010101" pitchFamily="2" charset="-122"/>
+                <a:ea typeface="华文楷体" panose="02010600040101010101" pitchFamily="2" charset="-122"/>
+              </a:rPr>
+              <a:t>（</a:t>
+            </a:r>
+            <a:r>
+              <a:rPr lang="en-US" altLang="zh-CN" sz="2800" dirty="0">
+                <a:latin typeface="华文楷体" panose="02010600040101010101" pitchFamily="2" charset="-122"/>
+                <a:ea typeface="华文楷体" panose="02010600040101010101" pitchFamily="2" charset="-122"/>
+              </a:rPr>
+              <a:t>Stack-Pooling</a:t>
+            </a:r>
+            <a:r>
+              <a:rPr lang="zh-CN" altLang="en-US" sz="2800" dirty="0">
+                <a:latin typeface="华文楷体" panose="02010600040101010101" pitchFamily="2" charset="-122"/>
+                <a:ea typeface="华文楷体" panose="02010600040101010101" pitchFamily="2" charset="-122"/>
+              </a:rPr>
+              <a:t>，堆叠</a:t>
+            </a:r>
+            <a:r>
+              <a:rPr lang="en-US" altLang="zh-CN" sz="2800" dirty="0">
+                <a:latin typeface="华文楷体" panose="02010600040101010101" pitchFamily="2" charset="-122"/>
+                <a:ea typeface="华文楷体" panose="02010600040101010101" pitchFamily="2" charset="-122"/>
+              </a:rPr>
+              <a:t>-</a:t>
+            </a:r>
+            <a:r>
+              <a:rPr lang="zh-CN" altLang="en-US" sz="2800" dirty="0">
+                <a:latin typeface="华文楷体" panose="02010600040101010101" pitchFamily="2" charset="-122"/>
+                <a:ea typeface="华文楷体" panose="02010600040101010101" pitchFamily="2" charset="-122"/>
+              </a:rPr>
+              <a:t>池化）</a:t>
+            </a:r>
+            <a:endParaRPr lang="en-US" altLang="zh-CN" sz="2800" dirty="0">
+              <a:latin typeface="华文楷体" panose="02010600040101010101" pitchFamily="2" charset="-122"/>
+              <a:ea typeface="华文楷体" panose="02010600040101010101" pitchFamily="2" charset="-122"/>
+            </a:endParaRPr>
+          </a:p>
+          <a:p>
+            <a:pPr marL="914400" lvl="1" indent="-457200">
+              <a:lnSpc>
+                <a:spcPct val="150000"/>
+              </a:lnSpc>
+              <a:buClr>
+                <a:srgbClr val="C55A11"/>
+              </a:buClr>
+              <a:buFont typeface="Arial" panose="020B0604020202020204" pitchFamily="34" charset="0"/>
+              <a:buChar char="•"/>
+            </a:pPr>
+            <a:r>
+              <a:rPr lang="en-US" altLang="zh-CN" sz="2800" dirty="0">
+                <a:solidFill>
+                  <a:srgbClr val="C55A11"/>
+                </a:solidFill>
+                <a:latin typeface="华文楷体" panose="02010600040101010101" pitchFamily="2" charset="-122"/>
+                <a:ea typeface="华文楷体" panose="02010600040101010101" pitchFamily="2" charset="-122"/>
+              </a:rPr>
+              <a:t>S-C</a:t>
+            </a:r>
+            <a:r>
+              <a:rPr lang="zh-CN" altLang="en-US" sz="2800" dirty="0">
+                <a:solidFill>
+                  <a:srgbClr val="C55A11"/>
+                </a:solidFill>
+                <a:latin typeface="华文楷体" panose="02010600040101010101" pitchFamily="2" charset="-122"/>
+                <a:ea typeface="华文楷体" panose="02010600040101010101" pitchFamily="2" charset="-122"/>
+              </a:rPr>
+              <a:t>结构</a:t>
+            </a:r>
+            <a:r>
+              <a:rPr lang="zh-CN" altLang="en-US" sz="2800" dirty="0">
+                <a:latin typeface="华文楷体" panose="02010600040101010101" pitchFamily="2" charset="-122"/>
+                <a:ea typeface="华文楷体" panose="02010600040101010101" pitchFamily="2" charset="-122"/>
+              </a:rPr>
+              <a:t>（</a:t>
+            </a:r>
+            <a:r>
+              <a:rPr lang="en-US" altLang="zh-CN" sz="2800" dirty="0">
+                <a:latin typeface="华文楷体" panose="02010600040101010101" pitchFamily="2" charset="-122"/>
+                <a:ea typeface="华文楷体" panose="02010600040101010101" pitchFamily="2" charset="-122"/>
+              </a:rPr>
+              <a:t>Stack-CLS</a:t>
+            </a:r>
+            <a:r>
+              <a:rPr lang="zh-CN" altLang="en-US" sz="2800" dirty="0">
+                <a:latin typeface="华文楷体" panose="02010600040101010101" pitchFamily="2" charset="-122"/>
+                <a:ea typeface="华文楷体" panose="02010600040101010101" pitchFamily="2" charset="-122"/>
+              </a:rPr>
+              <a:t>，堆叠</a:t>
+            </a:r>
+            <a:r>
+              <a:rPr lang="en-US" altLang="zh-CN" sz="2800" dirty="0">
+                <a:latin typeface="华文楷体" panose="02010600040101010101" pitchFamily="2" charset="-122"/>
+                <a:ea typeface="华文楷体" panose="02010600040101010101" pitchFamily="2" charset="-122"/>
+              </a:rPr>
+              <a:t>-CLS</a:t>
+            </a:r>
+            <a:r>
+              <a:rPr lang="zh-CN" altLang="en-US" sz="2800" dirty="0">
+                <a:latin typeface="华文楷体" panose="02010600040101010101" pitchFamily="2" charset="-122"/>
+                <a:ea typeface="华文楷体" panose="02010600040101010101" pitchFamily="2" charset="-122"/>
+              </a:rPr>
+              <a:t>）</a:t>
+            </a:r>
+            <a:endParaRPr lang="en-US" altLang="zh-CN" sz="2800" dirty="0">
               <a:latin typeface="华文楷体" panose="02010600040101010101" pitchFamily="2" charset="-122"/>
               <a:ea typeface="华文楷体" panose="02010600040101010101" pitchFamily="2" charset="-122"/>
             </a:endParaRPr>
@@ -16150,49 +16199,219 @@
               <a:buChar char="Ø"/>
             </a:pPr>
             <a:r>
-              <a:rPr lang="zh-CN" altLang="en-US" sz="2800">
-                <a:latin typeface="华文楷体" panose="02010600040101010101" pitchFamily="2" charset="-122"/>
-                <a:ea typeface="华文楷体" panose="02010600040101010101" pitchFamily="2" charset="-122"/>
-              </a:rPr>
-              <a:t>共享层形成通用表示，顶层堆叠任务特定层形成任务特定表示</a:t>
-            </a:r>
-            <a:endParaRPr lang="en-US" altLang="zh-CN" sz="2800">
+              <a:rPr lang="zh-CN" altLang="en-US" sz="2800" b="1" dirty="0">
+                <a:latin typeface="华文楷体" panose="02010600040101010101" pitchFamily="2" charset="-122"/>
+                <a:ea typeface="华文楷体" panose="02010600040101010101" pitchFamily="2" charset="-122"/>
+              </a:rPr>
+              <a:t>逐层分化</a:t>
+            </a:r>
+            <a:endParaRPr lang="en-US" altLang="zh-CN" sz="2800" b="1" dirty="0">
               <a:latin typeface="华文楷体" panose="02010600040101010101" pitchFamily="2" charset="-122"/>
               <a:ea typeface="华文楷体" panose="02010600040101010101" pitchFamily="2" charset="-122"/>
             </a:endParaRPr>
           </a:p>
           <a:p>
-            <a:pPr marL="457200" indent="-457200">
+            <a:pPr marL="914400" lvl="1" indent="-457200">
               <a:lnSpc>
                 <a:spcPct val="150000"/>
               </a:lnSpc>
               <a:buClr>
                 <a:srgbClr val="C55A11"/>
               </a:buClr>
-              <a:buFont typeface="Wingdings" panose="05000000000000000000" pitchFamily="2" charset="2"/>
-              <a:buChar char="Ø"/>
+              <a:buFont typeface="Arial" panose="020B0604020202020204" pitchFamily="34" charset="0"/>
+              <a:buChar char="•"/>
             </a:pPr>
             <a:r>
-              <a:rPr lang="zh-CN" altLang="en-US" sz="2800">
-                <a:latin typeface="华文楷体" panose="02010600040101010101" pitchFamily="2" charset="-122"/>
-                <a:ea typeface="华文楷体" panose="02010600040101010101" pitchFamily="2" charset="-122"/>
-              </a:rPr>
-              <a:t>预测方式：</a:t>
+              <a:rPr lang="en-US" altLang="zh-CN" sz="2800" dirty="0">
+                <a:solidFill>
+                  <a:srgbClr val="C55A11"/>
+                </a:solidFill>
+                <a:latin typeface="华文楷体" panose="02010600040101010101" pitchFamily="2" charset="-122"/>
+                <a:ea typeface="华文楷体" panose="02010600040101010101" pitchFamily="2" charset="-122"/>
+              </a:rPr>
+              <a:t>L-I</a:t>
+            </a:r>
+            <a:r>
+              <a:rPr lang="zh-CN" altLang="en-US" sz="2800" dirty="0">
+                <a:solidFill>
+                  <a:srgbClr val="C55A11"/>
+                </a:solidFill>
+                <a:latin typeface="华文楷体" panose="02010600040101010101" pitchFamily="2" charset="-122"/>
+                <a:ea typeface="华文楷体" panose="02010600040101010101" pitchFamily="2" charset="-122"/>
+              </a:rPr>
+              <a:t>结构</a:t>
+            </a:r>
+            <a:r>
+              <a:rPr lang="zh-CN" altLang="en-US" sz="2800" dirty="0">
+                <a:latin typeface="华文楷体" panose="02010600040101010101" pitchFamily="2" charset="-122"/>
+                <a:ea typeface="华文楷体" panose="02010600040101010101" pitchFamily="2" charset="-122"/>
+              </a:rPr>
+              <a:t>（</a:t>
+            </a:r>
+            <a:r>
+              <a:rPr lang="en-US" altLang="zh-CN" sz="2800" dirty="0" err="1">
+                <a:latin typeface="华文楷体" panose="02010600040101010101" pitchFamily="2" charset="-122"/>
+                <a:ea typeface="华文楷体" panose="02010600040101010101" pitchFamily="2" charset="-122"/>
+              </a:rPr>
+              <a:t>Layerwise</a:t>
+            </a:r>
+            <a:r>
+              <a:rPr lang="en-US" altLang="zh-CN" sz="2800" dirty="0">
+                <a:latin typeface="华文楷体" panose="02010600040101010101" pitchFamily="2" charset="-122"/>
+                <a:ea typeface="华文楷体" panose="02010600040101010101" pitchFamily="2" charset="-122"/>
+              </a:rPr>
+              <a:t>-Implicit Sharing</a:t>
+            </a:r>
+            <a:r>
+              <a:rPr lang="zh-CN" altLang="en-US" sz="2800" dirty="0">
+                <a:latin typeface="华文楷体" panose="02010600040101010101" pitchFamily="2" charset="-122"/>
+                <a:ea typeface="华文楷体" panose="02010600040101010101" pitchFamily="2" charset="-122"/>
+              </a:rPr>
+              <a:t>，逐层</a:t>
+            </a:r>
+            <a:r>
+              <a:rPr lang="en-US" altLang="zh-CN" sz="2800" dirty="0">
+                <a:latin typeface="华文楷体" panose="02010600040101010101" pitchFamily="2" charset="-122"/>
+                <a:ea typeface="华文楷体" panose="02010600040101010101" pitchFamily="2" charset="-122"/>
+              </a:rPr>
+              <a:t>-</a:t>
+            </a:r>
+            <a:r>
+              <a:rPr lang="zh-CN" altLang="en-US" sz="2800" dirty="0">
+                <a:latin typeface="华文楷体" panose="02010600040101010101" pitchFamily="2" charset="-122"/>
+                <a:ea typeface="华文楷体" panose="02010600040101010101" pitchFamily="2" charset="-122"/>
+              </a:rPr>
+              <a:t>隐式共享）</a:t>
             </a:r>
             <a:endParaRPr lang="en-US" altLang="zh-CN" sz="2800" dirty="0">
               <a:latin typeface="华文楷体" panose="02010600040101010101" pitchFamily="2" charset="-122"/>
               <a:ea typeface="华文楷体" panose="02010600040101010101" pitchFamily="2" charset="-122"/>
             </a:endParaRPr>
           </a:p>
-        </p:txBody>
-      </p:sp>
+          <a:p>
+            <a:pPr marL="914400" lvl="1" indent="-457200">
+              <a:lnSpc>
+                <a:spcPct val="150000"/>
+              </a:lnSpc>
+              <a:buClr>
+                <a:srgbClr val="C55A11"/>
+              </a:buClr>
+              <a:buFont typeface="Arial" panose="020B0604020202020204" pitchFamily="34" charset="0"/>
+              <a:buChar char="•"/>
+            </a:pPr>
+            <a:r>
+              <a:rPr lang="en-US" altLang="zh-CN" sz="2800" dirty="0">
+                <a:solidFill>
+                  <a:srgbClr val="C55A11"/>
+                </a:solidFill>
+                <a:latin typeface="华文楷体" panose="02010600040101010101" pitchFamily="2" charset="-122"/>
+                <a:ea typeface="华文楷体" panose="02010600040101010101" pitchFamily="2" charset="-122"/>
+              </a:rPr>
+              <a:t>L-E</a:t>
+            </a:r>
+            <a:r>
+              <a:rPr lang="zh-CN" altLang="en-US" sz="2800" dirty="0">
+                <a:solidFill>
+                  <a:srgbClr val="C55A11"/>
+                </a:solidFill>
+                <a:latin typeface="华文楷体" panose="02010600040101010101" pitchFamily="2" charset="-122"/>
+                <a:ea typeface="华文楷体" panose="02010600040101010101" pitchFamily="2" charset="-122"/>
+              </a:rPr>
+              <a:t>结构</a:t>
+            </a:r>
+            <a:r>
+              <a:rPr lang="zh-CN" altLang="en-US" sz="2800" dirty="0">
+                <a:latin typeface="华文楷体" panose="02010600040101010101" pitchFamily="2" charset="-122"/>
+                <a:ea typeface="华文楷体" panose="02010600040101010101" pitchFamily="2" charset="-122"/>
+              </a:rPr>
+              <a:t>（</a:t>
+            </a:r>
+            <a:r>
+              <a:rPr lang="en-US" altLang="zh-CN" sz="2800" dirty="0" err="1">
+                <a:latin typeface="华文楷体" panose="02010600040101010101" pitchFamily="2" charset="-122"/>
+                <a:ea typeface="华文楷体" panose="02010600040101010101" pitchFamily="2" charset="-122"/>
+              </a:rPr>
+              <a:t>Layerwise</a:t>
+            </a:r>
+            <a:r>
+              <a:rPr lang="en-US" altLang="zh-CN" sz="2800" dirty="0">
+                <a:latin typeface="华文楷体" panose="02010600040101010101" pitchFamily="2" charset="-122"/>
+                <a:ea typeface="华文楷体" panose="02010600040101010101" pitchFamily="2" charset="-122"/>
+              </a:rPr>
+              <a:t>-Explicit Sharing</a:t>
+            </a:r>
+            <a:r>
+              <a:rPr lang="zh-CN" altLang="en-US" sz="2800" dirty="0">
+                <a:latin typeface="华文楷体" panose="02010600040101010101" pitchFamily="2" charset="-122"/>
+                <a:ea typeface="华文楷体" panose="02010600040101010101" pitchFamily="2" charset="-122"/>
+              </a:rPr>
+              <a:t>，逐层</a:t>
+            </a:r>
+            <a:r>
+              <a:rPr lang="en-US" altLang="zh-CN" sz="2800" dirty="0">
+                <a:latin typeface="华文楷体" panose="02010600040101010101" pitchFamily="2" charset="-122"/>
+                <a:ea typeface="华文楷体" panose="02010600040101010101" pitchFamily="2" charset="-122"/>
+              </a:rPr>
+              <a:t>-</a:t>
+            </a:r>
+            <a:r>
+              <a:rPr lang="zh-CN" altLang="en-US" sz="2800" dirty="0">
+                <a:latin typeface="华文楷体" panose="02010600040101010101" pitchFamily="2" charset="-122"/>
+                <a:ea typeface="华文楷体" panose="02010600040101010101" pitchFamily="2" charset="-122"/>
+              </a:rPr>
+              <a:t>显式共享）</a:t>
+            </a:r>
+            <a:endParaRPr lang="en-US" altLang="zh-CN" sz="2800" dirty="0">
+              <a:latin typeface="华文楷体" panose="02010600040101010101" pitchFamily="2" charset="-122"/>
+              <a:ea typeface="华文楷体" panose="02010600040101010101" pitchFamily="2" charset="-122"/>
+            </a:endParaRPr>
+          </a:p>
+        </p:txBody>
+      </p:sp>
+      <p:pic>
+        <p:nvPicPr>
+          <p:cNvPr id="8" name="图片 7">
+            <a:extLst>
+              <a:ext uri="{FF2B5EF4-FFF2-40B4-BE49-F238E27FC236}">
+                <a16:creationId xmlns:a16="http://schemas.microsoft.com/office/drawing/2014/main" id="{14E0732E-E8BB-46E0-99AD-CE55749D6FCC}"/>
+              </a:ext>
+            </a:extLst>
+          </p:cNvPr>
+          <p:cNvPicPr>
+            <a:picLocks noChangeAspect="1"/>
+          </p:cNvPicPr>
+          <p:nvPr/>
+        </p:nvPicPr>
+        <p:blipFill rotWithShape="1">
+          <a:blip r:embed="rId8">
+            <a:duotone>
+              <a:schemeClr val="bg2">
+                <a:shade val="45000"/>
+                <a:satMod val="135000"/>
+              </a:schemeClr>
+              <a:prstClr val="white"/>
+            </a:duotone>
+          </a:blip>
+          <a:srcRect t="-8375" r="69791"/>
+          <a:stretch/>
+        </p:blipFill>
+        <p:spPr>
+          <a:xfrm>
+            <a:off x="9913955" y="4136066"/>
+            <a:ext cx="3769087" cy="3644263"/>
+          </a:xfrm>
+          <a:prstGeom prst="rect">
+            <a:avLst/>
+          </a:prstGeom>
+        </p:spPr>
+      </p:pic>
     </p:spTree>
     <p:custDataLst>
       <p:tags r:id="rId1"/>
     </p:custDataLst>
     <p:extLst>
       <p:ext uri="{BB962C8B-B14F-4D97-AF65-F5344CB8AC3E}">
-        <p14:creationId xmlns:p14="http://schemas.microsoft.com/office/powerpoint/2010/main" val="3317285778"/>
+        <p14:creationId xmlns:p14="http://schemas.microsoft.com/office/powerpoint/2010/main" val="921896492"/>
       </p:ext>
     </p:extLst>
   </p:cSld>
@@ -16441,45 +16660,32 @@
             <a:r>
               <a:rPr lang="en-US" altLang="zh-CN" sz="3600" b="1" dirty="0">
                 <a:solidFill>
-                  <a:schemeClr val="tx1">
-                    <a:lumMod val="75000"/>
-                    <a:lumOff val="25000"/>
-                  </a:schemeClr>
+                  <a:srgbClr val="C55A11"/>
                 </a:solidFill>
                 <a:latin typeface="华文楷体" panose="02010600040101010101" pitchFamily="2" charset="-122"/>
                 <a:ea typeface="华文楷体" panose="02010600040101010101" pitchFamily="2" charset="-122"/>
               </a:rPr>
-              <a:t>S-C</a:t>
+              <a:t>S-P</a:t>
             </a:r>
             <a:r>
               <a:rPr lang="zh-CN" altLang="en-US" sz="3600" b="1" dirty="0">
                 <a:solidFill>
-                  <a:schemeClr val="tx1">
-                    <a:lumMod val="75000"/>
-                    <a:lumOff val="25000"/>
-                  </a:schemeClr>
+                  <a:srgbClr val="C55A11"/>
                 </a:solidFill>
                 <a:latin typeface="华文楷体" panose="02010600040101010101" pitchFamily="2" charset="-122"/>
                 <a:ea typeface="华文楷体" panose="02010600040101010101" pitchFamily="2" charset="-122"/>
               </a:rPr>
               <a:t>结构</a:t>
             </a:r>
-            <a:endParaRPr lang="zh-CN" altLang="en-US" sz="3600" b="1" dirty="0">
-              <a:solidFill>
-                <a:srgbClr val="C55A11"/>
-              </a:solidFill>
-              <a:latin typeface="华文楷体" panose="02010600040101010101" pitchFamily="2" charset="-122"/>
-              <a:ea typeface="华文楷体" panose="02010600040101010101" pitchFamily="2" charset="-122"/>
-            </a:endParaRPr>
           </a:p>
         </p:txBody>
       </p:sp>
       <p:pic>
         <p:nvPicPr>
-          <p:cNvPr id="7" name="图片 6">
+          <p:cNvPr id="4" name="图片 3">
             <a:extLst>
               <a:ext uri="{FF2B5EF4-FFF2-40B4-BE49-F238E27FC236}">
-                <a16:creationId xmlns:a16="http://schemas.microsoft.com/office/drawing/2014/main" id="{B49D1DD0-2AB6-441D-872D-D904FE01E3ED}"/>
+                <a16:creationId xmlns:a16="http://schemas.microsoft.com/office/drawing/2014/main" id="{A3EF957C-9CF0-405C-B803-013EBB95956E}"/>
               </a:ext>
             </a:extLst>
           </p:cNvPr>
@@ -16502,8 +16708,8 @@
         </p:blipFill>
         <p:spPr>
           <a:xfrm>
-            <a:off x="6571881" y="1993729"/>
-            <a:ext cx="4470493" cy="3777009"/>
+            <a:off x="8259097" y="1829738"/>
+            <a:ext cx="2783277" cy="3960054"/>
           </a:xfrm>
           <a:prstGeom prst="rect">
             <a:avLst/>
@@ -16512,10 +16718,10 @@
       </p:pic>
       <p:pic>
         <p:nvPicPr>
-          <p:cNvPr id="11" name="图片 10">
+          <p:cNvPr id="8" name="图片 7">
             <a:extLst>
               <a:ext uri="{FF2B5EF4-FFF2-40B4-BE49-F238E27FC236}">
-                <a16:creationId xmlns:a16="http://schemas.microsoft.com/office/drawing/2014/main" id="{689DFA61-64D3-497A-996C-86F6F714BC81}"/>
+                <a16:creationId xmlns:a16="http://schemas.microsoft.com/office/drawing/2014/main" id="{510FC2E1-B8CE-4F07-BB5D-15378C083AFB}"/>
               </a:ext>
             </a:extLst>
           </p:cNvPr>
@@ -16538,8 +16744,8 @@
         </p:blipFill>
         <p:spPr>
           <a:xfrm>
-            <a:off x="1729097" y="3968241"/>
-            <a:ext cx="3295508" cy="893478"/>
+            <a:off x="1126236" y="4079472"/>
+            <a:ext cx="4284167" cy="1495305"/>
           </a:xfrm>
           <a:prstGeom prst="rect">
             <a:avLst/>
@@ -16551,7 +16757,7 @@
           <p:cNvPr id="9" name="文本框 8">
             <a:extLst>
               <a:ext uri="{FF2B5EF4-FFF2-40B4-BE49-F238E27FC236}">
-                <a16:creationId xmlns:a16="http://schemas.microsoft.com/office/drawing/2014/main" id="{757D893E-5D88-44BB-A54C-962BA4E2B474}"/>
+                <a16:creationId xmlns:a16="http://schemas.microsoft.com/office/drawing/2014/main" id="{6FD67789-5E0F-47AC-A8F4-59D2E4CA4152}"/>
               </a:ext>
             </a:extLst>
           </p:cNvPr>
@@ -16561,7 +16767,7 @@
         <p:spPr>
           <a:xfrm>
             <a:off x="181821" y="1287077"/>
-            <a:ext cx="6390060" cy="2616101"/>
+            <a:ext cx="7600518" cy="2616101"/>
           </a:xfrm>
           <a:prstGeom prst="rect">
             <a:avLst/>
@@ -16589,21 +16795,21 @@
                 <a:latin typeface="华文楷体" panose="02010600040101010101" pitchFamily="2" charset="-122"/>
                 <a:ea typeface="华文楷体" panose="02010600040101010101" pitchFamily="2" charset="-122"/>
               </a:rPr>
-              <a:t>句子表示通过 </a:t>
+              <a:t>句子表示通过池化（</a:t>
             </a:r>
             <a:r>
               <a:rPr lang="en-US" altLang="zh-CN" sz="2800">
                 <a:latin typeface="华文楷体" panose="02010600040101010101" pitchFamily="2" charset="-122"/>
                 <a:ea typeface="华文楷体" panose="02010600040101010101" pitchFamily="2" charset="-122"/>
               </a:rPr>
-              <a:t>[CLS] </a:t>
+              <a:t>pooling</a:t>
             </a:r>
             <a:r>
               <a:rPr lang="zh-CN" altLang="en-US" sz="2800">
                 <a:latin typeface="华文楷体" panose="02010600040101010101" pitchFamily="2" charset="-122"/>
                 <a:ea typeface="华文楷体" panose="02010600040101010101" pitchFamily="2" charset="-122"/>
               </a:rPr>
-              <a:t>记号得到</a:t>
+              <a:t>）得到</a:t>
             </a:r>
             <a:endParaRPr lang="en-US" altLang="zh-CN" sz="2800">
               <a:latin typeface="华文楷体" panose="02010600040101010101" pitchFamily="2" charset="-122"/>
@@ -16664,7 +16870,7 @@
     </p:custDataLst>
     <p:extLst>
       <p:ext uri="{BB962C8B-B14F-4D97-AF65-F5344CB8AC3E}">
-        <p14:creationId xmlns:p14="http://schemas.microsoft.com/office/powerpoint/2010/main" val="3947073160"/>
+        <p14:creationId xmlns:p14="http://schemas.microsoft.com/office/powerpoint/2010/main" val="3317285778"/>
       </p:ext>
     </p:extLst>
   </p:cSld>
@@ -16913,45 +17119,32 @@
             <a:r>
               <a:rPr lang="en-US" altLang="zh-CN" sz="3600" b="1" dirty="0">
                 <a:solidFill>
-                  <a:schemeClr val="tx1">
-                    <a:lumMod val="75000"/>
-                    <a:lumOff val="25000"/>
-                  </a:schemeClr>
+                  <a:srgbClr val="C55A11"/>
                 </a:solidFill>
                 <a:latin typeface="华文楷体" panose="02010600040101010101" pitchFamily="2" charset="-122"/>
                 <a:ea typeface="华文楷体" panose="02010600040101010101" pitchFamily="2" charset="-122"/>
               </a:rPr>
-              <a:t>L-I</a:t>
+              <a:t>S-C</a:t>
             </a:r>
             <a:r>
               <a:rPr lang="zh-CN" altLang="en-US" sz="3600" b="1" dirty="0">
                 <a:solidFill>
-                  <a:schemeClr val="tx1">
-                    <a:lumMod val="75000"/>
-                    <a:lumOff val="25000"/>
-                  </a:schemeClr>
+                  <a:srgbClr val="C55A11"/>
                 </a:solidFill>
                 <a:latin typeface="华文楷体" panose="02010600040101010101" pitchFamily="2" charset="-122"/>
                 <a:ea typeface="华文楷体" panose="02010600040101010101" pitchFamily="2" charset="-122"/>
               </a:rPr>
               <a:t>结构</a:t>
             </a:r>
-            <a:endParaRPr lang="zh-CN" altLang="en-US" sz="3600" b="1" dirty="0">
-              <a:solidFill>
-                <a:srgbClr val="C55A11"/>
-              </a:solidFill>
-              <a:latin typeface="华文楷体" panose="02010600040101010101" pitchFamily="2" charset="-122"/>
-              <a:ea typeface="华文楷体" panose="02010600040101010101" pitchFamily="2" charset="-122"/>
-            </a:endParaRPr>
           </a:p>
         </p:txBody>
       </p:sp>
       <p:pic>
         <p:nvPicPr>
-          <p:cNvPr id="11" name="图片 10">
+          <p:cNvPr id="7" name="图片 6">
             <a:extLst>
               <a:ext uri="{FF2B5EF4-FFF2-40B4-BE49-F238E27FC236}">
-                <a16:creationId xmlns:a16="http://schemas.microsoft.com/office/drawing/2014/main" id="{689DFA61-64D3-497A-996C-86F6F714BC81}"/>
+                <a16:creationId xmlns:a16="http://schemas.microsoft.com/office/drawing/2014/main" id="{B49D1DD0-2AB6-441D-872D-D904FE01E3ED}"/>
               </a:ext>
             </a:extLst>
           </p:cNvPr>
@@ -16974,8 +17167,8 @@
         </p:blipFill>
         <p:spPr>
           <a:xfrm>
-            <a:off x="1620373" y="4436217"/>
-            <a:ext cx="3295508" cy="893478"/>
+            <a:off x="6571881" y="1993729"/>
+            <a:ext cx="4470493" cy="3777009"/>
           </a:xfrm>
           <a:prstGeom prst="rect">
             <a:avLst/>
@@ -16984,10 +17177,10 @@
       </p:pic>
       <p:pic>
         <p:nvPicPr>
-          <p:cNvPr id="4" name="图片 3">
+          <p:cNvPr id="11" name="图片 10">
             <a:extLst>
               <a:ext uri="{FF2B5EF4-FFF2-40B4-BE49-F238E27FC236}">
-                <a16:creationId xmlns:a16="http://schemas.microsoft.com/office/drawing/2014/main" id="{E7B14EDF-68C9-4989-9C34-8F6F3C054563}"/>
+                <a16:creationId xmlns:a16="http://schemas.microsoft.com/office/drawing/2014/main" id="{689DFA61-64D3-497A-996C-86F6F714BC81}"/>
               </a:ext>
             </a:extLst>
           </p:cNvPr>
@@ -17010,56 +17203,20 @@
         </p:blipFill>
         <p:spPr>
           <a:xfrm>
-            <a:off x="7421388" y="1792002"/>
-            <a:ext cx="3620986" cy="3890157"/>
+            <a:off x="1729097" y="3968241"/>
+            <a:ext cx="3295508" cy="893478"/>
           </a:xfrm>
           <a:prstGeom prst="rect">
             <a:avLst/>
           </a:prstGeom>
         </p:spPr>
       </p:pic>
-      <p:pic>
-        <p:nvPicPr>
-          <p:cNvPr id="9" name="图片 8">
+      <p:sp>
+        <p:nvSpPr>
+          <p:cNvPr id="9" name="文本框 8">
             <a:extLst>
               <a:ext uri="{FF2B5EF4-FFF2-40B4-BE49-F238E27FC236}">
-                <a16:creationId xmlns:a16="http://schemas.microsoft.com/office/drawing/2014/main" id="{2EDFAD10-F9D5-48AD-8B53-62DD601C1722}"/>
-              </a:ext>
-            </a:extLst>
-          </p:cNvPr>
-          <p:cNvPicPr>
-            <a:picLocks noChangeAspect="1"/>
-          </p:cNvPicPr>
-          <p:nvPr/>
-        </p:nvPicPr>
-        <p:blipFill>
-          <a:blip r:embed="rId10">
-            <a:extLst>
-              <a:ext uri="{28A0092B-C50C-407E-A947-70E740481C1C}">
-                <a14:useLocalDpi xmlns:a14="http://schemas.microsoft.com/office/drawing/2010/main" val="0"/>
-              </a:ext>
-            </a:extLst>
-          </a:blip>
-          <a:stretch>
-            <a:fillRect/>
-          </a:stretch>
-        </p:blipFill>
-        <p:spPr>
-          <a:xfrm>
-            <a:off x="893701" y="3260278"/>
-            <a:ext cx="5132725" cy="705114"/>
-          </a:xfrm>
-          <a:prstGeom prst="rect">
-            <a:avLst/>
-          </a:prstGeom>
-        </p:spPr>
-      </p:pic>
-      <p:sp>
-        <p:nvSpPr>
-          <p:cNvPr id="14" name="文本框 13">
-            <a:extLst>
-              <a:ext uri="{FF2B5EF4-FFF2-40B4-BE49-F238E27FC236}">
-                <a16:creationId xmlns:a16="http://schemas.microsoft.com/office/drawing/2014/main" id="{5710DFE0-657F-4B79-A16B-82EB4DDC4118}"/>
+                <a16:creationId xmlns:a16="http://schemas.microsoft.com/office/drawing/2014/main" id="{757D893E-5D88-44BB-A54C-962BA4E2B474}"/>
               </a:ext>
             </a:extLst>
           </p:cNvPr>
@@ -17069,7 +17226,7 @@
         <p:spPr>
           <a:xfrm>
             <a:off x="181821" y="1287077"/>
-            <a:ext cx="7239567" cy="3262432"/>
+            <a:ext cx="6390060" cy="2616101"/>
           </a:xfrm>
           <a:prstGeom prst="rect">
             <a:avLst/>
@@ -17104,14 +17261,14 @@
                 <a:latin typeface="华文楷体" panose="02010600040101010101" pitchFamily="2" charset="-122"/>
                 <a:ea typeface="华文楷体" panose="02010600040101010101" pitchFamily="2" charset="-122"/>
               </a:rPr>
-              <a:t>[TASK_ID] </a:t>
+              <a:t>[CLS] </a:t>
             </a:r>
             <a:r>
               <a:rPr lang="zh-CN" altLang="en-US" sz="2800">
                 <a:latin typeface="华文楷体" panose="02010600040101010101" pitchFamily="2" charset="-122"/>
                 <a:ea typeface="华文楷体" panose="02010600040101010101" pitchFamily="2" charset="-122"/>
               </a:rPr>
-              <a:t>得到</a:t>
+              <a:t>记号得到</a:t>
             </a:r>
             <a:endParaRPr lang="en-US" altLang="zh-CN" sz="2800">
               <a:latin typeface="华文楷体" panose="02010600040101010101" pitchFamily="2" charset="-122"/>
@@ -17134,7 +17291,7 @@
                 <a:latin typeface="华文楷体" panose="02010600040101010101" pitchFamily="2" charset="-122"/>
                 <a:ea typeface="华文楷体" panose="02010600040101010101" pitchFamily="2" charset="-122"/>
               </a:rPr>
-              <a:t>在每一层形成任务特定表示</a:t>
+              <a:t>共享层形成通用表示，顶层堆叠任务特定层形成任务特定表示</a:t>
             </a:r>
             <a:endParaRPr lang="en-US" altLang="zh-CN" sz="2800">
               <a:latin typeface="华文楷体" panose="02010600040101010101" pitchFamily="2" charset="-122"/>
@@ -17157,45 +17314,6 @@
                 <a:latin typeface="华文楷体" panose="02010600040101010101" pitchFamily="2" charset="-122"/>
                 <a:ea typeface="华文楷体" panose="02010600040101010101" pitchFamily="2" charset="-122"/>
               </a:rPr>
-              <a:t>隐层的输入为：</a:t>
-            </a:r>
-            <a:endParaRPr lang="en-US" altLang="zh-CN" sz="2800">
-              <a:latin typeface="华文楷体" panose="02010600040101010101" pitchFamily="2" charset="-122"/>
-              <a:ea typeface="华文楷体" panose="02010600040101010101" pitchFamily="2" charset="-122"/>
-            </a:endParaRPr>
-          </a:p>
-          <a:p>
-            <a:pPr marL="457200" indent="-457200">
-              <a:lnSpc>
-                <a:spcPct val="150000"/>
-              </a:lnSpc>
-              <a:buClr>
-                <a:srgbClr val="C55A11"/>
-              </a:buClr>
-              <a:buFont typeface="Wingdings" panose="05000000000000000000" pitchFamily="2" charset="2"/>
-              <a:buChar char="Ø"/>
-            </a:pPr>
-            <a:endParaRPr lang="en-US" altLang="zh-CN" sz="2800">
-              <a:latin typeface="华文楷体" panose="02010600040101010101" pitchFamily="2" charset="-122"/>
-              <a:ea typeface="华文楷体" panose="02010600040101010101" pitchFamily="2" charset="-122"/>
-            </a:endParaRPr>
-          </a:p>
-          <a:p>
-            <a:pPr marL="457200" indent="-457200">
-              <a:lnSpc>
-                <a:spcPct val="150000"/>
-              </a:lnSpc>
-              <a:buClr>
-                <a:srgbClr val="C55A11"/>
-              </a:buClr>
-              <a:buFont typeface="Wingdings" panose="05000000000000000000" pitchFamily="2" charset="2"/>
-              <a:buChar char="Ø"/>
-            </a:pPr>
-            <a:r>
-              <a:rPr lang="zh-CN" altLang="en-US" sz="2800">
-                <a:latin typeface="华文楷体" panose="02010600040101010101" pitchFamily="2" charset="-122"/>
-                <a:ea typeface="华文楷体" panose="02010600040101010101" pitchFamily="2" charset="-122"/>
-              </a:rPr>
               <a:t>预测方式：</a:t>
             </a:r>
             <a:endParaRPr lang="en-US" altLang="zh-CN" sz="2800" dirty="0">
@@ -17211,7 +17329,7 @@
     </p:custDataLst>
     <p:extLst>
       <p:ext uri="{BB962C8B-B14F-4D97-AF65-F5344CB8AC3E}">
-        <p14:creationId xmlns:p14="http://schemas.microsoft.com/office/powerpoint/2010/main" val="35577649"/>
+        <p14:creationId xmlns:p14="http://schemas.microsoft.com/office/powerpoint/2010/main" val="3947073160"/>
       </p:ext>
     </p:extLst>
   </p:cSld>
@@ -17460,45 +17578,32 @@
             <a:r>
               <a:rPr lang="en-US" altLang="zh-CN" sz="3600" b="1" dirty="0">
                 <a:solidFill>
-                  <a:schemeClr val="tx1">
-                    <a:lumMod val="75000"/>
-                    <a:lumOff val="25000"/>
-                  </a:schemeClr>
+                  <a:srgbClr val="C55A11"/>
                 </a:solidFill>
                 <a:latin typeface="华文楷体" panose="02010600040101010101" pitchFamily="2" charset="-122"/>
                 <a:ea typeface="华文楷体" panose="02010600040101010101" pitchFamily="2" charset="-122"/>
               </a:rPr>
-              <a:t>L-E</a:t>
+              <a:t>L-I</a:t>
             </a:r>
             <a:r>
               <a:rPr lang="zh-CN" altLang="en-US" sz="3600" b="1" dirty="0">
                 <a:solidFill>
-                  <a:schemeClr val="tx1">
-                    <a:lumMod val="75000"/>
-                    <a:lumOff val="25000"/>
-                  </a:schemeClr>
+                  <a:srgbClr val="C55A11"/>
                 </a:solidFill>
                 <a:latin typeface="华文楷体" panose="02010600040101010101" pitchFamily="2" charset="-122"/>
                 <a:ea typeface="华文楷体" panose="02010600040101010101" pitchFamily="2" charset="-122"/>
               </a:rPr>
               <a:t>结构</a:t>
             </a:r>
-            <a:endParaRPr lang="zh-CN" altLang="en-US" sz="3600" b="1" dirty="0">
-              <a:solidFill>
-                <a:srgbClr val="C55A11"/>
-              </a:solidFill>
-              <a:latin typeface="华文楷体" panose="02010600040101010101" pitchFamily="2" charset="-122"/>
-              <a:ea typeface="华文楷体" panose="02010600040101010101" pitchFamily="2" charset="-122"/>
-            </a:endParaRPr>
           </a:p>
         </p:txBody>
       </p:sp>
       <p:pic>
         <p:nvPicPr>
-          <p:cNvPr id="4" name="图片 3">
+          <p:cNvPr id="11" name="图片 10">
             <a:extLst>
               <a:ext uri="{FF2B5EF4-FFF2-40B4-BE49-F238E27FC236}">
-                <a16:creationId xmlns:a16="http://schemas.microsoft.com/office/drawing/2014/main" id="{088B0CD3-E360-4245-8E1B-5B604496992C}"/>
+                <a16:creationId xmlns:a16="http://schemas.microsoft.com/office/drawing/2014/main" id="{689DFA61-64D3-497A-996C-86F6F714BC81}"/>
               </a:ext>
             </a:extLst>
           </p:cNvPr>
@@ -17521,8 +17626,8 @@
         </p:blipFill>
         <p:spPr>
           <a:xfrm>
-            <a:off x="6526820" y="1879114"/>
-            <a:ext cx="4515554" cy="3892497"/>
+            <a:off x="1620373" y="4436217"/>
+            <a:ext cx="3295508" cy="893478"/>
           </a:xfrm>
           <a:prstGeom prst="rect">
             <a:avLst/>
@@ -17531,10 +17636,10 @@
       </p:pic>
       <p:pic>
         <p:nvPicPr>
-          <p:cNvPr id="9" name="图片 8">
+          <p:cNvPr id="4" name="图片 3">
             <a:extLst>
               <a:ext uri="{FF2B5EF4-FFF2-40B4-BE49-F238E27FC236}">
-                <a16:creationId xmlns:a16="http://schemas.microsoft.com/office/drawing/2014/main" id="{9BC84D89-8B66-4899-91BB-40A6DF5C9E0D}"/>
+                <a16:creationId xmlns:a16="http://schemas.microsoft.com/office/drawing/2014/main" id="{E7B14EDF-68C9-4989-9C34-8F6F3C054563}"/>
               </a:ext>
             </a:extLst>
           </p:cNvPr>
@@ -17557,20 +17662,56 @@
         </p:blipFill>
         <p:spPr>
           <a:xfrm>
-            <a:off x="1460482" y="3381040"/>
-            <a:ext cx="3565380" cy="706473"/>
+            <a:off x="7421388" y="1792002"/>
+            <a:ext cx="3620986" cy="3890157"/>
           </a:xfrm>
           <a:prstGeom prst="rect">
             <a:avLst/>
           </a:prstGeom>
         </p:spPr>
       </p:pic>
-      <p:sp>
-        <p:nvSpPr>
-          <p:cNvPr id="11" name="文本框 10">
+      <p:pic>
+        <p:nvPicPr>
+          <p:cNvPr id="9" name="图片 8">
             <a:extLst>
               <a:ext uri="{FF2B5EF4-FFF2-40B4-BE49-F238E27FC236}">
-                <a16:creationId xmlns:a16="http://schemas.microsoft.com/office/drawing/2014/main" id="{46471A2C-3D59-4129-8BF2-88B8BE2C4356}"/>
+                <a16:creationId xmlns:a16="http://schemas.microsoft.com/office/drawing/2014/main" id="{2EDFAD10-F9D5-48AD-8B53-62DD601C1722}"/>
+              </a:ext>
+            </a:extLst>
+          </p:cNvPr>
+          <p:cNvPicPr>
+            <a:picLocks noChangeAspect="1"/>
+          </p:cNvPicPr>
+          <p:nvPr/>
+        </p:nvPicPr>
+        <p:blipFill>
+          <a:blip r:embed="rId10">
+            <a:extLst>
+              <a:ext uri="{28A0092B-C50C-407E-A947-70E740481C1C}">
+                <a14:useLocalDpi xmlns:a14="http://schemas.microsoft.com/office/drawing/2010/main" val="0"/>
+              </a:ext>
+            </a:extLst>
+          </a:blip>
+          <a:stretch>
+            <a:fillRect/>
+          </a:stretch>
+        </p:blipFill>
+        <p:spPr>
+          <a:xfrm>
+            <a:off x="893701" y="3260278"/>
+            <a:ext cx="5132725" cy="705114"/>
+          </a:xfrm>
+          <a:prstGeom prst="rect">
+            <a:avLst/>
+          </a:prstGeom>
+        </p:spPr>
+      </p:pic>
+      <p:sp>
+        <p:nvSpPr>
+          <p:cNvPr id="14" name="文本框 13">
+            <a:extLst>
+              <a:ext uri="{FF2B5EF4-FFF2-40B4-BE49-F238E27FC236}">
+                <a16:creationId xmlns:a16="http://schemas.microsoft.com/office/drawing/2014/main" id="{5710DFE0-657F-4B79-A16B-82EB4DDC4118}"/>
               </a:ext>
             </a:extLst>
           </p:cNvPr>
@@ -17580,7 +17721,7 @@
         <p:spPr>
           <a:xfrm>
             <a:off x="181821" y="1287077"/>
-            <a:ext cx="7239567" cy="1969770"/>
+            <a:ext cx="7239567" cy="3262432"/>
           </a:xfrm>
           <a:prstGeom prst="rect">
             <a:avLst/>
@@ -17615,7 +17756,7 @@
                 <a:latin typeface="华文楷体" panose="02010600040101010101" pitchFamily="2" charset="-122"/>
                 <a:ea typeface="华文楷体" panose="02010600040101010101" pitchFamily="2" charset="-122"/>
               </a:rPr>
-              <a:t>[CLS_ID] </a:t>
+              <a:t>[TASK_ID] </a:t>
             </a:r>
             <a:r>
               <a:rPr lang="zh-CN" altLang="en-US" sz="2800">
@@ -17668,6 +17809,45 @@
                 <a:latin typeface="华文楷体" panose="02010600040101010101" pitchFamily="2" charset="-122"/>
                 <a:ea typeface="华文楷体" panose="02010600040101010101" pitchFamily="2" charset="-122"/>
               </a:rPr>
+              <a:t>隐层的输入为：</a:t>
+            </a:r>
+            <a:endParaRPr lang="en-US" altLang="zh-CN" sz="2800">
+              <a:latin typeface="华文楷体" panose="02010600040101010101" pitchFamily="2" charset="-122"/>
+              <a:ea typeface="华文楷体" panose="02010600040101010101" pitchFamily="2" charset="-122"/>
+            </a:endParaRPr>
+          </a:p>
+          <a:p>
+            <a:pPr marL="457200" indent="-457200">
+              <a:lnSpc>
+                <a:spcPct val="150000"/>
+              </a:lnSpc>
+              <a:buClr>
+                <a:srgbClr val="C55A11"/>
+              </a:buClr>
+              <a:buFont typeface="Wingdings" panose="05000000000000000000" pitchFamily="2" charset="2"/>
+              <a:buChar char="Ø"/>
+            </a:pPr>
+            <a:endParaRPr lang="en-US" altLang="zh-CN" sz="2800">
+              <a:latin typeface="华文楷体" panose="02010600040101010101" pitchFamily="2" charset="-122"/>
+              <a:ea typeface="华文楷体" panose="02010600040101010101" pitchFamily="2" charset="-122"/>
+            </a:endParaRPr>
+          </a:p>
+          <a:p>
+            <a:pPr marL="457200" indent="-457200">
+              <a:lnSpc>
+                <a:spcPct val="150000"/>
+              </a:lnSpc>
+              <a:buClr>
+                <a:srgbClr val="C55A11"/>
+              </a:buClr>
+              <a:buFont typeface="Wingdings" panose="05000000000000000000" pitchFamily="2" charset="2"/>
+              <a:buChar char="Ø"/>
+            </a:pPr>
+            <a:r>
+              <a:rPr lang="zh-CN" altLang="en-US" sz="2800">
+                <a:latin typeface="华文楷体" panose="02010600040101010101" pitchFamily="2" charset="-122"/>
+                <a:ea typeface="华文楷体" panose="02010600040101010101" pitchFamily="2" charset="-122"/>
+              </a:rPr>
               <a:t>预测方式：</a:t>
             </a:r>
             <a:endParaRPr lang="en-US" altLang="zh-CN" sz="2800" dirty="0">
@@ -17683,7 +17863,7 @@
     </p:custDataLst>
     <p:extLst>
       <p:ext uri="{BB962C8B-B14F-4D97-AF65-F5344CB8AC3E}">
-        <p14:creationId xmlns:p14="http://schemas.microsoft.com/office/powerpoint/2010/main" val="3410638000"/>
+        <p14:creationId xmlns:p14="http://schemas.microsoft.com/office/powerpoint/2010/main" val="35577649"/>
       </p:ext>
     </p:extLst>
   </p:cSld>
@@ -17930,12 +18110,468 @@
           <a:lstStyle/>
           <a:p>
             <a:r>
+              <a:rPr lang="en-US" altLang="zh-CN" sz="3600" b="1" dirty="0">
+                <a:solidFill>
+                  <a:srgbClr val="C55A11"/>
+                </a:solidFill>
+                <a:latin typeface="华文楷体" panose="02010600040101010101" pitchFamily="2" charset="-122"/>
+                <a:ea typeface="华文楷体" panose="02010600040101010101" pitchFamily="2" charset="-122"/>
+              </a:rPr>
+              <a:t>L-E</a:t>
+            </a:r>
+            <a:r>
+              <a:rPr lang="zh-CN" altLang="en-US" sz="3600" b="1" dirty="0">
+                <a:solidFill>
+                  <a:srgbClr val="C55A11"/>
+                </a:solidFill>
+                <a:latin typeface="华文楷体" panose="02010600040101010101" pitchFamily="2" charset="-122"/>
+                <a:ea typeface="华文楷体" panose="02010600040101010101" pitchFamily="2" charset="-122"/>
+              </a:rPr>
+              <a:t>结构</a:t>
+            </a:r>
+          </a:p>
+        </p:txBody>
+      </p:sp>
+      <p:pic>
+        <p:nvPicPr>
+          <p:cNvPr id="4" name="图片 3">
+            <a:extLst>
+              <a:ext uri="{FF2B5EF4-FFF2-40B4-BE49-F238E27FC236}">
+                <a16:creationId xmlns:a16="http://schemas.microsoft.com/office/drawing/2014/main" id="{088B0CD3-E360-4245-8E1B-5B604496992C}"/>
+              </a:ext>
+            </a:extLst>
+          </p:cNvPr>
+          <p:cNvPicPr>
+            <a:picLocks noChangeAspect="1"/>
+          </p:cNvPicPr>
+          <p:nvPr/>
+        </p:nvPicPr>
+        <p:blipFill>
+          <a:blip r:embed="rId8">
+            <a:extLst>
+              <a:ext uri="{28A0092B-C50C-407E-A947-70E740481C1C}">
+                <a14:useLocalDpi xmlns:a14="http://schemas.microsoft.com/office/drawing/2010/main" val="0"/>
+              </a:ext>
+            </a:extLst>
+          </a:blip>
+          <a:stretch>
+            <a:fillRect/>
+          </a:stretch>
+        </p:blipFill>
+        <p:spPr>
+          <a:xfrm>
+            <a:off x="6526820" y="1879114"/>
+            <a:ext cx="4515554" cy="3892497"/>
+          </a:xfrm>
+          <a:prstGeom prst="rect">
+            <a:avLst/>
+          </a:prstGeom>
+        </p:spPr>
+      </p:pic>
+      <p:pic>
+        <p:nvPicPr>
+          <p:cNvPr id="9" name="图片 8">
+            <a:extLst>
+              <a:ext uri="{FF2B5EF4-FFF2-40B4-BE49-F238E27FC236}">
+                <a16:creationId xmlns:a16="http://schemas.microsoft.com/office/drawing/2014/main" id="{9BC84D89-8B66-4899-91BB-40A6DF5C9E0D}"/>
+              </a:ext>
+            </a:extLst>
+          </p:cNvPr>
+          <p:cNvPicPr>
+            <a:picLocks noChangeAspect="1"/>
+          </p:cNvPicPr>
+          <p:nvPr/>
+        </p:nvPicPr>
+        <p:blipFill>
+          <a:blip r:embed="rId9">
+            <a:extLst>
+              <a:ext uri="{28A0092B-C50C-407E-A947-70E740481C1C}">
+                <a14:useLocalDpi xmlns:a14="http://schemas.microsoft.com/office/drawing/2010/main" val="0"/>
+              </a:ext>
+            </a:extLst>
+          </a:blip>
+          <a:stretch>
+            <a:fillRect/>
+          </a:stretch>
+        </p:blipFill>
+        <p:spPr>
+          <a:xfrm>
+            <a:off x="1460482" y="3381040"/>
+            <a:ext cx="3565380" cy="706473"/>
+          </a:xfrm>
+          <a:prstGeom prst="rect">
+            <a:avLst/>
+          </a:prstGeom>
+        </p:spPr>
+      </p:pic>
+      <p:sp>
+        <p:nvSpPr>
+          <p:cNvPr id="11" name="文本框 10">
+            <a:extLst>
+              <a:ext uri="{FF2B5EF4-FFF2-40B4-BE49-F238E27FC236}">
+                <a16:creationId xmlns:a16="http://schemas.microsoft.com/office/drawing/2014/main" id="{46471A2C-3D59-4129-8BF2-88B8BE2C4356}"/>
+              </a:ext>
+            </a:extLst>
+          </p:cNvPr>
+          <p:cNvSpPr txBox="1"/>
+          <p:nvPr/>
+        </p:nvSpPr>
+        <p:spPr>
+          <a:xfrm>
+            <a:off x="181821" y="1287077"/>
+            <a:ext cx="7239567" cy="1969770"/>
+          </a:xfrm>
+          <a:prstGeom prst="rect">
+            <a:avLst/>
+          </a:prstGeom>
+          <a:noFill/>
+        </p:spPr>
+        <p:txBody>
+          <a:bodyPr wrap="square" rtlCol="0">
+            <a:spAutoFit/>
+          </a:bodyPr>
+          <a:lstStyle/>
+          <a:p>
+            <a:pPr marL="457200" indent="-457200">
+              <a:lnSpc>
+                <a:spcPct val="150000"/>
+              </a:lnSpc>
+              <a:buClr>
+                <a:srgbClr val="C55A11"/>
+              </a:buClr>
+              <a:buFont typeface="Wingdings" panose="05000000000000000000" pitchFamily="2" charset="2"/>
+              <a:buChar char="Ø"/>
+            </a:pPr>
+            <a:r>
+              <a:rPr lang="zh-CN" altLang="en-US" sz="2800">
+                <a:latin typeface="华文楷体" panose="02010600040101010101" pitchFamily="2" charset="-122"/>
+                <a:ea typeface="华文楷体" panose="02010600040101010101" pitchFamily="2" charset="-122"/>
+              </a:rPr>
+              <a:t>句子表示通过 </a:t>
+            </a:r>
+            <a:r>
+              <a:rPr lang="en-US" altLang="zh-CN" sz="2800">
+                <a:latin typeface="华文楷体" panose="02010600040101010101" pitchFamily="2" charset="-122"/>
+                <a:ea typeface="华文楷体" panose="02010600040101010101" pitchFamily="2" charset="-122"/>
+              </a:rPr>
+              <a:t>[CLS_ID] </a:t>
+            </a:r>
+            <a:r>
+              <a:rPr lang="zh-CN" altLang="en-US" sz="2800">
+                <a:latin typeface="华文楷体" panose="02010600040101010101" pitchFamily="2" charset="-122"/>
+                <a:ea typeface="华文楷体" panose="02010600040101010101" pitchFamily="2" charset="-122"/>
+              </a:rPr>
+              <a:t>得到</a:t>
+            </a:r>
+            <a:endParaRPr lang="en-US" altLang="zh-CN" sz="2800">
+              <a:latin typeface="华文楷体" panose="02010600040101010101" pitchFamily="2" charset="-122"/>
+              <a:ea typeface="华文楷体" panose="02010600040101010101" pitchFamily="2" charset="-122"/>
+            </a:endParaRPr>
+          </a:p>
+          <a:p>
+            <a:pPr marL="457200" indent="-457200">
+              <a:lnSpc>
+                <a:spcPct val="150000"/>
+              </a:lnSpc>
+              <a:buClr>
+                <a:srgbClr val="C55A11"/>
+              </a:buClr>
+              <a:buFont typeface="Wingdings" panose="05000000000000000000" pitchFamily="2" charset="2"/>
+              <a:buChar char="Ø"/>
+            </a:pPr>
+            <a:r>
+              <a:rPr lang="zh-CN" altLang="en-US" sz="2800">
+                <a:latin typeface="华文楷体" panose="02010600040101010101" pitchFamily="2" charset="-122"/>
+                <a:ea typeface="华文楷体" panose="02010600040101010101" pitchFamily="2" charset="-122"/>
+              </a:rPr>
+              <a:t>在每一层形成任务特定表示</a:t>
+            </a:r>
+            <a:endParaRPr lang="en-US" altLang="zh-CN" sz="2800">
+              <a:latin typeface="华文楷体" panose="02010600040101010101" pitchFamily="2" charset="-122"/>
+              <a:ea typeface="华文楷体" panose="02010600040101010101" pitchFamily="2" charset="-122"/>
+            </a:endParaRPr>
+          </a:p>
+          <a:p>
+            <a:pPr marL="457200" indent="-457200">
+              <a:lnSpc>
+                <a:spcPct val="150000"/>
+              </a:lnSpc>
+              <a:buClr>
+                <a:srgbClr val="C55A11"/>
+              </a:buClr>
+              <a:buFont typeface="Wingdings" panose="05000000000000000000" pitchFamily="2" charset="2"/>
+              <a:buChar char="Ø"/>
+            </a:pPr>
+            <a:r>
+              <a:rPr lang="zh-CN" altLang="en-US" sz="2800">
+                <a:latin typeface="华文楷体" panose="02010600040101010101" pitchFamily="2" charset="-122"/>
+                <a:ea typeface="华文楷体" panose="02010600040101010101" pitchFamily="2" charset="-122"/>
+              </a:rPr>
+              <a:t>预测方式：</a:t>
+            </a:r>
+            <a:endParaRPr lang="en-US" altLang="zh-CN" sz="2800" dirty="0">
+              <a:latin typeface="华文楷体" panose="02010600040101010101" pitchFamily="2" charset="-122"/>
+              <a:ea typeface="华文楷体" panose="02010600040101010101" pitchFamily="2" charset="-122"/>
+            </a:endParaRPr>
+          </a:p>
+        </p:txBody>
+      </p:sp>
+    </p:spTree>
+    <p:custDataLst>
+      <p:tags r:id="rId1"/>
+    </p:custDataLst>
+    <p:extLst>
+      <p:ext uri="{BB962C8B-B14F-4D97-AF65-F5344CB8AC3E}">
+        <p14:creationId xmlns:p14="http://schemas.microsoft.com/office/powerpoint/2010/main" val="3410638000"/>
+      </p:ext>
+    </p:extLst>
+  </p:cSld>
+  <p:clrMapOvr>
+    <a:masterClrMapping/>
+  </p:clrMapOvr>
+  <mc:AlternateContent xmlns:mc="http://schemas.openxmlformats.org/markup-compatibility/2006" xmlns:p14="http://schemas.microsoft.com/office/powerpoint/2010/main">
+    <mc:Choice Requires="p14">
+      <p:transition spd="med" p14:dur="700" advTm="31146">
+        <p:fade/>
+      </p:transition>
+    </mc:Choice>
+    <mc:Fallback xmlns="">
+      <p:transition spd="med" advTm="31146">
+        <p:fade/>
+      </p:transition>
+    </mc:Fallback>
+  </mc:AlternateContent>
+</p:sld>
+</file>
+
+<file path=ppt/slides/slide27.xml><?xml version="1.0" encoding="utf-8"?>
+<p:sld xmlns:a="http://schemas.openxmlformats.org/drawingml/2006/main" xmlns:r="http://schemas.openxmlformats.org/officeDocument/2006/relationships" xmlns:p="http://schemas.openxmlformats.org/presentationml/2006/main">
+  <p:cSld>
+    <p:spTree>
+      <p:nvGrpSpPr>
+        <p:cNvPr id="1" name=""/>
+        <p:cNvGrpSpPr/>
+        <p:nvPr/>
+      </p:nvGrpSpPr>
+      <p:grpSpPr>
+        <a:xfrm>
+          <a:off x="0" y="0"/>
+          <a:ext cx="0" cy="0"/>
+          <a:chOff x="0" y="0"/>
+          <a:chExt cx="0" cy="0"/>
+        </a:xfrm>
+      </p:grpSpPr>
+      <p:sp>
+        <p:nvSpPr>
+          <p:cNvPr id="3" name="PA_矩形 2"/>
+          <p:cNvSpPr/>
+          <p:nvPr>
+            <p:custDataLst>
+              <p:tags r:id="rId2"/>
+            </p:custDataLst>
+          </p:nvPr>
+        </p:nvSpPr>
+        <p:spPr>
+          <a:xfrm>
+            <a:off x="0" y="1"/>
+            <a:ext cx="12192000" cy="45719"/>
+          </a:xfrm>
+          <a:prstGeom prst="rect">
+            <a:avLst/>
+          </a:prstGeom>
+          <a:solidFill>
+            <a:srgbClr val="C55A11"/>
+          </a:solidFill>
+          <a:ln>
+            <a:noFill/>
+          </a:ln>
+        </p:spPr>
+        <p:style>
+          <a:lnRef idx="2">
+            <a:schemeClr val="accent1">
+              <a:shade val="50000"/>
+            </a:schemeClr>
+          </a:lnRef>
+          <a:fillRef idx="1">
+            <a:schemeClr val="accent1"/>
+          </a:fillRef>
+          <a:effectRef idx="0">
+            <a:schemeClr val="accent1"/>
+          </a:effectRef>
+          <a:fontRef idx="minor">
+            <a:schemeClr val="lt1"/>
+          </a:fontRef>
+        </p:style>
+        <p:txBody>
+          <a:bodyPr rtlCol="0" anchor="ctr"/>
+          <a:lstStyle/>
+          <a:p>
+            <a:pPr algn="ctr"/>
+            <a:endParaRPr lang="zh-CN" altLang="en-US"/>
+          </a:p>
+        </p:txBody>
+      </p:sp>
+      <p:cxnSp>
+        <p:nvCxnSpPr>
+          <p:cNvPr id="6" name="PA_直接连接符 5"/>
+          <p:cNvCxnSpPr>
+            <a:cxnSpLocks/>
+          </p:cNvCxnSpPr>
+          <p:nvPr>
+            <p:custDataLst>
+              <p:tags r:id="rId3"/>
+            </p:custDataLst>
+          </p:nvPr>
+        </p:nvCxnSpPr>
+        <p:spPr>
+          <a:xfrm>
+            <a:off x="0" y="1201003"/>
+            <a:ext cx="12192000" cy="0"/>
+          </a:xfrm>
+          <a:prstGeom prst="line">
+            <a:avLst/>
+          </a:prstGeom>
+          <a:ln>
+            <a:solidFill>
+              <a:schemeClr val="tx1">
+                <a:lumMod val="50000"/>
+                <a:lumOff val="50000"/>
+              </a:schemeClr>
+            </a:solidFill>
+          </a:ln>
+        </p:spPr>
+        <p:style>
+          <a:lnRef idx="1">
+            <a:schemeClr val="accent1"/>
+          </a:lnRef>
+          <a:fillRef idx="0">
+            <a:schemeClr val="accent1"/>
+          </a:fillRef>
+          <a:effectRef idx="0">
+            <a:schemeClr val="accent1"/>
+          </a:effectRef>
+          <a:fontRef idx="minor">
+            <a:schemeClr val="tx1"/>
+          </a:fontRef>
+        </p:style>
+      </p:cxnSp>
+      <p:sp>
+        <p:nvSpPr>
+          <p:cNvPr id="10" name="PA_矩形 9"/>
+          <p:cNvSpPr/>
+          <p:nvPr>
+            <p:custDataLst>
+              <p:tags r:id="rId4"/>
+            </p:custDataLst>
+          </p:nvPr>
+        </p:nvSpPr>
+        <p:spPr>
+          <a:xfrm>
+            <a:off x="0" y="6713739"/>
+            <a:ext cx="12192000" cy="144261"/>
+          </a:xfrm>
+          <a:prstGeom prst="rect">
+            <a:avLst/>
+          </a:prstGeom>
+          <a:solidFill>
+            <a:srgbClr val="C55A11"/>
+          </a:solidFill>
+          <a:ln>
+            <a:noFill/>
+          </a:ln>
+        </p:spPr>
+        <p:style>
+          <a:lnRef idx="2">
+            <a:schemeClr val="accent1">
+              <a:shade val="50000"/>
+            </a:schemeClr>
+          </a:lnRef>
+          <a:fillRef idx="1">
+            <a:schemeClr val="accent1"/>
+          </a:fillRef>
+          <a:effectRef idx="0">
+            <a:schemeClr val="accent1"/>
+          </a:effectRef>
+          <a:fontRef idx="minor">
+            <a:schemeClr val="lt1"/>
+          </a:fontRef>
+        </p:style>
+        <p:txBody>
+          <a:bodyPr rtlCol="0" anchor="ctr"/>
+          <a:lstStyle/>
+          <a:p>
+            <a:pPr algn="ctr"/>
+            <a:endParaRPr lang="zh-CN" altLang="en-US"/>
+          </a:p>
+        </p:txBody>
+      </p:sp>
+      <p:pic>
+        <p:nvPicPr>
+          <p:cNvPr id="5" name="图片 4">
+            <a:extLst>
+              <a:ext uri="{FF2B5EF4-FFF2-40B4-BE49-F238E27FC236}">
+                <a16:creationId xmlns:a16="http://schemas.microsoft.com/office/drawing/2014/main" id="{331F8B9E-44A9-48A8-A615-661C088C7B35}"/>
+              </a:ext>
+            </a:extLst>
+          </p:cNvPr>
+          <p:cNvPicPr>
+            <a:picLocks noChangeAspect="1"/>
+          </p:cNvPicPr>
+          <p:nvPr/>
+        </p:nvPicPr>
+        <p:blipFill>
+          <a:blip r:embed="rId7" cstate="print">
+            <a:extLst>
+              <a:ext uri="{28A0092B-C50C-407E-A947-70E740481C1C}">
+                <a14:useLocalDpi xmlns:a14="http://schemas.microsoft.com/office/drawing/2010/main" val="0"/>
+              </a:ext>
+            </a:extLst>
+          </a:blip>
+          <a:stretch>
+            <a:fillRect/>
+          </a:stretch>
+        </p:blipFill>
+        <p:spPr>
+          <a:xfrm>
+            <a:off x="11042374" y="139459"/>
+            <a:ext cx="967805" cy="967805"/>
+          </a:xfrm>
+          <a:prstGeom prst="rect">
+            <a:avLst/>
+          </a:prstGeom>
+        </p:spPr>
+      </p:pic>
+      <p:sp>
+        <p:nvSpPr>
+          <p:cNvPr id="13" name="矩形 12">
+            <a:extLst>
+              <a:ext uri="{FF2B5EF4-FFF2-40B4-BE49-F238E27FC236}">
+                <a16:creationId xmlns:a16="http://schemas.microsoft.com/office/drawing/2014/main" id="{2B277579-C26B-4516-B8AC-02305AA55F0F}"/>
+              </a:ext>
+            </a:extLst>
+          </p:cNvPr>
+          <p:cNvSpPr/>
+          <p:nvPr/>
+        </p:nvSpPr>
+        <p:spPr>
+          <a:xfrm>
+            <a:off x="181821" y="331578"/>
+            <a:ext cx="10860553" cy="646331"/>
+          </a:xfrm>
+          <a:prstGeom prst="rect">
+            <a:avLst/>
+          </a:prstGeom>
+        </p:spPr>
+        <p:txBody>
+          <a:bodyPr wrap="square">
+            <a:spAutoFit/>
+          </a:bodyPr>
+          <a:lstStyle/>
+          <a:p>
+            <a:r>
               <a:rPr lang="zh-CN" altLang="en-US" sz="3600" b="1">
                 <a:solidFill>
-                  <a:schemeClr val="tx1">
-                    <a:lumMod val="75000"/>
-                    <a:lumOff val="25000"/>
-                  </a:schemeClr>
+                  <a:srgbClr val="C55A11"/>
                 </a:solidFill>
                 <a:latin typeface="华文楷体" panose="02010600040101010101" pitchFamily="2" charset="-122"/>
                 <a:ea typeface="华文楷体" panose="02010600040101010101" pitchFamily="2" charset="-122"/>
@@ -18495,6 +19131,43 @@
           </a:graphicData>
         </a:graphic>
       </p:graphicFrame>
+      <p:pic>
+        <p:nvPicPr>
+          <p:cNvPr id="9" name="图片 8">
+            <a:extLst>
+              <a:ext uri="{FF2B5EF4-FFF2-40B4-BE49-F238E27FC236}">
+                <a16:creationId xmlns:a16="http://schemas.microsoft.com/office/drawing/2014/main" id="{2CB0F7D9-3C97-4EB9-A7CC-3FF7B73259A5}"/>
+              </a:ext>
+            </a:extLst>
+          </p:cNvPr>
+          <p:cNvPicPr>
+            <a:picLocks noChangeAspect="1"/>
+          </p:cNvPicPr>
+          <p:nvPr/>
+        </p:nvPicPr>
+        <p:blipFill rotWithShape="1">
+          <a:blip r:embed="rId8">
+            <a:duotone>
+              <a:schemeClr val="bg2">
+                <a:shade val="45000"/>
+                <a:satMod val="135000"/>
+              </a:schemeClr>
+              <a:prstClr val="white"/>
+            </a:duotone>
+          </a:blip>
+          <a:srcRect t="-8375" r="69791"/>
+          <a:stretch/>
+        </p:blipFill>
+        <p:spPr>
+          <a:xfrm>
+            <a:off x="9913955" y="4136066"/>
+            <a:ext cx="3769087" cy="3644263"/>
+          </a:xfrm>
+          <a:prstGeom prst="rect">
+            <a:avLst/>
+          </a:prstGeom>
+        </p:spPr>
+      </p:pic>
       <p:sp>
         <p:nvSpPr>
           <p:cNvPr id="12" name="文本框 11">
@@ -18600,492 +19273,6 @@
     <p:extLst>
       <p:ext uri="{BB962C8B-B14F-4D97-AF65-F5344CB8AC3E}">
         <p14:creationId xmlns:p14="http://schemas.microsoft.com/office/powerpoint/2010/main" val="2578670585"/>
-      </p:ext>
-    </p:extLst>
-  </p:cSld>
-  <p:clrMapOvr>
-    <a:masterClrMapping/>
-  </p:clrMapOvr>
-  <mc:AlternateContent xmlns:mc="http://schemas.openxmlformats.org/markup-compatibility/2006" xmlns:p14="http://schemas.microsoft.com/office/powerpoint/2010/main">
-    <mc:Choice Requires="p14">
-      <p:transition spd="med" p14:dur="700" advTm="31146">
-        <p:fade/>
-      </p:transition>
-    </mc:Choice>
-    <mc:Fallback xmlns="">
-      <p:transition spd="med" advTm="31146">
-        <p:fade/>
-      </p:transition>
-    </mc:Fallback>
-  </mc:AlternateContent>
-</p:sld>
-</file>
-
-<file path=ppt/slides/slide27.xml><?xml version="1.0" encoding="utf-8"?>
-<p:sld xmlns:a="http://schemas.openxmlformats.org/drawingml/2006/main" xmlns:r="http://schemas.openxmlformats.org/officeDocument/2006/relationships" xmlns:p="http://schemas.openxmlformats.org/presentationml/2006/main">
-  <p:cSld>
-    <p:spTree>
-      <p:nvGrpSpPr>
-        <p:cNvPr id="1" name=""/>
-        <p:cNvGrpSpPr/>
-        <p:nvPr/>
-      </p:nvGrpSpPr>
-      <p:grpSpPr>
-        <a:xfrm>
-          <a:off x="0" y="0"/>
-          <a:ext cx="0" cy="0"/>
-          <a:chOff x="0" y="0"/>
-          <a:chExt cx="0" cy="0"/>
-        </a:xfrm>
-      </p:grpSpPr>
-      <p:sp>
-        <p:nvSpPr>
-          <p:cNvPr id="3" name="PA_矩形 2"/>
-          <p:cNvSpPr/>
-          <p:nvPr>
-            <p:custDataLst>
-              <p:tags r:id="rId2"/>
-            </p:custDataLst>
-          </p:nvPr>
-        </p:nvSpPr>
-        <p:spPr>
-          <a:xfrm>
-            <a:off x="0" y="1"/>
-            <a:ext cx="12192000" cy="45719"/>
-          </a:xfrm>
-          <a:prstGeom prst="rect">
-            <a:avLst/>
-          </a:prstGeom>
-          <a:solidFill>
-            <a:srgbClr val="C55A11"/>
-          </a:solidFill>
-          <a:ln>
-            <a:noFill/>
-          </a:ln>
-        </p:spPr>
-        <p:style>
-          <a:lnRef idx="2">
-            <a:schemeClr val="accent1">
-              <a:shade val="50000"/>
-            </a:schemeClr>
-          </a:lnRef>
-          <a:fillRef idx="1">
-            <a:schemeClr val="accent1"/>
-          </a:fillRef>
-          <a:effectRef idx="0">
-            <a:schemeClr val="accent1"/>
-          </a:effectRef>
-          <a:fontRef idx="minor">
-            <a:schemeClr val="lt1"/>
-          </a:fontRef>
-        </p:style>
-        <p:txBody>
-          <a:bodyPr rtlCol="0" anchor="ctr"/>
-          <a:lstStyle/>
-          <a:p>
-            <a:pPr algn="ctr"/>
-            <a:endParaRPr lang="zh-CN" altLang="en-US"/>
-          </a:p>
-        </p:txBody>
-      </p:sp>
-      <p:cxnSp>
-        <p:nvCxnSpPr>
-          <p:cNvPr id="6" name="PA_直接连接符 5"/>
-          <p:cNvCxnSpPr>
-            <a:cxnSpLocks/>
-          </p:cNvCxnSpPr>
-          <p:nvPr>
-            <p:custDataLst>
-              <p:tags r:id="rId3"/>
-            </p:custDataLst>
-          </p:nvPr>
-        </p:nvCxnSpPr>
-        <p:spPr>
-          <a:xfrm>
-            <a:off x="0" y="1201003"/>
-            <a:ext cx="12192000" cy="0"/>
-          </a:xfrm>
-          <a:prstGeom prst="line">
-            <a:avLst/>
-          </a:prstGeom>
-          <a:ln>
-            <a:solidFill>
-              <a:schemeClr val="tx1">
-                <a:lumMod val="50000"/>
-                <a:lumOff val="50000"/>
-              </a:schemeClr>
-            </a:solidFill>
-          </a:ln>
-        </p:spPr>
-        <p:style>
-          <a:lnRef idx="1">
-            <a:schemeClr val="accent1"/>
-          </a:lnRef>
-          <a:fillRef idx="0">
-            <a:schemeClr val="accent1"/>
-          </a:fillRef>
-          <a:effectRef idx="0">
-            <a:schemeClr val="accent1"/>
-          </a:effectRef>
-          <a:fontRef idx="minor">
-            <a:schemeClr val="tx1"/>
-          </a:fontRef>
-        </p:style>
-      </p:cxnSp>
-      <p:sp>
-        <p:nvSpPr>
-          <p:cNvPr id="10" name="PA_矩形 9"/>
-          <p:cNvSpPr/>
-          <p:nvPr>
-            <p:custDataLst>
-              <p:tags r:id="rId4"/>
-            </p:custDataLst>
-          </p:nvPr>
-        </p:nvSpPr>
-        <p:spPr>
-          <a:xfrm>
-            <a:off x="0" y="6713739"/>
-            <a:ext cx="12192000" cy="144261"/>
-          </a:xfrm>
-          <a:prstGeom prst="rect">
-            <a:avLst/>
-          </a:prstGeom>
-          <a:solidFill>
-            <a:srgbClr val="C55A11"/>
-          </a:solidFill>
-          <a:ln>
-            <a:noFill/>
-          </a:ln>
-        </p:spPr>
-        <p:style>
-          <a:lnRef idx="2">
-            <a:schemeClr val="accent1">
-              <a:shade val="50000"/>
-            </a:schemeClr>
-          </a:lnRef>
-          <a:fillRef idx="1">
-            <a:schemeClr val="accent1"/>
-          </a:fillRef>
-          <a:effectRef idx="0">
-            <a:schemeClr val="accent1"/>
-          </a:effectRef>
-          <a:fontRef idx="minor">
-            <a:schemeClr val="lt1"/>
-          </a:fontRef>
-        </p:style>
-        <p:txBody>
-          <a:bodyPr rtlCol="0" anchor="ctr"/>
-          <a:lstStyle/>
-          <a:p>
-            <a:pPr algn="ctr"/>
-            <a:endParaRPr lang="zh-CN" altLang="en-US"/>
-          </a:p>
-        </p:txBody>
-      </p:sp>
-      <p:pic>
-        <p:nvPicPr>
-          <p:cNvPr id="5" name="图片 4">
-            <a:extLst>
-              <a:ext uri="{FF2B5EF4-FFF2-40B4-BE49-F238E27FC236}">
-                <a16:creationId xmlns:a16="http://schemas.microsoft.com/office/drawing/2014/main" id="{331F8B9E-44A9-48A8-A615-661C088C7B35}"/>
-              </a:ext>
-            </a:extLst>
-          </p:cNvPr>
-          <p:cNvPicPr>
-            <a:picLocks noChangeAspect="1"/>
-          </p:cNvPicPr>
-          <p:nvPr/>
-        </p:nvPicPr>
-        <p:blipFill>
-          <a:blip r:embed="rId7" cstate="print">
-            <a:extLst>
-              <a:ext uri="{28A0092B-C50C-407E-A947-70E740481C1C}">
-                <a14:useLocalDpi xmlns:a14="http://schemas.microsoft.com/office/drawing/2010/main" val="0"/>
-              </a:ext>
-            </a:extLst>
-          </a:blip>
-          <a:stretch>
-            <a:fillRect/>
-          </a:stretch>
-        </p:blipFill>
-        <p:spPr>
-          <a:xfrm>
-            <a:off x="11042374" y="139459"/>
-            <a:ext cx="967805" cy="967805"/>
-          </a:xfrm>
-          <a:prstGeom prst="rect">
-            <a:avLst/>
-          </a:prstGeom>
-        </p:spPr>
-      </p:pic>
-      <p:sp>
-        <p:nvSpPr>
-          <p:cNvPr id="13" name="矩形 12">
-            <a:extLst>
-              <a:ext uri="{FF2B5EF4-FFF2-40B4-BE49-F238E27FC236}">
-                <a16:creationId xmlns:a16="http://schemas.microsoft.com/office/drawing/2014/main" id="{2B277579-C26B-4516-B8AC-02305AA55F0F}"/>
-              </a:ext>
-            </a:extLst>
-          </p:cNvPr>
-          <p:cNvSpPr/>
-          <p:nvPr/>
-        </p:nvSpPr>
-        <p:spPr>
-          <a:xfrm>
-            <a:off x="181821" y="331578"/>
-            <a:ext cx="10860553" cy="646331"/>
-          </a:xfrm>
-          <a:prstGeom prst="rect">
-            <a:avLst/>
-          </a:prstGeom>
-        </p:spPr>
-        <p:txBody>
-          <a:bodyPr wrap="square">
-            <a:spAutoFit/>
-          </a:bodyPr>
-          <a:lstStyle/>
-          <a:p>
-            <a:r>
-              <a:rPr lang="zh-CN" altLang="en-US" sz="3600" b="1">
-                <a:solidFill>
-                  <a:schemeClr val="tx1">
-                    <a:lumMod val="75000"/>
-                    <a:lumOff val="25000"/>
-                  </a:schemeClr>
-                </a:solidFill>
-                <a:latin typeface="华文楷体" panose="02010600040101010101" pitchFamily="2" charset="-122"/>
-                <a:ea typeface="华文楷体" panose="02010600040101010101" pitchFamily="2" charset="-122"/>
-              </a:rPr>
-              <a:t>模型实现</a:t>
-            </a:r>
-            <a:endParaRPr lang="zh-CN" altLang="en-US" sz="3600" b="1" dirty="0">
-              <a:solidFill>
-                <a:srgbClr val="C55A11"/>
-              </a:solidFill>
-              <a:latin typeface="华文楷体" panose="02010600040101010101" pitchFamily="2" charset="-122"/>
-              <a:ea typeface="华文楷体" panose="02010600040101010101" pitchFamily="2" charset="-122"/>
-            </a:endParaRPr>
-          </a:p>
-        </p:txBody>
-      </p:sp>
-      <p:pic>
-        <p:nvPicPr>
-          <p:cNvPr id="4" name="图片 3">
-            <a:extLst>
-              <a:ext uri="{FF2B5EF4-FFF2-40B4-BE49-F238E27FC236}">
-                <a16:creationId xmlns:a16="http://schemas.microsoft.com/office/drawing/2014/main" id="{7807B69E-5596-420A-942A-A90C01F2691B}"/>
-              </a:ext>
-            </a:extLst>
-          </p:cNvPr>
-          <p:cNvPicPr>
-            <a:picLocks noChangeAspect="1"/>
-          </p:cNvPicPr>
-          <p:nvPr/>
-        </p:nvPicPr>
-        <p:blipFill>
-          <a:blip r:embed="rId8">
-            <a:extLst>
-              <a:ext uri="{28A0092B-C50C-407E-A947-70E740481C1C}">
-                <a14:useLocalDpi xmlns:a14="http://schemas.microsoft.com/office/drawing/2010/main" val="0"/>
-              </a:ext>
-            </a:extLst>
-          </a:blip>
-          <a:stretch>
-            <a:fillRect/>
-          </a:stretch>
-        </p:blipFill>
-        <p:spPr>
-          <a:xfrm>
-            <a:off x="270929" y="2133192"/>
-            <a:ext cx="5646909" cy="2331922"/>
-          </a:xfrm>
-          <a:prstGeom prst="rect">
-            <a:avLst/>
-          </a:prstGeom>
-        </p:spPr>
-      </p:pic>
-      <p:sp>
-        <p:nvSpPr>
-          <p:cNvPr id="9" name="文本框 8">
-            <a:extLst>
-              <a:ext uri="{FF2B5EF4-FFF2-40B4-BE49-F238E27FC236}">
-                <a16:creationId xmlns:a16="http://schemas.microsoft.com/office/drawing/2014/main" id="{E5849DD0-2081-45CD-8C5C-8DC08064BF39}"/>
-              </a:ext>
-            </a:extLst>
-          </p:cNvPr>
-          <p:cNvSpPr txBox="1"/>
-          <p:nvPr/>
-        </p:nvSpPr>
-        <p:spPr>
-          <a:xfrm>
-            <a:off x="181821" y="1287077"/>
-            <a:ext cx="5914179" cy="3908762"/>
-          </a:xfrm>
-          <a:prstGeom prst="rect">
-            <a:avLst/>
-          </a:prstGeom>
-          <a:noFill/>
-        </p:spPr>
-        <p:txBody>
-          <a:bodyPr wrap="square" rtlCol="0">
-            <a:spAutoFit/>
-          </a:bodyPr>
-          <a:lstStyle/>
-          <a:p>
-            <a:pPr marL="457200" indent="-457200">
-              <a:lnSpc>
-                <a:spcPct val="150000"/>
-              </a:lnSpc>
-              <a:buClr>
-                <a:srgbClr val="C55A11"/>
-              </a:buClr>
-              <a:buFont typeface="Wingdings" panose="05000000000000000000" pitchFamily="2" charset="2"/>
-              <a:buChar char="Ø"/>
-            </a:pPr>
-            <a:r>
-              <a:rPr lang="zh-CN" altLang="en-US" sz="2800">
-                <a:latin typeface="华文楷体" panose="02010600040101010101" pitchFamily="2" charset="-122"/>
-                <a:ea typeface="华文楷体" panose="02010600040101010101" pitchFamily="2" charset="-122"/>
-              </a:rPr>
-              <a:t>开发环境</a:t>
-            </a:r>
-            <a:endParaRPr lang="en-US" altLang="zh-CN" sz="2800">
-              <a:latin typeface="华文楷体" panose="02010600040101010101" pitchFamily="2" charset="-122"/>
-              <a:ea typeface="华文楷体" panose="02010600040101010101" pitchFamily="2" charset="-122"/>
-            </a:endParaRPr>
-          </a:p>
-          <a:p>
-            <a:pPr marL="457200" indent="-457200">
-              <a:lnSpc>
-                <a:spcPct val="150000"/>
-              </a:lnSpc>
-              <a:buClr>
-                <a:srgbClr val="C55A11"/>
-              </a:buClr>
-              <a:buFont typeface="Wingdings" panose="05000000000000000000" pitchFamily="2" charset="2"/>
-              <a:buChar char="Ø"/>
-            </a:pPr>
-            <a:endParaRPr lang="en-US" altLang="zh-CN" sz="2800">
-              <a:latin typeface="华文楷体" panose="02010600040101010101" pitchFamily="2" charset="-122"/>
-              <a:ea typeface="华文楷体" panose="02010600040101010101" pitchFamily="2" charset="-122"/>
-            </a:endParaRPr>
-          </a:p>
-          <a:p>
-            <a:pPr marL="457200" indent="-457200">
-              <a:lnSpc>
-                <a:spcPct val="150000"/>
-              </a:lnSpc>
-              <a:buClr>
-                <a:srgbClr val="C55A11"/>
-              </a:buClr>
-              <a:buFont typeface="Wingdings" panose="05000000000000000000" pitchFamily="2" charset="2"/>
-              <a:buChar char="Ø"/>
-            </a:pPr>
-            <a:endParaRPr lang="en-US" altLang="zh-CN" sz="2800">
-              <a:latin typeface="华文楷体" panose="02010600040101010101" pitchFamily="2" charset="-122"/>
-              <a:ea typeface="华文楷体" panose="02010600040101010101" pitchFamily="2" charset="-122"/>
-            </a:endParaRPr>
-          </a:p>
-          <a:p>
-            <a:pPr marL="457200" indent="-457200">
-              <a:lnSpc>
-                <a:spcPct val="150000"/>
-              </a:lnSpc>
-              <a:buClr>
-                <a:srgbClr val="C55A11"/>
-              </a:buClr>
-              <a:buFont typeface="Wingdings" panose="05000000000000000000" pitchFamily="2" charset="2"/>
-              <a:buChar char="Ø"/>
-            </a:pPr>
-            <a:endParaRPr lang="en-US" altLang="zh-CN" sz="2800">
-              <a:latin typeface="华文楷体" panose="02010600040101010101" pitchFamily="2" charset="-122"/>
-              <a:ea typeface="华文楷体" panose="02010600040101010101" pitchFamily="2" charset="-122"/>
-            </a:endParaRPr>
-          </a:p>
-          <a:p>
-            <a:pPr marL="457200" indent="-457200">
-              <a:lnSpc>
-                <a:spcPct val="150000"/>
-              </a:lnSpc>
-              <a:buClr>
-                <a:srgbClr val="C55A11"/>
-              </a:buClr>
-              <a:buFont typeface="Wingdings" panose="05000000000000000000" pitchFamily="2" charset="2"/>
-              <a:buChar char="Ø"/>
-            </a:pPr>
-            <a:endParaRPr lang="en-US" altLang="zh-CN" sz="2800">
-              <a:latin typeface="华文楷体" panose="02010600040101010101" pitchFamily="2" charset="-122"/>
-              <a:ea typeface="华文楷体" panose="02010600040101010101" pitchFamily="2" charset="-122"/>
-            </a:endParaRPr>
-          </a:p>
-          <a:p>
-            <a:pPr marL="457200" indent="-457200">
-              <a:lnSpc>
-                <a:spcPct val="150000"/>
-              </a:lnSpc>
-              <a:buClr>
-                <a:srgbClr val="C55A11"/>
-              </a:buClr>
-              <a:buFont typeface="Wingdings" panose="05000000000000000000" pitchFamily="2" charset="2"/>
-              <a:buChar char="Ø"/>
-            </a:pPr>
-            <a:r>
-              <a:rPr lang="zh-CN" altLang="en-US" sz="2800" dirty="0">
-                <a:latin typeface="华文楷体" panose="02010600040101010101" pitchFamily="2" charset="-122"/>
-                <a:ea typeface="华文楷体" panose="02010600040101010101" pitchFamily="2" charset="-122"/>
-              </a:rPr>
-              <a:t>训练过程</a:t>
-            </a:r>
-            <a:endParaRPr lang="en-US" altLang="zh-CN" sz="2800">
-              <a:latin typeface="华文楷体" panose="02010600040101010101" pitchFamily="2" charset="-122"/>
-              <a:ea typeface="华文楷体" panose="02010600040101010101" pitchFamily="2" charset="-122"/>
-            </a:endParaRPr>
-          </a:p>
-        </p:txBody>
-      </p:sp>
-      <p:pic>
-        <p:nvPicPr>
-          <p:cNvPr id="8" name="图片 7">
-            <a:extLst>
-              <a:ext uri="{FF2B5EF4-FFF2-40B4-BE49-F238E27FC236}">
-                <a16:creationId xmlns:a16="http://schemas.microsoft.com/office/drawing/2014/main" id="{94ADACA6-75DA-4B5C-858A-9AE067A9CAAC}"/>
-              </a:ext>
-            </a:extLst>
-          </p:cNvPr>
-          <p:cNvPicPr>
-            <a:picLocks noChangeAspect="1"/>
-          </p:cNvPicPr>
-          <p:nvPr/>
-        </p:nvPicPr>
-        <p:blipFill>
-          <a:blip r:embed="rId9">
-            <a:extLst>
-              <a:ext uri="{28A0092B-C50C-407E-A947-70E740481C1C}">
-                <a14:useLocalDpi xmlns:a14="http://schemas.microsoft.com/office/drawing/2010/main" val="0"/>
-              </a:ext>
-            </a:extLst>
-          </a:blip>
-          <a:stretch>
-            <a:fillRect/>
-          </a:stretch>
-        </p:blipFill>
-        <p:spPr>
-          <a:xfrm>
-            <a:off x="6428638" y="139459"/>
-            <a:ext cx="5581542" cy="6386959"/>
-          </a:xfrm>
-          <a:prstGeom prst="rect">
-            <a:avLst/>
-          </a:prstGeom>
-        </p:spPr>
-      </p:pic>
-    </p:spTree>
-    <p:custDataLst>
-      <p:tags r:id="rId1"/>
-    </p:custDataLst>
-    <p:extLst>
-      <p:ext uri="{BB962C8B-B14F-4D97-AF65-F5344CB8AC3E}">
-        <p14:creationId xmlns:p14="http://schemas.microsoft.com/office/powerpoint/2010/main" val="280269541"/>
       </p:ext>
     </p:extLst>
   </p:cSld>
@@ -19332,17 +19519,14 @@
           <a:lstStyle/>
           <a:p>
             <a:r>
-              <a:rPr lang="zh-CN" altLang="en-US" sz="3600" b="1" dirty="0">
+              <a:rPr lang="zh-CN" altLang="en-US" sz="3600" b="1">
                 <a:solidFill>
-                  <a:schemeClr val="tx1">
-                    <a:lumMod val="75000"/>
-                    <a:lumOff val="25000"/>
-                  </a:schemeClr>
+                  <a:srgbClr val="C55A11"/>
                 </a:solidFill>
                 <a:latin typeface="华文楷体" panose="02010600040101010101" pitchFamily="2" charset="-122"/>
                 <a:ea typeface="华文楷体" panose="02010600040101010101" pitchFamily="2" charset="-122"/>
               </a:rPr>
-              <a:t>实验任务</a:t>
+              <a:t>模型实现</a:t>
             </a:r>
             <a:endParaRPr lang="zh-CN" altLang="en-US" sz="3600" b="1" dirty="0">
               <a:solidFill>
@@ -19359,7 +19543,7 @@
           <p:cNvPr id="4" name="图片 3">
             <a:extLst>
               <a:ext uri="{FF2B5EF4-FFF2-40B4-BE49-F238E27FC236}">
-                <a16:creationId xmlns:a16="http://schemas.microsoft.com/office/drawing/2014/main" id="{64BAD0F0-957C-4589-ABFC-6ED7DD8966AB}"/>
+                <a16:creationId xmlns:a16="http://schemas.microsoft.com/office/drawing/2014/main" id="{7807B69E-5596-420A-942A-A90C01F2691B}"/>
               </a:ext>
             </a:extLst>
           </p:cNvPr>
@@ -19382,8 +19566,8 @@
         </p:blipFill>
         <p:spPr>
           <a:xfrm>
-            <a:off x="5863856" y="1708640"/>
-            <a:ext cx="6019548" cy="4497462"/>
+            <a:off x="270929" y="2133192"/>
+            <a:ext cx="5646909" cy="2331922"/>
           </a:xfrm>
           <a:prstGeom prst="rect">
             <a:avLst/>
@@ -19395,7 +19579,7 @@
           <p:cNvPr id="9" name="文本框 8">
             <a:extLst>
               <a:ext uri="{FF2B5EF4-FFF2-40B4-BE49-F238E27FC236}">
-                <a16:creationId xmlns:a16="http://schemas.microsoft.com/office/drawing/2014/main" id="{DD3DE29E-5219-4BD3-9138-BADE4ABB2B51}"/>
+                <a16:creationId xmlns:a16="http://schemas.microsoft.com/office/drawing/2014/main" id="{E5849DD0-2081-45CD-8C5C-8DC08064BF39}"/>
               </a:ext>
             </a:extLst>
           </p:cNvPr>
@@ -19405,7 +19589,7 @@
         <p:spPr>
           <a:xfrm>
             <a:off x="181821" y="1287077"/>
-            <a:ext cx="5682035" cy="3262432"/>
+            <a:ext cx="5914179" cy="3908762"/>
           </a:xfrm>
           <a:prstGeom prst="rect">
             <a:avLst/>
@@ -19433,7 +19617,7 @@
                 <a:latin typeface="华文楷体" panose="02010600040101010101" pitchFamily="2" charset="-122"/>
                 <a:ea typeface="华文楷体" panose="02010600040101010101" pitchFamily="2" charset="-122"/>
               </a:rPr>
-              <a:t>文本分类（情感分析）</a:t>
+              <a:t>开发环境</a:t>
             </a:r>
             <a:endParaRPr lang="en-US" altLang="zh-CN" sz="2800">
               <a:latin typeface="华文楷体" panose="02010600040101010101" pitchFamily="2" charset="-122"/>
@@ -19451,20 +19635,6 @@
               <a:buFont typeface="Wingdings" panose="05000000000000000000" pitchFamily="2" charset="2"/>
               <a:buChar char="Ø"/>
             </a:pPr>
-            <a:r>
-              <a:rPr lang="en-US" altLang="zh-CN" sz="2800">
-                <a:latin typeface="华文楷体" panose="02010600040101010101" pitchFamily="2" charset="-122"/>
-                <a:ea typeface="华文楷体" panose="02010600040101010101" pitchFamily="2" charset="-122"/>
-              </a:rPr>
-              <a:t>16</a:t>
-            </a:r>
-            <a:r>
-              <a:rPr lang="zh-CN" altLang="en-US" sz="2800">
-                <a:latin typeface="华文楷体" panose="02010600040101010101" pitchFamily="2" charset="-122"/>
-                <a:ea typeface="华文楷体" panose="02010600040101010101" pitchFamily="2" charset="-122"/>
-              </a:rPr>
-              <a:t>个数据集，样本分别来自不同领域</a:t>
-            </a:r>
             <a:endParaRPr lang="en-US" altLang="zh-CN" sz="2800">
               <a:latin typeface="华文楷体" panose="02010600040101010101" pitchFamily="2" charset="-122"/>
               <a:ea typeface="华文楷体" panose="02010600040101010101" pitchFamily="2" charset="-122"/>
@@ -19481,55 +19651,148 @@
               <a:buFont typeface="Wingdings" panose="05000000000000000000" pitchFamily="2" charset="2"/>
               <a:buChar char="Ø"/>
             </a:pPr>
-            <a:r>
-              <a:rPr lang="zh-CN" altLang="en-US" sz="2800">
-                <a:latin typeface="华文楷体" panose="02010600040101010101" pitchFamily="2" charset="-122"/>
-                <a:ea typeface="华文楷体" panose="02010600040101010101" pitchFamily="2" charset="-122"/>
-              </a:rPr>
-              <a:t>每个数据集约</a:t>
-            </a:r>
-            <a:r>
-              <a:rPr lang="en-US" altLang="zh-CN" sz="2800">
-                <a:latin typeface="华文楷体" panose="02010600040101010101" pitchFamily="2" charset="-122"/>
-                <a:ea typeface="华文楷体" panose="02010600040101010101" pitchFamily="2" charset="-122"/>
-              </a:rPr>
-              <a:t>2k</a:t>
-            </a:r>
-            <a:r>
-              <a:rPr lang="zh-CN" altLang="en-US" sz="2800">
-                <a:latin typeface="华文楷体" panose="02010600040101010101" pitchFamily="2" charset="-122"/>
-                <a:ea typeface="华文楷体" panose="02010600040101010101" pitchFamily="2" charset="-122"/>
-              </a:rPr>
-              <a:t>样本，按</a:t>
-            </a:r>
-            <a:r>
-              <a:rPr lang="en-US" altLang="zh-CN" sz="2800">
-                <a:latin typeface="华文楷体" panose="02010600040101010101" pitchFamily="2" charset="-122"/>
-                <a:ea typeface="华文楷体" panose="02010600040101010101" pitchFamily="2" charset="-122"/>
-              </a:rPr>
-              <a:t>7-1-2</a:t>
-            </a:r>
-            <a:r>
-              <a:rPr lang="zh-CN" altLang="en-US" sz="2800">
-                <a:latin typeface="华文楷体" panose="02010600040101010101" pitchFamily="2" charset="-122"/>
-                <a:ea typeface="华文楷体" panose="02010600040101010101" pitchFamily="2" charset="-122"/>
-              </a:rPr>
-              <a:t>划分为训练集、验证集、测试集</a:t>
-            </a:r>
             <a:endParaRPr lang="en-US" altLang="zh-CN" sz="2800">
               <a:latin typeface="华文楷体" panose="02010600040101010101" pitchFamily="2" charset="-122"/>
               <a:ea typeface="华文楷体" panose="02010600040101010101" pitchFamily="2" charset="-122"/>
             </a:endParaRPr>
           </a:p>
-        </p:txBody>
-      </p:sp>
+          <a:p>
+            <a:pPr marL="457200" indent="-457200">
+              <a:lnSpc>
+                <a:spcPct val="150000"/>
+              </a:lnSpc>
+              <a:buClr>
+                <a:srgbClr val="C55A11"/>
+              </a:buClr>
+              <a:buFont typeface="Wingdings" panose="05000000000000000000" pitchFamily="2" charset="2"/>
+              <a:buChar char="Ø"/>
+            </a:pPr>
+            <a:endParaRPr lang="en-US" altLang="zh-CN" sz="2800">
+              <a:latin typeface="华文楷体" panose="02010600040101010101" pitchFamily="2" charset="-122"/>
+              <a:ea typeface="华文楷体" panose="02010600040101010101" pitchFamily="2" charset="-122"/>
+            </a:endParaRPr>
+          </a:p>
+          <a:p>
+            <a:pPr marL="457200" indent="-457200">
+              <a:lnSpc>
+                <a:spcPct val="150000"/>
+              </a:lnSpc>
+              <a:buClr>
+                <a:srgbClr val="C55A11"/>
+              </a:buClr>
+              <a:buFont typeface="Wingdings" panose="05000000000000000000" pitchFamily="2" charset="2"/>
+              <a:buChar char="Ø"/>
+            </a:pPr>
+            <a:endParaRPr lang="en-US" altLang="zh-CN" sz="2800">
+              <a:latin typeface="华文楷体" panose="02010600040101010101" pitchFamily="2" charset="-122"/>
+              <a:ea typeface="华文楷体" panose="02010600040101010101" pitchFamily="2" charset="-122"/>
+            </a:endParaRPr>
+          </a:p>
+          <a:p>
+            <a:pPr marL="457200" indent="-457200">
+              <a:lnSpc>
+                <a:spcPct val="150000"/>
+              </a:lnSpc>
+              <a:buClr>
+                <a:srgbClr val="C55A11"/>
+              </a:buClr>
+              <a:buFont typeface="Wingdings" panose="05000000000000000000" pitchFamily="2" charset="2"/>
+              <a:buChar char="Ø"/>
+            </a:pPr>
+            <a:r>
+              <a:rPr lang="zh-CN" altLang="en-US" sz="2800" dirty="0">
+                <a:latin typeface="华文楷体" panose="02010600040101010101" pitchFamily="2" charset="-122"/>
+                <a:ea typeface="华文楷体" panose="02010600040101010101" pitchFamily="2" charset="-122"/>
+              </a:rPr>
+              <a:t>训练过程</a:t>
+            </a:r>
+            <a:endParaRPr lang="en-US" altLang="zh-CN" sz="2800">
+              <a:latin typeface="华文楷体" panose="02010600040101010101" pitchFamily="2" charset="-122"/>
+              <a:ea typeface="华文楷体" panose="02010600040101010101" pitchFamily="2" charset="-122"/>
+            </a:endParaRPr>
+          </a:p>
+        </p:txBody>
+      </p:sp>
+      <p:pic>
+        <p:nvPicPr>
+          <p:cNvPr id="8" name="图片 7">
+            <a:extLst>
+              <a:ext uri="{FF2B5EF4-FFF2-40B4-BE49-F238E27FC236}">
+                <a16:creationId xmlns:a16="http://schemas.microsoft.com/office/drawing/2014/main" id="{94ADACA6-75DA-4B5C-858A-9AE067A9CAAC}"/>
+              </a:ext>
+            </a:extLst>
+          </p:cNvPr>
+          <p:cNvPicPr>
+            <a:picLocks noChangeAspect="1"/>
+          </p:cNvPicPr>
+          <p:nvPr/>
+        </p:nvPicPr>
+        <p:blipFill>
+          <a:blip r:embed="rId9">
+            <a:extLst>
+              <a:ext uri="{28A0092B-C50C-407E-A947-70E740481C1C}">
+                <a14:useLocalDpi xmlns:a14="http://schemas.microsoft.com/office/drawing/2010/main" val="0"/>
+              </a:ext>
+            </a:extLst>
+          </a:blip>
+          <a:stretch>
+            <a:fillRect/>
+          </a:stretch>
+        </p:blipFill>
+        <p:spPr>
+          <a:xfrm>
+            <a:off x="6428638" y="139459"/>
+            <a:ext cx="5581542" cy="6386959"/>
+          </a:xfrm>
+          <a:prstGeom prst="rect">
+            <a:avLst/>
+          </a:prstGeom>
+        </p:spPr>
+      </p:pic>
+      <p:pic>
+        <p:nvPicPr>
+          <p:cNvPr id="11" name="图片 10">
+            <a:extLst>
+              <a:ext uri="{FF2B5EF4-FFF2-40B4-BE49-F238E27FC236}">
+                <a16:creationId xmlns:a16="http://schemas.microsoft.com/office/drawing/2014/main" id="{CCF17CBE-6B5D-4082-91C6-377DB21820A6}"/>
+              </a:ext>
+            </a:extLst>
+          </p:cNvPr>
+          <p:cNvPicPr>
+            <a:picLocks noChangeAspect="1"/>
+          </p:cNvPicPr>
+          <p:nvPr/>
+        </p:nvPicPr>
+        <p:blipFill rotWithShape="1">
+          <a:blip r:embed="rId10">
+            <a:duotone>
+              <a:schemeClr val="bg2">
+                <a:shade val="45000"/>
+                <a:satMod val="135000"/>
+              </a:schemeClr>
+              <a:prstClr val="white"/>
+            </a:duotone>
+          </a:blip>
+          <a:srcRect t="-8375" r="69791"/>
+          <a:stretch/>
+        </p:blipFill>
+        <p:spPr>
+          <a:xfrm>
+            <a:off x="9913955" y="4136066"/>
+            <a:ext cx="3769087" cy="3644263"/>
+          </a:xfrm>
+          <a:prstGeom prst="rect">
+            <a:avLst/>
+          </a:prstGeom>
+        </p:spPr>
+      </p:pic>
     </p:spTree>
     <p:custDataLst>
       <p:tags r:id="rId1"/>
     </p:custDataLst>
     <p:extLst>
       <p:ext uri="{BB962C8B-B14F-4D97-AF65-F5344CB8AC3E}">
-        <p14:creationId xmlns:p14="http://schemas.microsoft.com/office/powerpoint/2010/main" val="2795775348"/>
+        <p14:creationId xmlns:p14="http://schemas.microsoft.com/office/powerpoint/2010/main" val="280269541"/>
       </p:ext>
     </p:extLst>
   </p:cSld>
@@ -19778,84 +20041,22 @@
             <a:r>
               <a:rPr lang="zh-CN" altLang="en-US" sz="3600" b="1" dirty="0">
                 <a:solidFill>
-                  <a:schemeClr val="tx1">
-                    <a:lumMod val="75000"/>
-                    <a:lumOff val="25000"/>
-                  </a:schemeClr>
+                  <a:srgbClr val="C55A11"/>
                 </a:solidFill>
                 <a:latin typeface="华文楷体" panose="02010600040101010101" pitchFamily="2" charset="-122"/>
                 <a:ea typeface="华文楷体" panose="02010600040101010101" pitchFamily="2" charset="-122"/>
               </a:rPr>
               <a:t>实验任务</a:t>
             </a:r>
-            <a:endParaRPr lang="zh-CN" altLang="en-US" sz="3600" b="1" dirty="0">
-              <a:solidFill>
-                <a:srgbClr val="C55A11"/>
-              </a:solidFill>
-              <a:latin typeface="华文楷体" panose="02010600040101010101" pitchFamily="2" charset="-122"/>
-              <a:ea typeface="华文楷体" panose="02010600040101010101" pitchFamily="2" charset="-122"/>
-            </a:endParaRPr>
-          </a:p>
-        </p:txBody>
-      </p:sp>
-      <p:sp>
-        <p:nvSpPr>
-          <p:cNvPr id="9" name="文本框 8">
+          </a:p>
+        </p:txBody>
+      </p:sp>
+      <p:pic>
+        <p:nvPicPr>
+          <p:cNvPr id="4" name="图片 3">
             <a:extLst>
               <a:ext uri="{FF2B5EF4-FFF2-40B4-BE49-F238E27FC236}">
-                <a16:creationId xmlns:a16="http://schemas.microsoft.com/office/drawing/2014/main" id="{DD3DE29E-5219-4BD3-9138-BADE4ABB2B51}"/>
-              </a:ext>
-            </a:extLst>
-          </p:cNvPr>
-          <p:cNvSpPr txBox="1"/>
-          <p:nvPr/>
-        </p:nvSpPr>
-        <p:spPr>
-          <a:xfrm>
-            <a:off x="181821" y="1287077"/>
-            <a:ext cx="5682035" cy="677108"/>
-          </a:xfrm>
-          <a:prstGeom prst="rect">
-            <a:avLst/>
-          </a:prstGeom>
-          <a:noFill/>
-        </p:spPr>
-        <p:txBody>
-          <a:bodyPr wrap="square" rtlCol="0">
-            <a:spAutoFit/>
-          </a:bodyPr>
-          <a:lstStyle/>
-          <a:p>
-            <a:pPr marL="457200" indent="-457200">
-              <a:lnSpc>
-                <a:spcPct val="150000"/>
-              </a:lnSpc>
-              <a:buClr>
-                <a:srgbClr val="C55A11"/>
-              </a:buClr>
-              <a:buFont typeface="Wingdings" panose="05000000000000000000" pitchFamily="2" charset="2"/>
-              <a:buChar char="Ø"/>
-            </a:pPr>
-            <a:r>
-              <a:rPr lang="zh-CN" altLang="en-US" sz="2800">
-                <a:latin typeface="华文楷体" panose="02010600040101010101" pitchFamily="2" charset="-122"/>
-                <a:ea typeface="华文楷体" panose="02010600040101010101" pitchFamily="2" charset="-122"/>
-              </a:rPr>
-              <a:t>部分样本</a:t>
-            </a:r>
-            <a:endParaRPr lang="en-US" altLang="zh-CN" sz="2800">
-              <a:latin typeface="华文楷体" panose="02010600040101010101" pitchFamily="2" charset="-122"/>
-              <a:ea typeface="华文楷体" panose="02010600040101010101" pitchFamily="2" charset="-122"/>
-            </a:endParaRPr>
-          </a:p>
-        </p:txBody>
-      </p:sp>
-      <p:pic>
-        <p:nvPicPr>
-          <p:cNvPr id="7" name="图片 6">
-            <a:extLst>
-              <a:ext uri="{FF2B5EF4-FFF2-40B4-BE49-F238E27FC236}">
-                <a16:creationId xmlns:a16="http://schemas.microsoft.com/office/drawing/2014/main" id="{350912DC-BD33-42C7-9648-D3513DECE6F9}"/>
+                <a16:creationId xmlns:a16="http://schemas.microsoft.com/office/drawing/2014/main" id="{64BAD0F0-957C-4589-ABFC-6ED7DD8966AB}"/>
               </a:ext>
             </a:extLst>
           </p:cNvPr>
@@ -19878,21 +20079,154 @@
         </p:blipFill>
         <p:spPr>
           <a:xfrm>
-            <a:off x="2759737" y="2133192"/>
-            <a:ext cx="6672526" cy="4104644"/>
+            <a:off x="5863856" y="1708640"/>
+            <a:ext cx="6019548" cy="4497462"/>
           </a:xfrm>
           <a:prstGeom prst="rect">
             <a:avLst/>
           </a:prstGeom>
         </p:spPr>
       </p:pic>
+      <p:sp>
+        <p:nvSpPr>
+          <p:cNvPr id="9" name="文本框 8">
+            <a:extLst>
+              <a:ext uri="{FF2B5EF4-FFF2-40B4-BE49-F238E27FC236}">
+                <a16:creationId xmlns:a16="http://schemas.microsoft.com/office/drawing/2014/main" id="{DD3DE29E-5219-4BD3-9138-BADE4ABB2B51}"/>
+              </a:ext>
+            </a:extLst>
+          </p:cNvPr>
+          <p:cNvSpPr txBox="1"/>
+          <p:nvPr/>
+        </p:nvSpPr>
+        <p:spPr>
+          <a:xfrm>
+            <a:off x="181821" y="1287077"/>
+            <a:ext cx="5682035" cy="3262432"/>
+          </a:xfrm>
+          <a:prstGeom prst="rect">
+            <a:avLst/>
+          </a:prstGeom>
+          <a:noFill/>
+        </p:spPr>
+        <p:txBody>
+          <a:bodyPr wrap="square" rtlCol="0">
+            <a:spAutoFit/>
+          </a:bodyPr>
+          <a:lstStyle/>
+          <a:p>
+            <a:pPr marL="457200" indent="-457200">
+              <a:lnSpc>
+                <a:spcPct val="150000"/>
+              </a:lnSpc>
+              <a:buClr>
+                <a:srgbClr val="C55A11"/>
+              </a:buClr>
+              <a:buFont typeface="Wingdings" panose="05000000000000000000" pitchFamily="2" charset="2"/>
+              <a:buChar char="Ø"/>
+            </a:pPr>
+            <a:r>
+              <a:rPr lang="zh-CN" altLang="en-US" sz="2800">
+                <a:latin typeface="华文楷体" panose="02010600040101010101" pitchFamily="2" charset="-122"/>
+                <a:ea typeface="华文楷体" panose="02010600040101010101" pitchFamily="2" charset="-122"/>
+              </a:rPr>
+              <a:t>文本分类（情感分析）</a:t>
+            </a:r>
+            <a:endParaRPr lang="en-US" altLang="zh-CN" sz="2800">
+              <a:latin typeface="华文楷体" panose="02010600040101010101" pitchFamily="2" charset="-122"/>
+              <a:ea typeface="华文楷体" panose="02010600040101010101" pitchFamily="2" charset="-122"/>
+            </a:endParaRPr>
+          </a:p>
+          <a:p>
+            <a:pPr marL="457200" indent="-457200">
+              <a:lnSpc>
+                <a:spcPct val="150000"/>
+              </a:lnSpc>
+              <a:buClr>
+                <a:srgbClr val="C55A11"/>
+              </a:buClr>
+              <a:buFont typeface="Wingdings" panose="05000000000000000000" pitchFamily="2" charset="2"/>
+              <a:buChar char="Ø"/>
+            </a:pPr>
+            <a:r>
+              <a:rPr lang="en-US" altLang="zh-CN" sz="2800">
+                <a:latin typeface="华文楷体" panose="02010600040101010101" pitchFamily="2" charset="-122"/>
+                <a:ea typeface="华文楷体" panose="02010600040101010101" pitchFamily="2" charset="-122"/>
+              </a:rPr>
+              <a:t>16</a:t>
+            </a:r>
+            <a:r>
+              <a:rPr lang="zh-CN" altLang="en-US" sz="2800">
+                <a:latin typeface="华文楷体" panose="02010600040101010101" pitchFamily="2" charset="-122"/>
+                <a:ea typeface="华文楷体" panose="02010600040101010101" pitchFamily="2" charset="-122"/>
+              </a:rPr>
+              <a:t>个数据集，样本分别来自不同领域</a:t>
+            </a:r>
+            <a:endParaRPr lang="en-US" altLang="zh-CN" sz="2800">
+              <a:latin typeface="华文楷体" panose="02010600040101010101" pitchFamily="2" charset="-122"/>
+              <a:ea typeface="华文楷体" panose="02010600040101010101" pitchFamily="2" charset="-122"/>
+            </a:endParaRPr>
+          </a:p>
+          <a:p>
+            <a:pPr marL="457200" indent="-457200">
+              <a:lnSpc>
+                <a:spcPct val="150000"/>
+              </a:lnSpc>
+              <a:buClr>
+                <a:srgbClr val="C55A11"/>
+              </a:buClr>
+              <a:buFont typeface="Wingdings" panose="05000000000000000000" pitchFamily="2" charset="2"/>
+              <a:buChar char="Ø"/>
+            </a:pPr>
+            <a:r>
+              <a:rPr lang="zh-CN" altLang="en-US" sz="2800">
+                <a:latin typeface="华文楷体" panose="02010600040101010101" pitchFamily="2" charset="-122"/>
+                <a:ea typeface="华文楷体" panose="02010600040101010101" pitchFamily="2" charset="-122"/>
+              </a:rPr>
+              <a:t>每个数据集约</a:t>
+            </a:r>
+            <a:r>
+              <a:rPr lang="en-US" altLang="zh-CN" sz="2800">
+                <a:latin typeface="华文楷体" panose="02010600040101010101" pitchFamily="2" charset="-122"/>
+                <a:ea typeface="华文楷体" panose="02010600040101010101" pitchFamily="2" charset="-122"/>
+              </a:rPr>
+              <a:t>2k</a:t>
+            </a:r>
+            <a:r>
+              <a:rPr lang="zh-CN" altLang="en-US" sz="2800">
+                <a:latin typeface="华文楷体" panose="02010600040101010101" pitchFamily="2" charset="-122"/>
+                <a:ea typeface="华文楷体" panose="02010600040101010101" pitchFamily="2" charset="-122"/>
+              </a:rPr>
+              <a:t>样本，按</a:t>
+            </a:r>
+            <a:r>
+              <a:rPr lang="en-US" altLang="zh-CN" sz="2800">
+                <a:latin typeface="华文楷体" panose="02010600040101010101" pitchFamily="2" charset="-122"/>
+                <a:ea typeface="华文楷体" panose="02010600040101010101" pitchFamily="2" charset="-122"/>
+              </a:rPr>
+              <a:t>7-1-2</a:t>
+            </a:r>
+            <a:r>
+              <a:rPr lang="zh-CN" altLang="en-US" sz="2800">
+                <a:latin typeface="华文楷体" panose="02010600040101010101" pitchFamily="2" charset="-122"/>
+                <a:ea typeface="华文楷体" panose="02010600040101010101" pitchFamily="2" charset="-122"/>
+              </a:rPr>
+              <a:t>划分为训练集、验证集、测试集</a:t>
+            </a:r>
+            <a:endParaRPr lang="en-US" altLang="zh-CN" sz="2800">
+              <a:latin typeface="华文楷体" panose="02010600040101010101" pitchFamily="2" charset="-122"/>
+              <a:ea typeface="华文楷体" panose="02010600040101010101" pitchFamily="2" charset="-122"/>
+            </a:endParaRPr>
+          </a:p>
+        </p:txBody>
+      </p:sp>
     </p:spTree>
     <p:custDataLst>
       <p:tags r:id="rId1"/>
     </p:custDataLst>
     <p:extLst>
       <p:ext uri="{BB962C8B-B14F-4D97-AF65-F5344CB8AC3E}">
-        <p14:creationId xmlns:p14="http://schemas.microsoft.com/office/powerpoint/2010/main" val="3088171193"/>
+        <p14:creationId xmlns:p14="http://schemas.microsoft.com/office/powerpoint/2010/main" val="2795775348"/>
       </p:ext>
     </p:extLst>
   </p:cSld>
@@ -20443,13 +20777,13 @@
   <p:clrMapOvr>
     <a:masterClrMapping/>
   </p:clrMapOvr>
-  <mc:AlternateContent xmlns:mc="http://schemas.openxmlformats.org/markup-compatibility/2006">
-    <mc:Choice xmlns:p15="http://schemas.microsoft.com/office/powerpoint/2012/main" Requires="p15">
+  <mc:AlternateContent xmlns:mc="http://schemas.openxmlformats.org/markup-compatibility/2006" xmlns:p15="http://schemas.microsoft.com/office/powerpoint/2012/main">
+    <mc:Choice Requires="p15">
       <p:transition xmlns:p14="http://schemas.microsoft.com/office/powerpoint/2010/main" spd="slow" p14:dur="1250" advTm="31146">
         <p15:prstTrans prst="peelOff"/>
       </p:transition>
     </mc:Choice>
-    <mc:Fallback>
+    <mc:Fallback xmlns="">
       <p:transition spd="slow" advTm="31146">
         <p:fade/>
       </p:transition>
@@ -20685,20 +21019,62 @@
             <a:r>
               <a:rPr lang="zh-CN" altLang="en-US" sz="3600" b="1" dirty="0">
                 <a:solidFill>
-                  <a:schemeClr val="tx1">
-                    <a:lumMod val="75000"/>
-                    <a:lumOff val="25000"/>
-                  </a:schemeClr>
+                  <a:srgbClr val="C55A11"/>
                 </a:solidFill>
                 <a:latin typeface="华文楷体" panose="02010600040101010101" pitchFamily="2" charset="-122"/>
                 <a:ea typeface="华文楷体" panose="02010600040101010101" pitchFamily="2" charset="-122"/>
               </a:rPr>
-              <a:t>实验结果</a:t>
-            </a:r>
-            <a:endParaRPr lang="zh-CN" altLang="en-US" sz="3600" b="1" dirty="0">
-              <a:solidFill>
+              <a:t>实验任务</a:t>
+            </a:r>
+          </a:p>
+        </p:txBody>
+      </p:sp>
+      <p:sp>
+        <p:nvSpPr>
+          <p:cNvPr id="9" name="文本框 8">
+            <a:extLst>
+              <a:ext uri="{FF2B5EF4-FFF2-40B4-BE49-F238E27FC236}">
+                <a16:creationId xmlns:a16="http://schemas.microsoft.com/office/drawing/2014/main" id="{DD3DE29E-5219-4BD3-9138-BADE4ABB2B51}"/>
+              </a:ext>
+            </a:extLst>
+          </p:cNvPr>
+          <p:cNvSpPr txBox="1"/>
+          <p:nvPr/>
+        </p:nvSpPr>
+        <p:spPr>
+          <a:xfrm>
+            <a:off x="181821" y="1287077"/>
+            <a:ext cx="5682035" cy="677108"/>
+          </a:xfrm>
+          <a:prstGeom prst="rect">
+            <a:avLst/>
+          </a:prstGeom>
+          <a:noFill/>
+        </p:spPr>
+        <p:txBody>
+          <a:bodyPr wrap="square" rtlCol="0">
+            <a:spAutoFit/>
+          </a:bodyPr>
+          <a:lstStyle/>
+          <a:p>
+            <a:pPr marL="457200" indent="-457200">
+              <a:lnSpc>
+                <a:spcPct val="150000"/>
+              </a:lnSpc>
+              <a:buClr>
                 <a:srgbClr val="C55A11"/>
-              </a:solidFill>
+              </a:buClr>
+              <a:buFont typeface="Wingdings" panose="05000000000000000000" pitchFamily="2" charset="2"/>
+              <a:buChar char="Ø"/>
+            </a:pPr>
+            <a:r>
+              <a:rPr lang="zh-CN" altLang="en-US" sz="2800">
+                <a:latin typeface="华文楷体" panose="02010600040101010101" pitchFamily="2" charset="-122"/>
+                <a:ea typeface="华文楷体" panose="02010600040101010101" pitchFamily="2" charset="-122"/>
+              </a:rPr>
+              <a:t>部分样本</a:t>
+            </a:r>
+            <a:endParaRPr lang="en-US" altLang="zh-CN" sz="2800">
               <a:latin typeface="华文楷体" panose="02010600040101010101" pitchFamily="2" charset="-122"/>
               <a:ea typeface="华文楷体" panose="02010600040101010101" pitchFamily="2" charset="-122"/>
             </a:endParaRPr>
@@ -20707,10 +21083,10 @@
       </p:sp>
       <p:pic>
         <p:nvPicPr>
-          <p:cNvPr id="4" name="图片 3">
+          <p:cNvPr id="7" name="图片 6">
             <a:extLst>
               <a:ext uri="{FF2B5EF4-FFF2-40B4-BE49-F238E27FC236}">
-                <a16:creationId xmlns:a16="http://schemas.microsoft.com/office/drawing/2014/main" id="{BCCF10C1-9EFD-4CE9-BCEA-28324C7C05E3}"/>
+                <a16:creationId xmlns:a16="http://schemas.microsoft.com/office/drawing/2014/main" id="{350912DC-BD33-42C7-9648-D3513DECE6F9}"/>
               </a:ext>
             </a:extLst>
           </p:cNvPr>
@@ -20733,8 +21109,45 @@
         </p:blipFill>
         <p:spPr>
           <a:xfrm>
-            <a:off x="3115940" y="204660"/>
-            <a:ext cx="5960120" cy="6509079"/>
+            <a:off x="2759737" y="2133192"/>
+            <a:ext cx="6672526" cy="4104644"/>
+          </a:xfrm>
+          <a:prstGeom prst="rect">
+            <a:avLst/>
+          </a:prstGeom>
+        </p:spPr>
+      </p:pic>
+      <p:pic>
+        <p:nvPicPr>
+          <p:cNvPr id="11" name="图片 10">
+            <a:extLst>
+              <a:ext uri="{FF2B5EF4-FFF2-40B4-BE49-F238E27FC236}">
+                <a16:creationId xmlns:a16="http://schemas.microsoft.com/office/drawing/2014/main" id="{1AC310A9-3A60-4EBC-A077-DE3B2985963E}"/>
+              </a:ext>
+            </a:extLst>
+          </p:cNvPr>
+          <p:cNvPicPr>
+            <a:picLocks noChangeAspect="1"/>
+          </p:cNvPicPr>
+          <p:nvPr/>
+        </p:nvPicPr>
+        <p:blipFill rotWithShape="1">
+          <a:blip r:embed="rId9">
+            <a:duotone>
+              <a:schemeClr val="bg2">
+                <a:shade val="45000"/>
+                <a:satMod val="135000"/>
+              </a:schemeClr>
+              <a:prstClr val="white"/>
+            </a:duotone>
+          </a:blip>
+          <a:srcRect t="-8375" r="69791"/>
+          <a:stretch/>
+        </p:blipFill>
+        <p:spPr>
+          <a:xfrm>
+            <a:off x="9913955" y="4136066"/>
+            <a:ext cx="3769087" cy="3644263"/>
           </a:xfrm>
           <a:prstGeom prst="rect">
             <a:avLst/>
@@ -20747,7 +21160,7 @@
     </p:custDataLst>
     <p:extLst>
       <p:ext uri="{BB962C8B-B14F-4D97-AF65-F5344CB8AC3E}">
-        <p14:creationId xmlns:p14="http://schemas.microsoft.com/office/powerpoint/2010/main" val="262532577"/>
+        <p14:creationId xmlns:p14="http://schemas.microsoft.com/office/powerpoint/2010/main" val="3088171193"/>
       </p:ext>
     </p:extLst>
   </p:cSld>
@@ -20996,32 +21409,22 @@
             <a:r>
               <a:rPr lang="zh-CN" altLang="en-US" sz="3600" b="1" dirty="0">
                 <a:solidFill>
-                  <a:schemeClr val="tx1">
-                    <a:lumMod val="75000"/>
-                    <a:lumOff val="25000"/>
-                  </a:schemeClr>
+                  <a:srgbClr val="C55A11"/>
                 </a:solidFill>
                 <a:latin typeface="华文楷体" panose="02010600040101010101" pitchFamily="2" charset="-122"/>
                 <a:ea typeface="华文楷体" panose="02010600040101010101" pitchFamily="2" charset="-122"/>
               </a:rPr>
               <a:t>实验结果</a:t>
             </a:r>
-            <a:endParaRPr lang="zh-CN" altLang="en-US" sz="3600" b="1" dirty="0">
-              <a:solidFill>
-                <a:srgbClr val="C55A11"/>
-              </a:solidFill>
-              <a:latin typeface="华文楷体" panose="02010600040101010101" pitchFamily="2" charset="-122"/>
-              <a:ea typeface="华文楷体" panose="02010600040101010101" pitchFamily="2" charset="-122"/>
-            </a:endParaRPr>
           </a:p>
         </p:txBody>
       </p:sp>
       <p:pic>
         <p:nvPicPr>
-          <p:cNvPr id="8" name="图片 7">
+          <p:cNvPr id="4" name="图片 3">
             <a:extLst>
               <a:ext uri="{FF2B5EF4-FFF2-40B4-BE49-F238E27FC236}">
-                <a16:creationId xmlns:a16="http://schemas.microsoft.com/office/drawing/2014/main" id="{BFA26660-4636-4400-BEC8-5C40075812E8}"/>
+                <a16:creationId xmlns:a16="http://schemas.microsoft.com/office/drawing/2014/main" id="{BCCF10C1-9EFD-4CE9-BCEA-28324C7C05E3}"/>
               </a:ext>
             </a:extLst>
           </p:cNvPr>
@@ -21044,8 +21447,8 @@
         </p:blipFill>
         <p:spPr>
           <a:xfrm>
-            <a:off x="824708" y="2671728"/>
-            <a:ext cx="4406874" cy="2314721"/>
+            <a:off x="3115940" y="204660"/>
+            <a:ext cx="5960120" cy="6509079"/>
           </a:xfrm>
           <a:prstGeom prst="rect">
             <a:avLst/>
@@ -21054,10 +21457,10 @@
       </p:pic>
       <p:pic>
         <p:nvPicPr>
-          <p:cNvPr id="7" name="图片 6">
+          <p:cNvPr id="8" name="图片 7">
             <a:extLst>
               <a:ext uri="{FF2B5EF4-FFF2-40B4-BE49-F238E27FC236}">
-                <a16:creationId xmlns:a16="http://schemas.microsoft.com/office/drawing/2014/main" id="{EA4F668F-0A28-43D2-8936-BD0102568AF9}"/>
+                <a16:creationId xmlns:a16="http://schemas.microsoft.com/office/drawing/2014/main" id="{C2BBF8FC-7234-4F61-935C-C27B48D5DB80}"/>
               </a:ext>
             </a:extLst>
           </p:cNvPr>
@@ -21066,22 +21469,23 @@
           </p:cNvPicPr>
           <p:nvPr/>
         </p:nvPicPr>
-        <p:blipFill>
+        <p:blipFill rotWithShape="1">
           <a:blip r:embed="rId9">
-            <a:extLst>
-              <a:ext uri="{28A0092B-C50C-407E-A947-70E740481C1C}">
-                <a14:useLocalDpi xmlns:a14="http://schemas.microsoft.com/office/drawing/2010/main" val="0"/>
-              </a:ext>
-            </a:extLst>
+            <a:duotone>
+              <a:schemeClr val="bg2">
+                <a:shade val="45000"/>
+                <a:satMod val="135000"/>
+              </a:schemeClr>
+              <a:prstClr val="white"/>
+            </a:duotone>
           </a:blip>
-          <a:stretch>
-            <a:fillRect/>
-          </a:stretch>
+          <a:srcRect t="-8375" r="69791"/>
+          <a:stretch/>
         </p:blipFill>
         <p:spPr>
           <a:xfrm>
-            <a:off x="6096000" y="2099724"/>
-            <a:ext cx="5461155" cy="3458731"/>
+            <a:off x="9913955" y="4136066"/>
+            <a:ext cx="3769087" cy="3644263"/>
           </a:xfrm>
           <a:prstGeom prst="rect">
             <a:avLst/>
@@ -21094,7 +21498,7 @@
     </p:custDataLst>
     <p:extLst>
       <p:ext uri="{BB962C8B-B14F-4D97-AF65-F5344CB8AC3E}">
-        <p14:creationId xmlns:p14="http://schemas.microsoft.com/office/powerpoint/2010/main" val="4021406936"/>
+        <p14:creationId xmlns:p14="http://schemas.microsoft.com/office/powerpoint/2010/main" val="262532577"/>
       </p:ext>
     </p:extLst>
   </p:cSld>
@@ -21343,23 +21747,387 @@
             <a:r>
               <a:rPr lang="zh-CN" altLang="en-US" sz="3600" b="1" dirty="0">
                 <a:solidFill>
-                  <a:schemeClr val="tx1">
-                    <a:lumMod val="75000"/>
-                    <a:lumOff val="25000"/>
-                  </a:schemeClr>
+                  <a:srgbClr val="C55A11"/>
                 </a:solidFill>
                 <a:latin typeface="华文楷体" panose="02010600040101010101" pitchFamily="2" charset="-122"/>
                 <a:ea typeface="华文楷体" panose="02010600040101010101" pitchFamily="2" charset="-122"/>
               </a:rPr>
               <a:t>实验结果</a:t>
             </a:r>
-            <a:endParaRPr lang="zh-CN" altLang="en-US" sz="3600" b="1" dirty="0">
-              <a:solidFill>
-                <a:srgbClr val="C55A11"/>
-              </a:solidFill>
-              <a:latin typeface="华文楷体" panose="02010600040101010101" pitchFamily="2" charset="-122"/>
-              <a:ea typeface="华文楷体" panose="02010600040101010101" pitchFamily="2" charset="-122"/>
-            </a:endParaRPr>
+          </a:p>
+        </p:txBody>
+      </p:sp>
+      <p:pic>
+        <p:nvPicPr>
+          <p:cNvPr id="8" name="图片 7">
+            <a:extLst>
+              <a:ext uri="{FF2B5EF4-FFF2-40B4-BE49-F238E27FC236}">
+                <a16:creationId xmlns:a16="http://schemas.microsoft.com/office/drawing/2014/main" id="{BFA26660-4636-4400-BEC8-5C40075812E8}"/>
+              </a:ext>
+            </a:extLst>
+          </p:cNvPr>
+          <p:cNvPicPr>
+            <a:picLocks noChangeAspect="1"/>
+          </p:cNvPicPr>
+          <p:nvPr/>
+        </p:nvPicPr>
+        <p:blipFill>
+          <a:blip r:embed="rId8">
+            <a:extLst>
+              <a:ext uri="{28A0092B-C50C-407E-A947-70E740481C1C}">
+                <a14:useLocalDpi xmlns:a14="http://schemas.microsoft.com/office/drawing/2010/main" val="0"/>
+              </a:ext>
+            </a:extLst>
+          </a:blip>
+          <a:stretch>
+            <a:fillRect/>
+          </a:stretch>
+        </p:blipFill>
+        <p:spPr>
+          <a:xfrm>
+            <a:off x="824708" y="2671728"/>
+            <a:ext cx="4406874" cy="2314721"/>
+          </a:xfrm>
+          <a:prstGeom prst="rect">
+            <a:avLst/>
+          </a:prstGeom>
+        </p:spPr>
+      </p:pic>
+      <p:pic>
+        <p:nvPicPr>
+          <p:cNvPr id="7" name="图片 6">
+            <a:extLst>
+              <a:ext uri="{FF2B5EF4-FFF2-40B4-BE49-F238E27FC236}">
+                <a16:creationId xmlns:a16="http://schemas.microsoft.com/office/drawing/2014/main" id="{EA4F668F-0A28-43D2-8936-BD0102568AF9}"/>
+              </a:ext>
+            </a:extLst>
+          </p:cNvPr>
+          <p:cNvPicPr>
+            <a:picLocks noChangeAspect="1"/>
+          </p:cNvPicPr>
+          <p:nvPr/>
+        </p:nvPicPr>
+        <p:blipFill>
+          <a:blip r:embed="rId9">
+            <a:extLst>
+              <a:ext uri="{28A0092B-C50C-407E-A947-70E740481C1C}">
+                <a14:useLocalDpi xmlns:a14="http://schemas.microsoft.com/office/drawing/2010/main" val="0"/>
+              </a:ext>
+            </a:extLst>
+          </a:blip>
+          <a:stretch>
+            <a:fillRect/>
+          </a:stretch>
+        </p:blipFill>
+        <p:spPr>
+          <a:xfrm>
+            <a:off x="6096000" y="2099724"/>
+            <a:ext cx="5461155" cy="3458731"/>
+          </a:xfrm>
+          <a:prstGeom prst="rect">
+            <a:avLst/>
+          </a:prstGeom>
+        </p:spPr>
+      </p:pic>
+      <p:pic>
+        <p:nvPicPr>
+          <p:cNvPr id="9" name="图片 8">
+            <a:extLst>
+              <a:ext uri="{FF2B5EF4-FFF2-40B4-BE49-F238E27FC236}">
+                <a16:creationId xmlns:a16="http://schemas.microsoft.com/office/drawing/2014/main" id="{AC852D48-31CD-4BF7-B739-ACB50DC5172B}"/>
+              </a:ext>
+            </a:extLst>
+          </p:cNvPr>
+          <p:cNvPicPr>
+            <a:picLocks noChangeAspect="1"/>
+          </p:cNvPicPr>
+          <p:nvPr/>
+        </p:nvPicPr>
+        <p:blipFill rotWithShape="1">
+          <a:blip r:embed="rId10">
+            <a:duotone>
+              <a:schemeClr val="bg2">
+                <a:shade val="45000"/>
+                <a:satMod val="135000"/>
+              </a:schemeClr>
+              <a:prstClr val="white"/>
+            </a:duotone>
+          </a:blip>
+          <a:srcRect t="-8375" r="69791"/>
+          <a:stretch/>
+        </p:blipFill>
+        <p:spPr>
+          <a:xfrm>
+            <a:off x="9913955" y="4136066"/>
+            <a:ext cx="3769087" cy="3644263"/>
+          </a:xfrm>
+          <a:prstGeom prst="rect">
+            <a:avLst/>
+          </a:prstGeom>
+        </p:spPr>
+      </p:pic>
+    </p:spTree>
+    <p:custDataLst>
+      <p:tags r:id="rId1"/>
+    </p:custDataLst>
+    <p:extLst>
+      <p:ext uri="{BB962C8B-B14F-4D97-AF65-F5344CB8AC3E}">
+        <p14:creationId xmlns:p14="http://schemas.microsoft.com/office/powerpoint/2010/main" val="4021406936"/>
+      </p:ext>
+    </p:extLst>
+  </p:cSld>
+  <p:clrMapOvr>
+    <a:masterClrMapping/>
+  </p:clrMapOvr>
+  <mc:AlternateContent xmlns:mc="http://schemas.openxmlformats.org/markup-compatibility/2006" xmlns:p14="http://schemas.microsoft.com/office/powerpoint/2010/main">
+    <mc:Choice Requires="p14">
+      <p:transition spd="med" p14:dur="700" advTm="31146">
+        <p:fade/>
+      </p:transition>
+    </mc:Choice>
+    <mc:Fallback xmlns="">
+      <p:transition spd="med" advTm="31146">
+        <p:fade/>
+      </p:transition>
+    </mc:Fallback>
+  </mc:AlternateContent>
+</p:sld>
+</file>
+
+<file path=ppt/slides/slide33.xml><?xml version="1.0" encoding="utf-8"?>
+<p:sld xmlns:a="http://schemas.openxmlformats.org/drawingml/2006/main" xmlns:r="http://schemas.openxmlformats.org/officeDocument/2006/relationships" xmlns:p="http://schemas.openxmlformats.org/presentationml/2006/main">
+  <p:cSld>
+    <p:spTree>
+      <p:nvGrpSpPr>
+        <p:cNvPr id="1" name=""/>
+        <p:cNvGrpSpPr/>
+        <p:nvPr/>
+      </p:nvGrpSpPr>
+      <p:grpSpPr>
+        <a:xfrm>
+          <a:off x="0" y="0"/>
+          <a:ext cx="0" cy="0"/>
+          <a:chOff x="0" y="0"/>
+          <a:chExt cx="0" cy="0"/>
+        </a:xfrm>
+      </p:grpSpPr>
+      <p:sp>
+        <p:nvSpPr>
+          <p:cNvPr id="3" name="PA_矩形 2"/>
+          <p:cNvSpPr/>
+          <p:nvPr>
+            <p:custDataLst>
+              <p:tags r:id="rId2"/>
+            </p:custDataLst>
+          </p:nvPr>
+        </p:nvSpPr>
+        <p:spPr>
+          <a:xfrm>
+            <a:off x="0" y="1"/>
+            <a:ext cx="12192000" cy="45719"/>
+          </a:xfrm>
+          <a:prstGeom prst="rect">
+            <a:avLst/>
+          </a:prstGeom>
+          <a:solidFill>
+            <a:srgbClr val="C55A11"/>
+          </a:solidFill>
+          <a:ln>
+            <a:noFill/>
+          </a:ln>
+        </p:spPr>
+        <p:style>
+          <a:lnRef idx="2">
+            <a:schemeClr val="accent1">
+              <a:shade val="50000"/>
+            </a:schemeClr>
+          </a:lnRef>
+          <a:fillRef idx="1">
+            <a:schemeClr val="accent1"/>
+          </a:fillRef>
+          <a:effectRef idx="0">
+            <a:schemeClr val="accent1"/>
+          </a:effectRef>
+          <a:fontRef idx="minor">
+            <a:schemeClr val="lt1"/>
+          </a:fontRef>
+        </p:style>
+        <p:txBody>
+          <a:bodyPr rtlCol="0" anchor="ctr"/>
+          <a:lstStyle/>
+          <a:p>
+            <a:pPr algn="ctr"/>
+            <a:endParaRPr lang="zh-CN" altLang="en-US"/>
+          </a:p>
+        </p:txBody>
+      </p:sp>
+      <p:cxnSp>
+        <p:nvCxnSpPr>
+          <p:cNvPr id="6" name="PA_直接连接符 5"/>
+          <p:cNvCxnSpPr>
+            <a:cxnSpLocks/>
+          </p:cNvCxnSpPr>
+          <p:nvPr>
+            <p:custDataLst>
+              <p:tags r:id="rId3"/>
+            </p:custDataLst>
+          </p:nvPr>
+        </p:nvCxnSpPr>
+        <p:spPr>
+          <a:xfrm>
+            <a:off x="0" y="1201003"/>
+            <a:ext cx="12192000" cy="0"/>
+          </a:xfrm>
+          <a:prstGeom prst="line">
+            <a:avLst/>
+          </a:prstGeom>
+          <a:ln>
+            <a:solidFill>
+              <a:schemeClr val="tx1">
+                <a:lumMod val="50000"/>
+                <a:lumOff val="50000"/>
+              </a:schemeClr>
+            </a:solidFill>
+          </a:ln>
+        </p:spPr>
+        <p:style>
+          <a:lnRef idx="1">
+            <a:schemeClr val="accent1"/>
+          </a:lnRef>
+          <a:fillRef idx="0">
+            <a:schemeClr val="accent1"/>
+          </a:fillRef>
+          <a:effectRef idx="0">
+            <a:schemeClr val="accent1"/>
+          </a:effectRef>
+          <a:fontRef idx="minor">
+            <a:schemeClr val="tx1"/>
+          </a:fontRef>
+        </p:style>
+      </p:cxnSp>
+      <p:sp>
+        <p:nvSpPr>
+          <p:cNvPr id="10" name="PA_矩形 9"/>
+          <p:cNvSpPr/>
+          <p:nvPr>
+            <p:custDataLst>
+              <p:tags r:id="rId4"/>
+            </p:custDataLst>
+          </p:nvPr>
+        </p:nvSpPr>
+        <p:spPr>
+          <a:xfrm>
+            <a:off x="0" y="6713739"/>
+            <a:ext cx="12192000" cy="144261"/>
+          </a:xfrm>
+          <a:prstGeom prst="rect">
+            <a:avLst/>
+          </a:prstGeom>
+          <a:solidFill>
+            <a:srgbClr val="C55A11"/>
+          </a:solidFill>
+          <a:ln>
+            <a:noFill/>
+          </a:ln>
+        </p:spPr>
+        <p:style>
+          <a:lnRef idx="2">
+            <a:schemeClr val="accent1">
+              <a:shade val="50000"/>
+            </a:schemeClr>
+          </a:lnRef>
+          <a:fillRef idx="1">
+            <a:schemeClr val="accent1"/>
+          </a:fillRef>
+          <a:effectRef idx="0">
+            <a:schemeClr val="accent1"/>
+          </a:effectRef>
+          <a:fontRef idx="minor">
+            <a:schemeClr val="lt1"/>
+          </a:fontRef>
+        </p:style>
+        <p:txBody>
+          <a:bodyPr rtlCol="0" anchor="ctr"/>
+          <a:lstStyle/>
+          <a:p>
+            <a:pPr algn="ctr"/>
+            <a:endParaRPr lang="zh-CN" altLang="en-US"/>
+          </a:p>
+        </p:txBody>
+      </p:sp>
+      <p:pic>
+        <p:nvPicPr>
+          <p:cNvPr id="5" name="图片 4">
+            <a:extLst>
+              <a:ext uri="{FF2B5EF4-FFF2-40B4-BE49-F238E27FC236}">
+                <a16:creationId xmlns:a16="http://schemas.microsoft.com/office/drawing/2014/main" id="{331F8B9E-44A9-48A8-A615-661C088C7B35}"/>
+              </a:ext>
+            </a:extLst>
+          </p:cNvPr>
+          <p:cNvPicPr>
+            <a:picLocks noChangeAspect="1"/>
+          </p:cNvPicPr>
+          <p:nvPr/>
+        </p:nvPicPr>
+        <p:blipFill>
+          <a:blip r:embed="rId7" cstate="print">
+            <a:extLst>
+              <a:ext uri="{28A0092B-C50C-407E-A947-70E740481C1C}">
+                <a14:useLocalDpi xmlns:a14="http://schemas.microsoft.com/office/drawing/2010/main" val="0"/>
+              </a:ext>
+            </a:extLst>
+          </a:blip>
+          <a:stretch>
+            <a:fillRect/>
+          </a:stretch>
+        </p:blipFill>
+        <p:spPr>
+          <a:xfrm>
+            <a:off x="11042374" y="139459"/>
+            <a:ext cx="967805" cy="967805"/>
+          </a:xfrm>
+          <a:prstGeom prst="rect">
+            <a:avLst/>
+          </a:prstGeom>
+        </p:spPr>
+      </p:pic>
+      <p:sp>
+        <p:nvSpPr>
+          <p:cNvPr id="13" name="矩形 12">
+            <a:extLst>
+              <a:ext uri="{FF2B5EF4-FFF2-40B4-BE49-F238E27FC236}">
+                <a16:creationId xmlns:a16="http://schemas.microsoft.com/office/drawing/2014/main" id="{2B277579-C26B-4516-B8AC-02305AA55F0F}"/>
+              </a:ext>
+            </a:extLst>
+          </p:cNvPr>
+          <p:cNvSpPr/>
+          <p:nvPr/>
+        </p:nvSpPr>
+        <p:spPr>
+          <a:xfrm>
+            <a:off x="181821" y="331578"/>
+            <a:ext cx="10860553" cy="646331"/>
+          </a:xfrm>
+          <a:prstGeom prst="rect">
+            <a:avLst/>
+          </a:prstGeom>
+        </p:spPr>
+        <p:txBody>
+          <a:bodyPr wrap="square">
+            <a:spAutoFit/>
+          </a:bodyPr>
+          <a:lstStyle/>
+          <a:p>
+            <a:r>
+              <a:rPr lang="zh-CN" altLang="en-US" sz="3600" b="1" dirty="0">
+                <a:solidFill>
+                  <a:srgbClr val="C55A11"/>
+                </a:solidFill>
+                <a:latin typeface="华文楷体" panose="02010600040101010101" pitchFamily="2" charset="-122"/>
+                <a:ea typeface="华文楷体" panose="02010600040101010101" pitchFamily="2" charset="-122"/>
+              </a:rPr>
+              <a:t>实验结果</a:t>
+            </a:r>
           </a:p>
         </p:txBody>
       </p:sp>
@@ -21461,6 +22229,43 @@
           </a:p>
         </p:txBody>
       </p:sp>
+      <p:pic>
+        <p:nvPicPr>
+          <p:cNvPr id="14" name="图片 13">
+            <a:extLst>
+              <a:ext uri="{FF2B5EF4-FFF2-40B4-BE49-F238E27FC236}">
+                <a16:creationId xmlns:a16="http://schemas.microsoft.com/office/drawing/2014/main" id="{1789F8E2-93B7-4270-82AA-0EE26965E058}"/>
+              </a:ext>
+            </a:extLst>
+          </p:cNvPr>
+          <p:cNvPicPr>
+            <a:picLocks noChangeAspect="1"/>
+          </p:cNvPicPr>
+          <p:nvPr/>
+        </p:nvPicPr>
+        <p:blipFill rotWithShape="1">
+          <a:blip r:embed="rId8">
+            <a:duotone>
+              <a:schemeClr val="bg2">
+                <a:shade val="45000"/>
+                <a:satMod val="135000"/>
+              </a:schemeClr>
+              <a:prstClr val="white"/>
+            </a:duotone>
+          </a:blip>
+          <a:srcRect t="-8375" r="69791"/>
+          <a:stretch/>
+        </p:blipFill>
+        <p:spPr>
+          <a:xfrm>
+            <a:off x="9913955" y="4136066"/>
+            <a:ext cx="3769087" cy="3644263"/>
+          </a:xfrm>
+          <a:prstGeom prst="rect">
+            <a:avLst/>
+          </a:prstGeom>
+        </p:spPr>
+      </p:pic>
       <p:pic>
         <p:nvPicPr>
           <p:cNvPr id="4" name="图片 3">
@@ -21476,7 +22281,7 @@
           <p:nvPr/>
         </p:nvPicPr>
         <p:blipFill rotWithShape="1">
-          <a:blip r:embed="rId8">
+          <a:blip r:embed="rId9">
             <a:extLst>
               <a:ext uri="{28A0092B-C50C-407E-A947-70E740481C1C}">
                 <a14:useLocalDpi xmlns:a14="http://schemas.microsoft.com/office/drawing/2010/main" val="0"/>
@@ -21511,7 +22316,7 @@
           <p:nvPr/>
         </p:nvPicPr>
         <p:blipFill rotWithShape="1">
-          <a:blip r:embed="rId8">
+          <a:blip r:embed="rId9">
             <a:extLst>
               <a:ext uri="{28A0092B-C50C-407E-A947-70E740481C1C}">
                 <a14:useLocalDpi xmlns:a14="http://schemas.microsoft.com/office/drawing/2010/main" val="0"/>
@@ -21695,7 +22500,7 @@
 </p:sld>
 </file>
 
-<file path=ppt/slides/slide33.xml><?xml version="1.0" encoding="utf-8"?>
+<file path=ppt/slides/slide34.xml><?xml version="1.0" encoding="utf-8"?>
 <p:sld xmlns:a="http://schemas.openxmlformats.org/drawingml/2006/main" xmlns:r="http://schemas.openxmlformats.org/officeDocument/2006/relationships" xmlns:p="http://schemas.openxmlformats.org/presentationml/2006/main">
   <p:cSld>
     <p:spTree>
@@ -22201,13 +23006,13 @@
   <p:clrMapOvr>
     <a:masterClrMapping/>
   </p:clrMapOvr>
-  <mc:AlternateContent xmlns:mc="http://schemas.openxmlformats.org/markup-compatibility/2006">
-    <mc:Choice xmlns:p15="http://schemas.microsoft.com/office/powerpoint/2012/main" Requires="p15">
+  <mc:AlternateContent xmlns:mc="http://schemas.openxmlformats.org/markup-compatibility/2006" xmlns:p15="http://schemas.microsoft.com/office/powerpoint/2012/main">
+    <mc:Choice Requires="p15">
       <p:transition xmlns:p14="http://schemas.microsoft.com/office/powerpoint/2010/main" spd="slow" p14:dur="1250" advTm="31146">
         <p15:prstTrans prst="peelOff"/>
       </p:transition>
     </mc:Choice>
-    <mc:Fallback>
+    <mc:Fallback xmlns="">
       <p:transition spd="slow" advTm="31146">
         <p:fade/>
       </p:transition>
@@ -22216,7 +23021,7 @@
 </p:sld>
 </file>
 
-<file path=ppt/slides/slide34.xml><?xml version="1.0" encoding="utf-8"?>
+<file path=ppt/slides/slide35.xml><?xml version="1.0" encoding="utf-8"?>
 <p:sld xmlns:a="http://schemas.openxmlformats.org/drawingml/2006/main" xmlns:r="http://schemas.openxmlformats.org/officeDocument/2006/relationships" xmlns:p="http://schemas.openxmlformats.org/presentationml/2006/main">
   <p:cSld>
     <p:spTree>
@@ -22443,10 +23248,7 @@
             <a:r>
               <a:rPr lang="zh-CN" altLang="en-US" sz="3600" b="1">
                 <a:solidFill>
-                  <a:schemeClr val="tx1">
-                    <a:lumMod val="75000"/>
-                    <a:lumOff val="25000"/>
-                  </a:schemeClr>
+                  <a:srgbClr val="C55A11"/>
                 </a:solidFill>
                 <a:latin typeface="华文楷体" panose="02010600040101010101" pitchFamily="2" charset="-122"/>
                 <a:ea typeface="华文楷体" panose="02010600040101010101" pitchFamily="2" charset="-122"/>
@@ -22478,7 +23280,7 @@
         <p:spPr>
           <a:xfrm>
             <a:off x="181821" y="1287077"/>
-            <a:ext cx="11576169" cy="5201424"/>
+            <a:ext cx="11576169" cy="4555093"/>
           </a:xfrm>
           <a:prstGeom prst="rect">
             <a:avLst/>
@@ -22502,12 +23304,16 @@
               <a:buChar char="Ø"/>
             </a:pPr>
             <a:r>
-              <a:rPr lang="en-US" altLang="zh-CN" sz="2800">
-                <a:latin typeface="华文楷体" panose="02010600040101010101" pitchFamily="2" charset="-122"/>
-                <a:ea typeface="华文楷体" panose="02010600040101010101" pitchFamily="2" charset="-122"/>
-              </a:rPr>
-              <a:t>Contributions</a:t>
-            </a:r>
+              <a:rPr lang="zh-CN" altLang="en-US" sz="2800">
+                <a:latin typeface="华文楷体" panose="02010600040101010101" pitchFamily="2" charset="-122"/>
+                <a:ea typeface="华文楷体" panose="02010600040101010101" pitchFamily="2" charset="-122"/>
+              </a:rPr>
+              <a:t>优点</a:t>
+            </a:r>
+            <a:endParaRPr lang="en-US" altLang="zh-CN" sz="2800">
+              <a:latin typeface="华文楷体" panose="02010600040101010101" pitchFamily="2" charset="-122"/>
+              <a:ea typeface="华文楷体" panose="02010600040101010101" pitchFamily="2" charset="-122"/>
+            </a:endParaRPr>
           </a:p>
           <a:p>
             <a:pPr marL="914400" lvl="1" indent="-457200">
@@ -22517,16 +23323,34 @@
               <a:buClr>
                 <a:srgbClr val="C55A11"/>
               </a:buClr>
-              <a:buFont typeface="Wingdings" panose="05000000000000000000" pitchFamily="2" charset="2"/>
-              <a:buChar char="Ø"/>
+              <a:buFont typeface="Arial" panose="020B0604020202020204" pitchFamily="34" charset="0"/>
+              <a:buChar char="•"/>
             </a:pPr>
             <a:r>
+              <a:rPr lang="zh-CN" altLang="en-US" sz="2800">
+                <a:latin typeface="华文楷体" panose="02010600040101010101" pitchFamily="2" charset="-122"/>
+                <a:ea typeface="华文楷体" panose="02010600040101010101" pitchFamily="2" charset="-122"/>
+              </a:rPr>
+              <a:t>本文是首次较为系统地研究</a:t>
+            </a:r>
+            <a:r>
               <a:rPr lang="en-US" altLang="zh-CN" sz="2800">
                 <a:latin typeface="华文楷体" panose="02010600040101010101" pitchFamily="2" charset="-122"/>
                 <a:ea typeface="华文楷体" panose="02010600040101010101" pitchFamily="2" charset="-122"/>
               </a:rPr>
-              <a:t>To my best knowledge, it is the first time to systematically explorate multi-task sharing architecture on Transformer.</a:t>
-            </a:r>
+              <a:t>Transformer</a:t>
+            </a:r>
+            <a:r>
+              <a:rPr lang="zh-CN" altLang="en-US" sz="2800">
+                <a:latin typeface="华文楷体" panose="02010600040101010101" pitchFamily="2" charset="-122"/>
+                <a:ea typeface="华文楷体" panose="02010600040101010101" pitchFamily="2" charset="-122"/>
+              </a:rPr>
+              <a:t>上的多任务共享架构</a:t>
+            </a:r>
+            <a:endParaRPr lang="en-US" altLang="zh-CN" sz="2800">
+              <a:latin typeface="华文楷体" panose="02010600040101010101" pitchFamily="2" charset="-122"/>
+              <a:ea typeface="华文楷体" panose="02010600040101010101" pitchFamily="2" charset="-122"/>
+            </a:endParaRPr>
           </a:p>
           <a:p>
             <a:pPr marL="914400" lvl="1" indent="-457200">
@@ -22536,16 +23360,20 @@
               <a:buClr>
                 <a:srgbClr val="C55A11"/>
               </a:buClr>
-              <a:buFont typeface="Wingdings" panose="05000000000000000000" pitchFamily="2" charset="2"/>
-              <a:buChar char="Ø"/>
+              <a:buFont typeface="Arial" panose="020B0604020202020204" pitchFamily="34" charset="0"/>
+              <a:buChar char="•"/>
             </a:pPr>
             <a:r>
-              <a:rPr lang="en-US" altLang="zh-CN" sz="2800">
-                <a:latin typeface="华文楷体" panose="02010600040101010101" pitchFamily="2" charset="-122"/>
-                <a:ea typeface="华文楷体" panose="02010600040101010101" pitchFamily="2" charset="-122"/>
-              </a:rPr>
-              <a:t>I propose a new sharing mechanism (L-I and L-E), which is belong to soft sharing paradigm but more efficient.</a:t>
-            </a:r>
+              <a:rPr lang="zh-CN" altLang="en-US" sz="2800">
+                <a:latin typeface="华文楷体" panose="02010600040101010101" pitchFamily="2" charset="-122"/>
+                <a:ea typeface="华文楷体" panose="02010600040101010101" pitchFamily="2" charset="-122"/>
+              </a:rPr>
+              <a:t>提出了一种新型的逐层共享结构，同时具备硬共享模式参数量少的特点以及软共享模式的灵活性</a:t>
+            </a:r>
+            <a:endParaRPr lang="en-US" altLang="zh-CN" sz="2800">
+              <a:latin typeface="华文楷体" panose="02010600040101010101" pitchFamily="2" charset="-122"/>
+              <a:ea typeface="华文楷体" panose="02010600040101010101" pitchFamily="2" charset="-122"/>
+            </a:endParaRPr>
           </a:p>
           <a:p>
             <a:pPr marL="457200" indent="-457200">
@@ -22559,12 +23387,16 @@
               <a:buChar char="Ø"/>
             </a:pPr>
             <a:r>
-              <a:rPr lang="en-US" altLang="zh-CN" sz="2800">
-                <a:latin typeface="华文楷体" panose="02010600040101010101" pitchFamily="2" charset="-122"/>
-                <a:ea typeface="华文楷体" panose="02010600040101010101" pitchFamily="2" charset="-122"/>
-              </a:rPr>
-              <a:t>Defects</a:t>
-            </a:r>
+              <a:rPr lang="zh-CN" altLang="en-US" sz="2800">
+                <a:latin typeface="华文楷体" panose="02010600040101010101" pitchFamily="2" charset="-122"/>
+                <a:ea typeface="华文楷体" panose="02010600040101010101" pitchFamily="2" charset="-122"/>
+              </a:rPr>
+              <a:t>不足</a:t>
+            </a:r>
+            <a:endParaRPr lang="en-US" altLang="zh-CN" sz="2800">
+              <a:latin typeface="华文楷体" panose="02010600040101010101" pitchFamily="2" charset="-122"/>
+              <a:ea typeface="华文楷体" panose="02010600040101010101" pitchFamily="2" charset="-122"/>
+            </a:endParaRPr>
           </a:p>
           <a:p>
             <a:pPr marL="914400" lvl="1" indent="-457200">
@@ -22574,16 +23406,34 @@
               <a:buClr>
                 <a:srgbClr val="C55A11"/>
               </a:buClr>
-              <a:buFont typeface="Wingdings" panose="05000000000000000000" pitchFamily="2" charset="2"/>
-              <a:buChar char="Ø"/>
+              <a:buFont typeface="Arial" panose="020B0604020202020204" pitchFamily="34" charset="0"/>
+              <a:buChar char="•"/>
             </a:pPr>
             <a:r>
+              <a:rPr lang="zh-CN" altLang="en-US" sz="2800">
+                <a:latin typeface="华文楷体" panose="02010600040101010101" pitchFamily="2" charset="-122"/>
+                <a:ea typeface="华文楷体" panose="02010600040101010101" pitchFamily="2" charset="-122"/>
+              </a:rPr>
+              <a:t>目前只能处理句子级</a:t>
+            </a:r>
+            <a:r>
               <a:rPr lang="en-US" altLang="zh-CN" sz="2800">
                 <a:latin typeface="华文楷体" panose="02010600040101010101" pitchFamily="2" charset="-122"/>
                 <a:ea typeface="华文楷体" panose="02010600040101010101" pitchFamily="2" charset="-122"/>
               </a:rPr>
-              <a:t>Can only handle with sentence-level taks, yet.</a:t>
-            </a:r>
+              <a:t>NLP</a:t>
+            </a:r>
+            <a:r>
+              <a:rPr lang="zh-CN" altLang="en-US" sz="2800">
+                <a:latin typeface="华文楷体" panose="02010600040101010101" pitchFamily="2" charset="-122"/>
+                <a:ea typeface="华文楷体" panose="02010600040101010101" pitchFamily="2" charset="-122"/>
+              </a:rPr>
+              <a:t>任务</a:t>
+            </a:r>
+            <a:endParaRPr lang="en-US" altLang="zh-CN" sz="2800">
+              <a:latin typeface="华文楷体" panose="02010600040101010101" pitchFamily="2" charset="-122"/>
+              <a:ea typeface="华文楷体" panose="02010600040101010101" pitchFamily="2" charset="-122"/>
+            </a:endParaRPr>
           </a:p>
           <a:p>
             <a:pPr marL="914400" lvl="1" indent="-457200">
@@ -22593,19 +23443,60 @@
               <a:buClr>
                 <a:srgbClr val="C55A11"/>
               </a:buClr>
-              <a:buFont typeface="Wingdings" panose="05000000000000000000" pitchFamily="2" charset="2"/>
-              <a:buChar char="Ø"/>
+              <a:buFont typeface="Arial" panose="020B0604020202020204" pitchFamily="34" charset="0"/>
+              <a:buChar char="•"/>
             </a:pPr>
             <a:r>
-              <a:rPr lang="en-US" altLang="zh-CN" sz="2800">
-                <a:latin typeface="华文楷体" panose="02010600040101010101" pitchFamily="2" charset="-122"/>
-                <a:ea typeface="华文楷体" panose="02010600040101010101" pitchFamily="2" charset="-122"/>
-              </a:rPr>
-              <a:t>Lack experiments on wider range of tasks</a:t>
-            </a:r>
-          </a:p>
-        </p:txBody>
-      </p:sp>
+              <a:rPr lang="zh-CN" altLang="en-US" sz="2800">
+                <a:latin typeface="华文楷体" panose="02010600040101010101" pitchFamily="2" charset="-122"/>
+                <a:ea typeface="华文楷体" panose="02010600040101010101" pitchFamily="2" charset="-122"/>
+              </a:rPr>
+              <a:t>未在跨度更大的任务上进行实验</a:t>
+            </a:r>
+            <a:endParaRPr lang="en-US" altLang="zh-CN" sz="2800">
+              <a:latin typeface="华文楷体" panose="02010600040101010101" pitchFamily="2" charset="-122"/>
+              <a:ea typeface="华文楷体" panose="02010600040101010101" pitchFamily="2" charset="-122"/>
+            </a:endParaRPr>
+          </a:p>
+        </p:txBody>
+      </p:sp>
+      <p:pic>
+        <p:nvPicPr>
+          <p:cNvPr id="8" name="图片 7">
+            <a:extLst>
+              <a:ext uri="{FF2B5EF4-FFF2-40B4-BE49-F238E27FC236}">
+                <a16:creationId xmlns:a16="http://schemas.microsoft.com/office/drawing/2014/main" id="{405ACB51-E52F-4897-926C-9996D2D9365F}"/>
+              </a:ext>
+            </a:extLst>
+          </p:cNvPr>
+          <p:cNvPicPr>
+            <a:picLocks noChangeAspect="1"/>
+          </p:cNvPicPr>
+          <p:nvPr/>
+        </p:nvPicPr>
+        <p:blipFill rotWithShape="1">
+          <a:blip r:embed="rId8">
+            <a:duotone>
+              <a:schemeClr val="bg2">
+                <a:shade val="45000"/>
+                <a:satMod val="135000"/>
+              </a:schemeClr>
+              <a:prstClr val="white"/>
+            </a:duotone>
+          </a:blip>
+          <a:srcRect t="-8375" r="69791"/>
+          <a:stretch/>
+        </p:blipFill>
+        <p:spPr>
+          <a:xfrm>
+            <a:off x="9913955" y="4136066"/>
+            <a:ext cx="3769087" cy="3644263"/>
+          </a:xfrm>
+          <a:prstGeom prst="rect">
+            <a:avLst/>
+          </a:prstGeom>
+        </p:spPr>
+      </p:pic>
     </p:spTree>
     <p:custDataLst>
       <p:tags r:id="rId1"/>
@@ -22634,7 +23525,7 @@
 </p:sld>
 </file>
 
-<file path=ppt/slides/slide35.xml><?xml version="1.0" encoding="utf-8"?>
+<file path=ppt/slides/slide36.xml><?xml version="1.0" encoding="utf-8"?>
 <p:sld xmlns:a="http://schemas.openxmlformats.org/drawingml/2006/main" xmlns:r="http://schemas.openxmlformats.org/officeDocument/2006/relationships" xmlns:p="http://schemas.openxmlformats.org/presentationml/2006/main">
   <p:cSld>
     <p:bg>
@@ -23142,23 +24033,27 @@
             <a:r>
               <a:rPr lang="zh-CN" altLang="en-US" sz="3600" b="1" dirty="0">
                 <a:solidFill>
-                  <a:schemeClr val="tx1">
-                    <a:lumMod val="75000"/>
-                    <a:lumOff val="25000"/>
-                  </a:schemeClr>
+                  <a:srgbClr val="C55A11"/>
                 </a:solidFill>
                 <a:latin typeface="华文楷体" panose="02010600040101010101" pitchFamily="2" charset="-122"/>
                 <a:ea typeface="华文楷体" panose="02010600040101010101" pitchFamily="2" charset="-122"/>
               </a:rPr>
-              <a:t>深度学习（</a:t>
+              <a:t>深度</a:t>
+            </a:r>
+            <a:r>
+              <a:rPr lang="zh-CN" altLang="en-US" sz="3600" b="1">
+                <a:solidFill>
+                  <a:srgbClr val="C55A11"/>
+                </a:solidFill>
+                <a:latin typeface="华文楷体" panose="02010600040101010101" pitchFamily="2" charset="-122"/>
+                <a:ea typeface="华文楷体" panose="02010600040101010101" pitchFamily="2" charset="-122"/>
+              </a:rPr>
+              <a:t>学习（</a:t>
             </a:r>
             <a:r>
               <a:rPr lang="en-US" altLang="zh-CN" sz="3600" b="1" dirty="0">
                 <a:solidFill>
-                  <a:schemeClr val="tx1">
-                    <a:lumMod val="75000"/>
-                    <a:lumOff val="25000"/>
-                  </a:schemeClr>
+                  <a:srgbClr val="C55A11"/>
                 </a:solidFill>
                 <a:latin typeface="华文楷体" panose="02010600040101010101" pitchFamily="2" charset="-122"/>
                 <a:ea typeface="华文楷体" panose="02010600040101010101" pitchFamily="2" charset="-122"/>
@@ -23168,23 +24063,13 @@
             <a:r>
               <a:rPr lang="zh-CN" altLang="en-US" sz="3600" b="1" dirty="0">
                 <a:solidFill>
-                  <a:schemeClr val="tx1">
-                    <a:lumMod val="75000"/>
-                    <a:lumOff val="25000"/>
-                  </a:schemeClr>
+                  <a:srgbClr val="C55A11"/>
                 </a:solidFill>
                 <a:latin typeface="华文楷体" panose="02010600040101010101" pitchFamily="2" charset="-122"/>
                 <a:ea typeface="华文楷体" panose="02010600040101010101" pitchFamily="2" charset="-122"/>
               </a:rPr>
               <a:t>）</a:t>
             </a:r>
-            <a:endParaRPr lang="zh-CN" altLang="en-US" sz="3600" b="1" dirty="0">
-              <a:solidFill>
-                <a:srgbClr val="C55A11"/>
-              </a:solidFill>
-              <a:latin typeface="华文楷体" panose="02010600040101010101" pitchFamily="2" charset="-122"/>
-              <a:ea typeface="华文楷体" panose="02010600040101010101" pitchFamily="2" charset="-122"/>
-            </a:endParaRPr>
           </a:p>
         </p:txBody>
       </p:sp>
@@ -23460,6 +24345,43 @@
           </a:p>
         </p:txBody>
       </p:sp>
+      <p:pic>
+        <p:nvPicPr>
+          <p:cNvPr id="8" name="图片 7">
+            <a:extLst>
+              <a:ext uri="{FF2B5EF4-FFF2-40B4-BE49-F238E27FC236}">
+                <a16:creationId xmlns:a16="http://schemas.microsoft.com/office/drawing/2014/main" id="{7931E1AC-78C4-475E-8F7C-037E7DDE191D}"/>
+              </a:ext>
+            </a:extLst>
+          </p:cNvPr>
+          <p:cNvPicPr>
+            <a:picLocks noChangeAspect="1"/>
+          </p:cNvPicPr>
+          <p:nvPr/>
+        </p:nvPicPr>
+        <p:blipFill rotWithShape="1">
+          <a:blip r:embed="rId8">
+            <a:duotone>
+              <a:schemeClr val="bg2">
+                <a:shade val="45000"/>
+                <a:satMod val="135000"/>
+              </a:schemeClr>
+              <a:prstClr val="white"/>
+            </a:duotone>
+          </a:blip>
+          <a:srcRect t="-8375" r="69791"/>
+          <a:stretch/>
+        </p:blipFill>
+        <p:spPr>
+          <a:xfrm>
+            <a:off x="9913955" y="4136066"/>
+            <a:ext cx="3769087" cy="3644263"/>
+          </a:xfrm>
+          <a:prstGeom prst="rect">
+            <a:avLst/>
+          </a:prstGeom>
+        </p:spPr>
+      </p:pic>
     </p:spTree>
     <p:custDataLst>
       <p:tags r:id="rId1"/>
@@ -23715,23 +24637,27 @@
             <a:r>
               <a:rPr lang="zh-CN" altLang="en-US" sz="3600" b="1" dirty="0">
                 <a:solidFill>
-                  <a:schemeClr val="tx1">
-                    <a:lumMod val="75000"/>
-                    <a:lumOff val="25000"/>
-                  </a:schemeClr>
+                  <a:srgbClr val="C55A11"/>
                 </a:solidFill>
                 <a:latin typeface="华文楷体" panose="02010600040101010101" pitchFamily="2" charset="-122"/>
                 <a:ea typeface="华文楷体" panose="02010600040101010101" pitchFamily="2" charset="-122"/>
               </a:rPr>
-              <a:t>深度学习（</a:t>
+              <a:t>深度</a:t>
+            </a:r>
+            <a:r>
+              <a:rPr lang="zh-CN" altLang="en-US" sz="3600" b="1">
+                <a:solidFill>
+                  <a:srgbClr val="C55A11"/>
+                </a:solidFill>
+                <a:latin typeface="华文楷体" panose="02010600040101010101" pitchFamily="2" charset="-122"/>
+                <a:ea typeface="华文楷体" panose="02010600040101010101" pitchFamily="2" charset="-122"/>
+              </a:rPr>
+              <a:t>学习（</a:t>
             </a:r>
             <a:r>
               <a:rPr lang="en-US" altLang="zh-CN" sz="3600" b="1" dirty="0">
                 <a:solidFill>
-                  <a:schemeClr val="tx1">
-                    <a:lumMod val="75000"/>
-                    <a:lumOff val="25000"/>
-                  </a:schemeClr>
+                  <a:srgbClr val="C55A11"/>
                 </a:solidFill>
                 <a:latin typeface="华文楷体" panose="02010600040101010101" pitchFamily="2" charset="-122"/>
                 <a:ea typeface="华文楷体" panose="02010600040101010101" pitchFamily="2" charset="-122"/>
@@ -23741,23 +24667,13 @@
             <a:r>
               <a:rPr lang="zh-CN" altLang="en-US" sz="3600" b="1" dirty="0">
                 <a:solidFill>
-                  <a:schemeClr val="tx1">
-                    <a:lumMod val="75000"/>
-                    <a:lumOff val="25000"/>
-                  </a:schemeClr>
+                  <a:srgbClr val="C55A11"/>
                 </a:solidFill>
                 <a:latin typeface="华文楷体" panose="02010600040101010101" pitchFamily="2" charset="-122"/>
                 <a:ea typeface="华文楷体" panose="02010600040101010101" pitchFamily="2" charset="-122"/>
               </a:rPr>
               <a:t>）</a:t>
             </a:r>
-            <a:endParaRPr lang="zh-CN" altLang="en-US" sz="3600" b="1" dirty="0">
-              <a:solidFill>
-                <a:srgbClr val="C55A11"/>
-              </a:solidFill>
-              <a:latin typeface="华文楷体" panose="02010600040101010101" pitchFamily="2" charset="-122"/>
-              <a:ea typeface="华文楷体" panose="02010600040101010101" pitchFamily="2" charset="-122"/>
-            </a:endParaRPr>
           </a:p>
         </p:txBody>
       </p:sp>
@@ -24206,23 +25122,27 @@
             <a:r>
               <a:rPr lang="zh-CN" altLang="en-US" sz="3600" b="1" dirty="0">
                 <a:solidFill>
-                  <a:schemeClr val="tx1">
-                    <a:lumMod val="75000"/>
-                    <a:lumOff val="25000"/>
-                  </a:schemeClr>
+                  <a:srgbClr val="C55A11"/>
                 </a:solidFill>
                 <a:latin typeface="华文楷体" panose="02010600040101010101" pitchFamily="2" charset="-122"/>
                 <a:ea typeface="华文楷体" panose="02010600040101010101" pitchFamily="2" charset="-122"/>
               </a:rPr>
-              <a:t>深度学习（</a:t>
+              <a:t>深度</a:t>
+            </a:r>
+            <a:r>
+              <a:rPr lang="zh-CN" altLang="en-US" sz="3600" b="1">
+                <a:solidFill>
+                  <a:srgbClr val="C55A11"/>
+                </a:solidFill>
+                <a:latin typeface="华文楷体" panose="02010600040101010101" pitchFamily="2" charset="-122"/>
+                <a:ea typeface="华文楷体" panose="02010600040101010101" pitchFamily="2" charset="-122"/>
+              </a:rPr>
+              <a:t>学习（</a:t>
             </a:r>
             <a:r>
               <a:rPr lang="en-US" altLang="zh-CN" sz="3600" b="1" dirty="0">
                 <a:solidFill>
-                  <a:schemeClr val="tx1">
-                    <a:lumMod val="75000"/>
-                    <a:lumOff val="25000"/>
-                  </a:schemeClr>
+                  <a:srgbClr val="C55A11"/>
                 </a:solidFill>
                 <a:latin typeface="华文楷体" panose="02010600040101010101" pitchFamily="2" charset="-122"/>
                 <a:ea typeface="华文楷体" panose="02010600040101010101" pitchFamily="2" charset="-122"/>
@@ -24232,23 +25152,13 @@
             <a:r>
               <a:rPr lang="zh-CN" altLang="en-US" sz="3600" b="1" dirty="0">
                 <a:solidFill>
-                  <a:schemeClr val="tx1">
-                    <a:lumMod val="75000"/>
-                    <a:lumOff val="25000"/>
-                  </a:schemeClr>
+                  <a:srgbClr val="C55A11"/>
                 </a:solidFill>
                 <a:latin typeface="华文楷体" panose="02010600040101010101" pitchFamily="2" charset="-122"/>
                 <a:ea typeface="华文楷体" panose="02010600040101010101" pitchFamily="2" charset="-122"/>
               </a:rPr>
               <a:t>）</a:t>
             </a:r>
-            <a:endParaRPr lang="zh-CN" altLang="en-US" sz="3600" b="1" dirty="0">
-              <a:solidFill>
-                <a:srgbClr val="C55A11"/>
-              </a:solidFill>
-              <a:latin typeface="华文楷体" panose="02010600040101010101" pitchFamily="2" charset="-122"/>
-              <a:ea typeface="华文楷体" panose="02010600040101010101" pitchFamily="2" charset="-122"/>
-            </a:endParaRPr>
           </a:p>
         </p:txBody>
       </p:sp>
@@ -24426,6 +25336,43 @@
           </a:p>
         </p:txBody>
       </p:sp>
+      <p:pic>
+        <p:nvPicPr>
+          <p:cNvPr id="8" name="图片 7">
+            <a:extLst>
+              <a:ext uri="{FF2B5EF4-FFF2-40B4-BE49-F238E27FC236}">
+                <a16:creationId xmlns:a16="http://schemas.microsoft.com/office/drawing/2014/main" id="{6A4A28F2-8873-46CB-A27B-1B5EEAC82446}"/>
+              </a:ext>
+            </a:extLst>
+          </p:cNvPr>
+          <p:cNvPicPr>
+            <a:picLocks noChangeAspect="1"/>
+          </p:cNvPicPr>
+          <p:nvPr/>
+        </p:nvPicPr>
+        <p:blipFill rotWithShape="1">
+          <a:blip r:embed="rId8">
+            <a:duotone>
+              <a:schemeClr val="bg2">
+                <a:shade val="45000"/>
+                <a:satMod val="135000"/>
+              </a:schemeClr>
+              <a:prstClr val="white"/>
+            </a:duotone>
+          </a:blip>
+          <a:srcRect t="-8375" r="69791"/>
+          <a:stretch/>
+        </p:blipFill>
+        <p:spPr>
+          <a:xfrm>
+            <a:off x="9913955" y="4136066"/>
+            <a:ext cx="3769087" cy="3644263"/>
+          </a:xfrm>
+          <a:prstGeom prst="rect">
+            <a:avLst/>
+          </a:prstGeom>
+        </p:spPr>
+      </p:pic>
     </p:spTree>
     <p:custDataLst>
       <p:tags r:id="rId1"/>
@@ -24681,23 +25628,27 @@
             <a:r>
               <a:rPr lang="zh-CN" altLang="en-US" sz="3600" b="1" dirty="0">
                 <a:solidFill>
-                  <a:schemeClr val="tx1">
-                    <a:lumMod val="75000"/>
-                    <a:lumOff val="25000"/>
-                  </a:schemeClr>
+                  <a:srgbClr val="C55A11"/>
                 </a:solidFill>
                 <a:latin typeface="华文楷体" panose="02010600040101010101" pitchFamily="2" charset="-122"/>
                 <a:ea typeface="华文楷体" panose="02010600040101010101" pitchFamily="2" charset="-122"/>
               </a:rPr>
-              <a:t>多任务学习（</a:t>
+              <a:t>多任务</a:t>
+            </a:r>
+            <a:r>
+              <a:rPr lang="zh-CN" altLang="en-US" sz="3600" b="1">
+                <a:solidFill>
+                  <a:srgbClr val="C55A11"/>
+                </a:solidFill>
+                <a:latin typeface="华文楷体" panose="02010600040101010101" pitchFamily="2" charset="-122"/>
+                <a:ea typeface="华文楷体" panose="02010600040101010101" pitchFamily="2" charset="-122"/>
+              </a:rPr>
+              <a:t>学习（</a:t>
             </a:r>
             <a:r>
               <a:rPr lang="en-US" altLang="zh-CN" sz="3600" b="1" dirty="0">
                 <a:solidFill>
-                  <a:schemeClr val="tx1">
-                    <a:lumMod val="75000"/>
-                    <a:lumOff val="25000"/>
-                  </a:schemeClr>
+                  <a:srgbClr val="C55A11"/>
                 </a:solidFill>
                 <a:latin typeface="华文楷体" panose="02010600040101010101" pitchFamily="2" charset="-122"/>
                 <a:ea typeface="华文楷体" panose="02010600040101010101" pitchFamily="2" charset="-122"/>
@@ -24707,23 +25658,13 @@
             <a:r>
               <a:rPr lang="zh-CN" altLang="en-US" sz="3600" b="1" dirty="0">
                 <a:solidFill>
-                  <a:schemeClr val="tx1">
-                    <a:lumMod val="75000"/>
-                    <a:lumOff val="25000"/>
-                  </a:schemeClr>
+                  <a:srgbClr val="C55A11"/>
                 </a:solidFill>
                 <a:latin typeface="华文楷体" panose="02010600040101010101" pitchFamily="2" charset="-122"/>
                 <a:ea typeface="华文楷体" panose="02010600040101010101" pitchFamily="2" charset="-122"/>
               </a:rPr>
               <a:t>）</a:t>
             </a:r>
-            <a:endParaRPr lang="zh-CN" altLang="en-US" sz="3600" b="1" dirty="0">
-              <a:solidFill>
-                <a:srgbClr val="C55A11"/>
-              </a:solidFill>
-              <a:latin typeface="华文楷体" panose="02010600040101010101" pitchFamily="2" charset="-122"/>
-              <a:ea typeface="华文楷体" panose="02010600040101010101" pitchFamily="2" charset="-122"/>
-            </a:endParaRPr>
           </a:p>
         </p:txBody>
       </p:sp>
@@ -24781,7 +25722,7 @@
         </p:nvSpPr>
         <p:spPr>
           <a:xfrm>
-            <a:off x="181821" y="1424098"/>
+            <a:off x="181821" y="1434037"/>
             <a:ext cx="11646385" cy="1700466"/>
           </a:xfrm>
           <a:prstGeom prst="rect">
@@ -24820,7 +25761,21 @@
                 <a:latin typeface="华文楷体" panose="02010600040101010101" pitchFamily="2" charset="-122"/>
                 <a:ea typeface="华文楷体" panose="02010600040101010101" pitchFamily="2" charset="-122"/>
               </a:rPr>
-              <a:t>）方法，通过利用包含在相关任务训练信号 中的领域特定信息来提升泛化能力</a:t>
+              <a:t>）方法，通过利用包含在相关任务</a:t>
+            </a:r>
+            <a:r>
+              <a:rPr lang="zh-CN" altLang="en-US" sz="2800">
+                <a:latin typeface="华文楷体" panose="02010600040101010101" pitchFamily="2" charset="-122"/>
+                <a:ea typeface="华文楷体" panose="02010600040101010101" pitchFamily="2" charset="-122"/>
+              </a:rPr>
+              <a:t>训练信号中</a:t>
+            </a:r>
+            <a:r>
+              <a:rPr lang="zh-CN" altLang="en-US" sz="2800" dirty="0">
+                <a:latin typeface="华文楷体" panose="02010600040101010101" pitchFamily="2" charset="-122"/>
+                <a:ea typeface="华文楷体" panose="02010600040101010101" pitchFamily="2" charset="-122"/>
+              </a:rPr>
+              <a:t>的领域特定信息来提升泛化能力</a:t>
             </a:r>
             <a:r>
               <a:rPr lang="en-US" altLang="zh-CN" sz="2800" baseline="30000" dirty="0">
@@ -24896,6 +25851,43 @@
           <a:xfrm>
             <a:off x="3719509" y="3622232"/>
             <a:ext cx="4752982" cy="2335894"/>
+          </a:xfrm>
+          <a:prstGeom prst="rect">
+            <a:avLst/>
+          </a:prstGeom>
+        </p:spPr>
+      </p:pic>
+      <p:pic>
+        <p:nvPicPr>
+          <p:cNvPr id="11" name="图片 10">
+            <a:extLst>
+              <a:ext uri="{FF2B5EF4-FFF2-40B4-BE49-F238E27FC236}">
+                <a16:creationId xmlns:a16="http://schemas.microsoft.com/office/drawing/2014/main" id="{CFF8A0B5-DAB1-4612-A4F6-BA496B149907}"/>
+              </a:ext>
+            </a:extLst>
+          </p:cNvPr>
+          <p:cNvPicPr>
+            <a:picLocks noChangeAspect="1"/>
+          </p:cNvPicPr>
+          <p:nvPr/>
+        </p:nvPicPr>
+        <p:blipFill rotWithShape="1">
+          <a:blip r:embed="rId9">
+            <a:duotone>
+              <a:schemeClr val="bg2">
+                <a:shade val="45000"/>
+                <a:satMod val="135000"/>
+              </a:schemeClr>
+              <a:prstClr val="white"/>
+            </a:duotone>
+          </a:blip>
+          <a:srcRect t="-8375" r="69791"/>
+          <a:stretch/>
+        </p:blipFill>
+        <p:spPr>
+          <a:xfrm>
+            <a:off x="9913955" y="4136066"/>
+            <a:ext cx="3769087" cy="3644263"/>
           </a:xfrm>
           <a:prstGeom prst="rect">
             <a:avLst/>
@@ -25157,23 +26149,27 @@
             <a:r>
               <a:rPr lang="zh-CN" altLang="en-US" sz="3600" b="1" dirty="0">
                 <a:solidFill>
-                  <a:schemeClr val="tx1">
-                    <a:lumMod val="75000"/>
-                    <a:lumOff val="25000"/>
-                  </a:schemeClr>
+                  <a:srgbClr val="C55A11"/>
                 </a:solidFill>
                 <a:latin typeface="华文楷体" panose="02010600040101010101" pitchFamily="2" charset="-122"/>
                 <a:ea typeface="华文楷体" panose="02010600040101010101" pitchFamily="2" charset="-122"/>
               </a:rPr>
-              <a:t>多任务学习（</a:t>
+              <a:t>多任务</a:t>
+            </a:r>
+            <a:r>
+              <a:rPr lang="zh-CN" altLang="en-US" sz="3600" b="1">
+                <a:solidFill>
+                  <a:srgbClr val="C55A11"/>
+                </a:solidFill>
+                <a:latin typeface="华文楷体" panose="02010600040101010101" pitchFamily="2" charset="-122"/>
+                <a:ea typeface="华文楷体" panose="02010600040101010101" pitchFamily="2" charset="-122"/>
+              </a:rPr>
+              <a:t>学习（</a:t>
             </a:r>
             <a:r>
               <a:rPr lang="en-US" altLang="zh-CN" sz="3600" b="1" dirty="0">
                 <a:solidFill>
-                  <a:schemeClr val="tx1">
-                    <a:lumMod val="75000"/>
-                    <a:lumOff val="25000"/>
-                  </a:schemeClr>
+                  <a:srgbClr val="C55A11"/>
                 </a:solidFill>
                 <a:latin typeface="华文楷体" panose="02010600040101010101" pitchFamily="2" charset="-122"/>
                 <a:ea typeface="华文楷体" panose="02010600040101010101" pitchFamily="2" charset="-122"/>
@@ -25183,23 +26179,13 @@
             <a:r>
               <a:rPr lang="zh-CN" altLang="en-US" sz="3600" b="1" dirty="0">
                 <a:solidFill>
-                  <a:schemeClr val="tx1">
-                    <a:lumMod val="75000"/>
-                    <a:lumOff val="25000"/>
-                  </a:schemeClr>
+                  <a:srgbClr val="C55A11"/>
                 </a:solidFill>
                 <a:latin typeface="华文楷体" panose="02010600040101010101" pitchFamily="2" charset="-122"/>
                 <a:ea typeface="华文楷体" panose="02010600040101010101" pitchFamily="2" charset="-122"/>
               </a:rPr>
               <a:t>）</a:t>
             </a:r>
-            <a:endParaRPr lang="zh-CN" altLang="en-US" sz="3600" b="1" dirty="0">
-              <a:solidFill>
-                <a:srgbClr val="C55A11"/>
-              </a:solidFill>
-              <a:latin typeface="华文楷体" panose="02010600040101010101" pitchFamily="2" charset="-122"/>
-              <a:ea typeface="华文楷体" panose="02010600040101010101" pitchFamily="2" charset="-122"/>
-            </a:endParaRPr>
           </a:p>
         </p:txBody>
       </p:sp>
@@ -25417,6 +26403,43 @@
           </a:p>
         </p:txBody>
       </p:sp>
+      <p:pic>
+        <p:nvPicPr>
+          <p:cNvPr id="16" name="图片 15">
+            <a:extLst>
+              <a:ext uri="{FF2B5EF4-FFF2-40B4-BE49-F238E27FC236}">
+                <a16:creationId xmlns:a16="http://schemas.microsoft.com/office/drawing/2014/main" id="{43391371-E5A8-4C36-AAA3-46AFC4AE8950}"/>
+              </a:ext>
+            </a:extLst>
+          </p:cNvPr>
+          <p:cNvPicPr>
+            <a:picLocks noChangeAspect="1"/>
+          </p:cNvPicPr>
+          <p:nvPr/>
+        </p:nvPicPr>
+        <p:blipFill rotWithShape="1">
+          <a:blip r:embed="rId10">
+            <a:duotone>
+              <a:schemeClr val="bg2">
+                <a:shade val="45000"/>
+                <a:satMod val="135000"/>
+              </a:schemeClr>
+              <a:prstClr val="white"/>
+            </a:duotone>
+          </a:blip>
+          <a:srcRect t="-8375" r="69791"/>
+          <a:stretch/>
+        </p:blipFill>
+        <p:spPr>
+          <a:xfrm>
+            <a:off x="9913955" y="4136066"/>
+            <a:ext cx="3769087" cy="3644263"/>
+          </a:xfrm>
+          <a:prstGeom prst="rect">
+            <a:avLst/>
+          </a:prstGeom>
+        </p:spPr>
+      </p:pic>
     </p:spTree>
     <p:custDataLst>
       <p:tags r:id="rId1"/>
@@ -25672,23 +26695,27 @@
             <a:r>
               <a:rPr lang="zh-CN" altLang="en-US" sz="3600" b="1" dirty="0">
                 <a:solidFill>
-                  <a:schemeClr val="tx1">
-                    <a:lumMod val="75000"/>
-                    <a:lumOff val="25000"/>
-                  </a:schemeClr>
+                  <a:srgbClr val="C55A11"/>
                 </a:solidFill>
                 <a:latin typeface="华文楷体" panose="02010600040101010101" pitchFamily="2" charset="-122"/>
                 <a:ea typeface="华文楷体" panose="02010600040101010101" pitchFamily="2" charset="-122"/>
               </a:rPr>
-              <a:t>多任务学习（</a:t>
+              <a:t>多任务</a:t>
+            </a:r>
+            <a:r>
+              <a:rPr lang="zh-CN" altLang="en-US" sz="3600" b="1">
+                <a:solidFill>
+                  <a:srgbClr val="C55A11"/>
+                </a:solidFill>
+                <a:latin typeface="华文楷体" panose="02010600040101010101" pitchFamily="2" charset="-122"/>
+                <a:ea typeface="华文楷体" panose="02010600040101010101" pitchFamily="2" charset="-122"/>
+              </a:rPr>
+              <a:t>学习（</a:t>
             </a:r>
             <a:r>
               <a:rPr lang="en-US" altLang="zh-CN" sz="3600" b="1" dirty="0">
                 <a:solidFill>
-                  <a:schemeClr val="tx1">
-                    <a:lumMod val="75000"/>
-                    <a:lumOff val="25000"/>
-                  </a:schemeClr>
+                  <a:srgbClr val="C55A11"/>
                 </a:solidFill>
                 <a:latin typeface="华文楷体" panose="02010600040101010101" pitchFamily="2" charset="-122"/>
                 <a:ea typeface="华文楷体" panose="02010600040101010101" pitchFamily="2" charset="-122"/>
@@ -25698,23 +26725,13 @@
             <a:r>
               <a:rPr lang="zh-CN" altLang="en-US" sz="3600" b="1" dirty="0">
                 <a:solidFill>
-                  <a:schemeClr val="tx1">
-                    <a:lumMod val="75000"/>
-                    <a:lumOff val="25000"/>
-                  </a:schemeClr>
+                  <a:srgbClr val="C55A11"/>
                 </a:solidFill>
                 <a:latin typeface="华文楷体" panose="02010600040101010101" pitchFamily="2" charset="-122"/>
                 <a:ea typeface="华文楷体" panose="02010600040101010101" pitchFamily="2" charset="-122"/>
               </a:rPr>
               <a:t>）</a:t>
             </a:r>
-            <a:endParaRPr lang="zh-CN" altLang="en-US" sz="3600" b="1" dirty="0">
-              <a:solidFill>
-                <a:srgbClr val="C55A11"/>
-              </a:solidFill>
-              <a:latin typeface="华文楷体" panose="02010600040101010101" pitchFamily="2" charset="-122"/>
-              <a:ea typeface="华文楷体" panose="02010600040101010101" pitchFamily="2" charset="-122"/>
-            </a:endParaRPr>
           </a:p>
         </p:txBody>
       </p:sp>
@@ -26326,6 +27343,30 @@
 </file>
 
 <file path=ppt/tags/tag142.xml><?xml version="1.0" encoding="utf-8"?>
+<p:tagLst xmlns:a="http://schemas.openxmlformats.org/drawingml/2006/main" xmlns:r="http://schemas.openxmlformats.org/officeDocument/2006/relationships" xmlns:p="http://schemas.openxmlformats.org/presentationml/2006/main">
+  <p:tag name="TIMING" val="|28.4"/>
+</p:tagLst>
+</file>
+
+<file path=ppt/tags/tag143.xml><?xml version="1.0" encoding="utf-8"?>
+<p:tagLst xmlns:a="http://schemas.openxmlformats.org/drawingml/2006/main" xmlns:r="http://schemas.openxmlformats.org/officeDocument/2006/relationships" xmlns:p="http://schemas.openxmlformats.org/presentationml/2006/main">
+  <p:tag name="PA" val="v4.0.0"/>
+</p:tagLst>
+</file>
+
+<file path=ppt/tags/tag144.xml><?xml version="1.0" encoding="utf-8"?>
+<p:tagLst xmlns:a="http://schemas.openxmlformats.org/drawingml/2006/main" xmlns:r="http://schemas.openxmlformats.org/officeDocument/2006/relationships" xmlns:p="http://schemas.openxmlformats.org/presentationml/2006/main">
+  <p:tag name="PA" val="v4.0.0"/>
+</p:tagLst>
+</file>
+
+<file path=ppt/tags/tag145.xml><?xml version="1.0" encoding="utf-8"?>
+<p:tagLst xmlns:a="http://schemas.openxmlformats.org/drawingml/2006/main" xmlns:r="http://schemas.openxmlformats.org/officeDocument/2006/relationships" xmlns:p="http://schemas.openxmlformats.org/presentationml/2006/main">
+  <p:tag name="PA" val="v4.0.0"/>
+</p:tagLst>
+</file>
+
+<file path=ppt/tags/tag146.xml><?xml version="1.0" encoding="utf-8"?>
 <p:tagLst xmlns:a="http://schemas.openxmlformats.org/drawingml/2006/main" xmlns:r="http://schemas.openxmlformats.org/officeDocument/2006/relationships" xmlns:p="http://schemas.openxmlformats.org/presentationml/2006/main">
   <p:tag name="PA" val="v4.0.0"/>
 </p:tagLst>

--- a/materials/毕业设计答辩.pptx
+++ b/materials/毕业设计答辩.pptx
@@ -23280,7 +23280,7 @@
         <p:spPr>
           <a:xfrm>
             <a:off x="181821" y="1287077"/>
-            <a:ext cx="11576169" cy="4555093"/>
+            <a:ext cx="11576169" cy="5201424"/>
           </a:xfrm>
           <a:prstGeom prst="rect">
             <a:avLst/>
@@ -23327,11 +23327,18 @@
               <a:buChar char="•"/>
             </a:pPr>
             <a:r>
+              <a:rPr lang="en-US" altLang="zh-CN" sz="2800">
+                <a:latin typeface="华文楷体" panose="02010600040101010101" pitchFamily="2" charset="-122"/>
+                <a:ea typeface="华文楷体" panose="02010600040101010101" pitchFamily="2" charset="-122"/>
+              </a:rPr>
+              <a:t>To my best knowledge</a:t>
+            </a:r>
+            <a:r>
               <a:rPr lang="zh-CN" altLang="en-US" sz="2800">
                 <a:latin typeface="华文楷体" panose="02010600040101010101" pitchFamily="2" charset="-122"/>
                 <a:ea typeface="华文楷体" panose="02010600040101010101" pitchFamily="2" charset="-122"/>
               </a:rPr>
-              <a:t>本文是首次较为系统地研究</a:t>
+              <a:t>，本文是首次较为系统地研究</a:t>
             </a:r>
             <a:r>
               <a:rPr lang="en-US" altLang="zh-CN" sz="2800">
